--- a/Educational_game_2.pptx
+++ b/Educational_game_2.pptx
@@ -4,16 +4,18 @@
   <p:sldMasterIdLst>
     <p:sldMasterId id="2147483660" r:id="rId1"/>
   </p:sldMasterIdLst>
+  <p:notesMasterIdLst>
+    <p:notesMasterId r:id="rId10"/>
+  </p:notesMasterIdLst>
   <p:sldIdLst>
     <p:sldId id="256" r:id="rId2"/>
     <p:sldId id="265" r:id="rId3"/>
     <p:sldId id="257" r:id="rId4"/>
-    <p:sldId id="258" r:id="rId5"/>
-    <p:sldId id="259" r:id="rId6"/>
-    <p:sldId id="260" r:id="rId7"/>
-    <p:sldId id="261" r:id="rId8"/>
-    <p:sldId id="262" r:id="rId9"/>
-    <p:sldId id="264" r:id="rId10"/>
+    <p:sldId id="266" r:id="rId5"/>
+    <p:sldId id="267" r:id="rId6"/>
+    <p:sldId id="268" r:id="rId7"/>
+    <p:sldId id="269" r:id="rId8"/>
+    <p:sldId id="264" r:id="rId9"/>
   </p:sldIdLst>
   <p:sldSz cx="12192000" cy="6858000"/>
   <p:notesSz cx="6858000" cy="9144000"/>
@@ -118,6 +120,356 @@
     </p:ext>
   </p:extLst>
 </p:presentation>
+</file>
+
+<file path=ppt/notesMasters/notesMaster1.xml><?xml version="1.0" encoding="utf-8"?>
+<p:notesMaster xmlns:a="http://schemas.openxmlformats.org/drawingml/2006/main" xmlns:r="http://schemas.openxmlformats.org/officeDocument/2006/relationships" xmlns:p="http://schemas.openxmlformats.org/presentationml/2006/main">
+  <p:cSld>
+    <p:bg>
+      <p:bgRef idx="1001">
+        <a:schemeClr val="bg1"/>
+      </p:bgRef>
+    </p:bg>
+    <p:spTree>
+      <p:nvGrpSpPr>
+        <p:cNvPr id="1" name=""/>
+        <p:cNvGrpSpPr/>
+        <p:nvPr/>
+      </p:nvGrpSpPr>
+      <p:grpSpPr>
+        <a:xfrm>
+          <a:off x="0" y="0"/>
+          <a:ext cx="0" cy="0"/>
+          <a:chOff x="0" y="0"/>
+          <a:chExt cx="0" cy="0"/>
+        </a:xfrm>
+      </p:grpSpPr>
+      <p:sp>
+        <p:nvSpPr>
+          <p:cNvPr id="2" name="Tijdelijke aanduiding voor koptekst 1"/>
+          <p:cNvSpPr>
+            <a:spLocks noGrp="1"/>
+          </p:cNvSpPr>
+          <p:nvPr>
+            <p:ph type="hdr" sz="quarter"/>
+          </p:nvPr>
+        </p:nvSpPr>
+        <p:spPr>
+          <a:xfrm>
+            <a:off x="0" y="0"/>
+            <a:ext cx="2971800" cy="458788"/>
+          </a:xfrm>
+          <a:prstGeom prst="rect">
+            <a:avLst/>
+          </a:prstGeom>
+        </p:spPr>
+        <p:txBody>
+          <a:bodyPr vert="horz" lIns="91440" tIns="45720" rIns="91440" bIns="45720" rtlCol="0"/>
+          <a:lstStyle>
+            <a:lvl1pPr algn="l">
+              <a:defRPr sz="1200"/>
+            </a:lvl1pPr>
+          </a:lstStyle>
+          <a:p>
+            <a:endParaRPr lang="nl-BE"/>
+          </a:p>
+        </p:txBody>
+      </p:sp>
+      <p:sp>
+        <p:nvSpPr>
+          <p:cNvPr id="3" name="Tijdelijke aanduiding voor datum 2"/>
+          <p:cNvSpPr>
+            <a:spLocks noGrp="1"/>
+          </p:cNvSpPr>
+          <p:nvPr>
+            <p:ph type="dt" idx="1"/>
+          </p:nvPr>
+        </p:nvSpPr>
+        <p:spPr>
+          <a:xfrm>
+            <a:off x="3884613" y="0"/>
+            <a:ext cx="2971800" cy="458788"/>
+          </a:xfrm>
+          <a:prstGeom prst="rect">
+            <a:avLst/>
+          </a:prstGeom>
+        </p:spPr>
+        <p:txBody>
+          <a:bodyPr vert="horz" lIns="91440" tIns="45720" rIns="91440" bIns="45720" rtlCol="0"/>
+          <a:lstStyle>
+            <a:lvl1pPr algn="r">
+              <a:defRPr sz="1200"/>
+            </a:lvl1pPr>
+          </a:lstStyle>
+          <a:p>
+            <a:fld id="{2EF5C7FB-304D-45A2-B1C7-5D3D2BDAD6C4}" type="datetimeFigureOut">
+              <a:rPr lang="nl-BE" smtClean="0"/>
+              <a:t>29/04/2024</a:t>
+            </a:fld>
+            <a:endParaRPr lang="nl-BE"/>
+          </a:p>
+        </p:txBody>
+      </p:sp>
+      <p:sp>
+        <p:nvSpPr>
+          <p:cNvPr id="4" name="Tijdelijke aanduiding voor dia-afbeelding 3"/>
+          <p:cNvSpPr>
+            <a:spLocks noGrp="1" noRot="1" noChangeAspect="1"/>
+          </p:cNvSpPr>
+          <p:nvPr>
+            <p:ph type="sldImg" idx="2"/>
+          </p:nvPr>
+        </p:nvSpPr>
+        <p:spPr>
+          <a:xfrm>
+            <a:off x="685800" y="1143000"/>
+            <a:ext cx="5486400" cy="3086100"/>
+          </a:xfrm>
+          <a:prstGeom prst="rect">
+            <a:avLst/>
+          </a:prstGeom>
+          <a:noFill/>
+          <a:ln w="12700">
+            <a:solidFill>
+              <a:prstClr val="black"/>
+            </a:solidFill>
+          </a:ln>
+        </p:spPr>
+        <p:txBody>
+          <a:bodyPr vert="horz" lIns="91440" tIns="45720" rIns="91440" bIns="45720" rtlCol="0" anchor="ctr"/>
+          <a:lstStyle/>
+          <a:p>
+            <a:endParaRPr lang="nl-BE"/>
+          </a:p>
+        </p:txBody>
+      </p:sp>
+      <p:sp>
+        <p:nvSpPr>
+          <p:cNvPr id="5" name="Tijdelijke aanduiding voor notities 4"/>
+          <p:cNvSpPr>
+            <a:spLocks noGrp="1"/>
+          </p:cNvSpPr>
+          <p:nvPr>
+            <p:ph type="body" sz="quarter" idx="3"/>
+          </p:nvPr>
+        </p:nvSpPr>
+        <p:spPr>
+          <a:xfrm>
+            <a:off x="685800" y="4400550"/>
+            <a:ext cx="5486400" cy="3600450"/>
+          </a:xfrm>
+          <a:prstGeom prst="rect">
+            <a:avLst/>
+          </a:prstGeom>
+        </p:spPr>
+        <p:txBody>
+          <a:bodyPr vert="horz" lIns="91440" tIns="45720" rIns="91440" bIns="45720" rtlCol="0"/>
+          <a:lstStyle/>
+          <a:p>
+            <a:pPr lvl="0"/>
+            <a:r>
+              <a:rPr lang="nl-NL"/>
+              <a:t>Klikken om de tekststijl van het model te bewerken</a:t>
+            </a:r>
+          </a:p>
+          <a:p>
+            <a:pPr lvl="1"/>
+            <a:r>
+              <a:rPr lang="nl-NL"/>
+              <a:t>Tweede niveau</a:t>
+            </a:r>
+          </a:p>
+          <a:p>
+            <a:pPr lvl="2"/>
+            <a:r>
+              <a:rPr lang="nl-NL"/>
+              <a:t>Derde niveau</a:t>
+            </a:r>
+          </a:p>
+          <a:p>
+            <a:pPr lvl="3"/>
+            <a:r>
+              <a:rPr lang="nl-NL"/>
+              <a:t>Vierde niveau</a:t>
+            </a:r>
+          </a:p>
+          <a:p>
+            <a:pPr lvl="4"/>
+            <a:r>
+              <a:rPr lang="nl-NL"/>
+              <a:t>Vijfde niveau</a:t>
+            </a:r>
+            <a:endParaRPr lang="nl-BE"/>
+          </a:p>
+        </p:txBody>
+      </p:sp>
+      <p:sp>
+        <p:nvSpPr>
+          <p:cNvPr id="6" name="Tijdelijke aanduiding voor voettekst 5"/>
+          <p:cNvSpPr>
+            <a:spLocks noGrp="1"/>
+          </p:cNvSpPr>
+          <p:nvPr>
+            <p:ph type="ftr" sz="quarter" idx="4"/>
+          </p:nvPr>
+        </p:nvSpPr>
+        <p:spPr>
+          <a:xfrm>
+            <a:off x="0" y="8685213"/>
+            <a:ext cx="2971800" cy="458787"/>
+          </a:xfrm>
+          <a:prstGeom prst="rect">
+            <a:avLst/>
+          </a:prstGeom>
+        </p:spPr>
+        <p:txBody>
+          <a:bodyPr vert="horz" lIns="91440" tIns="45720" rIns="91440" bIns="45720" rtlCol="0" anchor="b"/>
+          <a:lstStyle>
+            <a:lvl1pPr algn="l">
+              <a:defRPr sz="1200"/>
+            </a:lvl1pPr>
+          </a:lstStyle>
+          <a:p>
+            <a:endParaRPr lang="nl-BE"/>
+          </a:p>
+        </p:txBody>
+      </p:sp>
+      <p:sp>
+        <p:nvSpPr>
+          <p:cNvPr id="7" name="Tijdelijke aanduiding voor dianummer 6"/>
+          <p:cNvSpPr>
+            <a:spLocks noGrp="1"/>
+          </p:cNvSpPr>
+          <p:nvPr>
+            <p:ph type="sldNum" sz="quarter" idx="5"/>
+          </p:nvPr>
+        </p:nvSpPr>
+        <p:spPr>
+          <a:xfrm>
+            <a:off x="3884613" y="8685213"/>
+            <a:ext cx="2971800" cy="458787"/>
+          </a:xfrm>
+          <a:prstGeom prst="rect">
+            <a:avLst/>
+          </a:prstGeom>
+        </p:spPr>
+        <p:txBody>
+          <a:bodyPr vert="horz" lIns="91440" tIns="45720" rIns="91440" bIns="45720" rtlCol="0" anchor="b"/>
+          <a:lstStyle>
+            <a:lvl1pPr algn="r">
+              <a:defRPr sz="1200"/>
+            </a:lvl1pPr>
+          </a:lstStyle>
+          <a:p>
+            <a:fld id="{4837DD52-FE85-4CC3-91E5-8309CA391F2D}" type="slidenum">
+              <a:rPr lang="nl-BE" smtClean="0"/>
+              <a:t>‹nr.›</a:t>
+            </a:fld>
+            <a:endParaRPr lang="nl-BE"/>
+          </a:p>
+        </p:txBody>
+      </p:sp>
+    </p:spTree>
+    <p:extLst>
+      <p:ext uri="{BB962C8B-B14F-4D97-AF65-F5344CB8AC3E}">
+        <p14:creationId xmlns:p14="http://schemas.microsoft.com/office/powerpoint/2010/main" val="2432011847"/>
+      </p:ext>
+    </p:extLst>
+  </p:cSld>
+  <p:clrMap bg1="lt1" tx1="dk1" bg2="lt2" tx2="dk2" accent1="accent1" accent2="accent2" accent3="accent3" accent4="accent4" accent5="accent5" accent6="accent6" hlink="hlink" folHlink="folHlink"/>
+  <p:notesStyle>
+    <a:lvl1pPr marL="0" algn="l" defTabSz="914400" rtl="0" eaLnBrk="1" latinLnBrk="0" hangingPunct="1">
+      <a:defRPr sz="1200" kern="1200">
+        <a:solidFill>
+          <a:schemeClr val="tx1"/>
+        </a:solidFill>
+        <a:latin typeface="+mn-lt"/>
+        <a:ea typeface="+mn-ea"/>
+        <a:cs typeface="+mn-cs"/>
+      </a:defRPr>
+    </a:lvl1pPr>
+    <a:lvl2pPr marL="457200" algn="l" defTabSz="914400" rtl="0" eaLnBrk="1" latinLnBrk="0" hangingPunct="1">
+      <a:defRPr sz="1200" kern="1200">
+        <a:solidFill>
+          <a:schemeClr val="tx1"/>
+        </a:solidFill>
+        <a:latin typeface="+mn-lt"/>
+        <a:ea typeface="+mn-ea"/>
+        <a:cs typeface="+mn-cs"/>
+      </a:defRPr>
+    </a:lvl2pPr>
+    <a:lvl3pPr marL="914400" algn="l" defTabSz="914400" rtl="0" eaLnBrk="1" latinLnBrk="0" hangingPunct="1">
+      <a:defRPr sz="1200" kern="1200">
+        <a:solidFill>
+          <a:schemeClr val="tx1"/>
+        </a:solidFill>
+        <a:latin typeface="+mn-lt"/>
+        <a:ea typeface="+mn-ea"/>
+        <a:cs typeface="+mn-cs"/>
+      </a:defRPr>
+    </a:lvl3pPr>
+    <a:lvl4pPr marL="1371600" algn="l" defTabSz="914400" rtl="0" eaLnBrk="1" latinLnBrk="0" hangingPunct="1">
+      <a:defRPr sz="1200" kern="1200">
+        <a:solidFill>
+          <a:schemeClr val="tx1"/>
+        </a:solidFill>
+        <a:latin typeface="+mn-lt"/>
+        <a:ea typeface="+mn-ea"/>
+        <a:cs typeface="+mn-cs"/>
+      </a:defRPr>
+    </a:lvl4pPr>
+    <a:lvl5pPr marL="1828800" algn="l" defTabSz="914400" rtl="0" eaLnBrk="1" latinLnBrk="0" hangingPunct="1">
+      <a:defRPr sz="1200" kern="1200">
+        <a:solidFill>
+          <a:schemeClr val="tx1"/>
+        </a:solidFill>
+        <a:latin typeface="+mn-lt"/>
+        <a:ea typeface="+mn-ea"/>
+        <a:cs typeface="+mn-cs"/>
+      </a:defRPr>
+    </a:lvl5pPr>
+    <a:lvl6pPr marL="2286000" algn="l" defTabSz="914400" rtl="0" eaLnBrk="1" latinLnBrk="0" hangingPunct="1">
+      <a:defRPr sz="1200" kern="1200">
+        <a:solidFill>
+          <a:schemeClr val="tx1"/>
+        </a:solidFill>
+        <a:latin typeface="+mn-lt"/>
+        <a:ea typeface="+mn-ea"/>
+        <a:cs typeface="+mn-cs"/>
+      </a:defRPr>
+    </a:lvl6pPr>
+    <a:lvl7pPr marL="2743200" algn="l" defTabSz="914400" rtl="0" eaLnBrk="1" latinLnBrk="0" hangingPunct="1">
+      <a:defRPr sz="1200" kern="1200">
+        <a:solidFill>
+          <a:schemeClr val="tx1"/>
+        </a:solidFill>
+        <a:latin typeface="+mn-lt"/>
+        <a:ea typeface="+mn-ea"/>
+        <a:cs typeface="+mn-cs"/>
+      </a:defRPr>
+    </a:lvl7pPr>
+    <a:lvl8pPr marL="3200400" algn="l" defTabSz="914400" rtl="0" eaLnBrk="1" latinLnBrk="0" hangingPunct="1">
+      <a:defRPr sz="1200" kern="1200">
+        <a:solidFill>
+          <a:schemeClr val="tx1"/>
+        </a:solidFill>
+        <a:latin typeface="+mn-lt"/>
+        <a:ea typeface="+mn-ea"/>
+        <a:cs typeface="+mn-cs"/>
+      </a:defRPr>
+    </a:lvl8pPr>
+    <a:lvl9pPr marL="3657600" algn="l" defTabSz="914400" rtl="0" eaLnBrk="1" latinLnBrk="0" hangingPunct="1">
+      <a:defRPr sz="1200" kern="1200">
+        <a:solidFill>
+          <a:schemeClr val="tx1"/>
+        </a:solidFill>
+        <a:latin typeface="+mn-lt"/>
+        <a:ea typeface="+mn-ea"/>
+        <a:cs typeface="+mn-cs"/>
+      </a:defRPr>
+    </a:lvl9pPr>
+  </p:notesStyle>
+</p:notesMaster>
 </file>
 
 <file path=ppt/slideLayouts/slideLayout1.xml><?xml version="1.0" encoding="utf-8"?>
@@ -5555,7 +5907,7 @@
         </p:nvSpPr>
         <p:spPr>
           <a:xfrm>
-            <a:off x="758640" y="723407"/>
+            <a:off x="581659" y="581822"/>
             <a:ext cx="8534400" cy="1507067"/>
           </a:xfrm>
         </p:spPr>
@@ -5564,37 +5916,41 @@
           <a:lstStyle/>
           <a:p>
             <a:r>
+              <a:rPr lang="nl-BE" dirty="0" err="1"/>
+              <a:t>who</a:t>
+            </a:r>
+            <a:r>
               <a:rPr lang="nl-BE" dirty="0"/>
-              <a:t>How are we</a:t>
-            </a:r>
-          </a:p>
-        </p:txBody>
-      </p:sp>
-      <p:sp>
-        <p:nvSpPr>
-          <p:cNvPr id="3" name="Tijdelijke aanduiding voor inhoud 2">
+              <a:t> are we</a:t>
+            </a:r>
+          </a:p>
+        </p:txBody>
+      </p:sp>
+      <p:sp>
+        <p:nvSpPr>
+          <p:cNvPr id="4" name="Tekstvak 3">
             <a:extLst>
               <a:ext uri="{FF2B5EF4-FFF2-40B4-BE49-F238E27FC236}">
-                <a16:creationId xmlns:a16="http://schemas.microsoft.com/office/drawing/2014/main" id="{D7C49C26-9170-F6D1-7BC9-FD0BD697A895}"/>
+                <a16:creationId xmlns:a16="http://schemas.microsoft.com/office/drawing/2014/main" id="{E65D1132-9760-E783-2E32-59DA111E7CF8}"/>
               </a:ext>
             </a:extLst>
           </p:cNvPr>
-          <p:cNvSpPr>
-            <a:spLocks noGrp="1"/>
-          </p:cNvSpPr>
-          <p:nvPr>
-            <p:ph idx="1"/>
-          </p:nvPr>
+          <p:cNvSpPr txBox="1"/>
+          <p:nvPr/>
         </p:nvSpPr>
         <p:spPr>
           <a:xfrm>
-            <a:off x="758640" y="2610294"/>
-            <a:ext cx="8534400" cy="3615267"/>
+            <a:off x="1185770" y="2469751"/>
+            <a:ext cx="1925527" cy="615553"/>
           </a:xfrm>
+          <a:prstGeom prst="rect">
+            <a:avLst/>
+          </a:prstGeom>
+          <a:noFill/>
         </p:spPr>
         <p:txBody>
-          <a:bodyPr>
-            <a:normAutofit fontScale="92500" lnSpcReduction="10000"/>
+          <a:bodyPr wrap="none" rtlCol="0">
+            <a:spAutoFit/>
           </a:bodyPr>
           <a:lstStyle/>
           <a:p>
@@ -5606,19 +5962,60 @@
               <a:rPr lang="nl-BE" dirty="0" err="1"/>
               <a:t>Belderbos</a:t>
             </a:r>
-            <a:br>
-              <a:rPr lang="nl-BE" dirty="0"/>
-            </a:br>
-            <a:r>
-              <a:rPr lang="nl-BE" dirty="0"/>
-              <a:t>-</a:t>
-            </a:r>
-            <a:r>
-              <a:rPr lang="nl-BE" dirty="0" err="1"/>
+            <a:endParaRPr lang="nl-BE" dirty="0"/>
+          </a:p>
+          <a:p>
+            <a:pPr marL="342900" indent="-342900">
+              <a:buFont typeface="Arial" panose="020B0604020202020204" pitchFamily="34" charset="0"/>
+              <a:buChar char="•"/>
+            </a:pPr>
+            <a:r>
+              <a:rPr lang="nl-BE" sz="1600" dirty="0" err="1">
+                <a:solidFill>
+                  <a:schemeClr val="bg2">
+                    <a:lumMod val="50000"/>
+                  </a:schemeClr>
+                </a:solidFill>
+              </a:rPr>
               <a:t>programming</a:t>
             </a:r>
-            <a:endParaRPr lang="nl-BE" dirty="0"/>
-          </a:p>
+            <a:endParaRPr lang="nl-BE" sz="1600" dirty="0">
+              <a:solidFill>
+                <a:schemeClr val="bg2">
+                  <a:lumMod val="50000"/>
+                </a:schemeClr>
+              </a:solidFill>
+            </a:endParaRPr>
+          </a:p>
+        </p:txBody>
+      </p:sp>
+      <p:sp>
+        <p:nvSpPr>
+          <p:cNvPr id="6" name="Tekstvak 5">
+            <a:extLst>
+              <a:ext uri="{FF2B5EF4-FFF2-40B4-BE49-F238E27FC236}">
+                <a16:creationId xmlns:a16="http://schemas.microsoft.com/office/drawing/2014/main" id="{52B1FD73-9892-6888-4CA5-99336E02F69E}"/>
+              </a:ext>
+            </a:extLst>
+          </p:cNvPr>
+          <p:cNvSpPr txBox="1"/>
+          <p:nvPr/>
+        </p:nvSpPr>
+        <p:spPr>
+          <a:xfrm>
+            <a:off x="1185770" y="4122781"/>
+            <a:ext cx="3303639" cy="1107996"/>
+          </a:xfrm>
+          <a:prstGeom prst="rect">
+            <a:avLst/>
+          </a:prstGeom>
+          <a:noFill/>
+        </p:spPr>
+        <p:txBody>
+          <a:bodyPr wrap="square">
+            <a:spAutoFit/>
+          </a:bodyPr>
+          <a:lstStyle/>
           <a:p>
             <a:r>
               <a:rPr lang="nl-BE" dirty="0"/>
@@ -5628,86 +6025,227 @@
               <a:rPr lang="nl-BE" dirty="0" err="1"/>
               <a:t>Wispelaere</a:t>
             </a:r>
-            <a:br>
-              <a:rPr lang="nl-BE" dirty="0"/>
-            </a:br>
-            <a:r>
-              <a:rPr lang="nl-BE" dirty="0"/>
-              <a:t>-</a:t>
-            </a:r>
-            <a:r>
-              <a:rPr lang="nl-BE" dirty="0" err="1"/>
+            <a:endParaRPr lang="nl-BE" dirty="0"/>
+          </a:p>
+          <a:p>
+            <a:pPr marL="342900" indent="-342900">
+              <a:buFont typeface="Arial" panose="020B0604020202020204" pitchFamily="34" charset="0"/>
+              <a:buChar char="•"/>
+            </a:pPr>
+            <a:r>
+              <a:rPr lang="nl-BE" sz="1600" dirty="0" err="1">
+                <a:solidFill>
+                  <a:schemeClr val="bg2">
+                    <a:lumMod val="50000"/>
+                  </a:schemeClr>
+                </a:solidFill>
+              </a:rPr>
               <a:t>programming</a:t>
             </a:r>
-            <a:br>
-              <a:rPr lang="nl-BE" dirty="0"/>
-            </a:br>
-            <a:r>
-              <a:rPr lang="nl-BE" dirty="0"/>
-              <a:t>-</a:t>
-            </a:r>
-            <a:r>
-              <a:rPr lang="nl-BE" dirty="0" err="1"/>
+            <a:endParaRPr lang="nl-BE" sz="1600" dirty="0">
+              <a:solidFill>
+                <a:schemeClr val="bg2">
+                  <a:lumMod val="50000"/>
+                </a:schemeClr>
+              </a:solidFill>
+            </a:endParaRPr>
+          </a:p>
+          <a:p>
+            <a:pPr marL="342900" indent="-342900">
+              <a:buFont typeface="Arial" panose="020B0604020202020204" pitchFamily="34" charset="0"/>
+              <a:buChar char="•"/>
+            </a:pPr>
+            <a:r>
+              <a:rPr lang="nl-BE" sz="1600" dirty="0" err="1">
+                <a:solidFill>
+                  <a:schemeClr val="bg2">
+                    <a:lumMod val="50000"/>
+                  </a:schemeClr>
+                </a:solidFill>
+              </a:rPr>
               <a:t>documentation</a:t>
             </a:r>
-            <a:br>
-              <a:rPr lang="nl-BE" dirty="0"/>
-            </a:br>
-            <a:r>
-              <a:rPr lang="nl-BE" dirty="0"/>
-              <a:t>-</a:t>
-            </a:r>
-            <a:r>
-              <a:rPr lang="nl-BE" dirty="0" err="1"/>
+            <a:endParaRPr lang="nl-BE" sz="1600" dirty="0">
+              <a:solidFill>
+                <a:schemeClr val="bg2">
+                  <a:lumMod val="50000"/>
+                </a:schemeClr>
+              </a:solidFill>
+            </a:endParaRPr>
+          </a:p>
+          <a:p>
+            <a:pPr marL="342900" indent="-342900">
+              <a:buFont typeface="Arial" panose="020B0604020202020204" pitchFamily="34" charset="0"/>
+              <a:buChar char="•"/>
+            </a:pPr>
+            <a:r>
+              <a:rPr lang="nl-BE" sz="1600" dirty="0" err="1">
+                <a:solidFill>
+                  <a:schemeClr val="bg2">
+                    <a:lumMod val="50000"/>
+                  </a:schemeClr>
+                </a:solidFill>
+              </a:rPr>
               <a:t>educational</a:t>
             </a:r>
             <a:r>
-              <a:rPr lang="nl-BE" dirty="0"/>
+              <a:rPr lang="nl-BE" sz="1600" dirty="0">
+                <a:solidFill>
+                  <a:schemeClr val="bg2">
+                    <a:lumMod val="50000"/>
+                  </a:schemeClr>
+                </a:solidFill>
+              </a:rPr>
               <a:t> </a:t>
             </a:r>
             <a:r>
-              <a:rPr lang="nl-BE" dirty="0" err="1"/>
+              <a:rPr lang="nl-BE" sz="1600" dirty="0" err="1">
+                <a:solidFill>
+                  <a:schemeClr val="bg2">
+                    <a:lumMod val="50000"/>
+                  </a:schemeClr>
+                </a:solidFill>
+              </a:rPr>
               <a:t>videos</a:t>
             </a:r>
-            <a:endParaRPr lang="nl-BE" dirty="0"/>
-          </a:p>
+            <a:endParaRPr lang="nl-BE" sz="1600" dirty="0">
+              <a:solidFill>
+                <a:schemeClr val="bg2">
+                  <a:lumMod val="50000"/>
+                </a:schemeClr>
+              </a:solidFill>
+            </a:endParaRPr>
+          </a:p>
+        </p:txBody>
+      </p:sp>
+      <p:sp>
+        <p:nvSpPr>
+          <p:cNvPr id="8" name="Tekstvak 7">
+            <a:extLst>
+              <a:ext uri="{FF2B5EF4-FFF2-40B4-BE49-F238E27FC236}">
+                <a16:creationId xmlns:a16="http://schemas.microsoft.com/office/drawing/2014/main" id="{BCD26A11-4BC7-C628-01EE-3646A9D2F065}"/>
+              </a:ext>
+            </a:extLst>
+          </p:cNvPr>
+          <p:cNvSpPr txBox="1"/>
+          <p:nvPr/>
+        </p:nvSpPr>
+        <p:spPr>
+          <a:xfrm>
+            <a:off x="5760719" y="2469751"/>
+            <a:ext cx="2858238" cy="861774"/>
+          </a:xfrm>
+          <a:prstGeom prst="rect">
+            <a:avLst/>
+          </a:prstGeom>
+          <a:noFill/>
+        </p:spPr>
+        <p:txBody>
+          <a:bodyPr wrap="square">
+            <a:spAutoFit/>
+          </a:bodyPr>
+          <a:lstStyle/>
           <a:p>
             <a:r>
               <a:rPr lang="nl-BE" dirty="0"/>
               <a:t>Nikita Vandecasteele</a:t>
             </a:r>
-            <a:br>
-              <a:rPr lang="nl-BE" dirty="0"/>
-            </a:br>
-            <a:r>
-              <a:rPr lang="nl-BE" dirty="0"/>
-              <a:t>-</a:t>
-            </a:r>
-            <a:r>
-              <a:rPr lang="nl-BE" dirty="0" err="1"/>
+          </a:p>
+          <a:p>
+            <a:pPr marL="342900" indent="-342900">
+              <a:buFont typeface="Arial" panose="020B0604020202020204" pitchFamily="34" charset="0"/>
+              <a:buChar char="•"/>
+            </a:pPr>
+            <a:r>
+              <a:rPr lang="nl-BE" sz="1600" dirty="0" err="1">
+                <a:solidFill>
+                  <a:schemeClr val="bg2">
+                    <a:lumMod val="50000"/>
+                  </a:schemeClr>
+                </a:solidFill>
+              </a:rPr>
               <a:t>programming</a:t>
             </a:r>
-            <a:br>
-              <a:rPr lang="nl-BE" dirty="0"/>
-            </a:br>
-            <a:r>
-              <a:rPr lang="nl-BE" dirty="0"/>
-              <a:t>-</a:t>
-            </a:r>
-            <a:r>
-              <a:rPr lang="nl-BE" dirty="0" err="1"/>
+            <a:endParaRPr lang="nl-BE" sz="1600" dirty="0">
+              <a:solidFill>
+                <a:schemeClr val="bg2">
+                  <a:lumMod val="50000"/>
+                </a:schemeClr>
+              </a:solidFill>
+            </a:endParaRPr>
+          </a:p>
+          <a:p>
+            <a:pPr marL="342900" indent="-342900">
+              <a:buFont typeface="Arial" panose="020B0604020202020204" pitchFamily="34" charset="0"/>
+              <a:buChar char="•"/>
+            </a:pPr>
+            <a:r>
+              <a:rPr lang="nl-BE" sz="1600" dirty="0" err="1">
+                <a:solidFill>
+                  <a:schemeClr val="bg2">
+                    <a:lumMod val="50000"/>
+                  </a:schemeClr>
+                </a:solidFill>
+              </a:rPr>
               <a:t>drawing</a:t>
             </a:r>
             <a:r>
-              <a:rPr lang="nl-BE" dirty="0"/>
+              <a:rPr lang="nl-BE" sz="1600" dirty="0">
+                <a:solidFill>
+                  <a:schemeClr val="bg2">
+                    <a:lumMod val="50000"/>
+                  </a:schemeClr>
+                </a:solidFill>
+              </a:rPr>
               <a:t> </a:t>
             </a:r>
             <a:r>
-              <a:rPr lang="nl-BE" dirty="0" err="1"/>
-              <a:t>strites</a:t>
-            </a:r>
-            <a:endParaRPr lang="nl-BE" dirty="0"/>
-          </a:p>
+              <a:rPr lang="nl-BE" sz="1600" dirty="0" err="1">
+                <a:solidFill>
+                  <a:schemeClr val="bg2">
+                    <a:lumMod val="50000"/>
+                  </a:schemeClr>
+                </a:solidFill>
+              </a:rPr>
+              <a:t>sprites</a:t>
+            </a:r>
+            <a:endParaRPr lang="nl-BE" sz="1600" dirty="0">
+              <a:solidFill>
+                <a:schemeClr val="bg2">
+                  <a:lumMod val="50000"/>
+                </a:schemeClr>
+              </a:solidFill>
+            </a:endParaRPr>
+          </a:p>
+        </p:txBody>
+      </p:sp>
+      <p:sp>
+        <p:nvSpPr>
+          <p:cNvPr id="10" name="Tekstvak 9">
+            <a:extLst>
+              <a:ext uri="{FF2B5EF4-FFF2-40B4-BE49-F238E27FC236}">
+                <a16:creationId xmlns:a16="http://schemas.microsoft.com/office/drawing/2014/main" id="{E0BDE6A6-CCB6-4FA7-A85C-D8DA92BC92BD}"/>
+              </a:ext>
+            </a:extLst>
+          </p:cNvPr>
+          <p:cNvSpPr txBox="1"/>
+          <p:nvPr/>
+        </p:nvSpPr>
+        <p:spPr>
+          <a:xfrm>
+            <a:off x="5760719" y="4095840"/>
+            <a:ext cx="2252079" cy="615553"/>
+          </a:xfrm>
+          <a:prstGeom prst="rect">
+            <a:avLst/>
+          </a:prstGeom>
+          <a:noFill/>
+        </p:spPr>
+        <p:txBody>
+          <a:bodyPr wrap="square">
+            <a:spAutoFit/>
+          </a:bodyPr>
+          <a:lstStyle/>
           <a:p>
             <a:r>
               <a:rPr lang="nl-BE" dirty="0"/>
@@ -5717,18 +6255,30 @@
               <a:rPr lang="nl-BE" dirty="0" err="1"/>
               <a:t>Bossuyt</a:t>
             </a:r>
-            <a:br>
-              <a:rPr lang="nl-BE" dirty="0"/>
-            </a:br>
-            <a:r>
-              <a:rPr lang="nl-BE" dirty="0"/>
-              <a:t>- </a:t>
-            </a:r>
-            <a:r>
-              <a:rPr lang="nl-BE" dirty="0" err="1"/>
+            <a:endParaRPr lang="nl-BE" dirty="0"/>
+          </a:p>
+          <a:p>
+            <a:pPr marL="342900" indent="-342900">
+              <a:buFont typeface="Arial" panose="020B0604020202020204" pitchFamily="34" charset="0"/>
+              <a:buChar char="•"/>
+            </a:pPr>
+            <a:r>
+              <a:rPr lang="nl-BE" sz="1600" dirty="0" err="1">
+                <a:solidFill>
+                  <a:schemeClr val="bg2">
+                    <a:lumMod val="50000"/>
+                  </a:schemeClr>
+                </a:solidFill>
+              </a:rPr>
               <a:t>programming</a:t>
             </a:r>
-            <a:endParaRPr lang="nl-BE" dirty="0"/>
+            <a:endParaRPr lang="nl-BE" sz="1600" dirty="0">
+              <a:solidFill>
+                <a:schemeClr val="bg2">
+                  <a:lumMod val="50000"/>
+                </a:schemeClr>
+              </a:solidFill>
+            </a:endParaRPr>
           </a:p>
         </p:txBody>
       </p:sp>
@@ -5784,20 +6334,8 @@
           <a:lstStyle/>
           <a:p>
             <a:r>
-              <a:rPr lang="nl-BE" dirty="0" err="1"/>
-              <a:t>About</a:t>
-            </a:r>
-            <a:r>
               <a:rPr lang="nl-BE" dirty="0"/>
-              <a:t> </a:t>
-            </a:r>
-            <a:r>
-              <a:rPr lang="nl-BE" dirty="0" err="1"/>
-              <a:t>the</a:t>
-            </a:r>
-            <a:r>
-              <a:rPr lang="nl-BE" dirty="0"/>
-              <a:t> game</a:t>
+              <a:t>Het game</a:t>
             </a:r>
             <a:endParaRPr lang="LID4096" dirty="0"/>
           </a:p>
@@ -5821,13 +6359,13 @@
         </p:nvSpPr>
         <p:spPr>
           <a:xfrm>
-            <a:off x="684212" y="2691442"/>
-            <a:ext cx="8535988" cy="3302958"/>
+            <a:off x="684213" y="2691442"/>
+            <a:ext cx="8088128" cy="3302958"/>
           </a:xfrm>
         </p:spPr>
         <p:txBody>
           <a:bodyPr>
-            <a:normAutofit/>
+            <a:normAutofit fontScale="92500" lnSpcReduction="20000"/>
           </a:bodyPr>
           <a:lstStyle/>
           <a:p>
@@ -5836,8 +6374,14 @@
               <a:buChar char="•"/>
             </a:pPr>
             <a:r>
-              <a:rPr lang="en-GB" dirty="0"/>
-              <a:t>educate about climate change fundamentals.</a:t>
+              <a:rPr lang="nl-NL" dirty="0">
+                <a:solidFill>
+                  <a:schemeClr val="bg2">
+                    <a:lumMod val="50000"/>
+                  </a:schemeClr>
+                </a:solidFill>
+              </a:rPr>
+              <a:t>voorlichting geven over de grondbeginselen van klimaatverandering.</a:t>
             </a:r>
           </a:p>
           <a:p>
@@ -5846,8 +6390,14 @@
               <a:buChar char="•"/>
             </a:pPr>
             <a:r>
-              <a:rPr lang="en-GB" dirty="0"/>
-              <a:t>Target Audience: Kids aged 6 to 10.</a:t>
+              <a:rPr lang="nl-NL" dirty="0">
+                <a:solidFill>
+                  <a:schemeClr val="bg2">
+                    <a:lumMod val="50000"/>
+                  </a:schemeClr>
+                </a:solidFill>
+              </a:rPr>
+              <a:t>Doelgroep: Kinderen van 6 tot 10 jaar.</a:t>
             </a:r>
           </a:p>
           <a:p>
@@ -5856,8 +6406,14 @@
               <a:buChar char="•"/>
             </a:pPr>
             <a:r>
-              <a:rPr lang="en-GB" dirty="0"/>
-              <a:t>Incorporates mini-games to teach about climate change issues.</a:t>
+              <a:rPr lang="nl-NL" dirty="0">
+                <a:solidFill>
+                  <a:schemeClr val="bg2">
+                    <a:lumMod val="50000"/>
+                  </a:schemeClr>
+                </a:solidFill>
+              </a:rPr>
+              <a:t>Bevat minigames om les te geven over kwesties van klimaatverandering.</a:t>
             </a:r>
           </a:p>
           <a:p>
@@ -5866,8 +6422,14 @@
               <a:buChar char="•"/>
             </a:pPr>
             <a:r>
-              <a:rPr lang="en-GB" dirty="0"/>
-              <a:t>Players address environmental problems through gameplay.</a:t>
+              <a:rPr lang="nl-NL" dirty="0">
+                <a:solidFill>
+                  <a:schemeClr val="bg2">
+                    <a:lumMod val="50000"/>
+                  </a:schemeClr>
+                </a:solidFill>
+              </a:rPr>
+              <a:t>Spelers pakken milieuproblemen aan door middel van gameplay.</a:t>
             </a:r>
           </a:p>
           <a:p>
@@ -5876,8 +6438,14 @@
               <a:buChar char="•"/>
             </a:pPr>
             <a:r>
-              <a:rPr lang="en-GB" dirty="0"/>
-              <a:t>Educational video per minigame</a:t>
+              <a:rPr lang="nl-NL" dirty="0">
+                <a:solidFill>
+                  <a:schemeClr val="bg2">
+                    <a:lumMod val="50000"/>
+                  </a:schemeClr>
+                </a:solidFill>
+              </a:rPr>
+              <a:t>Educatieve video per minigame</a:t>
             </a:r>
           </a:p>
           <a:p>
@@ -5886,13 +6454,96 @@
               <a:buChar char="•"/>
             </a:pPr>
             <a:r>
-              <a:rPr lang="en-GB" dirty="0"/>
-              <a:t>Made in Godot</a:t>
-            </a:r>
-            <a:endParaRPr lang="LID4096" dirty="0"/>
-          </a:p>
-        </p:txBody>
-      </p:sp>
+              <a:rPr lang="nl-NL" dirty="0">
+                <a:solidFill>
+                  <a:schemeClr val="bg2">
+                    <a:lumMod val="50000"/>
+                  </a:schemeClr>
+                </a:solidFill>
+              </a:rPr>
+              <a:t>4 thema's: zee, bos, industrieel</a:t>
+            </a:r>
+          </a:p>
+          <a:p>
+            <a:pPr marL="342900" indent="-342900">
+              <a:buFont typeface="Arial" panose="020B0604020202020204" pitchFamily="34" charset="0"/>
+              <a:buChar char="•"/>
+            </a:pPr>
+            <a:r>
+              <a:rPr lang="nl-NL" dirty="0">
+                <a:solidFill>
+                  <a:schemeClr val="bg2">
+                    <a:lumMod val="50000"/>
+                  </a:schemeClr>
+                </a:solidFill>
+              </a:rPr>
+              <a:t>Gemaakt in </a:t>
+            </a:r>
+            <a:r>
+              <a:rPr lang="nl-NL" dirty="0" err="1">
+                <a:solidFill>
+                  <a:schemeClr val="bg2">
+                    <a:lumMod val="50000"/>
+                  </a:schemeClr>
+                </a:solidFill>
+              </a:rPr>
+              <a:t>Godot</a:t>
+            </a:r>
+            <a:endParaRPr lang="LID4096" dirty="0">
+              <a:solidFill>
+                <a:schemeClr val="bg2">
+                  <a:lumMod val="50000"/>
+                </a:schemeClr>
+              </a:solidFill>
+            </a:endParaRPr>
+          </a:p>
+        </p:txBody>
+      </p:sp>
+      <p:pic>
+        <p:nvPicPr>
+          <p:cNvPr id="5" name="Afbeelding 4">
+            <a:extLst>
+              <a:ext uri="{FF2B5EF4-FFF2-40B4-BE49-F238E27FC236}">
+                <a16:creationId xmlns:a16="http://schemas.microsoft.com/office/drawing/2014/main" id="{B33A7AD5-7926-1AEA-0FDD-50F28DB3747B}"/>
+              </a:ext>
+            </a:extLst>
+          </p:cNvPr>
+          <p:cNvPicPr>
+            <a:picLocks noChangeAspect="1"/>
+          </p:cNvPicPr>
+          <p:nvPr/>
+        </p:nvPicPr>
+        <p:blipFill>
+          <a:blip r:embed="rId2"/>
+          <a:stretch>
+            <a:fillRect/>
+          </a:stretch>
+        </p:blipFill>
+        <p:spPr>
+          <a:xfrm>
+            <a:off x="7394672" y="285611"/>
+            <a:ext cx="4277033" cy="2405831"/>
+          </a:xfrm>
+          <a:prstGeom prst="snip2DiagRect">
+            <a:avLst>
+              <a:gd name="adj1" fmla="val 16429"/>
+              <a:gd name="adj2" fmla="val 0"/>
+            </a:avLst>
+          </a:prstGeom>
+          <a:ln w="57150">
+            <a:solidFill>
+              <a:schemeClr val="tx1"/>
+            </a:solidFill>
+          </a:ln>
+          <a:effectLst>
+            <a:innerShdw blurRad="63500" dist="50800" dir="13500000">
+              <a:prstClr val="black">
+                <a:alpha val="50000"/>
+              </a:prstClr>
+            </a:innerShdw>
+          </a:effectLst>
+        </p:spPr>
+      </p:pic>
     </p:spTree>
     <p:extLst>
       <p:ext uri="{BB962C8B-B14F-4D97-AF65-F5344CB8AC3E}">
@@ -5909,31 +6560,6 @@
 <file path=ppt/slides/slide4.xml><?xml version="1.0" encoding="utf-8"?>
 <p:sld xmlns:a="http://schemas.openxmlformats.org/drawingml/2006/main" xmlns:r="http://schemas.openxmlformats.org/officeDocument/2006/relationships" xmlns:p="http://schemas.openxmlformats.org/presentationml/2006/main">
   <p:cSld>
-    <p:bg>
-      <p:bgPr>
-        <a:gradFill rotWithShape="1">
-          <a:gsLst>
-            <a:gs pos="10000">
-              <a:schemeClr val="bg2">
-                <a:tint val="97000"/>
-                <a:hueMod val="92000"/>
-                <a:satMod val="169000"/>
-                <a:lumMod val="164000"/>
-              </a:schemeClr>
-            </a:gs>
-            <a:gs pos="100000">
-              <a:schemeClr val="bg2">
-                <a:shade val="96000"/>
-                <a:satMod val="120000"/>
-                <a:lumMod val="90000"/>
-              </a:schemeClr>
-            </a:gs>
-          </a:gsLst>
-          <a:lin ang="6120000" scaled="1"/>
-        </a:gradFill>
-        <a:effectLst/>
-      </p:bgPr>
-    </p:bg>
     <p:spTree>
       <p:nvGrpSpPr>
         <p:cNvPr id="1" name=""/>
@@ -5948,471 +6574,561 @@
           <a:chExt cx="0" cy="0"/>
         </a:xfrm>
       </p:grpSpPr>
-      <p:grpSp>
-        <p:nvGrpSpPr>
-          <p:cNvPr id="1031" name="Group 1030">
+      <p:sp>
+        <p:nvSpPr>
+          <p:cNvPr id="2" name="Titel 1">
             <a:extLst>
               <a:ext uri="{FF2B5EF4-FFF2-40B4-BE49-F238E27FC236}">
-                <a16:creationId xmlns:a16="http://schemas.microsoft.com/office/drawing/2014/main" id="{8F1EF17D-1B70-428C-8A8A-A2C5B390E1E9}"/>
-              </a:ext>
-              <a:ext uri="{C183D7F6-B498-43B3-948B-1728B52AA6E4}">
-                <adec:decorative xmlns:adec="http://schemas.microsoft.com/office/drawing/2017/decorative" val="1"/>
+                <a16:creationId xmlns:a16="http://schemas.microsoft.com/office/drawing/2014/main" id="{D88FEE08-1C14-0492-EEA1-9191E963755D}"/>
               </a:ext>
             </a:extLst>
           </p:cNvPr>
-          <p:cNvGrpSpPr>
-            <a:grpSpLocks noGrp="1" noUngrp="1" noRot="1" noChangeAspect="1" noMove="1" noResize="1"/>
-          </p:cNvGrpSpPr>
-          <p:nvPr>
-            <p:extLst>
-              <p:ext uri="{386F3935-93C4-4BCD-93E2-E3B085C9AB24}">
-                <p16:designElem xmlns:p16="http://schemas.microsoft.com/office/powerpoint/2015/main" val="1"/>
-              </p:ext>
-            </p:extLst>
-          </p:nvPr>
-        </p:nvGrpSpPr>
-        <p:grpSpPr>
+          <p:cNvSpPr>
+            <a:spLocks noGrp="1"/>
+          </p:cNvSpPr>
+          <p:nvPr>
+            <p:ph type="title"/>
+          </p:nvPr>
+        </p:nvSpPr>
+        <p:spPr>
           <a:xfrm>
-            <a:off x="9206969" y="2963333"/>
-            <a:ext cx="2981858" cy="3208867"/>
-            <a:chOff x="9206969" y="2963333"/>
-            <a:chExt cx="2981858" cy="3208867"/>
+            <a:off x="727074" y="508264"/>
+            <a:ext cx="8534400" cy="1507067"/>
           </a:xfrm>
-        </p:grpSpPr>
-        <p:cxnSp>
-          <p:nvCxnSpPr>
-            <p:cNvPr id="1032" name="Straight Connector 1031">
-              <a:extLst>
-                <a:ext uri="{FF2B5EF4-FFF2-40B4-BE49-F238E27FC236}">
-                  <a16:creationId xmlns:a16="http://schemas.microsoft.com/office/drawing/2014/main" id="{12FAEDF3-CEC8-4BF6-8EA7-4079C471838C}"/>
-                </a:ext>
-                <a:ext uri="{C183D7F6-B498-43B3-948B-1728B52AA6E4}">
-                  <adec:decorative xmlns:adec="http://schemas.microsoft.com/office/drawing/2017/decorative" val="1"/>
-                </a:ext>
-              </a:extLst>
-            </p:cNvPr>
-            <p:cNvCxnSpPr/>
-            <p:nvPr>
-              <p:extLst>
-                <p:ext uri="{386F3935-93C4-4BCD-93E2-E3B085C9AB24}">
-                  <p16:designElem xmlns:p16="http://schemas.microsoft.com/office/powerpoint/2015/main" val="1"/>
-                </p:ext>
-              </p:extLst>
-            </p:nvPr>
-          </p:nvCxnSpPr>
-          <p:spPr>
-            <a:xfrm flipH="1">
-              <a:off x="11276012" y="2963333"/>
-              <a:ext cx="912814" cy="912812"/>
-            </a:xfrm>
-            <a:prstGeom prst="line">
-              <a:avLst/>
-            </a:prstGeom>
-            <a:ln w="9525">
-              <a:solidFill>
-                <a:schemeClr val="tx1"/>
-              </a:solidFill>
-            </a:ln>
-          </p:spPr>
-          <p:style>
-            <a:lnRef idx="2">
-              <a:schemeClr val="accent1"/>
-            </a:lnRef>
-            <a:fillRef idx="0">
-              <a:schemeClr val="accent1"/>
-            </a:fillRef>
-            <a:effectRef idx="1">
-              <a:schemeClr val="accent1"/>
-            </a:effectRef>
-            <a:fontRef idx="minor">
-              <a:schemeClr val="tx1"/>
-            </a:fontRef>
-          </p:style>
-        </p:cxnSp>
-        <p:cxnSp>
-          <p:nvCxnSpPr>
-            <p:cNvPr id="1033" name="Straight Connector 1032">
-              <a:extLst>
-                <a:ext uri="{FF2B5EF4-FFF2-40B4-BE49-F238E27FC236}">
-                  <a16:creationId xmlns:a16="http://schemas.microsoft.com/office/drawing/2014/main" id="{398DB8F4-CD77-4FCC-8544-ADE8B478C151}"/>
-                </a:ext>
-                <a:ext uri="{C183D7F6-B498-43B3-948B-1728B52AA6E4}">
-                  <adec:decorative xmlns:adec="http://schemas.microsoft.com/office/drawing/2017/decorative" val="1"/>
-                </a:ext>
-              </a:extLst>
-            </p:cNvPr>
-            <p:cNvCxnSpPr/>
-            <p:nvPr>
-              <p:extLst>
-                <p:ext uri="{386F3935-93C4-4BCD-93E2-E3B085C9AB24}">
-                  <p16:designElem xmlns:p16="http://schemas.microsoft.com/office/powerpoint/2015/main" val="1"/>
-                </p:ext>
-              </p:extLst>
-            </p:nvPr>
-          </p:nvCxnSpPr>
-          <p:spPr>
-            <a:xfrm flipH="1">
-              <a:off x="9206969" y="3190344"/>
-              <a:ext cx="2981857" cy="2981856"/>
-            </a:xfrm>
-            <a:prstGeom prst="line">
-              <a:avLst/>
-            </a:prstGeom>
-            <a:ln w="9525">
-              <a:solidFill>
-                <a:schemeClr val="tx1"/>
-              </a:solidFill>
-            </a:ln>
-          </p:spPr>
-          <p:style>
-            <a:lnRef idx="2">
-              <a:schemeClr val="accent1"/>
-            </a:lnRef>
-            <a:fillRef idx="0">
-              <a:schemeClr val="accent1"/>
-            </a:fillRef>
-            <a:effectRef idx="1">
-              <a:schemeClr val="accent1"/>
-            </a:effectRef>
-            <a:fontRef idx="minor">
-              <a:schemeClr val="tx1"/>
-            </a:fontRef>
-          </p:style>
-        </p:cxnSp>
-        <p:cxnSp>
-          <p:nvCxnSpPr>
-            <p:cNvPr id="1034" name="Straight Connector 1033">
-              <a:extLst>
-                <a:ext uri="{FF2B5EF4-FFF2-40B4-BE49-F238E27FC236}">
-                  <a16:creationId xmlns:a16="http://schemas.microsoft.com/office/drawing/2014/main" id="{22202DFE-039D-48E4-8536-FA30F2489475}"/>
-                </a:ext>
-                <a:ext uri="{C183D7F6-B498-43B3-948B-1728B52AA6E4}">
-                  <adec:decorative xmlns:adec="http://schemas.microsoft.com/office/drawing/2017/decorative" val="1"/>
-                </a:ext>
-              </a:extLst>
-            </p:cNvPr>
-            <p:cNvCxnSpPr/>
-            <p:nvPr>
-              <p:extLst>
-                <p:ext uri="{386F3935-93C4-4BCD-93E2-E3B085C9AB24}">
-                  <p16:designElem xmlns:p16="http://schemas.microsoft.com/office/powerpoint/2015/main" val="1"/>
-                </p:ext>
-              </p:extLst>
-            </p:nvPr>
-          </p:nvCxnSpPr>
-          <p:spPr>
-            <a:xfrm flipH="1">
-              <a:off x="10292292" y="3285067"/>
-              <a:ext cx="1896534" cy="1896533"/>
-            </a:xfrm>
-            <a:prstGeom prst="line">
-              <a:avLst/>
-            </a:prstGeom>
-            <a:ln w="9525">
-              <a:solidFill>
-                <a:schemeClr val="tx1"/>
-              </a:solidFill>
-            </a:ln>
-          </p:spPr>
-          <p:style>
-            <a:lnRef idx="2">
-              <a:schemeClr val="accent1"/>
-            </a:lnRef>
-            <a:fillRef idx="0">
-              <a:schemeClr val="accent1"/>
-            </a:fillRef>
-            <a:effectRef idx="1">
-              <a:schemeClr val="accent1"/>
-            </a:effectRef>
-            <a:fontRef idx="minor">
-              <a:schemeClr val="tx1"/>
-            </a:fontRef>
-          </p:style>
-        </p:cxnSp>
-        <p:cxnSp>
-          <p:nvCxnSpPr>
-            <p:cNvPr id="1035" name="Straight Connector 1034">
-              <a:extLst>
-                <a:ext uri="{FF2B5EF4-FFF2-40B4-BE49-F238E27FC236}">
-                  <a16:creationId xmlns:a16="http://schemas.microsoft.com/office/drawing/2014/main" id="{81F05E26-510E-4164-83C7-28E4FE9D7EA3}"/>
-                </a:ext>
-                <a:ext uri="{C183D7F6-B498-43B3-948B-1728B52AA6E4}">
-                  <adec:decorative xmlns:adec="http://schemas.microsoft.com/office/drawing/2017/decorative" val="1"/>
-                </a:ext>
-              </a:extLst>
-            </p:cNvPr>
-            <p:cNvCxnSpPr/>
-            <p:nvPr>
-              <p:extLst>
-                <p:ext uri="{386F3935-93C4-4BCD-93E2-E3B085C9AB24}">
-                  <p16:designElem xmlns:p16="http://schemas.microsoft.com/office/powerpoint/2015/main" val="1"/>
-                </p:ext>
-              </p:extLst>
-            </p:nvPr>
-          </p:nvCxnSpPr>
-          <p:spPr>
-            <a:xfrm flipH="1">
-              <a:off x="10443103" y="3131080"/>
-              <a:ext cx="1745722" cy="1745720"/>
-            </a:xfrm>
-            <a:prstGeom prst="line">
-              <a:avLst/>
-            </a:prstGeom>
-            <a:ln w="28575">
-              <a:solidFill>
-                <a:schemeClr val="tx1"/>
-              </a:solidFill>
-            </a:ln>
-          </p:spPr>
-          <p:style>
-            <a:lnRef idx="2">
-              <a:schemeClr val="accent1"/>
-            </a:lnRef>
-            <a:fillRef idx="0">
-              <a:schemeClr val="accent1"/>
-            </a:fillRef>
-            <a:effectRef idx="1">
-              <a:schemeClr val="accent1"/>
-            </a:effectRef>
-            <a:fontRef idx="minor">
-              <a:schemeClr val="tx1"/>
-            </a:fontRef>
-          </p:style>
-        </p:cxnSp>
-        <p:cxnSp>
-          <p:nvCxnSpPr>
-            <p:cNvPr id="1036" name="Straight Connector 1035">
-              <a:extLst>
-                <a:ext uri="{FF2B5EF4-FFF2-40B4-BE49-F238E27FC236}">
-                  <a16:creationId xmlns:a16="http://schemas.microsoft.com/office/drawing/2014/main" id="{E632161A-50D4-4D96-887A-98FC9209310C}"/>
-                </a:ext>
-                <a:ext uri="{C183D7F6-B498-43B3-948B-1728B52AA6E4}">
-                  <adec:decorative xmlns:adec="http://schemas.microsoft.com/office/drawing/2017/decorative" val="1"/>
-                </a:ext>
-              </a:extLst>
-            </p:cNvPr>
-            <p:cNvCxnSpPr/>
-            <p:nvPr>
-              <p:extLst>
-                <p:ext uri="{386F3935-93C4-4BCD-93E2-E3B085C9AB24}">
-                  <p16:designElem xmlns:p16="http://schemas.microsoft.com/office/powerpoint/2015/main" val="1"/>
-                </p:ext>
-              </p:extLst>
-            </p:nvPr>
-          </p:nvCxnSpPr>
-          <p:spPr>
-            <a:xfrm flipH="1">
-              <a:off x="10918826" y="3683001"/>
-              <a:ext cx="1270001" cy="1269999"/>
-            </a:xfrm>
-            <a:prstGeom prst="line">
-              <a:avLst/>
-            </a:prstGeom>
-            <a:ln w="28575">
-              <a:solidFill>
-                <a:schemeClr val="tx1"/>
-              </a:solidFill>
-            </a:ln>
-          </p:spPr>
-          <p:style>
-            <a:lnRef idx="2">
-              <a:schemeClr val="accent1"/>
-            </a:lnRef>
-            <a:fillRef idx="0">
-              <a:schemeClr val="accent1"/>
-            </a:fillRef>
-            <a:effectRef idx="1">
-              <a:schemeClr val="accent1"/>
-            </a:effectRef>
-            <a:fontRef idx="minor">
-              <a:schemeClr val="tx1"/>
-            </a:fontRef>
-          </p:style>
-        </p:cxnSp>
-      </p:grpSp>
-      <p:sp useBgFill="1">
-        <p:nvSpPr>
-          <p:cNvPr id="1038" name="Rectangle 1037">
+        </p:spPr>
+        <p:txBody>
+          <a:bodyPr/>
+          <a:lstStyle/>
+          <a:p>
+            <a:r>
+              <a:rPr lang="nl-BE" dirty="0"/>
+              <a:t>De zee</a:t>
+            </a:r>
+          </a:p>
+        </p:txBody>
+      </p:sp>
+      <p:pic>
+        <p:nvPicPr>
+          <p:cNvPr id="3" name="Tijdelijke aanduiding voor afbeelding 9">
             <a:extLst>
               <a:ext uri="{FF2B5EF4-FFF2-40B4-BE49-F238E27FC236}">
-                <a16:creationId xmlns:a16="http://schemas.microsoft.com/office/drawing/2014/main" id="{E09CCB3F-DBCE-4964-9E34-8C5DE80EF4B5}"/>
-              </a:ext>
-              <a:ext uri="{C183D7F6-B498-43B3-948B-1728B52AA6E4}">
-                <adec:decorative xmlns:adec="http://schemas.microsoft.com/office/drawing/2017/decorative" val="1"/>
+                <a16:creationId xmlns:a16="http://schemas.microsoft.com/office/drawing/2014/main" id="{89DB1813-97D5-B451-68A7-08A9870C9ECF}"/>
               </a:ext>
             </a:extLst>
           </p:cNvPr>
-          <p:cNvSpPr>
-            <a:spLocks noGrp="1" noRot="1" noChangeAspect="1" noMove="1" noResize="1" noEditPoints="1" noAdjustHandles="1" noChangeArrowheads="1" noChangeShapeType="1" noTextEdit="1"/>
-          </p:cNvSpPr>
-          <p:nvPr>
-            <p:extLst>
-              <p:ext uri="{386F3935-93C4-4BCD-93E2-E3B085C9AB24}">
-                <p16:designElem xmlns:p16="http://schemas.microsoft.com/office/powerpoint/2015/main" val="1"/>
-              </p:ext>
-            </p:extLst>
-          </p:nvPr>
-        </p:nvSpPr>
+          <p:cNvPicPr>
+            <a:picLocks noChangeAspect="1"/>
+          </p:cNvPicPr>
+          <p:nvPr/>
+        </p:nvPicPr>
+        <p:blipFill rotWithShape="1">
+          <a:blip r:embed="rId2">
+            <a:extLst>
+              <a:ext uri="{28A0092B-C50C-407E-A947-70E740481C1C}">
+                <a14:useLocalDpi xmlns:a14="http://schemas.microsoft.com/office/drawing/2010/main" val="0"/>
+              </a:ext>
+            </a:extLst>
+          </a:blip>
+          <a:srcRect l="19554" t="430" r="5136" b="-430"/>
+          <a:stretch/>
+        </p:blipFill>
         <p:spPr>
           <a:xfrm>
-            <a:off x="0" y="0"/>
-            <a:ext cx="12192000" cy="6858000"/>
+            <a:off x="727074" y="3611785"/>
+            <a:ext cx="3364229" cy="2625458"/>
+          </a:xfrm>
+          <a:prstGeom prst="snip2DiagRect">
+            <a:avLst>
+              <a:gd name="adj1" fmla="val 10815"/>
+              <a:gd name="adj2" fmla="val 0"/>
+            </a:avLst>
+          </a:prstGeom>
+          <a:ln w="76200">
+            <a:solidFill>
+              <a:schemeClr val="tx1"/>
+            </a:solidFill>
+          </a:ln>
+          <a:effectLst>
+            <a:innerShdw blurRad="63500" dist="50800" dir="13500000">
+              <a:prstClr val="black">
+                <a:alpha val="50000"/>
+              </a:prstClr>
+            </a:innerShdw>
+          </a:effectLst>
+        </p:spPr>
+      </p:pic>
+      <p:sp>
+        <p:nvSpPr>
+          <p:cNvPr id="4" name="Tekstvak 3">
+            <a:extLst>
+              <a:ext uri="{FF2B5EF4-FFF2-40B4-BE49-F238E27FC236}">
+                <a16:creationId xmlns:a16="http://schemas.microsoft.com/office/drawing/2014/main" id="{E36D0031-4E64-8785-6332-B65D206A480D}"/>
+              </a:ext>
+            </a:extLst>
+          </p:cNvPr>
+          <p:cNvSpPr txBox="1"/>
+          <p:nvPr/>
+        </p:nvSpPr>
+        <p:spPr>
+          <a:xfrm>
+            <a:off x="727075" y="1840115"/>
+            <a:ext cx="3614780" cy="1231106"/>
           </a:xfrm>
           <a:prstGeom prst="rect">
             <a:avLst/>
           </a:prstGeom>
-          <a:ln>
-            <a:noFill/>
-          </a:ln>
+          <a:noFill/>
         </p:spPr>
-        <p:style>
-          <a:lnRef idx="2">
-            <a:schemeClr val="accent1">
-              <a:shade val="50000"/>
-            </a:schemeClr>
-          </a:lnRef>
-          <a:fillRef idx="1">
-            <a:schemeClr val="accent1"/>
-          </a:fillRef>
-          <a:effectRef idx="0">
-            <a:schemeClr val="accent1"/>
-          </a:effectRef>
-          <a:fontRef idx="minor">
-            <a:schemeClr val="lt1"/>
-          </a:fontRef>
-        </p:style>
-        <p:txBody>
-          <a:bodyPr rtlCol="0" anchor="ctr"/>
-          <a:lstStyle/>
-          <a:p>
-            <a:pPr algn="ctr"/>
-            <a:endParaRPr lang="en-US"/>
-          </a:p>
-        </p:txBody>
-      </p:sp>
-      <p:sp>
-        <p:nvSpPr>
-          <p:cNvPr id="2" name="Title 1">
+        <p:txBody>
+          <a:bodyPr wrap="square" rtlCol="0">
+            <a:spAutoFit/>
+          </a:bodyPr>
+          <a:lstStyle/>
+          <a:p>
+            <a:r>
+              <a:rPr lang="nl-BE" dirty="0"/>
+              <a:t>Plastic catch</a:t>
+            </a:r>
+          </a:p>
+          <a:p>
+            <a:pPr marL="285750" indent="-285750">
+              <a:buFont typeface="Wingdings 3" panose="05040102010807070707" pitchFamily="18" charset="2"/>
+              <a:buChar char=""/>
+            </a:pPr>
+            <a:r>
+              <a:rPr lang="nl-NL" sz="1400" dirty="0">
+                <a:solidFill>
+                  <a:schemeClr val="bg2">
+                    <a:lumMod val="50000"/>
+                  </a:schemeClr>
+                </a:solidFill>
+              </a:rPr>
+              <a:t>Doelstelling: Plastic uit de oceaan verwijderen.</a:t>
+            </a:r>
+          </a:p>
+          <a:p>
+            <a:pPr marL="285750" indent="-285750">
+              <a:buFont typeface="Wingdings 3" panose="05040102010807070707" pitchFamily="18" charset="2"/>
+              <a:buChar char=""/>
+            </a:pPr>
+            <a:r>
+              <a:rPr lang="nl-NL" sz="1400" dirty="0">
+                <a:solidFill>
+                  <a:schemeClr val="bg2">
+                    <a:lumMod val="50000"/>
+                  </a:schemeClr>
+                </a:solidFill>
+              </a:rPr>
+              <a:t>Probleem: Plasticvervuiling schaadt het leven in zee en ecosystemen.</a:t>
+            </a:r>
+            <a:endParaRPr lang="nl-BE" dirty="0"/>
+          </a:p>
+        </p:txBody>
+      </p:sp>
+      <p:sp>
+        <p:nvSpPr>
+          <p:cNvPr id="6" name="Tekstvak 5">
             <a:extLst>
               <a:ext uri="{FF2B5EF4-FFF2-40B4-BE49-F238E27FC236}">
-                <a16:creationId xmlns:a16="http://schemas.microsoft.com/office/drawing/2014/main" id="{22A88963-C8DC-1BA6-67B7-232AA14C852C}"/>
+                <a16:creationId xmlns:a16="http://schemas.microsoft.com/office/drawing/2014/main" id="{C0FEAB2B-3323-CE38-DC63-C87ACA2FF9B9}"/>
               </a:ext>
             </a:extLst>
           </p:cNvPr>
-          <p:cNvSpPr>
-            <a:spLocks noGrp="1"/>
-          </p:cNvSpPr>
-          <p:nvPr>
-            <p:ph type="title"/>
-          </p:nvPr>
+          <p:cNvSpPr txBox="1"/>
+          <p:nvPr/>
         </p:nvSpPr>
         <p:spPr>
           <a:xfrm>
-            <a:off x="7532710" y="620722"/>
-            <a:ext cx="3518748" cy="1142462"/>
+            <a:off x="4485918" y="1840115"/>
+            <a:ext cx="3614780" cy="1231106"/>
           </a:xfrm>
+          <a:prstGeom prst="rect">
+            <a:avLst/>
+          </a:prstGeom>
+          <a:noFill/>
         </p:spPr>
         <p:txBody>
-          <a:bodyPr vert="horz" lIns="91440" tIns="45720" rIns="91440" bIns="45720" rtlCol="0" anchor="b">
-            <a:normAutofit/>
+          <a:bodyPr wrap="square">
+            <a:spAutoFit/>
           </a:bodyPr>
           <a:lstStyle/>
           <a:p>
             <a:r>
-              <a:rPr lang="en-US"/>
-              <a:t>Plastic catch</a:t>
-            </a:r>
-          </a:p>
-        </p:txBody>
-      </p:sp>
-      <p:sp>
-        <p:nvSpPr>
-          <p:cNvPr id="1040" name="Snip Diagonal Corner Rectangle 24">
+              <a:rPr lang="en-US" sz="1800" dirty="0" err="1"/>
+              <a:t>oilcleanup</a:t>
+            </a:r>
+            <a:endParaRPr lang="en-US" sz="1800" dirty="0"/>
+          </a:p>
+          <a:p>
+            <a:pPr>
+              <a:buFont typeface="Wingdings 3" panose="05040102010807070707" pitchFamily="18" charset="2"/>
+              <a:buChar char=""/>
+            </a:pPr>
+            <a:r>
+              <a:rPr lang="nl-NL" sz="1400" dirty="0">
+                <a:solidFill>
+                  <a:schemeClr val="bg2">
+                    <a:lumMod val="50000"/>
+                  </a:schemeClr>
+                </a:solidFill>
+              </a:rPr>
+              <a:t>Doel: Olie uit de oceaan verwijderen met behulp van speciale spons.</a:t>
+            </a:r>
+          </a:p>
+          <a:p>
+            <a:pPr>
+              <a:buFont typeface="Wingdings 3" panose="05040102010807070707" pitchFamily="18" charset="2"/>
+              <a:buChar char=""/>
+            </a:pPr>
+            <a:r>
+              <a:rPr lang="nl-NL" sz="1400" dirty="0">
+                <a:solidFill>
+                  <a:schemeClr val="bg2">
+                    <a:lumMod val="50000"/>
+                  </a:schemeClr>
+                </a:solidFill>
+              </a:rPr>
+              <a:t>Probleem: Olievervuiling schaadt het leven in zee</a:t>
+            </a:r>
+            <a:endParaRPr lang="en-US" sz="1400" dirty="0">
+              <a:solidFill>
+                <a:schemeClr val="bg2">
+                  <a:lumMod val="50000"/>
+                </a:schemeClr>
+              </a:solidFill>
+            </a:endParaRPr>
+          </a:p>
+        </p:txBody>
+      </p:sp>
+      <p:pic>
+        <p:nvPicPr>
+          <p:cNvPr id="7" name="Tijdelijke aanduiding voor afbeelding 13">
             <a:extLst>
               <a:ext uri="{FF2B5EF4-FFF2-40B4-BE49-F238E27FC236}">
-                <a16:creationId xmlns:a16="http://schemas.microsoft.com/office/drawing/2014/main" id="{1DFF944F-74BA-483A-82C0-64E3AAF4AE98}"/>
-              </a:ext>
-              <a:ext uri="{C183D7F6-B498-43B3-948B-1728B52AA6E4}">
-                <adec:decorative xmlns:adec="http://schemas.microsoft.com/office/drawing/2017/decorative" val="1"/>
+                <a16:creationId xmlns:a16="http://schemas.microsoft.com/office/drawing/2014/main" id="{18566DB0-8CB2-027F-B830-F99CCCC4ED74}"/>
               </a:ext>
             </a:extLst>
           </p:cNvPr>
-          <p:cNvSpPr>
-            <a:spLocks noGrp="1" noRot="1" noChangeAspect="1" noMove="1" noResize="1" noEditPoints="1" noAdjustHandles="1" noChangeArrowheads="1" noChangeShapeType="1" noTextEdit="1"/>
-          </p:cNvSpPr>
-          <p:nvPr>
-            <p:extLst>
-              <p:ext uri="{386F3935-93C4-4BCD-93E2-E3B085C9AB24}">
-                <p16:designElem xmlns:p16="http://schemas.microsoft.com/office/powerpoint/2015/main" val="1"/>
-              </p:ext>
-            </p:extLst>
-          </p:nvPr>
-        </p:nvSpPr>
+          <p:cNvPicPr>
+            <a:picLocks noChangeAspect="1"/>
+          </p:cNvPicPr>
+          <p:nvPr/>
+        </p:nvPicPr>
+        <p:blipFill rotWithShape="1">
+          <a:blip r:embed="rId3">
+            <a:extLst>
+              <a:ext uri="{28A0092B-C50C-407E-A947-70E740481C1C}">
+                <a14:useLocalDpi xmlns:a14="http://schemas.microsoft.com/office/drawing/2010/main" val="0"/>
+              </a:ext>
+            </a:extLst>
+          </a:blip>
+          <a:srcRect l="8389" t="480" r="14033" b="564"/>
+          <a:stretch/>
+        </p:blipFill>
         <p:spPr>
           <a:xfrm>
-            <a:off x="612990" y="620722"/>
-            <a:ext cx="6575496" cy="5286838"/>
+            <a:off x="4485918" y="3595259"/>
+            <a:ext cx="3364229" cy="2641984"/>
           </a:xfrm>
           <a:prstGeom prst="snip2DiagRect">
             <a:avLst>
-              <a:gd name="adj1" fmla="val 10787"/>
+              <a:gd name="adj1" fmla="val 10815"/>
               <a:gd name="adj2" fmla="val 0"/>
             </a:avLst>
           </a:prstGeom>
-          <a:solidFill>
-            <a:schemeClr val="tx1"/>
-          </a:solidFill>
-          <a:ln>
-            <a:noFill/>
+          <a:ln w="76200">
+            <a:solidFill>
+              <a:schemeClr val="tx1"/>
+            </a:solidFill>
           </a:ln>
           <a:effectLst>
-            <a:innerShdw blurRad="57150" dist="38100" dir="14460000">
+            <a:innerShdw blurRad="63500" dist="50800" dir="13500000">
               <a:prstClr val="black">
-                <a:alpha val="70000"/>
+                <a:alpha val="50000"/>
               </a:prstClr>
             </a:innerShdw>
           </a:effectLst>
         </p:spPr>
-        <p:style>
-          <a:lnRef idx="2">
-            <a:schemeClr val="accent1">
-              <a:shade val="50000"/>
-            </a:schemeClr>
-          </a:lnRef>
-          <a:fillRef idx="1">
-            <a:schemeClr val="accent1"/>
-          </a:fillRef>
-          <a:effectRef idx="0">
-            <a:schemeClr val="accent1"/>
-          </a:effectRef>
-          <a:fontRef idx="minor">
-            <a:schemeClr val="lt1"/>
-          </a:fontRef>
-        </p:style>
-        <p:txBody>
-          <a:bodyPr rtlCol="0" anchor="ctr"/>
-          <a:lstStyle/>
-          <a:p>
-            <a:pPr algn="ctr"/>
-            <a:endParaRPr lang="en-US"/>
+      </p:pic>
+      <p:sp>
+        <p:nvSpPr>
+          <p:cNvPr id="5" name="Tekstvak 4">
+            <a:extLst>
+              <a:ext uri="{FF2B5EF4-FFF2-40B4-BE49-F238E27FC236}">
+                <a16:creationId xmlns:a16="http://schemas.microsoft.com/office/drawing/2014/main" id="{447A7004-1080-600F-064E-213F1A9EBBF8}"/>
+              </a:ext>
+            </a:extLst>
+          </p:cNvPr>
+          <p:cNvSpPr txBox="1"/>
+          <p:nvPr/>
+        </p:nvSpPr>
+        <p:spPr>
+          <a:xfrm>
+            <a:off x="8284926" y="1843766"/>
+            <a:ext cx="3180000" cy="1292662"/>
+          </a:xfrm>
+          <a:prstGeom prst="rect">
+            <a:avLst/>
+          </a:prstGeom>
+          <a:noFill/>
+        </p:spPr>
+        <p:txBody>
+          <a:bodyPr wrap="square" rtlCol="0">
+            <a:spAutoFit/>
+          </a:bodyPr>
+          <a:lstStyle/>
+          <a:p>
+            <a:r>
+              <a:rPr lang="nl-BE" dirty="0" err="1"/>
+              <a:t>Freefish</a:t>
+            </a:r>
+            <a:endParaRPr lang="nl-BE" dirty="0"/>
+          </a:p>
+          <a:p>
+            <a:pPr>
+              <a:buFont typeface="Wingdings 3" panose="05040102010807070707" pitchFamily="18" charset="2"/>
+              <a:buChar char=""/>
+            </a:pPr>
+            <a:r>
+              <a:rPr lang="nl-NL" sz="1400" dirty="0">
+                <a:solidFill>
+                  <a:schemeClr val="bg2">
+                    <a:lumMod val="50000"/>
+                  </a:schemeClr>
+                </a:solidFill>
+              </a:rPr>
+              <a:t>Doel: bevrijd de vissen uit de vis netten door ze kapot te knippen</a:t>
+            </a:r>
+          </a:p>
+          <a:p>
+            <a:pPr>
+              <a:buFont typeface="Wingdings 3" panose="05040102010807070707" pitchFamily="18" charset="2"/>
+              <a:buChar char=""/>
+            </a:pPr>
+            <a:r>
+              <a:rPr lang="nl-NL" sz="1400" dirty="0">
+                <a:solidFill>
+                  <a:schemeClr val="bg2">
+                    <a:lumMod val="50000"/>
+                  </a:schemeClr>
+                </a:solidFill>
+              </a:rPr>
+              <a:t>Probleem: O</a:t>
+            </a:r>
+            <a:r>
+              <a:rPr lang="nl-BE" sz="1400" dirty="0" err="1">
+                <a:solidFill>
+                  <a:schemeClr val="bg2">
+                    <a:lumMod val="50000"/>
+                  </a:schemeClr>
+                </a:solidFill>
+              </a:rPr>
+              <a:t>verbevissing</a:t>
+            </a:r>
+            <a:endParaRPr lang="en-US" sz="1400" dirty="0">
+              <a:solidFill>
+                <a:schemeClr val="bg2">
+                  <a:lumMod val="50000"/>
+                </a:schemeClr>
+              </a:solidFill>
+            </a:endParaRPr>
+          </a:p>
+          <a:p>
+            <a:endParaRPr lang="nl-BE" dirty="0"/>
+          </a:p>
+        </p:txBody>
+      </p:sp>
+      <p:sp>
+        <p:nvSpPr>
+          <p:cNvPr id="10" name="Tekstvak 9">
+            <a:extLst>
+              <a:ext uri="{FF2B5EF4-FFF2-40B4-BE49-F238E27FC236}">
+                <a16:creationId xmlns:a16="http://schemas.microsoft.com/office/drawing/2014/main" id="{37E95554-1775-B4C9-88C3-A8E8FA530E74}"/>
+              </a:ext>
+            </a:extLst>
+          </p:cNvPr>
+          <p:cNvSpPr txBox="1"/>
+          <p:nvPr/>
+        </p:nvSpPr>
+        <p:spPr>
+          <a:xfrm>
+            <a:off x="727074" y="6349734"/>
+            <a:ext cx="6105832" cy="276999"/>
+          </a:xfrm>
+          <a:prstGeom prst="rect">
+            <a:avLst/>
+          </a:prstGeom>
+          <a:noFill/>
+        </p:spPr>
+        <p:txBody>
+          <a:bodyPr wrap="square">
+            <a:spAutoFit/>
+          </a:bodyPr>
+          <a:lstStyle/>
+          <a:p>
+            <a:r>
+              <a:rPr lang="nl-BE" sz="1200" dirty="0"/>
+              <a:t>Nigel </a:t>
+            </a:r>
+            <a:r>
+              <a:rPr lang="nl-BE" sz="1200" dirty="0" err="1"/>
+              <a:t>Belderbos</a:t>
+            </a:r>
+            <a:endParaRPr lang="nl-BE" sz="1200" dirty="0"/>
+          </a:p>
+        </p:txBody>
+      </p:sp>
+      <p:sp>
+        <p:nvSpPr>
+          <p:cNvPr id="12" name="Tekstvak 11">
+            <a:extLst>
+              <a:ext uri="{FF2B5EF4-FFF2-40B4-BE49-F238E27FC236}">
+                <a16:creationId xmlns:a16="http://schemas.microsoft.com/office/drawing/2014/main" id="{DE48BD8A-18BC-893A-2159-B0A94B7F3BB5}"/>
+              </a:ext>
+            </a:extLst>
+          </p:cNvPr>
+          <p:cNvSpPr txBox="1"/>
+          <p:nvPr/>
+        </p:nvSpPr>
+        <p:spPr>
+          <a:xfrm>
+            <a:off x="8284926" y="6351766"/>
+            <a:ext cx="2682538" cy="276999"/>
+          </a:xfrm>
+          <a:prstGeom prst="rect">
+            <a:avLst/>
+          </a:prstGeom>
+          <a:noFill/>
+        </p:spPr>
+        <p:txBody>
+          <a:bodyPr wrap="square">
+            <a:spAutoFit/>
+          </a:bodyPr>
+          <a:lstStyle/>
+          <a:p>
+            <a:r>
+              <a:rPr lang="nl-BE" sz="1200" dirty="0"/>
+              <a:t>Nigel </a:t>
+            </a:r>
+            <a:r>
+              <a:rPr lang="nl-BE" sz="1200" dirty="0" err="1"/>
+              <a:t>Belderbos</a:t>
+            </a:r>
+            <a:endParaRPr lang="nl-BE" sz="1200" dirty="0"/>
+          </a:p>
+        </p:txBody>
+      </p:sp>
+      <p:sp>
+        <p:nvSpPr>
+          <p:cNvPr id="13" name="Tekstvak 12">
+            <a:extLst>
+              <a:ext uri="{FF2B5EF4-FFF2-40B4-BE49-F238E27FC236}">
+                <a16:creationId xmlns:a16="http://schemas.microsoft.com/office/drawing/2014/main" id="{05EA9BCB-AA38-3B70-C904-CBA56D3D6AC6}"/>
+              </a:ext>
+            </a:extLst>
+          </p:cNvPr>
+          <p:cNvSpPr txBox="1"/>
+          <p:nvPr/>
+        </p:nvSpPr>
+        <p:spPr>
+          <a:xfrm>
+            <a:off x="4485918" y="6349735"/>
+            <a:ext cx="1797287" cy="276999"/>
+          </a:xfrm>
+          <a:prstGeom prst="rect">
+            <a:avLst/>
+          </a:prstGeom>
+          <a:noFill/>
+        </p:spPr>
+        <p:txBody>
+          <a:bodyPr wrap="none" rtlCol="0">
+            <a:spAutoFit/>
+          </a:bodyPr>
+          <a:lstStyle/>
+          <a:p>
+            <a:r>
+              <a:rPr lang="nl-BE" sz="1200" dirty="0"/>
+              <a:t>Nikita Vandecasteele</a:t>
+            </a:r>
+          </a:p>
+        </p:txBody>
+      </p:sp>
+    </p:spTree>
+    <p:extLst>
+      <p:ext uri="{BB962C8B-B14F-4D97-AF65-F5344CB8AC3E}">
+        <p14:creationId xmlns:p14="http://schemas.microsoft.com/office/powerpoint/2010/main" val="113211239"/>
+      </p:ext>
+    </p:extLst>
+  </p:cSld>
+  <p:clrMapOvr>
+    <a:masterClrMapping/>
+  </p:clrMapOvr>
+</p:sld>
+</file>
+
+<file path=ppt/slides/slide5.xml><?xml version="1.0" encoding="utf-8"?>
+<p:sld xmlns:a="http://schemas.openxmlformats.org/drawingml/2006/main" xmlns:r="http://schemas.openxmlformats.org/officeDocument/2006/relationships" xmlns:p="http://schemas.openxmlformats.org/presentationml/2006/main">
+  <p:cSld>
+    <p:spTree>
+      <p:nvGrpSpPr>
+        <p:cNvPr id="1" name=""/>
+        <p:cNvGrpSpPr/>
+        <p:nvPr/>
+      </p:nvGrpSpPr>
+      <p:grpSpPr>
+        <a:xfrm>
+          <a:off x="0" y="0"/>
+          <a:ext cx="0" cy="0"/>
+          <a:chOff x="0" y="0"/>
+          <a:chExt cx="0" cy="0"/>
+        </a:xfrm>
+      </p:grpSpPr>
+      <p:sp>
+        <p:nvSpPr>
+          <p:cNvPr id="2" name="Titel 1">
+            <a:extLst>
+              <a:ext uri="{FF2B5EF4-FFF2-40B4-BE49-F238E27FC236}">
+                <a16:creationId xmlns:a16="http://schemas.microsoft.com/office/drawing/2014/main" id="{7C473856-F2B7-903F-8C66-5CD2DD33EDDF}"/>
+              </a:ext>
+            </a:extLst>
+          </p:cNvPr>
+          <p:cNvSpPr>
+            <a:spLocks noGrp="1"/>
+          </p:cNvSpPr>
+          <p:nvPr>
+            <p:ph type="title"/>
+          </p:nvPr>
+        </p:nvSpPr>
+        <p:spPr>
+          <a:xfrm>
+            <a:off x="605835" y="481389"/>
+            <a:ext cx="8534400" cy="1507067"/>
+          </a:xfrm>
+        </p:spPr>
+        <p:txBody>
+          <a:bodyPr/>
+          <a:lstStyle/>
+          <a:p>
+            <a:r>
+              <a:rPr lang="nl-BE" dirty="0"/>
+              <a:t>Het bos</a:t>
+            </a:r>
           </a:p>
         </p:txBody>
       </p:sp>
       <p:pic>
         <p:nvPicPr>
-          <p:cNvPr id="1026" name="Picture 2" descr="image">
+          <p:cNvPr id="3" name="Picture 2" descr="flappy image">
             <a:extLst>
               <a:ext uri="{FF2B5EF4-FFF2-40B4-BE49-F238E27FC236}">
-                <a16:creationId xmlns:a16="http://schemas.microsoft.com/office/drawing/2014/main" id="{EAF2878B-A00F-3189-8F52-C58D9A71340D}"/>
+                <a16:creationId xmlns:a16="http://schemas.microsoft.com/office/drawing/2014/main" id="{6C4CCE83-6D88-57D7-094B-233A5AD65179}"/>
               </a:ext>
             </a:extLst>
           </p:cNvPr>
           <p:cNvPicPr>
-            <a:picLocks noGrp="1" noChangeAspect="1" noChangeArrowheads="1"/>
+            <a:picLocks noChangeAspect="1" noChangeArrowheads="1"/>
           </p:cNvPicPr>
-          <p:nvPr>
-            <p:ph type="pic" idx="1"/>
-          </p:nvPr>
+          <p:nvPr/>
         </p:nvPicPr>
         <p:blipFill rotWithShape="1">
           <a:blip r:embed="rId2">
@@ -6427,900 +7143,8 @@
         </p:blipFill>
         <p:spPr bwMode="auto">
           <a:xfrm>
-            <a:off x="778062" y="786117"/>
-            <a:ext cx="6245352" cy="4956048"/>
-          </a:xfrm>
-          <a:prstGeom prst="rect">
-            <a:avLst/>
-          </a:prstGeom>
-          <a:ln>
-            <a:noFill/>
-          </a:ln>
-          <a:effectLst>
-            <a:outerShdw blurRad="292100" dist="139700" dir="2700000" algn="tl" rotWithShape="0">
-              <a:srgbClr val="333333">
-                <a:alpha val="65000"/>
-              </a:srgbClr>
-            </a:outerShdw>
-          </a:effectLst>
-          <a:extLst>
-            <a:ext uri="{909E8E84-426E-40DD-AFC4-6F175D3DCCD1}">
-              <a14:hiddenFill xmlns:a14="http://schemas.microsoft.com/office/drawing/2010/main">
-                <a:solidFill>
-                  <a:srgbClr val="FFFFFF"/>
-                </a:solidFill>
-              </a14:hiddenFill>
-            </a:ext>
-          </a:extLst>
-        </p:spPr>
-      </p:pic>
-      <p:sp>
-        <p:nvSpPr>
-          <p:cNvPr id="4" name="Text Placeholder 3">
-            <a:extLst>
-              <a:ext uri="{FF2B5EF4-FFF2-40B4-BE49-F238E27FC236}">
-                <a16:creationId xmlns:a16="http://schemas.microsoft.com/office/drawing/2014/main" id="{6758D0EB-EBF7-58D3-DB45-79AA04CD5779}"/>
-              </a:ext>
-            </a:extLst>
-          </p:cNvPr>
-          <p:cNvSpPr>
-            <a:spLocks noGrp="1"/>
-          </p:cNvSpPr>
-          <p:nvPr>
-            <p:ph type="body" sz="half" idx="2"/>
-          </p:nvPr>
-        </p:nvSpPr>
-        <p:spPr>
-          <a:xfrm>
-            <a:off x="7532710" y="1822449"/>
-            <a:ext cx="3479419" cy="3070226"/>
-          </a:xfrm>
-        </p:spPr>
-        <p:txBody>
-          <a:bodyPr vert="horz" lIns="91440" tIns="45720" rIns="91440" bIns="45720" rtlCol="0" anchor="t">
-            <a:normAutofit/>
-          </a:bodyPr>
-          <a:lstStyle/>
-          <a:p>
-            <a:pPr marL="285750" indent="-285750">
-              <a:buFont typeface="Wingdings 3" panose="05040102010807070707" pitchFamily="18" charset="2"/>
-              <a:buChar char=""/>
-            </a:pPr>
-            <a:r>
-              <a:rPr lang="en-US" sz="1400" dirty="0"/>
-              <a:t>Objective: Remove plastic from the ocean.</a:t>
-            </a:r>
-          </a:p>
-          <a:p>
-            <a:pPr marL="285750" indent="-285750">
-              <a:buFont typeface="Wingdings 3" panose="05040102010807070707" pitchFamily="18" charset="2"/>
-              <a:buChar char=""/>
-            </a:pPr>
-            <a:r>
-              <a:rPr lang="en-US" sz="1400" dirty="0"/>
-              <a:t>Danger: Plastic pollution harms marine life and ecosystems.</a:t>
-            </a:r>
-          </a:p>
-        </p:txBody>
-      </p:sp>
-      <p:grpSp>
-        <p:nvGrpSpPr>
-          <p:cNvPr id="1042" name="Group 1041">
-            <a:extLst>
-              <a:ext uri="{FF2B5EF4-FFF2-40B4-BE49-F238E27FC236}">
-                <a16:creationId xmlns:a16="http://schemas.microsoft.com/office/drawing/2014/main" id="{A9733A91-F958-4629-801A-3F6F1E09AD64}"/>
-              </a:ext>
-              <a:ext uri="{C183D7F6-B498-43B3-948B-1728B52AA6E4}">
-                <adec:decorative xmlns:adec="http://schemas.microsoft.com/office/drawing/2017/decorative" val="1"/>
-              </a:ext>
-            </a:extLst>
-          </p:cNvPr>
-          <p:cNvGrpSpPr>
-            <a:grpSpLocks noGrp="1" noUngrp="1" noRot="1" noChangeAspect="1" noMove="1" noResize="1"/>
-          </p:cNvGrpSpPr>
-          <p:nvPr>
-            <p:extLst>
-              <p:ext uri="{386F3935-93C4-4BCD-93E2-E3B085C9AB24}">
-                <p16:designElem xmlns:p16="http://schemas.microsoft.com/office/powerpoint/2015/main" val="1"/>
-              </p:ext>
-            </p:extLst>
-          </p:nvPr>
-        </p:nvGrpSpPr>
-        <p:grpSpPr>
-          <a:xfrm>
-            <a:off x="9206969" y="2963333"/>
-            <a:ext cx="2981858" cy="3208867"/>
-            <a:chOff x="9206969" y="2963333"/>
-            <a:chExt cx="2981858" cy="3208867"/>
-          </a:xfrm>
-        </p:grpSpPr>
-        <p:cxnSp>
-          <p:nvCxnSpPr>
-            <p:cNvPr id="1043" name="Straight Connector 1042">
-              <a:extLst>
-                <a:ext uri="{FF2B5EF4-FFF2-40B4-BE49-F238E27FC236}">
-                  <a16:creationId xmlns:a16="http://schemas.microsoft.com/office/drawing/2014/main" id="{F3812972-C68B-4C59-B3A7-4AF61E935D4A}"/>
-                </a:ext>
-                <a:ext uri="{C183D7F6-B498-43B3-948B-1728B52AA6E4}">
-                  <adec:decorative xmlns:adec="http://schemas.microsoft.com/office/drawing/2017/decorative" val="1"/>
-                </a:ext>
-              </a:extLst>
-            </p:cNvPr>
-            <p:cNvCxnSpPr/>
-            <p:nvPr>
-              <p:extLst>
-                <p:ext uri="{386F3935-93C4-4BCD-93E2-E3B085C9AB24}">
-                  <p16:designElem xmlns:p16="http://schemas.microsoft.com/office/powerpoint/2015/main" val="1"/>
-                </p:ext>
-              </p:extLst>
-            </p:nvPr>
-          </p:nvCxnSpPr>
-          <p:spPr>
-            <a:xfrm flipH="1">
-              <a:off x="11276012" y="2963333"/>
-              <a:ext cx="912814" cy="912812"/>
-            </a:xfrm>
-            <a:prstGeom prst="line">
-              <a:avLst/>
-            </a:prstGeom>
-            <a:ln w="9525">
-              <a:solidFill>
-                <a:schemeClr val="tx1"/>
-              </a:solidFill>
-            </a:ln>
-          </p:spPr>
-          <p:style>
-            <a:lnRef idx="2">
-              <a:schemeClr val="accent1"/>
-            </a:lnRef>
-            <a:fillRef idx="0">
-              <a:schemeClr val="accent1"/>
-            </a:fillRef>
-            <a:effectRef idx="1">
-              <a:schemeClr val="accent1"/>
-            </a:effectRef>
-            <a:fontRef idx="minor">
-              <a:schemeClr val="tx1"/>
-            </a:fontRef>
-          </p:style>
-        </p:cxnSp>
-        <p:cxnSp>
-          <p:nvCxnSpPr>
-            <p:cNvPr id="1044" name="Straight Connector 1043">
-              <a:extLst>
-                <a:ext uri="{FF2B5EF4-FFF2-40B4-BE49-F238E27FC236}">
-                  <a16:creationId xmlns:a16="http://schemas.microsoft.com/office/drawing/2014/main" id="{CB3F3B7C-7909-4486-AA08-5C6B625C3A0A}"/>
-                </a:ext>
-                <a:ext uri="{C183D7F6-B498-43B3-948B-1728B52AA6E4}">
-                  <adec:decorative xmlns:adec="http://schemas.microsoft.com/office/drawing/2017/decorative" val="1"/>
-                </a:ext>
-              </a:extLst>
-            </p:cNvPr>
-            <p:cNvCxnSpPr/>
-            <p:nvPr>
-              <p:extLst>
-                <p:ext uri="{386F3935-93C4-4BCD-93E2-E3B085C9AB24}">
-                  <p16:designElem xmlns:p16="http://schemas.microsoft.com/office/powerpoint/2015/main" val="1"/>
-                </p:ext>
-              </p:extLst>
-            </p:nvPr>
-          </p:nvCxnSpPr>
-          <p:spPr>
-            <a:xfrm flipH="1">
-              <a:off x="9206969" y="3190344"/>
-              <a:ext cx="2981857" cy="2981856"/>
-            </a:xfrm>
-            <a:prstGeom prst="line">
-              <a:avLst/>
-            </a:prstGeom>
-            <a:ln w="9525">
-              <a:solidFill>
-                <a:schemeClr val="tx1"/>
-              </a:solidFill>
-            </a:ln>
-          </p:spPr>
-          <p:style>
-            <a:lnRef idx="2">
-              <a:schemeClr val="accent1"/>
-            </a:lnRef>
-            <a:fillRef idx="0">
-              <a:schemeClr val="accent1"/>
-            </a:fillRef>
-            <a:effectRef idx="1">
-              <a:schemeClr val="accent1"/>
-            </a:effectRef>
-            <a:fontRef idx="minor">
-              <a:schemeClr val="tx1"/>
-            </a:fontRef>
-          </p:style>
-        </p:cxnSp>
-        <p:cxnSp>
-          <p:nvCxnSpPr>
-            <p:cNvPr id="1045" name="Straight Connector 1044">
-              <a:extLst>
-                <a:ext uri="{FF2B5EF4-FFF2-40B4-BE49-F238E27FC236}">
-                  <a16:creationId xmlns:a16="http://schemas.microsoft.com/office/drawing/2014/main" id="{00BD7DA8-741F-4296-9363-05EF91541119}"/>
-                </a:ext>
-                <a:ext uri="{C183D7F6-B498-43B3-948B-1728B52AA6E4}">
-                  <adec:decorative xmlns:adec="http://schemas.microsoft.com/office/drawing/2017/decorative" val="1"/>
-                </a:ext>
-              </a:extLst>
-            </p:cNvPr>
-            <p:cNvCxnSpPr/>
-            <p:nvPr>
-              <p:extLst>
-                <p:ext uri="{386F3935-93C4-4BCD-93E2-E3B085C9AB24}">
-                  <p16:designElem xmlns:p16="http://schemas.microsoft.com/office/powerpoint/2015/main" val="1"/>
-                </p:ext>
-              </p:extLst>
-            </p:nvPr>
-          </p:nvCxnSpPr>
-          <p:spPr>
-            <a:xfrm flipH="1">
-              <a:off x="10292292" y="3285067"/>
-              <a:ext cx="1896534" cy="1896533"/>
-            </a:xfrm>
-            <a:prstGeom prst="line">
-              <a:avLst/>
-            </a:prstGeom>
-            <a:ln w="9525">
-              <a:solidFill>
-                <a:schemeClr val="tx1"/>
-              </a:solidFill>
-            </a:ln>
-          </p:spPr>
-          <p:style>
-            <a:lnRef idx="2">
-              <a:schemeClr val="accent1"/>
-            </a:lnRef>
-            <a:fillRef idx="0">
-              <a:schemeClr val="accent1"/>
-            </a:fillRef>
-            <a:effectRef idx="1">
-              <a:schemeClr val="accent1"/>
-            </a:effectRef>
-            <a:fontRef idx="minor">
-              <a:schemeClr val="tx1"/>
-            </a:fontRef>
-          </p:style>
-        </p:cxnSp>
-        <p:cxnSp>
-          <p:nvCxnSpPr>
-            <p:cNvPr id="1046" name="Straight Connector 1045">
-              <a:extLst>
-                <a:ext uri="{FF2B5EF4-FFF2-40B4-BE49-F238E27FC236}">
-                  <a16:creationId xmlns:a16="http://schemas.microsoft.com/office/drawing/2014/main" id="{62068EFC-20FC-456F-839F-4BCFFCAA8197}"/>
-                </a:ext>
-                <a:ext uri="{C183D7F6-B498-43B3-948B-1728B52AA6E4}">
-                  <adec:decorative xmlns:adec="http://schemas.microsoft.com/office/drawing/2017/decorative" val="1"/>
-                </a:ext>
-              </a:extLst>
-            </p:cNvPr>
-            <p:cNvCxnSpPr/>
-            <p:nvPr>
-              <p:extLst>
-                <p:ext uri="{386F3935-93C4-4BCD-93E2-E3B085C9AB24}">
-                  <p16:designElem xmlns:p16="http://schemas.microsoft.com/office/powerpoint/2015/main" val="1"/>
-                </p:ext>
-              </p:extLst>
-            </p:nvPr>
-          </p:nvCxnSpPr>
-          <p:spPr>
-            <a:xfrm flipH="1">
-              <a:off x="10443103" y="3131080"/>
-              <a:ext cx="1745722" cy="1745720"/>
-            </a:xfrm>
-            <a:prstGeom prst="line">
-              <a:avLst/>
-            </a:prstGeom>
-            <a:ln w="28575">
-              <a:solidFill>
-                <a:schemeClr val="tx1"/>
-              </a:solidFill>
-            </a:ln>
-          </p:spPr>
-          <p:style>
-            <a:lnRef idx="2">
-              <a:schemeClr val="accent1"/>
-            </a:lnRef>
-            <a:fillRef idx="0">
-              <a:schemeClr val="accent1"/>
-            </a:fillRef>
-            <a:effectRef idx="1">
-              <a:schemeClr val="accent1"/>
-            </a:effectRef>
-            <a:fontRef idx="minor">
-              <a:schemeClr val="tx1"/>
-            </a:fontRef>
-          </p:style>
-        </p:cxnSp>
-        <p:cxnSp>
-          <p:nvCxnSpPr>
-            <p:cNvPr id="1047" name="Straight Connector 1046">
-              <a:extLst>
-                <a:ext uri="{FF2B5EF4-FFF2-40B4-BE49-F238E27FC236}">
-                  <a16:creationId xmlns:a16="http://schemas.microsoft.com/office/drawing/2014/main" id="{3251C60F-B911-433E-BF75-3BBEFD0538CB}"/>
-                </a:ext>
-                <a:ext uri="{C183D7F6-B498-43B3-948B-1728B52AA6E4}">
-                  <adec:decorative xmlns:adec="http://schemas.microsoft.com/office/drawing/2017/decorative" val="1"/>
-                </a:ext>
-              </a:extLst>
-            </p:cNvPr>
-            <p:cNvCxnSpPr/>
-            <p:nvPr>
-              <p:extLst>
-                <p:ext uri="{386F3935-93C4-4BCD-93E2-E3B085C9AB24}">
-                  <p16:designElem xmlns:p16="http://schemas.microsoft.com/office/powerpoint/2015/main" val="1"/>
-                </p:ext>
-              </p:extLst>
-            </p:nvPr>
-          </p:nvCxnSpPr>
-          <p:spPr>
-            <a:xfrm flipH="1">
-              <a:off x="10918826" y="3683001"/>
-              <a:ext cx="1270001" cy="1269999"/>
-            </a:xfrm>
-            <a:prstGeom prst="line">
-              <a:avLst/>
-            </a:prstGeom>
-            <a:ln w="28575">
-              <a:solidFill>
-                <a:schemeClr val="tx1"/>
-              </a:solidFill>
-            </a:ln>
-          </p:spPr>
-          <p:style>
-            <a:lnRef idx="2">
-              <a:schemeClr val="accent1"/>
-            </a:lnRef>
-            <a:fillRef idx="0">
-              <a:schemeClr val="accent1"/>
-            </a:fillRef>
-            <a:effectRef idx="1">
-              <a:schemeClr val="accent1"/>
-            </a:effectRef>
-            <a:fontRef idx="minor">
-              <a:schemeClr val="tx1"/>
-            </a:fontRef>
-          </p:style>
-        </p:cxnSp>
-      </p:grpSp>
-    </p:spTree>
-    <p:extLst>
-      <p:ext uri="{BB962C8B-B14F-4D97-AF65-F5344CB8AC3E}">
-        <p14:creationId xmlns:p14="http://schemas.microsoft.com/office/powerpoint/2010/main" val="2733793470"/>
-      </p:ext>
-    </p:extLst>
-  </p:cSld>
-  <p:clrMapOvr>
-    <a:masterClrMapping/>
-  </p:clrMapOvr>
-</p:sld>
-</file>
-
-<file path=ppt/slides/slide5.xml><?xml version="1.0" encoding="utf-8"?>
-<p:sld xmlns:a="http://schemas.openxmlformats.org/drawingml/2006/main" xmlns:r="http://schemas.openxmlformats.org/officeDocument/2006/relationships" xmlns:p="http://schemas.openxmlformats.org/presentationml/2006/main">
-  <p:cSld>
-    <p:bg>
-      <p:bgPr>
-        <a:gradFill rotWithShape="1">
-          <a:gsLst>
-            <a:gs pos="10000">
-              <a:schemeClr val="bg2">
-                <a:tint val="97000"/>
-                <a:hueMod val="92000"/>
-                <a:satMod val="169000"/>
-                <a:lumMod val="164000"/>
-              </a:schemeClr>
-            </a:gs>
-            <a:gs pos="100000">
-              <a:schemeClr val="bg2">
-                <a:shade val="96000"/>
-                <a:satMod val="120000"/>
-                <a:lumMod val="90000"/>
-              </a:schemeClr>
-            </a:gs>
-          </a:gsLst>
-          <a:lin ang="6120000" scaled="1"/>
-        </a:gradFill>
-        <a:effectLst/>
-      </p:bgPr>
-    </p:bg>
-    <p:spTree>
-      <p:nvGrpSpPr>
-        <p:cNvPr id="1" name=""/>
-        <p:cNvGrpSpPr/>
-        <p:nvPr/>
-      </p:nvGrpSpPr>
-      <p:grpSpPr>
-        <a:xfrm>
-          <a:off x="0" y="0"/>
-          <a:ext cx="0" cy="0"/>
-          <a:chOff x="0" y="0"/>
-          <a:chExt cx="0" cy="0"/>
-        </a:xfrm>
-      </p:grpSpPr>
-      <p:grpSp>
-        <p:nvGrpSpPr>
-          <p:cNvPr id="2055" name="Group 2054">
-            <a:extLst>
-              <a:ext uri="{FF2B5EF4-FFF2-40B4-BE49-F238E27FC236}">
-                <a16:creationId xmlns:a16="http://schemas.microsoft.com/office/drawing/2014/main" id="{8F1EF17D-1B70-428C-8A8A-A2C5B390E1E9}"/>
-              </a:ext>
-              <a:ext uri="{C183D7F6-B498-43B3-948B-1728B52AA6E4}">
-                <adec:decorative xmlns:adec="http://schemas.microsoft.com/office/drawing/2017/decorative" val="1"/>
-              </a:ext>
-            </a:extLst>
-          </p:cNvPr>
-          <p:cNvGrpSpPr>
-            <a:grpSpLocks noGrp="1" noUngrp="1" noRot="1" noChangeAspect="1" noMove="1" noResize="1"/>
-          </p:cNvGrpSpPr>
-          <p:nvPr>
-            <p:extLst>
-              <p:ext uri="{386F3935-93C4-4BCD-93E2-E3B085C9AB24}">
-                <p16:designElem xmlns:p16="http://schemas.microsoft.com/office/powerpoint/2015/main" val="1"/>
-              </p:ext>
-            </p:extLst>
-          </p:nvPr>
-        </p:nvGrpSpPr>
-        <p:grpSpPr>
-          <a:xfrm>
-            <a:off x="9206969" y="2963333"/>
-            <a:ext cx="2981858" cy="3208867"/>
-            <a:chOff x="9206969" y="2963333"/>
-            <a:chExt cx="2981858" cy="3208867"/>
-          </a:xfrm>
-        </p:grpSpPr>
-        <p:cxnSp>
-          <p:nvCxnSpPr>
-            <p:cNvPr id="2056" name="Straight Connector 2055">
-              <a:extLst>
-                <a:ext uri="{FF2B5EF4-FFF2-40B4-BE49-F238E27FC236}">
-                  <a16:creationId xmlns:a16="http://schemas.microsoft.com/office/drawing/2014/main" id="{12FAEDF3-CEC8-4BF6-8EA7-4079C471838C}"/>
-                </a:ext>
-                <a:ext uri="{C183D7F6-B498-43B3-948B-1728B52AA6E4}">
-                  <adec:decorative xmlns:adec="http://schemas.microsoft.com/office/drawing/2017/decorative" val="1"/>
-                </a:ext>
-              </a:extLst>
-            </p:cNvPr>
-            <p:cNvCxnSpPr/>
-            <p:nvPr>
-              <p:extLst>
-                <p:ext uri="{386F3935-93C4-4BCD-93E2-E3B085C9AB24}">
-                  <p16:designElem xmlns:p16="http://schemas.microsoft.com/office/powerpoint/2015/main" val="1"/>
-                </p:ext>
-              </p:extLst>
-            </p:nvPr>
-          </p:nvCxnSpPr>
-          <p:spPr>
-            <a:xfrm flipH="1">
-              <a:off x="11276012" y="2963333"/>
-              <a:ext cx="912814" cy="912812"/>
-            </a:xfrm>
-            <a:prstGeom prst="line">
-              <a:avLst/>
-            </a:prstGeom>
-            <a:ln w="9525">
-              <a:solidFill>
-                <a:schemeClr val="tx1"/>
-              </a:solidFill>
-            </a:ln>
-          </p:spPr>
-          <p:style>
-            <a:lnRef idx="2">
-              <a:schemeClr val="accent1"/>
-            </a:lnRef>
-            <a:fillRef idx="0">
-              <a:schemeClr val="accent1"/>
-            </a:fillRef>
-            <a:effectRef idx="1">
-              <a:schemeClr val="accent1"/>
-            </a:effectRef>
-            <a:fontRef idx="minor">
-              <a:schemeClr val="tx1"/>
-            </a:fontRef>
-          </p:style>
-        </p:cxnSp>
-        <p:cxnSp>
-          <p:nvCxnSpPr>
-            <p:cNvPr id="2057" name="Straight Connector 2056">
-              <a:extLst>
-                <a:ext uri="{FF2B5EF4-FFF2-40B4-BE49-F238E27FC236}">
-                  <a16:creationId xmlns:a16="http://schemas.microsoft.com/office/drawing/2014/main" id="{398DB8F4-CD77-4FCC-8544-ADE8B478C151}"/>
-                </a:ext>
-                <a:ext uri="{C183D7F6-B498-43B3-948B-1728B52AA6E4}">
-                  <adec:decorative xmlns:adec="http://schemas.microsoft.com/office/drawing/2017/decorative" val="1"/>
-                </a:ext>
-              </a:extLst>
-            </p:cNvPr>
-            <p:cNvCxnSpPr/>
-            <p:nvPr>
-              <p:extLst>
-                <p:ext uri="{386F3935-93C4-4BCD-93E2-E3B085C9AB24}">
-                  <p16:designElem xmlns:p16="http://schemas.microsoft.com/office/powerpoint/2015/main" val="1"/>
-                </p:ext>
-              </p:extLst>
-            </p:nvPr>
-          </p:nvCxnSpPr>
-          <p:spPr>
-            <a:xfrm flipH="1">
-              <a:off x="9206969" y="3190344"/>
-              <a:ext cx="2981857" cy="2981856"/>
-            </a:xfrm>
-            <a:prstGeom prst="line">
-              <a:avLst/>
-            </a:prstGeom>
-            <a:ln w="9525">
-              <a:solidFill>
-                <a:schemeClr val="tx1"/>
-              </a:solidFill>
-            </a:ln>
-          </p:spPr>
-          <p:style>
-            <a:lnRef idx="2">
-              <a:schemeClr val="accent1"/>
-            </a:lnRef>
-            <a:fillRef idx="0">
-              <a:schemeClr val="accent1"/>
-            </a:fillRef>
-            <a:effectRef idx="1">
-              <a:schemeClr val="accent1"/>
-            </a:effectRef>
-            <a:fontRef idx="minor">
-              <a:schemeClr val="tx1"/>
-            </a:fontRef>
-          </p:style>
-        </p:cxnSp>
-        <p:cxnSp>
-          <p:nvCxnSpPr>
-            <p:cNvPr id="2058" name="Straight Connector 2057">
-              <a:extLst>
-                <a:ext uri="{FF2B5EF4-FFF2-40B4-BE49-F238E27FC236}">
-                  <a16:creationId xmlns:a16="http://schemas.microsoft.com/office/drawing/2014/main" id="{22202DFE-039D-48E4-8536-FA30F2489475}"/>
-                </a:ext>
-                <a:ext uri="{C183D7F6-B498-43B3-948B-1728B52AA6E4}">
-                  <adec:decorative xmlns:adec="http://schemas.microsoft.com/office/drawing/2017/decorative" val="1"/>
-                </a:ext>
-              </a:extLst>
-            </p:cNvPr>
-            <p:cNvCxnSpPr/>
-            <p:nvPr>
-              <p:extLst>
-                <p:ext uri="{386F3935-93C4-4BCD-93E2-E3B085C9AB24}">
-                  <p16:designElem xmlns:p16="http://schemas.microsoft.com/office/powerpoint/2015/main" val="1"/>
-                </p:ext>
-              </p:extLst>
-            </p:nvPr>
-          </p:nvCxnSpPr>
-          <p:spPr>
-            <a:xfrm flipH="1">
-              <a:off x="10292292" y="3285067"/>
-              <a:ext cx="1896534" cy="1896533"/>
-            </a:xfrm>
-            <a:prstGeom prst="line">
-              <a:avLst/>
-            </a:prstGeom>
-            <a:ln w="9525">
-              <a:solidFill>
-                <a:schemeClr val="tx1"/>
-              </a:solidFill>
-            </a:ln>
-          </p:spPr>
-          <p:style>
-            <a:lnRef idx="2">
-              <a:schemeClr val="accent1"/>
-            </a:lnRef>
-            <a:fillRef idx="0">
-              <a:schemeClr val="accent1"/>
-            </a:fillRef>
-            <a:effectRef idx="1">
-              <a:schemeClr val="accent1"/>
-            </a:effectRef>
-            <a:fontRef idx="minor">
-              <a:schemeClr val="tx1"/>
-            </a:fontRef>
-          </p:style>
-        </p:cxnSp>
-        <p:cxnSp>
-          <p:nvCxnSpPr>
-            <p:cNvPr id="2059" name="Straight Connector 2058">
-              <a:extLst>
-                <a:ext uri="{FF2B5EF4-FFF2-40B4-BE49-F238E27FC236}">
-                  <a16:creationId xmlns:a16="http://schemas.microsoft.com/office/drawing/2014/main" id="{81F05E26-510E-4164-83C7-28E4FE9D7EA3}"/>
-                </a:ext>
-                <a:ext uri="{C183D7F6-B498-43B3-948B-1728B52AA6E4}">
-                  <adec:decorative xmlns:adec="http://schemas.microsoft.com/office/drawing/2017/decorative" val="1"/>
-                </a:ext>
-              </a:extLst>
-            </p:cNvPr>
-            <p:cNvCxnSpPr/>
-            <p:nvPr>
-              <p:extLst>
-                <p:ext uri="{386F3935-93C4-4BCD-93E2-E3B085C9AB24}">
-                  <p16:designElem xmlns:p16="http://schemas.microsoft.com/office/powerpoint/2015/main" val="1"/>
-                </p:ext>
-              </p:extLst>
-            </p:nvPr>
-          </p:nvCxnSpPr>
-          <p:spPr>
-            <a:xfrm flipH="1">
-              <a:off x="10443103" y="3131080"/>
-              <a:ext cx="1745722" cy="1745720"/>
-            </a:xfrm>
-            <a:prstGeom prst="line">
-              <a:avLst/>
-            </a:prstGeom>
-            <a:ln w="28575">
-              <a:solidFill>
-                <a:schemeClr val="tx1"/>
-              </a:solidFill>
-            </a:ln>
-          </p:spPr>
-          <p:style>
-            <a:lnRef idx="2">
-              <a:schemeClr val="accent1"/>
-            </a:lnRef>
-            <a:fillRef idx="0">
-              <a:schemeClr val="accent1"/>
-            </a:fillRef>
-            <a:effectRef idx="1">
-              <a:schemeClr val="accent1"/>
-            </a:effectRef>
-            <a:fontRef idx="minor">
-              <a:schemeClr val="tx1"/>
-            </a:fontRef>
-          </p:style>
-        </p:cxnSp>
-        <p:cxnSp>
-          <p:nvCxnSpPr>
-            <p:cNvPr id="2060" name="Straight Connector 2059">
-              <a:extLst>
-                <a:ext uri="{FF2B5EF4-FFF2-40B4-BE49-F238E27FC236}">
-                  <a16:creationId xmlns:a16="http://schemas.microsoft.com/office/drawing/2014/main" id="{E632161A-50D4-4D96-887A-98FC9209310C}"/>
-                </a:ext>
-                <a:ext uri="{C183D7F6-B498-43B3-948B-1728B52AA6E4}">
-                  <adec:decorative xmlns:adec="http://schemas.microsoft.com/office/drawing/2017/decorative" val="1"/>
-                </a:ext>
-              </a:extLst>
-            </p:cNvPr>
-            <p:cNvCxnSpPr/>
-            <p:nvPr>
-              <p:extLst>
-                <p:ext uri="{386F3935-93C4-4BCD-93E2-E3B085C9AB24}">
-                  <p16:designElem xmlns:p16="http://schemas.microsoft.com/office/powerpoint/2015/main" val="1"/>
-                </p:ext>
-              </p:extLst>
-            </p:nvPr>
-          </p:nvCxnSpPr>
-          <p:spPr>
-            <a:xfrm flipH="1">
-              <a:off x="10918826" y="3683001"/>
-              <a:ext cx="1270001" cy="1269999"/>
-            </a:xfrm>
-            <a:prstGeom prst="line">
-              <a:avLst/>
-            </a:prstGeom>
-            <a:ln w="28575">
-              <a:solidFill>
-                <a:schemeClr val="tx1"/>
-              </a:solidFill>
-            </a:ln>
-          </p:spPr>
-          <p:style>
-            <a:lnRef idx="2">
-              <a:schemeClr val="accent1"/>
-            </a:lnRef>
-            <a:fillRef idx="0">
-              <a:schemeClr val="accent1"/>
-            </a:fillRef>
-            <a:effectRef idx="1">
-              <a:schemeClr val="accent1"/>
-            </a:effectRef>
-            <a:fontRef idx="minor">
-              <a:schemeClr val="tx1"/>
-            </a:fontRef>
-          </p:style>
-        </p:cxnSp>
-      </p:grpSp>
-      <p:sp useBgFill="1">
-        <p:nvSpPr>
-          <p:cNvPr id="2062" name="Rectangle 2061">
-            <a:extLst>
-              <a:ext uri="{FF2B5EF4-FFF2-40B4-BE49-F238E27FC236}">
-                <a16:creationId xmlns:a16="http://schemas.microsoft.com/office/drawing/2014/main" id="{E09CCB3F-DBCE-4964-9E34-8C5DE80EF4B5}"/>
-              </a:ext>
-              <a:ext uri="{C183D7F6-B498-43B3-948B-1728B52AA6E4}">
-                <adec:decorative xmlns:adec="http://schemas.microsoft.com/office/drawing/2017/decorative" val="1"/>
-              </a:ext>
-            </a:extLst>
-          </p:cNvPr>
-          <p:cNvSpPr>
-            <a:spLocks noGrp="1" noRot="1" noChangeAspect="1" noMove="1" noResize="1" noEditPoints="1" noAdjustHandles="1" noChangeArrowheads="1" noChangeShapeType="1" noTextEdit="1"/>
-          </p:cNvSpPr>
-          <p:nvPr>
-            <p:extLst>
-              <p:ext uri="{386F3935-93C4-4BCD-93E2-E3B085C9AB24}">
-                <p16:designElem xmlns:p16="http://schemas.microsoft.com/office/powerpoint/2015/main" val="1"/>
-              </p:ext>
-            </p:extLst>
-          </p:nvPr>
-        </p:nvSpPr>
-        <p:spPr>
-          <a:xfrm>
-            <a:off x="0" y="0"/>
-            <a:ext cx="12192000" cy="6858000"/>
-          </a:xfrm>
-          <a:prstGeom prst="rect">
-            <a:avLst/>
-          </a:prstGeom>
-          <a:ln>
-            <a:noFill/>
-          </a:ln>
-        </p:spPr>
-        <p:style>
-          <a:lnRef idx="2">
-            <a:schemeClr val="accent1">
-              <a:shade val="50000"/>
-            </a:schemeClr>
-          </a:lnRef>
-          <a:fillRef idx="1">
-            <a:schemeClr val="accent1"/>
-          </a:fillRef>
-          <a:effectRef idx="0">
-            <a:schemeClr val="accent1"/>
-          </a:effectRef>
-          <a:fontRef idx="minor">
-            <a:schemeClr val="lt1"/>
-          </a:fontRef>
-        </p:style>
-        <p:txBody>
-          <a:bodyPr rtlCol="0" anchor="ctr"/>
-          <a:lstStyle/>
-          <a:p>
-            <a:pPr algn="ctr"/>
-            <a:endParaRPr lang="en-US"/>
-          </a:p>
-        </p:txBody>
-      </p:sp>
-      <p:sp>
-        <p:nvSpPr>
-          <p:cNvPr id="2" name="Title 1">
-            <a:extLst>
-              <a:ext uri="{FF2B5EF4-FFF2-40B4-BE49-F238E27FC236}">
-                <a16:creationId xmlns:a16="http://schemas.microsoft.com/office/drawing/2014/main" id="{E39428DC-DBD4-C9B4-35C2-631E0511DD46}"/>
-              </a:ext>
-            </a:extLst>
-          </p:cNvPr>
-          <p:cNvSpPr>
-            <a:spLocks noGrp="1"/>
-          </p:cNvSpPr>
-          <p:nvPr>
-            <p:ph type="title"/>
-          </p:nvPr>
-        </p:nvSpPr>
-        <p:spPr>
-          <a:xfrm>
-            <a:off x="7532710" y="620722"/>
-            <a:ext cx="3518748" cy="1142462"/>
-          </a:xfrm>
-        </p:spPr>
-        <p:txBody>
-          <a:bodyPr vert="horz" lIns="91440" tIns="45720" rIns="91440" bIns="45720" rtlCol="0" anchor="b">
-            <a:normAutofit/>
-          </a:bodyPr>
-          <a:lstStyle/>
-          <a:p>
-            <a:r>
-              <a:rPr lang="en-US" dirty="0"/>
-              <a:t>Stacking turbine</a:t>
-            </a:r>
-          </a:p>
-        </p:txBody>
-      </p:sp>
-      <p:sp>
-        <p:nvSpPr>
-          <p:cNvPr id="2064" name="Snip Diagonal Corner Rectangle 24">
-            <a:extLst>
-              <a:ext uri="{FF2B5EF4-FFF2-40B4-BE49-F238E27FC236}">
-                <a16:creationId xmlns:a16="http://schemas.microsoft.com/office/drawing/2014/main" id="{1DFF944F-74BA-483A-82C0-64E3AAF4AE98}"/>
-              </a:ext>
-              <a:ext uri="{C183D7F6-B498-43B3-948B-1728B52AA6E4}">
-                <adec:decorative xmlns:adec="http://schemas.microsoft.com/office/drawing/2017/decorative" val="1"/>
-              </a:ext>
-            </a:extLst>
-          </p:cNvPr>
-          <p:cNvSpPr>
-            <a:spLocks noGrp="1" noRot="1" noChangeAspect="1" noMove="1" noResize="1" noEditPoints="1" noAdjustHandles="1" noChangeArrowheads="1" noChangeShapeType="1" noTextEdit="1"/>
-          </p:cNvSpPr>
-          <p:nvPr>
-            <p:extLst>
-              <p:ext uri="{386F3935-93C4-4BCD-93E2-E3B085C9AB24}">
-                <p16:designElem xmlns:p16="http://schemas.microsoft.com/office/powerpoint/2015/main" val="1"/>
-              </p:ext>
-            </p:extLst>
-          </p:nvPr>
-        </p:nvSpPr>
-        <p:spPr>
-          <a:xfrm>
-            <a:off x="612990" y="620722"/>
-            <a:ext cx="6575496" cy="5286838"/>
-          </a:xfrm>
-          <a:prstGeom prst="snip2DiagRect">
-            <a:avLst>
-              <a:gd name="adj1" fmla="val 10787"/>
-              <a:gd name="adj2" fmla="val 0"/>
-            </a:avLst>
-          </a:prstGeom>
-          <a:solidFill>
-            <a:schemeClr val="tx1"/>
-          </a:solidFill>
-          <a:ln>
-            <a:noFill/>
-          </a:ln>
-          <a:effectLst>
-            <a:innerShdw blurRad="57150" dist="38100" dir="14460000">
-              <a:prstClr val="black">
-                <a:alpha val="70000"/>
-              </a:prstClr>
-            </a:innerShdw>
-          </a:effectLst>
-        </p:spPr>
-        <p:style>
-          <a:lnRef idx="2">
-            <a:schemeClr val="accent1">
-              <a:shade val="50000"/>
-            </a:schemeClr>
-          </a:lnRef>
-          <a:fillRef idx="1">
-            <a:schemeClr val="accent1"/>
-          </a:fillRef>
-          <a:effectRef idx="0">
-            <a:schemeClr val="accent1"/>
-          </a:effectRef>
-          <a:fontRef idx="minor">
-            <a:schemeClr val="lt1"/>
-          </a:fontRef>
-        </p:style>
-        <p:txBody>
-          <a:bodyPr rtlCol="0" anchor="ctr"/>
-          <a:lstStyle/>
-          <a:p>
-            <a:pPr algn="ctr"/>
-            <a:endParaRPr lang="en-US"/>
-          </a:p>
-        </p:txBody>
-      </p:sp>
-      <p:pic>
-        <p:nvPicPr>
-          <p:cNvPr id="2050" name="Picture 2" descr="A cartoon of a rainbow&#10;&#10;Description automatically generated">
-            <a:extLst>
-              <a:ext uri="{FF2B5EF4-FFF2-40B4-BE49-F238E27FC236}">
-                <a16:creationId xmlns:a16="http://schemas.microsoft.com/office/drawing/2014/main" id="{AEFF573D-D984-AFD1-14E3-09FDFB22A649}"/>
-              </a:ext>
-            </a:extLst>
-          </p:cNvPr>
-          <p:cNvPicPr>
-            <a:picLocks noGrp="1" noChangeAspect="1" noChangeArrowheads="1"/>
-          </p:cNvPicPr>
-          <p:nvPr>
-            <p:ph type="pic" idx="1"/>
-          </p:nvPr>
-        </p:nvPicPr>
-        <p:blipFill rotWithShape="1">
-          <a:blip r:embed="rId2">
-            <a:extLst>
-              <a:ext uri="{28A0092B-C50C-407E-A947-70E740481C1C}">
-                <a14:useLocalDpi xmlns:a14="http://schemas.microsoft.com/office/drawing/2010/main" val="0"/>
-              </a:ext>
-            </a:extLst>
-          </a:blip>
-          <a:srcRect l="5808" r="23309" b="1"/>
-          <a:stretch/>
-        </p:blipFill>
-        <p:spPr bwMode="auto">
-          <a:xfrm>
-            <a:off x="778062" y="786117"/>
-            <a:ext cx="6245352" cy="4956048"/>
+            <a:off x="673560" y="3877299"/>
+            <a:ext cx="3149503" cy="2499312"/>
           </a:xfrm>
           <a:custGeom>
             <a:avLst/>
@@ -7353,6 +7177,18 @@
             </a:pathLst>
           </a:custGeom>
           <a:noFill/>
+          <a:ln w="76200">
+            <a:solidFill>
+              <a:schemeClr val="tx1"/>
+            </a:solidFill>
+          </a:ln>
+          <a:effectLst>
+            <a:innerShdw blurRad="63500" dist="50800" dir="13500000">
+              <a:prstClr val="black">
+                <a:alpha val="50000"/>
+              </a:prstClr>
+            </a:innerShdw>
+          </a:effectLst>
           <a:extLst>
             <a:ext uri="{909E8E84-426E-40DD-AFC4-6F175D3DCCD1}">
               <a14:hiddenFill xmlns:a14="http://schemas.microsoft.com/office/drawing/2010/main">
@@ -7366,39 +7202,52 @@
       </p:pic>
       <p:sp>
         <p:nvSpPr>
-          <p:cNvPr id="4" name="Text Placeholder 3">
+          <p:cNvPr id="5" name="Tekstvak 4">
             <a:extLst>
               <a:ext uri="{FF2B5EF4-FFF2-40B4-BE49-F238E27FC236}">
-                <a16:creationId xmlns:a16="http://schemas.microsoft.com/office/drawing/2014/main" id="{CBC0B3E5-248D-8055-18A2-DE54399EFBDE}"/>
+                <a16:creationId xmlns:a16="http://schemas.microsoft.com/office/drawing/2014/main" id="{99C70B73-C9AE-F2C0-7CB8-FF1622D31D96}"/>
               </a:ext>
             </a:extLst>
           </p:cNvPr>
-          <p:cNvSpPr>
-            <a:spLocks noGrp="1"/>
-          </p:cNvSpPr>
-          <p:nvPr>
-            <p:ph type="body" sz="half" idx="2"/>
-          </p:nvPr>
+          <p:cNvSpPr txBox="1"/>
+          <p:nvPr/>
         </p:nvSpPr>
         <p:spPr>
           <a:xfrm>
-            <a:off x="7532710" y="1822449"/>
-            <a:ext cx="3479419" cy="3070226"/>
+            <a:off x="605836" y="2386149"/>
+            <a:ext cx="3400108" cy="1508105"/>
           </a:xfrm>
+          <a:prstGeom prst="rect">
+            <a:avLst/>
+          </a:prstGeom>
+          <a:noFill/>
         </p:spPr>
         <p:txBody>
-          <a:bodyPr vert="horz" lIns="91440" tIns="45720" rIns="91440" bIns="45720" rtlCol="0" anchor="t">
-            <a:normAutofit/>
+          <a:bodyPr wrap="square" rtlCol="0">
+            <a:spAutoFit/>
           </a:bodyPr>
           <a:lstStyle/>
+          <a:p>
+            <a:r>
+              <a:rPr lang="en-US" sz="1800" dirty="0" err="1"/>
+              <a:t>flappytree</a:t>
+            </a:r>
+            <a:endParaRPr lang="en-US" sz="1800" dirty="0"/>
+          </a:p>
           <a:p>
             <a:pPr>
               <a:buFont typeface="Wingdings 3" panose="05040102010807070707" pitchFamily="18" charset="2"/>
               <a:buChar char=""/>
             </a:pPr>
             <a:r>
-              <a:rPr lang="en-GB" sz="1400" dirty="0"/>
-              <a:t>Objective: Build windmills to combat carbon emissions.</a:t>
+              <a:rPr lang="nl-NL" sz="1400" dirty="0">
+                <a:solidFill>
+                  <a:schemeClr val="bg2">
+                    <a:lumMod val="50000"/>
+                  </a:schemeClr>
+                </a:solidFill>
+              </a:rPr>
+              <a:t>Doel: Navigeer een vogel door een brandend bos.</a:t>
             </a:r>
           </a:p>
           <a:p>
@@ -7407,299 +7256,75 @@
               <a:buChar char=""/>
             </a:pPr>
             <a:r>
-              <a:rPr lang="en-GB" sz="1400" dirty="0"/>
-              <a:t>Benefits of windmills: Renewable energy source, clean energy production, energy independence.</a:t>
-            </a:r>
-            <a:endParaRPr lang="en-US" sz="1400" dirty="0"/>
-          </a:p>
-        </p:txBody>
-      </p:sp>
-      <p:grpSp>
-        <p:nvGrpSpPr>
-          <p:cNvPr id="2066" name="Group 2065">
+              <a:rPr lang="nl-NL" sz="1400" dirty="0">
+                <a:solidFill>
+                  <a:schemeClr val="bg2">
+                    <a:lumMod val="50000"/>
+                  </a:schemeClr>
+                </a:solidFill>
+              </a:rPr>
+              <a:t>Bewustzijn: illustreert de impact van bosbranden</a:t>
+            </a:r>
+            <a:r>
+              <a:rPr lang="en-US" sz="1400" dirty="0">
+                <a:solidFill>
+                  <a:schemeClr val="bg2">
+                    <a:lumMod val="50000"/>
+                  </a:schemeClr>
+                </a:solidFill>
+              </a:rPr>
+              <a:t>.</a:t>
+            </a:r>
+          </a:p>
+          <a:p>
+            <a:endParaRPr lang="nl-BE" dirty="0"/>
+          </a:p>
+        </p:txBody>
+      </p:sp>
+      <p:sp>
+        <p:nvSpPr>
+          <p:cNvPr id="6" name="Tekstvak 5">
             <a:extLst>
               <a:ext uri="{FF2B5EF4-FFF2-40B4-BE49-F238E27FC236}">
-                <a16:creationId xmlns:a16="http://schemas.microsoft.com/office/drawing/2014/main" id="{A9733A91-F958-4629-801A-3F6F1E09AD64}"/>
-              </a:ext>
-              <a:ext uri="{C183D7F6-B498-43B3-948B-1728B52AA6E4}">
-                <adec:decorative xmlns:adec="http://schemas.microsoft.com/office/drawing/2017/decorative" val="1"/>
+                <a16:creationId xmlns:a16="http://schemas.microsoft.com/office/drawing/2014/main" id="{D6490D02-4253-30A1-7D4D-9896805E1918}"/>
               </a:ext>
             </a:extLst>
           </p:cNvPr>
-          <p:cNvGrpSpPr>
-            <a:grpSpLocks noGrp="1" noUngrp="1" noRot="1" noChangeAspect="1" noMove="1" noResize="1"/>
-          </p:cNvGrpSpPr>
-          <p:nvPr>
-            <p:extLst>
-              <p:ext uri="{386F3935-93C4-4BCD-93E2-E3B085C9AB24}">
-                <p16:designElem xmlns:p16="http://schemas.microsoft.com/office/powerpoint/2015/main" val="1"/>
-              </p:ext>
-            </p:extLst>
-          </p:nvPr>
-        </p:nvGrpSpPr>
-        <p:grpSpPr>
+          <p:cNvSpPr txBox="1"/>
+          <p:nvPr/>
+        </p:nvSpPr>
+        <p:spPr>
           <a:xfrm>
-            <a:off x="9206969" y="2963333"/>
-            <a:ext cx="2981858" cy="3208867"/>
-            <a:chOff x="9206969" y="2963333"/>
-            <a:chExt cx="2981858" cy="3208867"/>
+            <a:off x="673560" y="6431460"/>
+            <a:ext cx="6105832" cy="276999"/>
           </a:xfrm>
-        </p:grpSpPr>
-        <p:cxnSp>
-          <p:nvCxnSpPr>
-            <p:cNvPr id="2067" name="Straight Connector 2066">
-              <a:extLst>
-                <a:ext uri="{FF2B5EF4-FFF2-40B4-BE49-F238E27FC236}">
-                  <a16:creationId xmlns:a16="http://schemas.microsoft.com/office/drawing/2014/main" id="{F3812972-C68B-4C59-B3A7-4AF61E935D4A}"/>
-                </a:ext>
-                <a:ext uri="{C183D7F6-B498-43B3-948B-1728B52AA6E4}">
-                  <adec:decorative xmlns:adec="http://schemas.microsoft.com/office/drawing/2017/decorative" val="1"/>
-                </a:ext>
-              </a:extLst>
-            </p:cNvPr>
-            <p:cNvCxnSpPr/>
-            <p:nvPr>
-              <p:extLst>
-                <p:ext uri="{386F3935-93C4-4BCD-93E2-E3B085C9AB24}">
-                  <p16:designElem xmlns:p16="http://schemas.microsoft.com/office/powerpoint/2015/main" val="1"/>
-                </p:ext>
-              </p:extLst>
-            </p:nvPr>
-          </p:nvCxnSpPr>
-          <p:spPr>
-            <a:xfrm flipH="1">
-              <a:off x="11276012" y="2963333"/>
-              <a:ext cx="912814" cy="912812"/>
-            </a:xfrm>
-            <a:prstGeom prst="line">
-              <a:avLst/>
-            </a:prstGeom>
-            <a:ln w="9525">
-              <a:solidFill>
-                <a:schemeClr val="tx1"/>
-              </a:solidFill>
-            </a:ln>
-          </p:spPr>
-          <p:style>
-            <a:lnRef idx="2">
-              <a:schemeClr val="accent1"/>
-            </a:lnRef>
-            <a:fillRef idx="0">
-              <a:schemeClr val="accent1"/>
-            </a:fillRef>
-            <a:effectRef idx="1">
-              <a:schemeClr val="accent1"/>
-            </a:effectRef>
-            <a:fontRef idx="minor">
-              <a:schemeClr val="tx1"/>
-            </a:fontRef>
-          </p:style>
-        </p:cxnSp>
-        <p:cxnSp>
-          <p:nvCxnSpPr>
-            <p:cNvPr id="2068" name="Straight Connector 2067">
-              <a:extLst>
-                <a:ext uri="{FF2B5EF4-FFF2-40B4-BE49-F238E27FC236}">
-                  <a16:creationId xmlns:a16="http://schemas.microsoft.com/office/drawing/2014/main" id="{CB3F3B7C-7909-4486-AA08-5C6B625C3A0A}"/>
-                </a:ext>
-                <a:ext uri="{C183D7F6-B498-43B3-948B-1728B52AA6E4}">
-                  <adec:decorative xmlns:adec="http://schemas.microsoft.com/office/drawing/2017/decorative" val="1"/>
-                </a:ext>
-              </a:extLst>
-            </p:cNvPr>
-            <p:cNvCxnSpPr/>
-            <p:nvPr>
-              <p:extLst>
-                <p:ext uri="{386F3935-93C4-4BCD-93E2-E3B085C9AB24}">
-                  <p16:designElem xmlns:p16="http://schemas.microsoft.com/office/powerpoint/2015/main" val="1"/>
-                </p:ext>
-              </p:extLst>
-            </p:nvPr>
-          </p:nvCxnSpPr>
-          <p:spPr>
-            <a:xfrm flipH="1">
-              <a:off x="9206969" y="3190344"/>
-              <a:ext cx="2981857" cy="2981856"/>
-            </a:xfrm>
-            <a:prstGeom prst="line">
-              <a:avLst/>
-            </a:prstGeom>
-            <a:ln w="9525">
-              <a:solidFill>
-                <a:schemeClr val="tx1"/>
-              </a:solidFill>
-            </a:ln>
-          </p:spPr>
-          <p:style>
-            <a:lnRef idx="2">
-              <a:schemeClr val="accent1"/>
-            </a:lnRef>
-            <a:fillRef idx="0">
-              <a:schemeClr val="accent1"/>
-            </a:fillRef>
-            <a:effectRef idx="1">
-              <a:schemeClr val="accent1"/>
-            </a:effectRef>
-            <a:fontRef idx="minor">
-              <a:schemeClr val="tx1"/>
-            </a:fontRef>
-          </p:style>
-        </p:cxnSp>
-        <p:cxnSp>
-          <p:nvCxnSpPr>
-            <p:cNvPr id="2069" name="Straight Connector 2068">
-              <a:extLst>
-                <a:ext uri="{FF2B5EF4-FFF2-40B4-BE49-F238E27FC236}">
-                  <a16:creationId xmlns:a16="http://schemas.microsoft.com/office/drawing/2014/main" id="{00BD7DA8-741F-4296-9363-05EF91541119}"/>
-                </a:ext>
-                <a:ext uri="{C183D7F6-B498-43B3-948B-1728B52AA6E4}">
-                  <adec:decorative xmlns:adec="http://schemas.microsoft.com/office/drawing/2017/decorative" val="1"/>
-                </a:ext>
-              </a:extLst>
-            </p:cNvPr>
-            <p:cNvCxnSpPr/>
-            <p:nvPr>
-              <p:extLst>
-                <p:ext uri="{386F3935-93C4-4BCD-93E2-E3B085C9AB24}">
-                  <p16:designElem xmlns:p16="http://schemas.microsoft.com/office/powerpoint/2015/main" val="1"/>
-                </p:ext>
-              </p:extLst>
-            </p:nvPr>
-          </p:nvCxnSpPr>
-          <p:spPr>
-            <a:xfrm flipH="1">
-              <a:off x="10292292" y="3285067"/>
-              <a:ext cx="1896534" cy="1896533"/>
-            </a:xfrm>
-            <a:prstGeom prst="line">
-              <a:avLst/>
-            </a:prstGeom>
-            <a:ln w="9525">
-              <a:solidFill>
-                <a:schemeClr val="tx1"/>
-              </a:solidFill>
-            </a:ln>
-          </p:spPr>
-          <p:style>
-            <a:lnRef idx="2">
-              <a:schemeClr val="accent1"/>
-            </a:lnRef>
-            <a:fillRef idx="0">
-              <a:schemeClr val="accent1"/>
-            </a:fillRef>
-            <a:effectRef idx="1">
-              <a:schemeClr val="accent1"/>
-            </a:effectRef>
-            <a:fontRef idx="minor">
-              <a:schemeClr val="tx1"/>
-            </a:fontRef>
-          </p:style>
-        </p:cxnSp>
-        <p:cxnSp>
-          <p:nvCxnSpPr>
-            <p:cNvPr id="2070" name="Straight Connector 2069">
-              <a:extLst>
-                <a:ext uri="{FF2B5EF4-FFF2-40B4-BE49-F238E27FC236}">
-                  <a16:creationId xmlns:a16="http://schemas.microsoft.com/office/drawing/2014/main" id="{62068EFC-20FC-456F-839F-4BCFFCAA8197}"/>
-                </a:ext>
-                <a:ext uri="{C183D7F6-B498-43B3-948B-1728B52AA6E4}">
-                  <adec:decorative xmlns:adec="http://schemas.microsoft.com/office/drawing/2017/decorative" val="1"/>
-                </a:ext>
-              </a:extLst>
-            </p:cNvPr>
-            <p:cNvCxnSpPr/>
-            <p:nvPr>
-              <p:extLst>
-                <p:ext uri="{386F3935-93C4-4BCD-93E2-E3B085C9AB24}">
-                  <p16:designElem xmlns:p16="http://schemas.microsoft.com/office/powerpoint/2015/main" val="1"/>
-                </p:ext>
-              </p:extLst>
-            </p:nvPr>
-          </p:nvCxnSpPr>
-          <p:spPr>
-            <a:xfrm flipH="1">
-              <a:off x="10443103" y="3131080"/>
-              <a:ext cx="1745722" cy="1745720"/>
-            </a:xfrm>
-            <a:prstGeom prst="line">
-              <a:avLst/>
-            </a:prstGeom>
-            <a:ln w="28575">
-              <a:solidFill>
-                <a:schemeClr val="tx1"/>
-              </a:solidFill>
-            </a:ln>
-          </p:spPr>
-          <p:style>
-            <a:lnRef idx="2">
-              <a:schemeClr val="accent1"/>
-            </a:lnRef>
-            <a:fillRef idx="0">
-              <a:schemeClr val="accent1"/>
-            </a:fillRef>
-            <a:effectRef idx="1">
-              <a:schemeClr val="accent1"/>
-            </a:effectRef>
-            <a:fontRef idx="minor">
-              <a:schemeClr val="tx1"/>
-            </a:fontRef>
-          </p:style>
-        </p:cxnSp>
-        <p:cxnSp>
-          <p:nvCxnSpPr>
-            <p:cNvPr id="2071" name="Straight Connector 2070">
-              <a:extLst>
-                <a:ext uri="{FF2B5EF4-FFF2-40B4-BE49-F238E27FC236}">
-                  <a16:creationId xmlns:a16="http://schemas.microsoft.com/office/drawing/2014/main" id="{3251C60F-B911-433E-BF75-3BBEFD0538CB}"/>
-                </a:ext>
-                <a:ext uri="{C183D7F6-B498-43B3-948B-1728B52AA6E4}">
-                  <adec:decorative xmlns:adec="http://schemas.microsoft.com/office/drawing/2017/decorative" val="1"/>
-                </a:ext>
-              </a:extLst>
-            </p:cNvPr>
-            <p:cNvCxnSpPr/>
-            <p:nvPr>
-              <p:extLst>
-                <p:ext uri="{386F3935-93C4-4BCD-93E2-E3B085C9AB24}">
-                  <p16:designElem xmlns:p16="http://schemas.microsoft.com/office/powerpoint/2015/main" val="1"/>
-                </p:ext>
-              </p:extLst>
-            </p:nvPr>
-          </p:nvCxnSpPr>
-          <p:spPr>
-            <a:xfrm flipH="1">
-              <a:off x="10918826" y="3683001"/>
-              <a:ext cx="1270001" cy="1269999"/>
-            </a:xfrm>
-            <a:prstGeom prst="line">
-              <a:avLst/>
-            </a:prstGeom>
-            <a:ln w="28575">
-              <a:solidFill>
-                <a:schemeClr val="tx1"/>
-              </a:solidFill>
-            </a:ln>
-          </p:spPr>
-          <p:style>
-            <a:lnRef idx="2">
-              <a:schemeClr val="accent1"/>
-            </a:lnRef>
-            <a:fillRef idx="0">
-              <a:schemeClr val="accent1"/>
-            </a:fillRef>
-            <a:effectRef idx="1">
-              <a:schemeClr val="accent1"/>
-            </a:effectRef>
-            <a:fontRef idx="minor">
-              <a:schemeClr val="tx1"/>
-            </a:fontRef>
-          </p:style>
-        </p:cxnSp>
-      </p:grpSp>
+          <a:prstGeom prst="rect">
+            <a:avLst/>
+          </a:prstGeom>
+          <a:noFill/>
+        </p:spPr>
+        <p:txBody>
+          <a:bodyPr wrap="square">
+            <a:spAutoFit/>
+          </a:bodyPr>
+          <a:lstStyle/>
+          <a:p>
+            <a:r>
+              <a:rPr lang="nl-BE" sz="1200" dirty="0"/>
+              <a:t>Nigel </a:t>
+            </a:r>
+            <a:r>
+              <a:rPr lang="nl-BE" sz="1200" dirty="0" err="1"/>
+              <a:t>Belderbos</a:t>
+            </a:r>
+            <a:endParaRPr lang="nl-BE" sz="1200" dirty="0"/>
+          </a:p>
+        </p:txBody>
+      </p:sp>
     </p:spTree>
     <p:extLst>
       <p:ext uri="{BB962C8B-B14F-4D97-AF65-F5344CB8AC3E}">
-        <p14:creationId xmlns:p14="http://schemas.microsoft.com/office/powerpoint/2010/main" val="2922298394"/>
+        <p14:creationId xmlns:p14="http://schemas.microsoft.com/office/powerpoint/2010/main" val="1302534092"/>
       </p:ext>
     </p:extLst>
   </p:cSld>
@@ -7712,31 +7337,6 @@
 <file path=ppt/slides/slide6.xml><?xml version="1.0" encoding="utf-8"?>
 <p:sld xmlns:a="http://schemas.openxmlformats.org/drawingml/2006/main" xmlns:r="http://schemas.openxmlformats.org/officeDocument/2006/relationships" xmlns:p="http://schemas.openxmlformats.org/presentationml/2006/main">
   <p:cSld>
-    <p:bg>
-      <p:bgPr>
-        <a:gradFill rotWithShape="1">
-          <a:gsLst>
-            <a:gs pos="10000">
-              <a:schemeClr val="bg2">
-                <a:tint val="97000"/>
-                <a:hueMod val="92000"/>
-                <a:satMod val="169000"/>
-                <a:lumMod val="164000"/>
-              </a:schemeClr>
-            </a:gs>
-            <a:gs pos="100000">
-              <a:schemeClr val="bg2">
-                <a:shade val="96000"/>
-                <a:satMod val="120000"/>
-                <a:lumMod val="90000"/>
-              </a:schemeClr>
-            </a:gs>
-          </a:gsLst>
-          <a:lin ang="6120000" scaled="1"/>
-        </a:gradFill>
-        <a:effectLst/>
-      </p:bgPr>
-    </p:bg>
     <p:spTree>
       <p:nvGrpSpPr>
         <p:cNvPr id="1" name=""/>
@@ -7751,471 +7351,53 @@
           <a:chExt cx="0" cy="0"/>
         </a:xfrm>
       </p:grpSpPr>
-      <p:grpSp>
-        <p:nvGrpSpPr>
-          <p:cNvPr id="3079" name="Group 3078">
+      <p:sp>
+        <p:nvSpPr>
+          <p:cNvPr id="2" name="Titel 1">
             <a:extLst>
               <a:ext uri="{FF2B5EF4-FFF2-40B4-BE49-F238E27FC236}">
-                <a16:creationId xmlns:a16="http://schemas.microsoft.com/office/drawing/2014/main" id="{8F1EF17D-1B70-428C-8A8A-A2C5B390E1E9}"/>
-              </a:ext>
-              <a:ext uri="{C183D7F6-B498-43B3-948B-1728B52AA6E4}">
-                <adec:decorative xmlns:adec="http://schemas.microsoft.com/office/drawing/2017/decorative" val="1"/>
+                <a16:creationId xmlns:a16="http://schemas.microsoft.com/office/drawing/2014/main" id="{45ABA206-AFA3-2551-E62B-0959901A269D}"/>
               </a:ext>
             </a:extLst>
           </p:cNvPr>
-          <p:cNvGrpSpPr>
-            <a:grpSpLocks noGrp="1" noUngrp="1" noRot="1" noChangeAspect="1" noMove="1" noResize="1"/>
-          </p:cNvGrpSpPr>
-          <p:nvPr>
-            <p:extLst>
-              <p:ext uri="{386F3935-93C4-4BCD-93E2-E3B085C9AB24}">
-                <p16:designElem xmlns:p16="http://schemas.microsoft.com/office/powerpoint/2015/main" val="1"/>
-              </p:ext>
-            </p:extLst>
-          </p:nvPr>
-        </p:nvGrpSpPr>
-        <p:grpSpPr>
+          <p:cNvSpPr>
+            <a:spLocks noGrp="1"/>
+          </p:cNvSpPr>
+          <p:nvPr>
+            <p:ph type="title"/>
+          </p:nvPr>
+        </p:nvSpPr>
+        <p:spPr>
           <a:xfrm>
-            <a:off x="9206969" y="2963333"/>
-            <a:ext cx="2981858" cy="3208867"/>
-            <a:chOff x="9206969" y="2963333"/>
-            <a:chExt cx="2981858" cy="3208867"/>
+            <a:off x="613280" y="427254"/>
+            <a:ext cx="8534400" cy="1507067"/>
           </a:xfrm>
-        </p:grpSpPr>
-        <p:cxnSp>
-          <p:nvCxnSpPr>
-            <p:cNvPr id="3080" name="Straight Connector 3079">
-              <a:extLst>
-                <a:ext uri="{FF2B5EF4-FFF2-40B4-BE49-F238E27FC236}">
-                  <a16:creationId xmlns:a16="http://schemas.microsoft.com/office/drawing/2014/main" id="{12FAEDF3-CEC8-4BF6-8EA7-4079C471838C}"/>
-                </a:ext>
-                <a:ext uri="{C183D7F6-B498-43B3-948B-1728B52AA6E4}">
-                  <adec:decorative xmlns:adec="http://schemas.microsoft.com/office/drawing/2017/decorative" val="1"/>
-                </a:ext>
-              </a:extLst>
-            </p:cNvPr>
-            <p:cNvCxnSpPr/>
-            <p:nvPr>
-              <p:extLst>
-                <p:ext uri="{386F3935-93C4-4BCD-93E2-E3B085C9AB24}">
-                  <p16:designElem xmlns:p16="http://schemas.microsoft.com/office/powerpoint/2015/main" val="1"/>
-                </p:ext>
-              </p:extLst>
-            </p:nvPr>
-          </p:nvCxnSpPr>
-          <p:spPr>
-            <a:xfrm flipH="1">
-              <a:off x="11276012" y="2963333"/>
-              <a:ext cx="912814" cy="912812"/>
-            </a:xfrm>
-            <a:prstGeom prst="line">
-              <a:avLst/>
-            </a:prstGeom>
-            <a:ln w="9525">
-              <a:solidFill>
-                <a:schemeClr val="tx1"/>
-              </a:solidFill>
-            </a:ln>
-          </p:spPr>
-          <p:style>
-            <a:lnRef idx="2">
-              <a:schemeClr val="accent1"/>
-            </a:lnRef>
-            <a:fillRef idx="0">
-              <a:schemeClr val="accent1"/>
-            </a:fillRef>
-            <a:effectRef idx="1">
-              <a:schemeClr val="accent1"/>
-            </a:effectRef>
-            <a:fontRef idx="minor">
-              <a:schemeClr val="tx1"/>
-            </a:fontRef>
-          </p:style>
-        </p:cxnSp>
-        <p:cxnSp>
-          <p:nvCxnSpPr>
-            <p:cNvPr id="3081" name="Straight Connector 3080">
-              <a:extLst>
-                <a:ext uri="{FF2B5EF4-FFF2-40B4-BE49-F238E27FC236}">
-                  <a16:creationId xmlns:a16="http://schemas.microsoft.com/office/drawing/2014/main" id="{398DB8F4-CD77-4FCC-8544-ADE8B478C151}"/>
-                </a:ext>
-                <a:ext uri="{C183D7F6-B498-43B3-948B-1728B52AA6E4}">
-                  <adec:decorative xmlns:adec="http://schemas.microsoft.com/office/drawing/2017/decorative" val="1"/>
-                </a:ext>
-              </a:extLst>
-            </p:cNvPr>
-            <p:cNvCxnSpPr/>
-            <p:nvPr>
-              <p:extLst>
-                <p:ext uri="{386F3935-93C4-4BCD-93E2-E3B085C9AB24}">
-                  <p16:designElem xmlns:p16="http://schemas.microsoft.com/office/powerpoint/2015/main" val="1"/>
-                </p:ext>
-              </p:extLst>
-            </p:nvPr>
-          </p:nvCxnSpPr>
-          <p:spPr>
-            <a:xfrm flipH="1">
-              <a:off x="9206969" y="3190344"/>
-              <a:ext cx="2981857" cy="2981856"/>
-            </a:xfrm>
-            <a:prstGeom prst="line">
-              <a:avLst/>
-            </a:prstGeom>
-            <a:ln w="9525">
-              <a:solidFill>
-                <a:schemeClr val="tx1"/>
-              </a:solidFill>
-            </a:ln>
-          </p:spPr>
-          <p:style>
-            <a:lnRef idx="2">
-              <a:schemeClr val="accent1"/>
-            </a:lnRef>
-            <a:fillRef idx="0">
-              <a:schemeClr val="accent1"/>
-            </a:fillRef>
-            <a:effectRef idx="1">
-              <a:schemeClr val="accent1"/>
-            </a:effectRef>
-            <a:fontRef idx="minor">
-              <a:schemeClr val="tx1"/>
-            </a:fontRef>
-          </p:style>
-        </p:cxnSp>
-        <p:cxnSp>
-          <p:nvCxnSpPr>
-            <p:cNvPr id="3082" name="Straight Connector 3081">
-              <a:extLst>
-                <a:ext uri="{FF2B5EF4-FFF2-40B4-BE49-F238E27FC236}">
-                  <a16:creationId xmlns:a16="http://schemas.microsoft.com/office/drawing/2014/main" id="{22202DFE-039D-48E4-8536-FA30F2489475}"/>
-                </a:ext>
-                <a:ext uri="{C183D7F6-B498-43B3-948B-1728B52AA6E4}">
-                  <adec:decorative xmlns:adec="http://schemas.microsoft.com/office/drawing/2017/decorative" val="1"/>
-                </a:ext>
-              </a:extLst>
-            </p:cNvPr>
-            <p:cNvCxnSpPr/>
-            <p:nvPr>
-              <p:extLst>
-                <p:ext uri="{386F3935-93C4-4BCD-93E2-E3B085C9AB24}">
-                  <p16:designElem xmlns:p16="http://schemas.microsoft.com/office/powerpoint/2015/main" val="1"/>
-                </p:ext>
-              </p:extLst>
-            </p:nvPr>
-          </p:nvCxnSpPr>
-          <p:spPr>
-            <a:xfrm flipH="1">
-              <a:off x="10292292" y="3285067"/>
-              <a:ext cx="1896534" cy="1896533"/>
-            </a:xfrm>
-            <a:prstGeom prst="line">
-              <a:avLst/>
-            </a:prstGeom>
-            <a:ln w="9525">
-              <a:solidFill>
-                <a:schemeClr val="tx1"/>
-              </a:solidFill>
-            </a:ln>
-          </p:spPr>
-          <p:style>
-            <a:lnRef idx="2">
-              <a:schemeClr val="accent1"/>
-            </a:lnRef>
-            <a:fillRef idx="0">
-              <a:schemeClr val="accent1"/>
-            </a:fillRef>
-            <a:effectRef idx="1">
-              <a:schemeClr val="accent1"/>
-            </a:effectRef>
-            <a:fontRef idx="minor">
-              <a:schemeClr val="tx1"/>
-            </a:fontRef>
-          </p:style>
-        </p:cxnSp>
-        <p:cxnSp>
-          <p:nvCxnSpPr>
-            <p:cNvPr id="3083" name="Straight Connector 3082">
-              <a:extLst>
-                <a:ext uri="{FF2B5EF4-FFF2-40B4-BE49-F238E27FC236}">
-                  <a16:creationId xmlns:a16="http://schemas.microsoft.com/office/drawing/2014/main" id="{81F05E26-510E-4164-83C7-28E4FE9D7EA3}"/>
-                </a:ext>
-                <a:ext uri="{C183D7F6-B498-43B3-948B-1728B52AA6E4}">
-                  <adec:decorative xmlns:adec="http://schemas.microsoft.com/office/drawing/2017/decorative" val="1"/>
-                </a:ext>
-              </a:extLst>
-            </p:cNvPr>
-            <p:cNvCxnSpPr/>
-            <p:nvPr>
-              <p:extLst>
-                <p:ext uri="{386F3935-93C4-4BCD-93E2-E3B085C9AB24}">
-                  <p16:designElem xmlns:p16="http://schemas.microsoft.com/office/powerpoint/2015/main" val="1"/>
-                </p:ext>
-              </p:extLst>
-            </p:nvPr>
-          </p:nvCxnSpPr>
-          <p:spPr>
-            <a:xfrm flipH="1">
-              <a:off x="10443103" y="3131080"/>
-              <a:ext cx="1745722" cy="1745720"/>
-            </a:xfrm>
-            <a:prstGeom prst="line">
-              <a:avLst/>
-            </a:prstGeom>
-            <a:ln w="28575">
-              <a:solidFill>
-                <a:schemeClr val="tx1"/>
-              </a:solidFill>
-            </a:ln>
-          </p:spPr>
-          <p:style>
-            <a:lnRef idx="2">
-              <a:schemeClr val="accent1"/>
-            </a:lnRef>
-            <a:fillRef idx="0">
-              <a:schemeClr val="accent1"/>
-            </a:fillRef>
-            <a:effectRef idx="1">
-              <a:schemeClr val="accent1"/>
-            </a:effectRef>
-            <a:fontRef idx="minor">
-              <a:schemeClr val="tx1"/>
-            </a:fontRef>
-          </p:style>
-        </p:cxnSp>
-        <p:cxnSp>
-          <p:nvCxnSpPr>
-            <p:cNvPr id="3084" name="Straight Connector 3083">
-              <a:extLst>
-                <a:ext uri="{FF2B5EF4-FFF2-40B4-BE49-F238E27FC236}">
-                  <a16:creationId xmlns:a16="http://schemas.microsoft.com/office/drawing/2014/main" id="{E632161A-50D4-4D96-887A-98FC9209310C}"/>
-                </a:ext>
-                <a:ext uri="{C183D7F6-B498-43B3-948B-1728B52AA6E4}">
-                  <adec:decorative xmlns:adec="http://schemas.microsoft.com/office/drawing/2017/decorative" val="1"/>
-                </a:ext>
-              </a:extLst>
-            </p:cNvPr>
-            <p:cNvCxnSpPr/>
-            <p:nvPr>
-              <p:extLst>
-                <p:ext uri="{386F3935-93C4-4BCD-93E2-E3B085C9AB24}">
-                  <p16:designElem xmlns:p16="http://schemas.microsoft.com/office/powerpoint/2015/main" val="1"/>
-                </p:ext>
-              </p:extLst>
-            </p:nvPr>
-          </p:nvCxnSpPr>
-          <p:spPr>
-            <a:xfrm flipH="1">
-              <a:off x="10918826" y="3683001"/>
-              <a:ext cx="1270001" cy="1269999"/>
-            </a:xfrm>
-            <a:prstGeom prst="line">
-              <a:avLst/>
-            </a:prstGeom>
-            <a:ln w="28575">
-              <a:solidFill>
-                <a:schemeClr val="tx1"/>
-              </a:solidFill>
-            </a:ln>
-          </p:spPr>
-          <p:style>
-            <a:lnRef idx="2">
-              <a:schemeClr val="accent1"/>
-            </a:lnRef>
-            <a:fillRef idx="0">
-              <a:schemeClr val="accent1"/>
-            </a:fillRef>
-            <a:effectRef idx="1">
-              <a:schemeClr val="accent1"/>
-            </a:effectRef>
-            <a:fontRef idx="minor">
-              <a:schemeClr val="tx1"/>
-            </a:fontRef>
-          </p:style>
-        </p:cxnSp>
-      </p:grpSp>
-      <p:sp useBgFill="1">
-        <p:nvSpPr>
-          <p:cNvPr id="3086" name="Rectangle 3085">
+        </p:spPr>
+        <p:txBody>
+          <a:bodyPr/>
+          <a:lstStyle/>
+          <a:p>
+            <a:r>
+              <a:rPr lang="nl-NL" dirty="0"/>
+              <a:t>industrieel</a:t>
+            </a:r>
+            <a:endParaRPr lang="nl-BE" dirty="0"/>
+          </a:p>
+        </p:txBody>
+      </p:sp>
+      <p:pic>
+        <p:nvPicPr>
+          <p:cNvPr id="3" name="Picture 2" descr="A cartoon of a rainbow&#10;&#10;Description automatically generated">
             <a:extLst>
               <a:ext uri="{FF2B5EF4-FFF2-40B4-BE49-F238E27FC236}">
-                <a16:creationId xmlns:a16="http://schemas.microsoft.com/office/drawing/2014/main" id="{E09CCB3F-DBCE-4964-9E34-8C5DE80EF4B5}"/>
-              </a:ext>
-              <a:ext uri="{C183D7F6-B498-43B3-948B-1728B52AA6E4}">
-                <adec:decorative xmlns:adec="http://schemas.microsoft.com/office/drawing/2017/decorative" val="1"/>
-              </a:ext>
-            </a:extLst>
-          </p:cNvPr>
-          <p:cNvSpPr>
-            <a:spLocks noGrp="1" noRot="1" noChangeAspect="1" noMove="1" noResize="1" noEditPoints="1" noAdjustHandles="1" noChangeArrowheads="1" noChangeShapeType="1" noTextEdit="1"/>
-          </p:cNvSpPr>
-          <p:nvPr>
-            <p:extLst>
-              <p:ext uri="{386F3935-93C4-4BCD-93E2-E3B085C9AB24}">
-                <p16:designElem xmlns:p16="http://schemas.microsoft.com/office/powerpoint/2015/main" val="1"/>
-              </p:ext>
-            </p:extLst>
-          </p:nvPr>
-        </p:nvSpPr>
-        <p:spPr>
-          <a:xfrm>
-            <a:off x="0" y="0"/>
-            <a:ext cx="12192000" cy="6858000"/>
-          </a:xfrm>
-          <a:prstGeom prst="rect">
-            <a:avLst/>
-          </a:prstGeom>
-          <a:ln>
-            <a:noFill/>
-          </a:ln>
-        </p:spPr>
-        <p:style>
-          <a:lnRef idx="2">
-            <a:schemeClr val="accent1">
-              <a:shade val="50000"/>
-            </a:schemeClr>
-          </a:lnRef>
-          <a:fillRef idx="1">
-            <a:schemeClr val="accent1"/>
-          </a:fillRef>
-          <a:effectRef idx="0">
-            <a:schemeClr val="accent1"/>
-          </a:effectRef>
-          <a:fontRef idx="minor">
-            <a:schemeClr val="lt1"/>
-          </a:fontRef>
-        </p:style>
-        <p:txBody>
-          <a:bodyPr rtlCol="0" anchor="ctr"/>
-          <a:lstStyle/>
-          <a:p>
-            <a:pPr algn="ctr"/>
-            <a:endParaRPr lang="en-US"/>
-          </a:p>
-        </p:txBody>
-      </p:sp>
-      <p:sp>
-        <p:nvSpPr>
-          <p:cNvPr id="2" name="Title 1">
-            <a:extLst>
-              <a:ext uri="{FF2B5EF4-FFF2-40B4-BE49-F238E27FC236}">
-                <a16:creationId xmlns:a16="http://schemas.microsoft.com/office/drawing/2014/main" id="{94A9EA5F-699B-3A38-6503-1874F1DB90B7}"/>
-              </a:ext>
-            </a:extLst>
-          </p:cNvPr>
-          <p:cNvSpPr>
-            <a:spLocks noGrp="1"/>
-          </p:cNvSpPr>
-          <p:nvPr>
-            <p:ph type="title"/>
-          </p:nvPr>
-        </p:nvSpPr>
-        <p:spPr>
-          <a:xfrm>
-            <a:off x="7532710" y="620722"/>
-            <a:ext cx="3518748" cy="1142462"/>
-          </a:xfrm>
-        </p:spPr>
-        <p:txBody>
-          <a:bodyPr vert="horz" lIns="91440" tIns="45720" rIns="91440" bIns="45720" rtlCol="0" anchor="b">
-            <a:normAutofit/>
-          </a:bodyPr>
-          <a:lstStyle/>
-          <a:p>
-            <a:r>
-              <a:rPr lang="en-US"/>
-              <a:t>Forest on fire</a:t>
-            </a:r>
-          </a:p>
-        </p:txBody>
-      </p:sp>
-      <p:sp>
-        <p:nvSpPr>
-          <p:cNvPr id="3088" name="Snip Diagonal Corner Rectangle 24">
-            <a:extLst>
-              <a:ext uri="{FF2B5EF4-FFF2-40B4-BE49-F238E27FC236}">
-                <a16:creationId xmlns:a16="http://schemas.microsoft.com/office/drawing/2014/main" id="{1DFF944F-74BA-483A-82C0-64E3AAF4AE98}"/>
-              </a:ext>
-              <a:ext uri="{C183D7F6-B498-43B3-948B-1728B52AA6E4}">
-                <adec:decorative xmlns:adec="http://schemas.microsoft.com/office/drawing/2017/decorative" val="1"/>
-              </a:ext>
-            </a:extLst>
-          </p:cNvPr>
-          <p:cNvSpPr>
-            <a:spLocks noGrp="1" noRot="1" noChangeAspect="1" noMove="1" noResize="1" noEditPoints="1" noAdjustHandles="1" noChangeArrowheads="1" noChangeShapeType="1" noTextEdit="1"/>
-          </p:cNvSpPr>
-          <p:nvPr>
-            <p:extLst>
-              <p:ext uri="{386F3935-93C4-4BCD-93E2-E3B085C9AB24}">
-                <p16:designElem xmlns:p16="http://schemas.microsoft.com/office/powerpoint/2015/main" val="1"/>
-              </p:ext>
-            </p:extLst>
-          </p:nvPr>
-        </p:nvSpPr>
-        <p:spPr>
-          <a:xfrm>
-            <a:off x="612990" y="620722"/>
-            <a:ext cx="6575496" cy="5286838"/>
-          </a:xfrm>
-          <a:prstGeom prst="snip2DiagRect">
-            <a:avLst>
-              <a:gd name="adj1" fmla="val 10787"/>
-              <a:gd name="adj2" fmla="val 0"/>
-            </a:avLst>
-          </a:prstGeom>
-          <a:solidFill>
-            <a:schemeClr val="tx1"/>
-          </a:solidFill>
-          <a:ln>
-            <a:noFill/>
-          </a:ln>
-          <a:effectLst>
-            <a:innerShdw blurRad="57150" dist="38100" dir="14460000">
-              <a:prstClr val="black">
-                <a:alpha val="70000"/>
-              </a:prstClr>
-            </a:innerShdw>
-          </a:effectLst>
-        </p:spPr>
-        <p:style>
-          <a:lnRef idx="2">
-            <a:schemeClr val="accent1">
-              <a:shade val="50000"/>
-            </a:schemeClr>
-          </a:lnRef>
-          <a:fillRef idx="1">
-            <a:schemeClr val="accent1"/>
-          </a:fillRef>
-          <a:effectRef idx="0">
-            <a:schemeClr val="accent1"/>
-          </a:effectRef>
-          <a:fontRef idx="minor">
-            <a:schemeClr val="lt1"/>
-          </a:fontRef>
-        </p:style>
-        <p:txBody>
-          <a:bodyPr rtlCol="0" anchor="ctr"/>
-          <a:lstStyle/>
-          <a:p>
-            <a:pPr algn="ctr"/>
-            <a:endParaRPr lang="en-US"/>
-          </a:p>
-        </p:txBody>
-      </p:sp>
-      <p:pic>
-        <p:nvPicPr>
-          <p:cNvPr id="3074" name="Picture 2" descr="flappy image">
-            <a:extLst>
-              <a:ext uri="{FF2B5EF4-FFF2-40B4-BE49-F238E27FC236}">
-                <a16:creationId xmlns:a16="http://schemas.microsoft.com/office/drawing/2014/main" id="{8530AD39-62EC-12DA-0C3A-43A3AA5E8996}"/>
+                <a16:creationId xmlns:a16="http://schemas.microsoft.com/office/drawing/2014/main" id="{C5A75148-47F7-57C1-E93B-02BF8456B8BF}"/>
               </a:ext>
             </a:extLst>
           </p:cNvPr>
           <p:cNvPicPr>
-            <a:picLocks noGrp="1" noChangeAspect="1" noChangeArrowheads="1"/>
+            <a:picLocks noChangeAspect="1" noChangeArrowheads="1"/>
           </p:cNvPicPr>
-          <p:nvPr>
-            <p:ph type="pic" idx="1"/>
-          </p:nvPr>
+          <p:nvPr/>
         </p:nvPicPr>
         <p:blipFill rotWithShape="1">
           <a:blip r:embed="rId2">
@@ -8225,13 +7407,13 @@
               </a:ext>
             </a:extLst>
           </a:blip>
-          <a:srcRect l="29117" r="1" b="1"/>
+          <a:srcRect l="5808" r="23309" b="1"/>
           <a:stretch/>
         </p:blipFill>
         <p:spPr bwMode="auto">
           <a:xfrm>
-            <a:off x="778062" y="786117"/>
-            <a:ext cx="6245352" cy="4956048"/>
+            <a:off x="613280" y="3675334"/>
+            <a:ext cx="3056119" cy="2425207"/>
           </a:xfrm>
           <a:custGeom>
             <a:avLst/>
@@ -8264,6 +7446,18 @@
             </a:pathLst>
           </a:custGeom>
           <a:noFill/>
+          <a:ln w="76200">
+            <a:solidFill>
+              <a:schemeClr val="tx1"/>
+            </a:solidFill>
+          </a:ln>
+          <a:effectLst>
+            <a:innerShdw blurRad="63500" dist="50800" dir="13500000">
+              <a:prstClr val="black">
+                <a:alpha val="50000"/>
+              </a:prstClr>
+            </a:innerShdw>
+          </a:effectLst>
           <a:extLst>
             <a:ext uri="{909E8E84-426E-40DD-AFC4-6F175D3DCCD1}">
               <a14:hiddenFill xmlns:a14="http://schemas.microsoft.com/office/drawing/2010/main">
@@ -8275,861 +7469,22 @@
           </a:extLst>
         </p:spPr>
       </p:pic>
-      <p:sp>
-        <p:nvSpPr>
-          <p:cNvPr id="4" name="Text Placeholder 3">
+      <p:pic>
+        <p:nvPicPr>
+          <p:cNvPr id="4" name="Picture 2" descr="factory wrecking image">
             <a:extLst>
               <a:ext uri="{FF2B5EF4-FFF2-40B4-BE49-F238E27FC236}">
-                <a16:creationId xmlns:a16="http://schemas.microsoft.com/office/drawing/2014/main" id="{6B1362B7-440D-4275-4484-595221EB28B0}"/>
-              </a:ext>
-            </a:extLst>
-          </p:cNvPr>
-          <p:cNvSpPr>
-            <a:spLocks noGrp="1"/>
-          </p:cNvSpPr>
-          <p:nvPr>
-            <p:ph type="body" sz="half" idx="2"/>
-          </p:nvPr>
-        </p:nvSpPr>
-        <p:spPr>
-          <a:xfrm>
-            <a:off x="7532710" y="1822449"/>
-            <a:ext cx="3479419" cy="3070226"/>
-          </a:xfrm>
-        </p:spPr>
-        <p:txBody>
-          <a:bodyPr vert="horz" lIns="91440" tIns="45720" rIns="91440" bIns="45720" rtlCol="0" anchor="t">
-            <a:normAutofit/>
-          </a:bodyPr>
-          <a:lstStyle/>
-          <a:p>
-            <a:pPr>
-              <a:buFont typeface="Wingdings 3" panose="05040102010807070707" pitchFamily="18" charset="2"/>
-              <a:buChar char=""/>
-            </a:pPr>
-            <a:r>
-              <a:rPr lang="en-GB" sz="1400" dirty="0"/>
-              <a:t>Objective: Navigate a bird through a burning forest.</a:t>
-            </a:r>
-          </a:p>
-          <a:p>
-            <a:pPr>
-              <a:buFont typeface="Wingdings 3" panose="05040102010807070707" pitchFamily="18" charset="2"/>
-              <a:buChar char=""/>
-            </a:pPr>
-            <a:r>
-              <a:rPr lang="en-GB" sz="1400" dirty="0"/>
-              <a:t>Awareness: Illustrates the impact of wildfires.</a:t>
-            </a:r>
-            <a:endParaRPr lang="en-US" sz="1400" dirty="0"/>
-          </a:p>
-        </p:txBody>
-      </p:sp>
-      <p:grpSp>
-        <p:nvGrpSpPr>
-          <p:cNvPr id="3090" name="Group 3089">
-            <a:extLst>
-              <a:ext uri="{FF2B5EF4-FFF2-40B4-BE49-F238E27FC236}">
-                <a16:creationId xmlns:a16="http://schemas.microsoft.com/office/drawing/2014/main" id="{A9733A91-F958-4629-801A-3F6F1E09AD64}"/>
-              </a:ext>
-              <a:ext uri="{C183D7F6-B498-43B3-948B-1728B52AA6E4}">
-                <adec:decorative xmlns:adec="http://schemas.microsoft.com/office/drawing/2017/decorative" val="1"/>
-              </a:ext>
-            </a:extLst>
-          </p:cNvPr>
-          <p:cNvGrpSpPr>
-            <a:grpSpLocks noGrp="1" noUngrp="1" noRot="1" noChangeAspect="1" noMove="1" noResize="1"/>
-          </p:cNvGrpSpPr>
-          <p:nvPr>
-            <p:extLst>
-              <p:ext uri="{386F3935-93C4-4BCD-93E2-E3B085C9AB24}">
-                <p16:designElem xmlns:p16="http://schemas.microsoft.com/office/powerpoint/2015/main" val="1"/>
-              </p:ext>
-            </p:extLst>
-          </p:nvPr>
-        </p:nvGrpSpPr>
-        <p:grpSpPr>
-          <a:xfrm>
-            <a:off x="9206969" y="2963333"/>
-            <a:ext cx="2981858" cy="3208867"/>
-            <a:chOff x="9206969" y="2963333"/>
-            <a:chExt cx="2981858" cy="3208867"/>
-          </a:xfrm>
-        </p:grpSpPr>
-        <p:cxnSp>
-          <p:nvCxnSpPr>
-            <p:cNvPr id="3091" name="Straight Connector 3090">
-              <a:extLst>
-                <a:ext uri="{FF2B5EF4-FFF2-40B4-BE49-F238E27FC236}">
-                  <a16:creationId xmlns:a16="http://schemas.microsoft.com/office/drawing/2014/main" id="{F3812972-C68B-4C59-B3A7-4AF61E935D4A}"/>
-                </a:ext>
-                <a:ext uri="{C183D7F6-B498-43B3-948B-1728B52AA6E4}">
-                  <adec:decorative xmlns:adec="http://schemas.microsoft.com/office/drawing/2017/decorative" val="1"/>
-                </a:ext>
-              </a:extLst>
-            </p:cNvPr>
-            <p:cNvCxnSpPr/>
-            <p:nvPr>
-              <p:extLst>
-                <p:ext uri="{386F3935-93C4-4BCD-93E2-E3B085C9AB24}">
-                  <p16:designElem xmlns:p16="http://schemas.microsoft.com/office/powerpoint/2015/main" val="1"/>
-                </p:ext>
-              </p:extLst>
-            </p:nvPr>
-          </p:nvCxnSpPr>
-          <p:spPr>
-            <a:xfrm flipH="1">
-              <a:off x="11276012" y="2963333"/>
-              <a:ext cx="912814" cy="912812"/>
-            </a:xfrm>
-            <a:prstGeom prst="line">
-              <a:avLst/>
-            </a:prstGeom>
-            <a:ln w="9525">
-              <a:solidFill>
-                <a:schemeClr val="tx1"/>
-              </a:solidFill>
-            </a:ln>
-          </p:spPr>
-          <p:style>
-            <a:lnRef idx="2">
-              <a:schemeClr val="accent1"/>
-            </a:lnRef>
-            <a:fillRef idx="0">
-              <a:schemeClr val="accent1"/>
-            </a:fillRef>
-            <a:effectRef idx="1">
-              <a:schemeClr val="accent1"/>
-            </a:effectRef>
-            <a:fontRef idx="minor">
-              <a:schemeClr val="tx1"/>
-            </a:fontRef>
-          </p:style>
-        </p:cxnSp>
-        <p:cxnSp>
-          <p:nvCxnSpPr>
-            <p:cNvPr id="3092" name="Straight Connector 3091">
-              <a:extLst>
-                <a:ext uri="{FF2B5EF4-FFF2-40B4-BE49-F238E27FC236}">
-                  <a16:creationId xmlns:a16="http://schemas.microsoft.com/office/drawing/2014/main" id="{CB3F3B7C-7909-4486-AA08-5C6B625C3A0A}"/>
-                </a:ext>
-                <a:ext uri="{C183D7F6-B498-43B3-948B-1728B52AA6E4}">
-                  <adec:decorative xmlns:adec="http://schemas.microsoft.com/office/drawing/2017/decorative" val="1"/>
-                </a:ext>
-              </a:extLst>
-            </p:cNvPr>
-            <p:cNvCxnSpPr/>
-            <p:nvPr>
-              <p:extLst>
-                <p:ext uri="{386F3935-93C4-4BCD-93E2-E3B085C9AB24}">
-                  <p16:designElem xmlns:p16="http://schemas.microsoft.com/office/powerpoint/2015/main" val="1"/>
-                </p:ext>
-              </p:extLst>
-            </p:nvPr>
-          </p:nvCxnSpPr>
-          <p:spPr>
-            <a:xfrm flipH="1">
-              <a:off x="9206969" y="3190344"/>
-              <a:ext cx="2981857" cy="2981856"/>
-            </a:xfrm>
-            <a:prstGeom prst="line">
-              <a:avLst/>
-            </a:prstGeom>
-            <a:ln w="9525">
-              <a:solidFill>
-                <a:schemeClr val="tx1"/>
-              </a:solidFill>
-            </a:ln>
-          </p:spPr>
-          <p:style>
-            <a:lnRef idx="2">
-              <a:schemeClr val="accent1"/>
-            </a:lnRef>
-            <a:fillRef idx="0">
-              <a:schemeClr val="accent1"/>
-            </a:fillRef>
-            <a:effectRef idx="1">
-              <a:schemeClr val="accent1"/>
-            </a:effectRef>
-            <a:fontRef idx="minor">
-              <a:schemeClr val="tx1"/>
-            </a:fontRef>
-          </p:style>
-        </p:cxnSp>
-        <p:cxnSp>
-          <p:nvCxnSpPr>
-            <p:cNvPr id="3093" name="Straight Connector 3092">
-              <a:extLst>
-                <a:ext uri="{FF2B5EF4-FFF2-40B4-BE49-F238E27FC236}">
-                  <a16:creationId xmlns:a16="http://schemas.microsoft.com/office/drawing/2014/main" id="{00BD7DA8-741F-4296-9363-05EF91541119}"/>
-                </a:ext>
-                <a:ext uri="{C183D7F6-B498-43B3-948B-1728B52AA6E4}">
-                  <adec:decorative xmlns:adec="http://schemas.microsoft.com/office/drawing/2017/decorative" val="1"/>
-                </a:ext>
-              </a:extLst>
-            </p:cNvPr>
-            <p:cNvCxnSpPr/>
-            <p:nvPr>
-              <p:extLst>
-                <p:ext uri="{386F3935-93C4-4BCD-93E2-E3B085C9AB24}">
-                  <p16:designElem xmlns:p16="http://schemas.microsoft.com/office/powerpoint/2015/main" val="1"/>
-                </p:ext>
-              </p:extLst>
-            </p:nvPr>
-          </p:nvCxnSpPr>
-          <p:spPr>
-            <a:xfrm flipH="1">
-              <a:off x="10292292" y="3285067"/>
-              <a:ext cx="1896534" cy="1896533"/>
-            </a:xfrm>
-            <a:prstGeom prst="line">
-              <a:avLst/>
-            </a:prstGeom>
-            <a:ln w="9525">
-              <a:solidFill>
-                <a:schemeClr val="tx1"/>
-              </a:solidFill>
-            </a:ln>
-          </p:spPr>
-          <p:style>
-            <a:lnRef idx="2">
-              <a:schemeClr val="accent1"/>
-            </a:lnRef>
-            <a:fillRef idx="0">
-              <a:schemeClr val="accent1"/>
-            </a:fillRef>
-            <a:effectRef idx="1">
-              <a:schemeClr val="accent1"/>
-            </a:effectRef>
-            <a:fontRef idx="minor">
-              <a:schemeClr val="tx1"/>
-            </a:fontRef>
-          </p:style>
-        </p:cxnSp>
-        <p:cxnSp>
-          <p:nvCxnSpPr>
-            <p:cNvPr id="3094" name="Straight Connector 3093">
-              <a:extLst>
-                <a:ext uri="{FF2B5EF4-FFF2-40B4-BE49-F238E27FC236}">
-                  <a16:creationId xmlns:a16="http://schemas.microsoft.com/office/drawing/2014/main" id="{62068EFC-20FC-456F-839F-4BCFFCAA8197}"/>
-                </a:ext>
-                <a:ext uri="{C183D7F6-B498-43B3-948B-1728B52AA6E4}">
-                  <adec:decorative xmlns:adec="http://schemas.microsoft.com/office/drawing/2017/decorative" val="1"/>
-                </a:ext>
-              </a:extLst>
-            </p:cNvPr>
-            <p:cNvCxnSpPr/>
-            <p:nvPr>
-              <p:extLst>
-                <p:ext uri="{386F3935-93C4-4BCD-93E2-E3B085C9AB24}">
-                  <p16:designElem xmlns:p16="http://schemas.microsoft.com/office/powerpoint/2015/main" val="1"/>
-                </p:ext>
-              </p:extLst>
-            </p:nvPr>
-          </p:nvCxnSpPr>
-          <p:spPr>
-            <a:xfrm flipH="1">
-              <a:off x="10443103" y="3131080"/>
-              <a:ext cx="1745722" cy="1745720"/>
-            </a:xfrm>
-            <a:prstGeom prst="line">
-              <a:avLst/>
-            </a:prstGeom>
-            <a:ln w="28575">
-              <a:solidFill>
-                <a:schemeClr val="tx1"/>
-              </a:solidFill>
-            </a:ln>
-          </p:spPr>
-          <p:style>
-            <a:lnRef idx="2">
-              <a:schemeClr val="accent1"/>
-            </a:lnRef>
-            <a:fillRef idx="0">
-              <a:schemeClr val="accent1"/>
-            </a:fillRef>
-            <a:effectRef idx="1">
-              <a:schemeClr val="accent1"/>
-            </a:effectRef>
-            <a:fontRef idx="minor">
-              <a:schemeClr val="tx1"/>
-            </a:fontRef>
-          </p:style>
-        </p:cxnSp>
-        <p:cxnSp>
-          <p:nvCxnSpPr>
-            <p:cNvPr id="3095" name="Straight Connector 3094">
-              <a:extLst>
-                <a:ext uri="{FF2B5EF4-FFF2-40B4-BE49-F238E27FC236}">
-                  <a16:creationId xmlns:a16="http://schemas.microsoft.com/office/drawing/2014/main" id="{3251C60F-B911-433E-BF75-3BBEFD0538CB}"/>
-                </a:ext>
-                <a:ext uri="{C183D7F6-B498-43B3-948B-1728B52AA6E4}">
-                  <adec:decorative xmlns:adec="http://schemas.microsoft.com/office/drawing/2017/decorative" val="1"/>
-                </a:ext>
-              </a:extLst>
-            </p:cNvPr>
-            <p:cNvCxnSpPr/>
-            <p:nvPr>
-              <p:extLst>
-                <p:ext uri="{386F3935-93C4-4BCD-93E2-E3B085C9AB24}">
-                  <p16:designElem xmlns:p16="http://schemas.microsoft.com/office/powerpoint/2015/main" val="1"/>
-                </p:ext>
-              </p:extLst>
-            </p:nvPr>
-          </p:nvCxnSpPr>
-          <p:spPr>
-            <a:xfrm flipH="1">
-              <a:off x="10918826" y="3683001"/>
-              <a:ext cx="1270001" cy="1269999"/>
-            </a:xfrm>
-            <a:prstGeom prst="line">
-              <a:avLst/>
-            </a:prstGeom>
-            <a:ln w="28575">
-              <a:solidFill>
-                <a:schemeClr val="tx1"/>
-              </a:solidFill>
-            </a:ln>
-          </p:spPr>
-          <p:style>
-            <a:lnRef idx="2">
-              <a:schemeClr val="accent1"/>
-            </a:lnRef>
-            <a:fillRef idx="0">
-              <a:schemeClr val="accent1"/>
-            </a:fillRef>
-            <a:effectRef idx="1">
-              <a:schemeClr val="accent1"/>
-            </a:effectRef>
-            <a:fontRef idx="minor">
-              <a:schemeClr val="tx1"/>
-            </a:fontRef>
-          </p:style>
-        </p:cxnSp>
-      </p:grpSp>
-    </p:spTree>
-    <p:extLst>
-      <p:ext uri="{BB962C8B-B14F-4D97-AF65-F5344CB8AC3E}">
-        <p14:creationId xmlns:p14="http://schemas.microsoft.com/office/powerpoint/2010/main" val="4288617835"/>
-      </p:ext>
-    </p:extLst>
-  </p:cSld>
-  <p:clrMapOvr>
-    <a:masterClrMapping/>
-  </p:clrMapOvr>
-</p:sld>
-</file>
-
-<file path=ppt/slides/slide7.xml><?xml version="1.0" encoding="utf-8"?>
-<p:sld xmlns:a="http://schemas.openxmlformats.org/drawingml/2006/main" xmlns:r="http://schemas.openxmlformats.org/officeDocument/2006/relationships" xmlns:p="http://schemas.openxmlformats.org/presentationml/2006/main">
-  <p:cSld>
-    <p:bg>
-      <p:bgPr>
-        <a:gradFill rotWithShape="1">
-          <a:gsLst>
-            <a:gs pos="10000">
-              <a:schemeClr val="bg2">
-                <a:tint val="97000"/>
-                <a:hueMod val="92000"/>
-                <a:satMod val="169000"/>
-                <a:lumMod val="164000"/>
-              </a:schemeClr>
-            </a:gs>
-            <a:gs pos="100000">
-              <a:schemeClr val="bg2">
-                <a:shade val="96000"/>
-                <a:satMod val="120000"/>
-                <a:lumMod val="90000"/>
-              </a:schemeClr>
-            </a:gs>
-          </a:gsLst>
-          <a:lin ang="6120000" scaled="1"/>
-        </a:gradFill>
-        <a:effectLst/>
-      </p:bgPr>
-    </p:bg>
-    <p:spTree>
-      <p:nvGrpSpPr>
-        <p:cNvPr id="1" name=""/>
-        <p:cNvGrpSpPr/>
-        <p:nvPr/>
-      </p:nvGrpSpPr>
-      <p:grpSpPr>
-        <a:xfrm>
-          <a:off x="0" y="0"/>
-          <a:ext cx="0" cy="0"/>
-          <a:chOff x="0" y="0"/>
-          <a:chExt cx="0" cy="0"/>
-        </a:xfrm>
-      </p:grpSpPr>
-      <p:grpSp>
-        <p:nvGrpSpPr>
-          <p:cNvPr id="4103" name="Group 4102">
-            <a:extLst>
-              <a:ext uri="{FF2B5EF4-FFF2-40B4-BE49-F238E27FC236}">
-                <a16:creationId xmlns:a16="http://schemas.microsoft.com/office/drawing/2014/main" id="{8F1EF17D-1B70-428C-8A8A-A2C5B390E1E9}"/>
-              </a:ext>
-              <a:ext uri="{C183D7F6-B498-43B3-948B-1728B52AA6E4}">
-                <adec:decorative xmlns:adec="http://schemas.microsoft.com/office/drawing/2017/decorative" val="1"/>
-              </a:ext>
-            </a:extLst>
-          </p:cNvPr>
-          <p:cNvGrpSpPr>
-            <a:grpSpLocks noGrp="1" noUngrp="1" noRot="1" noChangeAspect="1" noMove="1" noResize="1"/>
-          </p:cNvGrpSpPr>
-          <p:nvPr>
-            <p:extLst>
-              <p:ext uri="{386F3935-93C4-4BCD-93E2-E3B085C9AB24}">
-                <p16:designElem xmlns:p16="http://schemas.microsoft.com/office/powerpoint/2015/main" val="1"/>
-              </p:ext>
-            </p:extLst>
-          </p:nvPr>
-        </p:nvGrpSpPr>
-        <p:grpSpPr>
-          <a:xfrm>
-            <a:off x="9206969" y="2963333"/>
-            <a:ext cx="2981858" cy="3208867"/>
-            <a:chOff x="9206969" y="2963333"/>
-            <a:chExt cx="2981858" cy="3208867"/>
-          </a:xfrm>
-        </p:grpSpPr>
-        <p:cxnSp>
-          <p:nvCxnSpPr>
-            <p:cNvPr id="4104" name="Straight Connector 4103">
-              <a:extLst>
-                <a:ext uri="{FF2B5EF4-FFF2-40B4-BE49-F238E27FC236}">
-                  <a16:creationId xmlns:a16="http://schemas.microsoft.com/office/drawing/2014/main" id="{12FAEDF3-CEC8-4BF6-8EA7-4079C471838C}"/>
-                </a:ext>
-                <a:ext uri="{C183D7F6-B498-43B3-948B-1728B52AA6E4}">
-                  <adec:decorative xmlns:adec="http://schemas.microsoft.com/office/drawing/2017/decorative" val="1"/>
-                </a:ext>
-              </a:extLst>
-            </p:cNvPr>
-            <p:cNvCxnSpPr/>
-            <p:nvPr>
-              <p:extLst>
-                <p:ext uri="{386F3935-93C4-4BCD-93E2-E3B085C9AB24}">
-                  <p16:designElem xmlns:p16="http://schemas.microsoft.com/office/powerpoint/2015/main" val="1"/>
-                </p:ext>
-              </p:extLst>
-            </p:nvPr>
-          </p:nvCxnSpPr>
-          <p:spPr>
-            <a:xfrm flipH="1">
-              <a:off x="11276012" y="2963333"/>
-              <a:ext cx="912814" cy="912812"/>
-            </a:xfrm>
-            <a:prstGeom prst="line">
-              <a:avLst/>
-            </a:prstGeom>
-            <a:ln w="9525">
-              <a:solidFill>
-                <a:schemeClr val="tx1"/>
-              </a:solidFill>
-            </a:ln>
-          </p:spPr>
-          <p:style>
-            <a:lnRef idx="2">
-              <a:schemeClr val="accent1"/>
-            </a:lnRef>
-            <a:fillRef idx="0">
-              <a:schemeClr val="accent1"/>
-            </a:fillRef>
-            <a:effectRef idx="1">
-              <a:schemeClr val="accent1"/>
-            </a:effectRef>
-            <a:fontRef idx="minor">
-              <a:schemeClr val="tx1"/>
-            </a:fontRef>
-          </p:style>
-        </p:cxnSp>
-        <p:cxnSp>
-          <p:nvCxnSpPr>
-            <p:cNvPr id="4105" name="Straight Connector 4104">
-              <a:extLst>
-                <a:ext uri="{FF2B5EF4-FFF2-40B4-BE49-F238E27FC236}">
-                  <a16:creationId xmlns:a16="http://schemas.microsoft.com/office/drawing/2014/main" id="{398DB8F4-CD77-4FCC-8544-ADE8B478C151}"/>
-                </a:ext>
-                <a:ext uri="{C183D7F6-B498-43B3-948B-1728B52AA6E4}">
-                  <adec:decorative xmlns:adec="http://schemas.microsoft.com/office/drawing/2017/decorative" val="1"/>
-                </a:ext>
-              </a:extLst>
-            </p:cNvPr>
-            <p:cNvCxnSpPr/>
-            <p:nvPr>
-              <p:extLst>
-                <p:ext uri="{386F3935-93C4-4BCD-93E2-E3B085C9AB24}">
-                  <p16:designElem xmlns:p16="http://schemas.microsoft.com/office/powerpoint/2015/main" val="1"/>
-                </p:ext>
-              </p:extLst>
-            </p:nvPr>
-          </p:nvCxnSpPr>
-          <p:spPr>
-            <a:xfrm flipH="1">
-              <a:off x="9206969" y="3190344"/>
-              <a:ext cx="2981857" cy="2981856"/>
-            </a:xfrm>
-            <a:prstGeom prst="line">
-              <a:avLst/>
-            </a:prstGeom>
-            <a:ln w="9525">
-              <a:solidFill>
-                <a:schemeClr val="tx1"/>
-              </a:solidFill>
-            </a:ln>
-          </p:spPr>
-          <p:style>
-            <a:lnRef idx="2">
-              <a:schemeClr val="accent1"/>
-            </a:lnRef>
-            <a:fillRef idx="0">
-              <a:schemeClr val="accent1"/>
-            </a:fillRef>
-            <a:effectRef idx="1">
-              <a:schemeClr val="accent1"/>
-            </a:effectRef>
-            <a:fontRef idx="minor">
-              <a:schemeClr val="tx1"/>
-            </a:fontRef>
-          </p:style>
-        </p:cxnSp>
-        <p:cxnSp>
-          <p:nvCxnSpPr>
-            <p:cNvPr id="4106" name="Straight Connector 4105">
-              <a:extLst>
-                <a:ext uri="{FF2B5EF4-FFF2-40B4-BE49-F238E27FC236}">
-                  <a16:creationId xmlns:a16="http://schemas.microsoft.com/office/drawing/2014/main" id="{22202DFE-039D-48E4-8536-FA30F2489475}"/>
-                </a:ext>
-                <a:ext uri="{C183D7F6-B498-43B3-948B-1728B52AA6E4}">
-                  <adec:decorative xmlns:adec="http://schemas.microsoft.com/office/drawing/2017/decorative" val="1"/>
-                </a:ext>
-              </a:extLst>
-            </p:cNvPr>
-            <p:cNvCxnSpPr/>
-            <p:nvPr>
-              <p:extLst>
-                <p:ext uri="{386F3935-93C4-4BCD-93E2-E3B085C9AB24}">
-                  <p16:designElem xmlns:p16="http://schemas.microsoft.com/office/powerpoint/2015/main" val="1"/>
-                </p:ext>
-              </p:extLst>
-            </p:nvPr>
-          </p:nvCxnSpPr>
-          <p:spPr>
-            <a:xfrm flipH="1">
-              <a:off x="10292292" y="3285067"/>
-              <a:ext cx="1896534" cy="1896533"/>
-            </a:xfrm>
-            <a:prstGeom prst="line">
-              <a:avLst/>
-            </a:prstGeom>
-            <a:ln w="9525">
-              <a:solidFill>
-                <a:schemeClr val="tx1"/>
-              </a:solidFill>
-            </a:ln>
-          </p:spPr>
-          <p:style>
-            <a:lnRef idx="2">
-              <a:schemeClr val="accent1"/>
-            </a:lnRef>
-            <a:fillRef idx="0">
-              <a:schemeClr val="accent1"/>
-            </a:fillRef>
-            <a:effectRef idx="1">
-              <a:schemeClr val="accent1"/>
-            </a:effectRef>
-            <a:fontRef idx="minor">
-              <a:schemeClr val="tx1"/>
-            </a:fontRef>
-          </p:style>
-        </p:cxnSp>
-        <p:cxnSp>
-          <p:nvCxnSpPr>
-            <p:cNvPr id="4107" name="Straight Connector 4106">
-              <a:extLst>
-                <a:ext uri="{FF2B5EF4-FFF2-40B4-BE49-F238E27FC236}">
-                  <a16:creationId xmlns:a16="http://schemas.microsoft.com/office/drawing/2014/main" id="{81F05E26-510E-4164-83C7-28E4FE9D7EA3}"/>
-                </a:ext>
-                <a:ext uri="{C183D7F6-B498-43B3-948B-1728B52AA6E4}">
-                  <adec:decorative xmlns:adec="http://schemas.microsoft.com/office/drawing/2017/decorative" val="1"/>
-                </a:ext>
-              </a:extLst>
-            </p:cNvPr>
-            <p:cNvCxnSpPr/>
-            <p:nvPr>
-              <p:extLst>
-                <p:ext uri="{386F3935-93C4-4BCD-93E2-E3B085C9AB24}">
-                  <p16:designElem xmlns:p16="http://schemas.microsoft.com/office/powerpoint/2015/main" val="1"/>
-                </p:ext>
-              </p:extLst>
-            </p:nvPr>
-          </p:nvCxnSpPr>
-          <p:spPr>
-            <a:xfrm flipH="1">
-              <a:off x="10443103" y="3131080"/>
-              <a:ext cx="1745722" cy="1745720"/>
-            </a:xfrm>
-            <a:prstGeom prst="line">
-              <a:avLst/>
-            </a:prstGeom>
-            <a:ln w="28575">
-              <a:solidFill>
-                <a:schemeClr val="tx1"/>
-              </a:solidFill>
-            </a:ln>
-          </p:spPr>
-          <p:style>
-            <a:lnRef idx="2">
-              <a:schemeClr val="accent1"/>
-            </a:lnRef>
-            <a:fillRef idx="0">
-              <a:schemeClr val="accent1"/>
-            </a:fillRef>
-            <a:effectRef idx="1">
-              <a:schemeClr val="accent1"/>
-            </a:effectRef>
-            <a:fontRef idx="minor">
-              <a:schemeClr val="tx1"/>
-            </a:fontRef>
-          </p:style>
-        </p:cxnSp>
-        <p:cxnSp>
-          <p:nvCxnSpPr>
-            <p:cNvPr id="4108" name="Straight Connector 4107">
-              <a:extLst>
-                <a:ext uri="{FF2B5EF4-FFF2-40B4-BE49-F238E27FC236}">
-                  <a16:creationId xmlns:a16="http://schemas.microsoft.com/office/drawing/2014/main" id="{E632161A-50D4-4D96-887A-98FC9209310C}"/>
-                </a:ext>
-                <a:ext uri="{C183D7F6-B498-43B3-948B-1728B52AA6E4}">
-                  <adec:decorative xmlns:adec="http://schemas.microsoft.com/office/drawing/2017/decorative" val="1"/>
-                </a:ext>
-              </a:extLst>
-            </p:cNvPr>
-            <p:cNvCxnSpPr/>
-            <p:nvPr>
-              <p:extLst>
-                <p:ext uri="{386F3935-93C4-4BCD-93E2-E3B085C9AB24}">
-                  <p16:designElem xmlns:p16="http://schemas.microsoft.com/office/powerpoint/2015/main" val="1"/>
-                </p:ext>
-              </p:extLst>
-            </p:nvPr>
-          </p:nvCxnSpPr>
-          <p:spPr>
-            <a:xfrm flipH="1">
-              <a:off x="10918826" y="3683001"/>
-              <a:ext cx="1270001" cy="1269999"/>
-            </a:xfrm>
-            <a:prstGeom prst="line">
-              <a:avLst/>
-            </a:prstGeom>
-            <a:ln w="28575">
-              <a:solidFill>
-                <a:schemeClr val="tx1"/>
-              </a:solidFill>
-            </a:ln>
-          </p:spPr>
-          <p:style>
-            <a:lnRef idx="2">
-              <a:schemeClr val="accent1"/>
-            </a:lnRef>
-            <a:fillRef idx="0">
-              <a:schemeClr val="accent1"/>
-            </a:fillRef>
-            <a:effectRef idx="1">
-              <a:schemeClr val="accent1"/>
-            </a:effectRef>
-            <a:fontRef idx="minor">
-              <a:schemeClr val="tx1"/>
-            </a:fontRef>
-          </p:style>
-        </p:cxnSp>
-      </p:grpSp>
-      <p:sp useBgFill="1">
-        <p:nvSpPr>
-          <p:cNvPr id="4110" name="Rectangle 4109">
-            <a:extLst>
-              <a:ext uri="{FF2B5EF4-FFF2-40B4-BE49-F238E27FC236}">
-                <a16:creationId xmlns:a16="http://schemas.microsoft.com/office/drawing/2014/main" id="{E09CCB3F-DBCE-4964-9E34-8C5DE80EF4B5}"/>
-              </a:ext>
-              <a:ext uri="{C183D7F6-B498-43B3-948B-1728B52AA6E4}">
-                <adec:decorative xmlns:adec="http://schemas.microsoft.com/office/drawing/2017/decorative" val="1"/>
-              </a:ext>
-            </a:extLst>
-          </p:cNvPr>
-          <p:cNvSpPr>
-            <a:spLocks noGrp="1" noRot="1" noChangeAspect="1" noMove="1" noResize="1" noEditPoints="1" noAdjustHandles="1" noChangeArrowheads="1" noChangeShapeType="1" noTextEdit="1"/>
-          </p:cNvSpPr>
-          <p:nvPr>
-            <p:extLst>
-              <p:ext uri="{386F3935-93C4-4BCD-93E2-E3B085C9AB24}">
-                <p16:designElem xmlns:p16="http://schemas.microsoft.com/office/powerpoint/2015/main" val="1"/>
-              </p:ext>
-            </p:extLst>
-          </p:nvPr>
-        </p:nvSpPr>
-        <p:spPr>
-          <a:xfrm>
-            <a:off x="0" y="0"/>
-            <a:ext cx="12192000" cy="6858000"/>
-          </a:xfrm>
-          <a:prstGeom prst="rect">
-            <a:avLst/>
-          </a:prstGeom>
-          <a:ln>
-            <a:noFill/>
-          </a:ln>
-        </p:spPr>
-        <p:style>
-          <a:lnRef idx="2">
-            <a:schemeClr val="accent1">
-              <a:shade val="50000"/>
-            </a:schemeClr>
-          </a:lnRef>
-          <a:fillRef idx="1">
-            <a:schemeClr val="accent1"/>
-          </a:fillRef>
-          <a:effectRef idx="0">
-            <a:schemeClr val="accent1"/>
-          </a:effectRef>
-          <a:fontRef idx="minor">
-            <a:schemeClr val="lt1"/>
-          </a:fontRef>
-        </p:style>
-        <p:txBody>
-          <a:bodyPr rtlCol="0" anchor="ctr"/>
-          <a:lstStyle/>
-          <a:p>
-            <a:pPr algn="ctr"/>
-            <a:endParaRPr lang="en-US"/>
-          </a:p>
-        </p:txBody>
-      </p:sp>
-      <p:sp>
-        <p:nvSpPr>
-          <p:cNvPr id="2" name="Title 1">
-            <a:extLst>
-              <a:ext uri="{FF2B5EF4-FFF2-40B4-BE49-F238E27FC236}">
-                <a16:creationId xmlns:a16="http://schemas.microsoft.com/office/drawing/2014/main" id="{336DDE58-271C-FA7F-6D91-1D39FC2F6BF5}"/>
-              </a:ext>
-            </a:extLst>
-          </p:cNvPr>
-          <p:cNvSpPr>
-            <a:spLocks noGrp="1"/>
-          </p:cNvSpPr>
-          <p:nvPr>
-            <p:ph type="title"/>
-          </p:nvPr>
-        </p:nvSpPr>
-        <p:spPr>
-          <a:xfrm>
-            <a:off x="7532710" y="620722"/>
-            <a:ext cx="4151290" cy="1142462"/>
-          </a:xfrm>
-        </p:spPr>
-        <p:txBody>
-          <a:bodyPr vert="horz" lIns="91440" tIns="45720" rIns="91440" bIns="45720" rtlCol="0" anchor="b">
-            <a:normAutofit/>
-          </a:bodyPr>
-          <a:lstStyle/>
-          <a:p>
-            <a:r>
-              <a:rPr lang="en-US" dirty="0"/>
-              <a:t>Factory wrecking</a:t>
-            </a:r>
-          </a:p>
-        </p:txBody>
-      </p:sp>
-      <p:sp>
-        <p:nvSpPr>
-          <p:cNvPr id="4112" name="Snip Diagonal Corner Rectangle 24">
-            <a:extLst>
-              <a:ext uri="{FF2B5EF4-FFF2-40B4-BE49-F238E27FC236}">
-                <a16:creationId xmlns:a16="http://schemas.microsoft.com/office/drawing/2014/main" id="{1DFF944F-74BA-483A-82C0-64E3AAF4AE98}"/>
-              </a:ext>
-              <a:ext uri="{C183D7F6-B498-43B3-948B-1728B52AA6E4}">
-                <adec:decorative xmlns:adec="http://schemas.microsoft.com/office/drawing/2017/decorative" val="1"/>
-              </a:ext>
-            </a:extLst>
-          </p:cNvPr>
-          <p:cNvSpPr>
-            <a:spLocks noGrp="1" noRot="1" noChangeAspect="1" noMove="1" noResize="1" noEditPoints="1" noAdjustHandles="1" noChangeArrowheads="1" noChangeShapeType="1" noTextEdit="1"/>
-          </p:cNvSpPr>
-          <p:nvPr>
-            <p:extLst>
-              <p:ext uri="{386F3935-93C4-4BCD-93E2-E3B085C9AB24}">
-                <p16:designElem xmlns:p16="http://schemas.microsoft.com/office/powerpoint/2015/main" val="1"/>
-              </p:ext>
-            </p:extLst>
-          </p:nvPr>
-        </p:nvSpPr>
-        <p:spPr>
-          <a:xfrm>
-            <a:off x="612990" y="620722"/>
-            <a:ext cx="6575496" cy="5286838"/>
-          </a:xfrm>
-          <a:prstGeom prst="snip2DiagRect">
-            <a:avLst>
-              <a:gd name="adj1" fmla="val 10787"/>
-              <a:gd name="adj2" fmla="val 0"/>
-            </a:avLst>
-          </a:prstGeom>
-          <a:solidFill>
-            <a:schemeClr val="tx1"/>
-          </a:solidFill>
-          <a:ln>
-            <a:noFill/>
-          </a:ln>
-          <a:effectLst>
-            <a:innerShdw blurRad="57150" dist="38100" dir="14460000">
-              <a:prstClr val="black">
-                <a:alpha val="70000"/>
-              </a:prstClr>
-            </a:innerShdw>
-          </a:effectLst>
-        </p:spPr>
-        <p:style>
-          <a:lnRef idx="2">
-            <a:schemeClr val="accent1">
-              <a:shade val="50000"/>
-            </a:schemeClr>
-          </a:lnRef>
-          <a:fillRef idx="1">
-            <a:schemeClr val="accent1"/>
-          </a:fillRef>
-          <a:effectRef idx="0">
-            <a:schemeClr val="accent1"/>
-          </a:effectRef>
-          <a:fontRef idx="minor">
-            <a:schemeClr val="lt1"/>
-          </a:fontRef>
-        </p:style>
-        <p:txBody>
-          <a:bodyPr rtlCol="0" anchor="ctr"/>
-          <a:lstStyle/>
-          <a:p>
-            <a:pPr algn="ctr"/>
-            <a:endParaRPr lang="en-US"/>
-          </a:p>
-        </p:txBody>
-      </p:sp>
-      <p:pic>
-        <p:nvPicPr>
-          <p:cNvPr id="4098" name="Picture 2" descr="factory wrecking image">
-            <a:extLst>
-              <a:ext uri="{FF2B5EF4-FFF2-40B4-BE49-F238E27FC236}">
-                <a16:creationId xmlns:a16="http://schemas.microsoft.com/office/drawing/2014/main" id="{E61DAFC7-CE39-33B4-BF72-72517FB48879}"/>
+                <a16:creationId xmlns:a16="http://schemas.microsoft.com/office/drawing/2014/main" id="{BC3BD5D8-08C3-2F22-E3BD-6883A3DD089D}"/>
               </a:ext>
             </a:extLst>
           </p:cNvPr>
           <p:cNvPicPr>
-            <a:picLocks noGrp="1" noChangeAspect="1" noChangeArrowheads="1"/>
+            <a:picLocks noChangeAspect="1" noChangeArrowheads="1"/>
           </p:cNvPicPr>
-          <p:nvPr>
-            <p:ph type="pic" idx="1"/>
-          </p:nvPr>
+          <p:nvPr/>
         </p:nvPicPr>
         <p:blipFill rotWithShape="1">
-          <a:blip r:embed="rId2">
+          <a:blip r:embed="rId3">
             <a:extLst>
               <a:ext uri="{28A0092B-C50C-407E-A947-70E740481C1C}">
                 <a14:useLocalDpi xmlns:a14="http://schemas.microsoft.com/office/drawing/2010/main" val="0"/>
@@ -9141,8 +7496,8 @@
         </p:blipFill>
         <p:spPr bwMode="auto">
           <a:xfrm>
-            <a:off x="778062" y="786117"/>
-            <a:ext cx="6245352" cy="4956048"/>
+            <a:off x="4191492" y="3675333"/>
+            <a:ext cx="3056119" cy="2425207"/>
           </a:xfrm>
           <a:custGeom>
             <a:avLst/>
@@ -9175,6 +7530,18 @@
             </a:pathLst>
           </a:custGeom>
           <a:noFill/>
+          <a:ln w="76200">
+            <a:solidFill>
+              <a:schemeClr val="tx1"/>
+            </a:solidFill>
+          </a:ln>
+          <a:effectLst>
+            <a:innerShdw blurRad="63500" dist="50800" dir="13500000">
+              <a:prstClr val="black">
+                <a:alpha val="50000"/>
+              </a:prstClr>
+            </a:innerShdw>
+          </a:effectLst>
           <a:extLst>
             <a:ext uri="{909E8E84-426E-40DD-AFC4-6F175D3DCCD1}">
               <a14:hiddenFill xmlns:a14="http://schemas.microsoft.com/office/drawing/2010/main">
@@ -9188,39 +7555,51 @@
       </p:pic>
       <p:sp>
         <p:nvSpPr>
-          <p:cNvPr id="4" name="Text Placeholder 3">
+          <p:cNvPr id="6" name="Tekstvak 5">
             <a:extLst>
               <a:ext uri="{FF2B5EF4-FFF2-40B4-BE49-F238E27FC236}">
-                <a16:creationId xmlns:a16="http://schemas.microsoft.com/office/drawing/2014/main" id="{B94B74E2-2E71-1856-21B0-B73400320E74}"/>
+                <a16:creationId xmlns:a16="http://schemas.microsoft.com/office/drawing/2014/main" id="{6E948EB5-E120-945F-0FBE-E778425477CB}"/>
               </a:ext>
             </a:extLst>
           </p:cNvPr>
-          <p:cNvSpPr>
-            <a:spLocks noGrp="1"/>
-          </p:cNvSpPr>
-          <p:nvPr>
-            <p:ph type="body" sz="half" idx="2"/>
-          </p:nvPr>
+          <p:cNvSpPr txBox="1"/>
+          <p:nvPr/>
         </p:nvSpPr>
         <p:spPr>
           <a:xfrm>
-            <a:off x="7532710" y="1822449"/>
-            <a:ext cx="3479419" cy="3070226"/>
+            <a:off x="613280" y="1934321"/>
+            <a:ext cx="3318387" cy="1661993"/>
           </a:xfrm>
+          <a:prstGeom prst="rect">
+            <a:avLst/>
+          </a:prstGeom>
+          <a:noFill/>
         </p:spPr>
         <p:txBody>
-          <a:bodyPr vert="horz" lIns="91440" tIns="45720" rIns="91440" bIns="45720" rtlCol="0" anchor="t">
-            <a:normAutofit/>
+          <a:bodyPr wrap="square">
+            <a:spAutoFit/>
           </a:bodyPr>
           <a:lstStyle/>
+          <a:p>
+            <a:r>
+              <a:rPr lang="en-GB" sz="1800" dirty="0"/>
+              <a:t>Stacking turbine</a:t>
+            </a:r>
+          </a:p>
           <a:p>
             <a:pPr>
               <a:buFont typeface="Wingdings 3" panose="05040102010807070707" pitchFamily="18" charset="2"/>
               <a:buChar char=""/>
             </a:pPr>
             <a:r>
-              <a:rPr lang="en-US" sz="1400" dirty="0"/>
-              <a:t>Objective: Destroy factories emitting carbon.</a:t>
+              <a:rPr lang="nl-NL" sz="1400" dirty="0">
+                <a:solidFill>
+                  <a:schemeClr val="bg2">
+                    <a:lumMod val="50000"/>
+                  </a:schemeClr>
+                </a:solidFill>
+              </a:rPr>
+              <a:t>Doelstelling: Bouw windmolens om de CO2-uitstoot tegen te gaan.</a:t>
             </a:r>
           </a:p>
           <a:p>
@@ -9229,298 +7608,186 @@
               <a:buChar char=""/>
             </a:pPr>
             <a:r>
-              <a:rPr lang="en-US" sz="1400" dirty="0"/>
-              <a:t>Awareness: Factories contribute to carbon emissions.</a:t>
-            </a:r>
-          </a:p>
-        </p:txBody>
-      </p:sp>
-      <p:grpSp>
-        <p:nvGrpSpPr>
-          <p:cNvPr id="4114" name="Group 4113">
+              <a:rPr lang="nl-NL" sz="1400" dirty="0">
+                <a:solidFill>
+                  <a:schemeClr val="bg2">
+                    <a:lumMod val="50000"/>
+                  </a:schemeClr>
+                </a:solidFill>
+              </a:rPr>
+              <a:t>Voordelen van windmolens: Hernieuwbare energiebron, schone energieproductie, energieonafhankelijkheid</a:t>
+            </a:r>
+            <a:endParaRPr lang="nl-BE" sz="1400" dirty="0">
+              <a:solidFill>
+                <a:schemeClr val="bg2">
+                  <a:lumMod val="50000"/>
+                </a:schemeClr>
+              </a:solidFill>
+            </a:endParaRPr>
+          </a:p>
+        </p:txBody>
+      </p:sp>
+      <p:sp>
+        <p:nvSpPr>
+          <p:cNvPr id="8" name="Tekstvak 7">
             <a:extLst>
               <a:ext uri="{FF2B5EF4-FFF2-40B4-BE49-F238E27FC236}">
-                <a16:creationId xmlns:a16="http://schemas.microsoft.com/office/drawing/2014/main" id="{A9733A91-F958-4629-801A-3F6F1E09AD64}"/>
-              </a:ext>
-              <a:ext uri="{C183D7F6-B498-43B3-948B-1728B52AA6E4}">
-                <adec:decorative xmlns:adec="http://schemas.microsoft.com/office/drawing/2017/decorative" val="1"/>
+                <a16:creationId xmlns:a16="http://schemas.microsoft.com/office/drawing/2014/main" id="{B2018D58-B8F2-F609-A976-D41428DED634}"/>
               </a:ext>
             </a:extLst>
           </p:cNvPr>
-          <p:cNvGrpSpPr>
-            <a:grpSpLocks noGrp="1" noUngrp="1" noRot="1" noChangeAspect="1" noMove="1" noResize="1"/>
-          </p:cNvGrpSpPr>
-          <p:nvPr>
-            <p:extLst>
-              <p:ext uri="{386F3935-93C4-4BCD-93E2-E3B085C9AB24}">
-                <p16:designElem xmlns:p16="http://schemas.microsoft.com/office/powerpoint/2015/main" val="1"/>
-              </p:ext>
-            </p:extLst>
-          </p:nvPr>
-        </p:nvGrpSpPr>
-        <p:grpSpPr>
+          <p:cNvSpPr txBox="1"/>
+          <p:nvPr/>
+        </p:nvSpPr>
+        <p:spPr>
           <a:xfrm>
-            <a:off x="9206969" y="2963333"/>
-            <a:ext cx="2981858" cy="3208867"/>
-            <a:chOff x="9206969" y="2963333"/>
-            <a:chExt cx="2981858" cy="3208867"/>
+            <a:off x="4191492" y="1934321"/>
+            <a:ext cx="2993922" cy="1231106"/>
           </a:xfrm>
-        </p:grpSpPr>
-        <p:cxnSp>
-          <p:nvCxnSpPr>
-            <p:cNvPr id="4115" name="Straight Connector 4114">
-              <a:extLst>
-                <a:ext uri="{FF2B5EF4-FFF2-40B4-BE49-F238E27FC236}">
-                  <a16:creationId xmlns:a16="http://schemas.microsoft.com/office/drawing/2014/main" id="{F3812972-C68B-4C59-B3A7-4AF61E935D4A}"/>
-                </a:ext>
-                <a:ext uri="{C183D7F6-B498-43B3-948B-1728B52AA6E4}">
-                  <adec:decorative xmlns:adec="http://schemas.microsoft.com/office/drawing/2017/decorative" val="1"/>
-                </a:ext>
-              </a:extLst>
-            </p:cNvPr>
-            <p:cNvCxnSpPr/>
-            <p:nvPr>
-              <p:extLst>
-                <p:ext uri="{386F3935-93C4-4BCD-93E2-E3B085C9AB24}">
-                  <p16:designElem xmlns:p16="http://schemas.microsoft.com/office/powerpoint/2015/main" val="1"/>
-                </p:ext>
-              </p:extLst>
-            </p:nvPr>
-          </p:nvCxnSpPr>
-          <p:spPr>
-            <a:xfrm flipH="1">
-              <a:off x="11276012" y="2963333"/>
-              <a:ext cx="912814" cy="912812"/>
-            </a:xfrm>
-            <a:prstGeom prst="line">
-              <a:avLst/>
-            </a:prstGeom>
-            <a:ln w="9525">
-              <a:solidFill>
-                <a:schemeClr val="tx1"/>
-              </a:solidFill>
-            </a:ln>
-          </p:spPr>
-          <p:style>
-            <a:lnRef idx="2">
-              <a:schemeClr val="accent1"/>
-            </a:lnRef>
-            <a:fillRef idx="0">
-              <a:schemeClr val="accent1"/>
-            </a:fillRef>
-            <a:effectRef idx="1">
-              <a:schemeClr val="accent1"/>
-            </a:effectRef>
-            <a:fontRef idx="minor">
-              <a:schemeClr val="tx1"/>
-            </a:fontRef>
-          </p:style>
-        </p:cxnSp>
-        <p:cxnSp>
-          <p:nvCxnSpPr>
-            <p:cNvPr id="4116" name="Straight Connector 4115">
-              <a:extLst>
-                <a:ext uri="{FF2B5EF4-FFF2-40B4-BE49-F238E27FC236}">
-                  <a16:creationId xmlns:a16="http://schemas.microsoft.com/office/drawing/2014/main" id="{CB3F3B7C-7909-4486-AA08-5C6B625C3A0A}"/>
-                </a:ext>
-                <a:ext uri="{C183D7F6-B498-43B3-948B-1728B52AA6E4}">
-                  <adec:decorative xmlns:adec="http://schemas.microsoft.com/office/drawing/2017/decorative" val="1"/>
-                </a:ext>
-              </a:extLst>
-            </p:cNvPr>
-            <p:cNvCxnSpPr/>
-            <p:nvPr>
-              <p:extLst>
-                <p:ext uri="{386F3935-93C4-4BCD-93E2-E3B085C9AB24}">
-                  <p16:designElem xmlns:p16="http://schemas.microsoft.com/office/powerpoint/2015/main" val="1"/>
-                </p:ext>
-              </p:extLst>
-            </p:nvPr>
-          </p:nvCxnSpPr>
-          <p:spPr>
-            <a:xfrm flipH="1">
-              <a:off x="9206969" y="3190344"/>
-              <a:ext cx="2981857" cy="2981856"/>
-            </a:xfrm>
-            <a:prstGeom prst="line">
-              <a:avLst/>
-            </a:prstGeom>
-            <a:ln w="9525">
-              <a:solidFill>
-                <a:schemeClr val="tx1"/>
-              </a:solidFill>
-            </a:ln>
-          </p:spPr>
-          <p:style>
-            <a:lnRef idx="2">
-              <a:schemeClr val="accent1"/>
-            </a:lnRef>
-            <a:fillRef idx="0">
-              <a:schemeClr val="accent1"/>
-            </a:fillRef>
-            <a:effectRef idx="1">
-              <a:schemeClr val="accent1"/>
-            </a:effectRef>
-            <a:fontRef idx="minor">
-              <a:schemeClr val="tx1"/>
-            </a:fontRef>
-          </p:style>
-        </p:cxnSp>
-        <p:cxnSp>
-          <p:nvCxnSpPr>
-            <p:cNvPr id="4117" name="Straight Connector 4116">
-              <a:extLst>
-                <a:ext uri="{FF2B5EF4-FFF2-40B4-BE49-F238E27FC236}">
-                  <a16:creationId xmlns:a16="http://schemas.microsoft.com/office/drawing/2014/main" id="{00BD7DA8-741F-4296-9363-05EF91541119}"/>
-                </a:ext>
-                <a:ext uri="{C183D7F6-B498-43B3-948B-1728B52AA6E4}">
-                  <adec:decorative xmlns:adec="http://schemas.microsoft.com/office/drawing/2017/decorative" val="1"/>
-                </a:ext>
-              </a:extLst>
-            </p:cNvPr>
-            <p:cNvCxnSpPr/>
-            <p:nvPr>
-              <p:extLst>
-                <p:ext uri="{386F3935-93C4-4BCD-93E2-E3B085C9AB24}">
-                  <p16:designElem xmlns:p16="http://schemas.microsoft.com/office/powerpoint/2015/main" val="1"/>
-                </p:ext>
-              </p:extLst>
-            </p:nvPr>
-          </p:nvCxnSpPr>
-          <p:spPr>
-            <a:xfrm flipH="1">
-              <a:off x="10292292" y="3285067"/>
-              <a:ext cx="1896534" cy="1896533"/>
-            </a:xfrm>
-            <a:prstGeom prst="line">
-              <a:avLst/>
-            </a:prstGeom>
-            <a:ln w="9525">
-              <a:solidFill>
-                <a:schemeClr val="tx1"/>
-              </a:solidFill>
-            </a:ln>
-          </p:spPr>
-          <p:style>
-            <a:lnRef idx="2">
-              <a:schemeClr val="accent1"/>
-            </a:lnRef>
-            <a:fillRef idx="0">
-              <a:schemeClr val="accent1"/>
-            </a:fillRef>
-            <a:effectRef idx="1">
-              <a:schemeClr val="accent1"/>
-            </a:effectRef>
-            <a:fontRef idx="minor">
-              <a:schemeClr val="tx1"/>
-            </a:fontRef>
-          </p:style>
-        </p:cxnSp>
-        <p:cxnSp>
-          <p:nvCxnSpPr>
-            <p:cNvPr id="4118" name="Straight Connector 4117">
-              <a:extLst>
-                <a:ext uri="{FF2B5EF4-FFF2-40B4-BE49-F238E27FC236}">
-                  <a16:creationId xmlns:a16="http://schemas.microsoft.com/office/drawing/2014/main" id="{62068EFC-20FC-456F-839F-4BCFFCAA8197}"/>
-                </a:ext>
-                <a:ext uri="{C183D7F6-B498-43B3-948B-1728B52AA6E4}">
-                  <adec:decorative xmlns:adec="http://schemas.microsoft.com/office/drawing/2017/decorative" val="1"/>
-                </a:ext>
-              </a:extLst>
-            </p:cNvPr>
-            <p:cNvCxnSpPr/>
-            <p:nvPr>
-              <p:extLst>
-                <p:ext uri="{386F3935-93C4-4BCD-93E2-E3B085C9AB24}">
-                  <p16:designElem xmlns:p16="http://schemas.microsoft.com/office/powerpoint/2015/main" val="1"/>
-                </p:ext>
-              </p:extLst>
-            </p:nvPr>
-          </p:nvCxnSpPr>
-          <p:spPr>
-            <a:xfrm flipH="1">
-              <a:off x="10443103" y="3131080"/>
-              <a:ext cx="1745722" cy="1745720"/>
-            </a:xfrm>
-            <a:prstGeom prst="line">
-              <a:avLst/>
-            </a:prstGeom>
-            <a:ln w="28575">
-              <a:solidFill>
-                <a:schemeClr val="tx1"/>
-              </a:solidFill>
-            </a:ln>
-          </p:spPr>
-          <p:style>
-            <a:lnRef idx="2">
-              <a:schemeClr val="accent1"/>
-            </a:lnRef>
-            <a:fillRef idx="0">
-              <a:schemeClr val="accent1"/>
-            </a:fillRef>
-            <a:effectRef idx="1">
-              <a:schemeClr val="accent1"/>
-            </a:effectRef>
-            <a:fontRef idx="minor">
-              <a:schemeClr val="tx1"/>
-            </a:fontRef>
-          </p:style>
-        </p:cxnSp>
-        <p:cxnSp>
-          <p:nvCxnSpPr>
-            <p:cNvPr id="4119" name="Straight Connector 4118">
-              <a:extLst>
-                <a:ext uri="{FF2B5EF4-FFF2-40B4-BE49-F238E27FC236}">
-                  <a16:creationId xmlns:a16="http://schemas.microsoft.com/office/drawing/2014/main" id="{3251C60F-B911-433E-BF75-3BBEFD0538CB}"/>
-                </a:ext>
-                <a:ext uri="{C183D7F6-B498-43B3-948B-1728B52AA6E4}">
-                  <adec:decorative xmlns:adec="http://schemas.microsoft.com/office/drawing/2017/decorative" val="1"/>
-                </a:ext>
-              </a:extLst>
-            </p:cNvPr>
-            <p:cNvCxnSpPr/>
-            <p:nvPr>
-              <p:extLst>
-                <p:ext uri="{386F3935-93C4-4BCD-93E2-E3B085C9AB24}">
-                  <p16:designElem xmlns:p16="http://schemas.microsoft.com/office/powerpoint/2015/main" val="1"/>
-                </p:ext>
-              </p:extLst>
-            </p:nvPr>
-          </p:nvCxnSpPr>
-          <p:spPr>
-            <a:xfrm flipH="1">
-              <a:off x="10918826" y="3683001"/>
-              <a:ext cx="1270001" cy="1269999"/>
-            </a:xfrm>
-            <a:prstGeom prst="line">
-              <a:avLst/>
-            </a:prstGeom>
-            <a:ln w="28575">
-              <a:solidFill>
-                <a:schemeClr val="tx1"/>
-              </a:solidFill>
-            </a:ln>
-          </p:spPr>
-          <p:style>
-            <a:lnRef idx="2">
-              <a:schemeClr val="accent1"/>
-            </a:lnRef>
-            <a:fillRef idx="0">
-              <a:schemeClr val="accent1"/>
-            </a:fillRef>
-            <a:effectRef idx="1">
-              <a:schemeClr val="accent1"/>
-            </a:effectRef>
-            <a:fontRef idx="minor">
-              <a:schemeClr val="tx1"/>
-            </a:fontRef>
-          </p:style>
-        </p:cxnSp>
-      </p:grpSp>
+          <a:prstGeom prst="rect">
+            <a:avLst/>
+          </a:prstGeom>
+          <a:noFill/>
+        </p:spPr>
+        <p:txBody>
+          <a:bodyPr wrap="square">
+            <a:spAutoFit/>
+          </a:bodyPr>
+          <a:lstStyle/>
+          <a:p>
+            <a:r>
+              <a:rPr lang="en-US" sz="1800" dirty="0"/>
+              <a:t>factory </a:t>
+            </a:r>
+          </a:p>
+          <a:p>
+            <a:pPr>
+              <a:buFont typeface="Wingdings 3" panose="05040102010807070707" pitchFamily="18" charset="2"/>
+              <a:buChar char=""/>
+            </a:pPr>
+            <a:r>
+              <a:rPr lang="nl-NL" sz="1400" dirty="0">
+                <a:solidFill>
+                  <a:schemeClr val="bg2">
+                    <a:lumMod val="50000"/>
+                  </a:schemeClr>
+                </a:solidFill>
+              </a:rPr>
+              <a:t>Doel: Vernietig fabrieken die koolstof uitstoten.</a:t>
+            </a:r>
+          </a:p>
+          <a:p>
+            <a:pPr>
+              <a:buFont typeface="Wingdings 3" panose="05040102010807070707" pitchFamily="18" charset="2"/>
+              <a:buChar char=""/>
+            </a:pPr>
+            <a:r>
+              <a:rPr lang="nl-NL" sz="1400" dirty="0">
+                <a:solidFill>
+                  <a:schemeClr val="bg2">
+                    <a:lumMod val="50000"/>
+                  </a:schemeClr>
+                </a:solidFill>
+              </a:rPr>
+              <a:t>Bewustzijn: Fabrieken dragen bij aan de CO2-uitstoot</a:t>
+            </a:r>
+            <a:r>
+              <a:rPr lang="en-US" sz="1400" dirty="0">
+                <a:solidFill>
+                  <a:schemeClr val="bg2">
+                    <a:lumMod val="50000"/>
+                  </a:schemeClr>
+                </a:solidFill>
+              </a:rPr>
+              <a:t>.</a:t>
+            </a:r>
+          </a:p>
+        </p:txBody>
+      </p:sp>
+      <p:sp>
+        <p:nvSpPr>
+          <p:cNvPr id="10" name="Tekstvak 9">
+            <a:extLst>
+              <a:ext uri="{FF2B5EF4-FFF2-40B4-BE49-F238E27FC236}">
+                <a16:creationId xmlns:a16="http://schemas.microsoft.com/office/drawing/2014/main" id="{D9B85372-12A0-0074-0F1B-FD10FD675388}"/>
+              </a:ext>
+            </a:extLst>
+          </p:cNvPr>
+          <p:cNvSpPr txBox="1"/>
+          <p:nvPr/>
+        </p:nvSpPr>
+        <p:spPr>
+          <a:xfrm>
+            <a:off x="613280" y="6241114"/>
+            <a:ext cx="2076826" cy="276999"/>
+          </a:xfrm>
+          <a:prstGeom prst="rect">
+            <a:avLst/>
+          </a:prstGeom>
+          <a:noFill/>
+        </p:spPr>
+        <p:txBody>
+          <a:bodyPr wrap="square">
+            <a:spAutoFit/>
+          </a:bodyPr>
+          <a:lstStyle/>
+          <a:p>
+            <a:r>
+              <a:rPr lang="nl-BE" sz="1200" dirty="0"/>
+              <a:t>Sam De </a:t>
+            </a:r>
+            <a:r>
+              <a:rPr lang="nl-BE" sz="1200" dirty="0" err="1"/>
+              <a:t>Wispelaere</a:t>
+            </a:r>
+            <a:endParaRPr lang="nl-BE" sz="1200" dirty="0"/>
+          </a:p>
+        </p:txBody>
+      </p:sp>
+      <p:sp>
+        <p:nvSpPr>
+          <p:cNvPr id="12" name="Tekstvak 11">
+            <a:extLst>
+              <a:ext uri="{FF2B5EF4-FFF2-40B4-BE49-F238E27FC236}">
+                <a16:creationId xmlns:a16="http://schemas.microsoft.com/office/drawing/2014/main" id="{18915190-E7DE-057B-0969-7B8A037010CD}"/>
+              </a:ext>
+            </a:extLst>
+          </p:cNvPr>
+          <p:cNvSpPr txBox="1"/>
+          <p:nvPr/>
+        </p:nvSpPr>
+        <p:spPr>
+          <a:xfrm>
+            <a:off x="4194695" y="6241114"/>
+            <a:ext cx="1450988" cy="276999"/>
+          </a:xfrm>
+          <a:prstGeom prst="rect">
+            <a:avLst/>
+          </a:prstGeom>
+          <a:noFill/>
+        </p:spPr>
+        <p:txBody>
+          <a:bodyPr wrap="square">
+            <a:spAutoFit/>
+          </a:bodyPr>
+          <a:lstStyle/>
+          <a:p>
+            <a:r>
+              <a:rPr lang="nl-BE" sz="1200" dirty="0"/>
+              <a:t>Colin </a:t>
+            </a:r>
+            <a:r>
+              <a:rPr lang="nl-BE" sz="1200" dirty="0" err="1"/>
+              <a:t>Bossuyt</a:t>
+            </a:r>
+            <a:endParaRPr lang="nl-BE" sz="1200" dirty="0"/>
+          </a:p>
+        </p:txBody>
+      </p:sp>
     </p:spTree>
     <p:extLst>
       <p:ext uri="{BB962C8B-B14F-4D97-AF65-F5344CB8AC3E}">
-        <p14:creationId xmlns:p14="http://schemas.microsoft.com/office/powerpoint/2010/main" val="4141826259"/>
+        <p14:creationId xmlns:p14="http://schemas.microsoft.com/office/powerpoint/2010/main" val="3565434933"/>
       </p:ext>
     </p:extLst>
   </p:cSld>
@@ -9530,917 +7797,7 @@
 </p:sld>
 </file>
 
-<file path=ppt/slides/slide8.xml><?xml version="1.0" encoding="utf-8"?>
-<p:sld xmlns:a="http://schemas.openxmlformats.org/drawingml/2006/main" xmlns:r="http://schemas.openxmlformats.org/officeDocument/2006/relationships" xmlns:p="http://schemas.openxmlformats.org/presentationml/2006/main">
-  <p:cSld>
-    <p:bg>
-      <p:bgPr>
-        <a:gradFill rotWithShape="1">
-          <a:gsLst>
-            <a:gs pos="10000">
-              <a:schemeClr val="bg2">
-                <a:tint val="97000"/>
-                <a:hueMod val="92000"/>
-                <a:satMod val="169000"/>
-                <a:lumMod val="164000"/>
-              </a:schemeClr>
-            </a:gs>
-            <a:gs pos="100000">
-              <a:schemeClr val="bg2">
-                <a:shade val="96000"/>
-                <a:satMod val="120000"/>
-                <a:lumMod val="90000"/>
-              </a:schemeClr>
-            </a:gs>
-          </a:gsLst>
-          <a:lin ang="6120000" scaled="1"/>
-        </a:gradFill>
-        <a:effectLst/>
-      </p:bgPr>
-    </p:bg>
-    <p:spTree>
-      <p:nvGrpSpPr>
-        <p:cNvPr id="1" name=""/>
-        <p:cNvGrpSpPr/>
-        <p:nvPr/>
-      </p:nvGrpSpPr>
-      <p:grpSpPr>
-        <a:xfrm>
-          <a:off x="0" y="0"/>
-          <a:ext cx="0" cy="0"/>
-          <a:chOff x="0" y="0"/>
-          <a:chExt cx="0" cy="0"/>
-        </a:xfrm>
-      </p:grpSpPr>
-      <p:grpSp>
-        <p:nvGrpSpPr>
-          <p:cNvPr id="5127" name="Group 5126">
-            <a:extLst>
-              <a:ext uri="{FF2B5EF4-FFF2-40B4-BE49-F238E27FC236}">
-                <a16:creationId xmlns:a16="http://schemas.microsoft.com/office/drawing/2014/main" id="{8F1EF17D-1B70-428C-8A8A-A2C5B390E1E9}"/>
-              </a:ext>
-              <a:ext uri="{C183D7F6-B498-43B3-948B-1728B52AA6E4}">
-                <adec:decorative xmlns:adec="http://schemas.microsoft.com/office/drawing/2017/decorative" val="1"/>
-              </a:ext>
-            </a:extLst>
-          </p:cNvPr>
-          <p:cNvGrpSpPr>
-            <a:grpSpLocks noGrp="1" noUngrp="1" noRot="1" noChangeAspect="1" noMove="1" noResize="1"/>
-          </p:cNvGrpSpPr>
-          <p:nvPr>
-            <p:extLst>
-              <p:ext uri="{386F3935-93C4-4BCD-93E2-E3B085C9AB24}">
-                <p16:designElem xmlns:p16="http://schemas.microsoft.com/office/powerpoint/2015/main" val="1"/>
-              </p:ext>
-            </p:extLst>
-          </p:nvPr>
-        </p:nvGrpSpPr>
-        <p:grpSpPr>
-          <a:xfrm>
-            <a:off x="9206969" y="2963333"/>
-            <a:ext cx="2981858" cy="3208867"/>
-            <a:chOff x="9206969" y="2963333"/>
-            <a:chExt cx="2981858" cy="3208867"/>
-          </a:xfrm>
-        </p:grpSpPr>
-        <p:cxnSp>
-          <p:nvCxnSpPr>
-            <p:cNvPr id="5128" name="Straight Connector 5127">
-              <a:extLst>
-                <a:ext uri="{FF2B5EF4-FFF2-40B4-BE49-F238E27FC236}">
-                  <a16:creationId xmlns:a16="http://schemas.microsoft.com/office/drawing/2014/main" id="{12FAEDF3-CEC8-4BF6-8EA7-4079C471838C}"/>
-                </a:ext>
-                <a:ext uri="{C183D7F6-B498-43B3-948B-1728B52AA6E4}">
-                  <adec:decorative xmlns:adec="http://schemas.microsoft.com/office/drawing/2017/decorative" val="1"/>
-                </a:ext>
-              </a:extLst>
-            </p:cNvPr>
-            <p:cNvCxnSpPr/>
-            <p:nvPr>
-              <p:extLst>
-                <p:ext uri="{386F3935-93C4-4BCD-93E2-E3B085C9AB24}">
-                  <p16:designElem xmlns:p16="http://schemas.microsoft.com/office/powerpoint/2015/main" val="1"/>
-                </p:ext>
-              </p:extLst>
-            </p:nvPr>
-          </p:nvCxnSpPr>
-          <p:spPr>
-            <a:xfrm flipH="1">
-              <a:off x="11276012" y="2963333"/>
-              <a:ext cx="912814" cy="912812"/>
-            </a:xfrm>
-            <a:prstGeom prst="line">
-              <a:avLst/>
-            </a:prstGeom>
-            <a:ln w="9525">
-              <a:solidFill>
-                <a:schemeClr val="tx1"/>
-              </a:solidFill>
-            </a:ln>
-          </p:spPr>
-          <p:style>
-            <a:lnRef idx="2">
-              <a:schemeClr val="accent1"/>
-            </a:lnRef>
-            <a:fillRef idx="0">
-              <a:schemeClr val="accent1"/>
-            </a:fillRef>
-            <a:effectRef idx="1">
-              <a:schemeClr val="accent1"/>
-            </a:effectRef>
-            <a:fontRef idx="minor">
-              <a:schemeClr val="tx1"/>
-            </a:fontRef>
-          </p:style>
-        </p:cxnSp>
-        <p:cxnSp>
-          <p:nvCxnSpPr>
-            <p:cNvPr id="5129" name="Straight Connector 5128">
-              <a:extLst>
-                <a:ext uri="{FF2B5EF4-FFF2-40B4-BE49-F238E27FC236}">
-                  <a16:creationId xmlns:a16="http://schemas.microsoft.com/office/drawing/2014/main" id="{398DB8F4-CD77-4FCC-8544-ADE8B478C151}"/>
-                </a:ext>
-                <a:ext uri="{C183D7F6-B498-43B3-948B-1728B52AA6E4}">
-                  <adec:decorative xmlns:adec="http://schemas.microsoft.com/office/drawing/2017/decorative" val="1"/>
-                </a:ext>
-              </a:extLst>
-            </p:cNvPr>
-            <p:cNvCxnSpPr/>
-            <p:nvPr>
-              <p:extLst>
-                <p:ext uri="{386F3935-93C4-4BCD-93E2-E3B085C9AB24}">
-                  <p16:designElem xmlns:p16="http://schemas.microsoft.com/office/powerpoint/2015/main" val="1"/>
-                </p:ext>
-              </p:extLst>
-            </p:nvPr>
-          </p:nvCxnSpPr>
-          <p:spPr>
-            <a:xfrm flipH="1">
-              <a:off x="9206969" y="3190344"/>
-              <a:ext cx="2981857" cy="2981856"/>
-            </a:xfrm>
-            <a:prstGeom prst="line">
-              <a:avLst/>
-            </a:prstGeom>
-            <a:ln w="9525">
-              <a:solidFill>
-                <a:schemeClr val="tx1"/>
-              </a:solidFill>
-            </a:ln>
-          </p:spPr>
-          <p:style>
-            <a:lnRef idx="2">
-              <a:schemeClr val="accent1"/>
-            </a:lnRef>
-            <a:fillRef idx="0">
-              <a:schemeClr val="accent1"/>
-            </a:fillRef>
-            <a:effectRef idx="1">
-              <a:schemeClr val="accent1"/>
-            </a:effectRef>
-            <a:fontRef idx="minor">
-              <a:schemeClr val="tx1"/>
-            </a:fontRef>
-          </p:style>
-        </p:cxnSp>
-        <p:cxnSp>
-          <p:nvCxnSpPr>
-            <p:cNvPr id="5130" name="Straight Connector 5129">
-              <a:extLst>
-                <a:ext uri="{FF2B5EF4-FFF2-40B4-BE49-F238E27FC236}">
-                  <a16:creationId xmlns:a16="http://schemas.microsoft.com/office/drawing/2014/main" id="{22202DFE-039D-48E4-8536-FA30F2489475}"/>
-                </a:ext>
-                <a:ext uri="{C183D7F6-B498-43B3-948B-1728B52AA6E4}">
-                  <adec:decorative xmlns:adec="http://schemas.microsoft.com/office/drawing/2017/decorative" val="1"/>
-                </a:ext>
-              </a:extLst>
-            </p:cNvPr>
-            <p:cNvCxnSpPr/>
-            <p:nvPr>
-              <p:extLst>
-                <p:ext uri="{386F3935-93C4-4BCD-93E2-E3B085C9AB24}">
-                  <p16:designElem xmlns:p16="http://schemas.microsoft.com/office/powerpoint/2015/main" val="1"/>
-                </p:ext>
-              </p:extLst>
-            </p:nvPr>
-          </p:nvCxnSpPr>
-          <p:spPr>
-            <a:xfrm flipH="1">
-              <a:off x="10292292" y="3285067"/>
-              <a:ext cx="1896534" cy="1896533"/>
-            </a:xfrm>
-            <a:prstGeom prst="line">
-              <a:avLst/>
-            </a:prstGeom>
-            <a:ln w="9525">
-              <a:solidFill>
-                <a:schemeClr val="tx1"/>
-              </a:solidFill>
-            </a:ln>
-          </p:spPr>
-          <p:style>
-            <a:lnRef idx="2">
-              <a:schemeClr val="accent1"/>
-            </a:lnRef>
-            <a:fillRef idx="0">
-              <a:schemeClr val="accent1"/>
-            </a:fillRef>
-            <a:effectRef idx="1">
-              <a:schemeClr val="accent1"/>
-            </a:effectRef>
-            <a:fontRef idx="minor">
-              <a:schemeClr val="tx1"/>
-            </a:fontRef>
-          </p:style>
-        </p:cxnSp>
-        <p:cxnSp>
-          <p:nvCxnSpPr>
-            <p:cNvPr id="5131" name="Straight Connector 5130">
-              <a:extLst>
-                <a:ext uri="{FF2B5EF4-FFF2-40B4-BE49-F238E27FC236}">
-                  <a16:creationId xmlns:a16="http://schemas.microsoft.com/office/drawing/2014/main" id="{81F05E26-510E-4164-83C7-28E4FE9D7EA3}"/>
-                </a:ext>
-                <a:ext uri="{C183D7F6-B498-43B3-948B-1728B52AA6E4}">
-                  <adec:decorative xmlns:adec="http://schemas.microsoft.com/office/drawing/2017/decorative" val="1"/>
-                </a:ext>
-              </a:extLst>
-            </p:cNvPr>
-            <p:cNvCxnSpPr/>
-            <p:nvPr>
-              <p:extLst>
-                <p:ext uri="{386F3935-93C4-4BCD-93E2-E3B085C9AB24}">
-                  <p16:designElem xmlns:p16="http://schemas.microsoft.com/office/powerpoint/2015/main" val="1"/>
-                </p:ext>
-              </p:extLst>
-            </p:nvPr>
-          </p:nvCxnSpPr>
-          <p:spPr>
-            <a:xfrm flipH="1">
-              <a:off x="10443103" y="3131080"/>
-              <a:ext cx="1745722" cy="1745720"/>
-            </a:xfrm>
-            <a:prstGeom prst="line">
-              <a:avLst/>
-            </a:prstGeom>
-            <a:ln w="28575">
-              <a:solidFill>
-                <a:schemeClr val="tx1"/>
-              </a:solidFill>
-            </a:ln>
-          </p:spPr>
-          <p:style>
-            <a:lnRef idx="2">
-              <a:schemeClr val="accent1"/>
-            </a:lnRef>
-            <a:fillRef idx="0">
-              <a:schemeClr val="accent1"/>
-            </a:fillRef>
-            <a:effectRef idx="1">
-              <a:schemeClr val="accent1"/>
-            </a:effectRef>
-            <a:fontRef idx="minor">
-              <a:schemeClr val="tx1"/>
-            </a:fontRef>
-          </p:style>
-        </p:cxnSp>
-        <p:cxnSp>
-          <p:nvCxnSpPr>
-            <p:cNvPr id="5132" name="Straight Connector 5131">
-              <a:extLst>
-                <a:ext uri="{FF2B5EF4-FFF2-40B4-BE49-F238E27FC236}">
-                  <a16:creationId xmlns:a16="http://schemas.microsoft.com/office/drawing/2014/main" id="{E632161A-50D4-4D96-887A-98FC9209310C}"/>
-                </a:ext>
-                <a:ext uri="{C183D7F6-B498-43B3-948B-1728B52AA6E4}">
-                  <adec:decorative xmlns:adec="http://schemas.microsoft.com/office/drawing/2017/decorative" val="1"/>
-                </a:ext>
-              </a:extLst>
-            </p:cNvPr>
-            <p:cNvCxnSpPr/>
-            <p:nvPr>
-              <p:extLst>
-                <p:ext uri="{386F3935-93C4-4BCD-93E2-E3B085C9AB24}">
-                  <p16:designElem xmlns:p16="http://schemas.microsoft.com/office/powerpoint/2015/main" val="1"/>
-                </p:ext>
-              </p:extLst>
-            </p:nvPr>
-          </p:nvCxnSpPr>
-          <p:spPr>
-            <a:xfrm flipH="1">
-              <a:off x="10918826" y="3683001"/>
-              <a:ext cx="1270001" cy="1269999"/>
-            </a:xfrm>
-            <a:prstGeom prst="line">
-              <a:avLst/>
-            </a:prstGeom>
-            <a:ln w="28575">
-              <a:solidFill>
-                <a:schemeClr val="tx1"/>
-              </a:solidFill>
-            </a:ln>
-          </p:spPr>
-          <p:style>
-            <a:lnRef idx="2">
-              <a:schemeClr val="accent1"/>
-            </a:lnRef>
-            <a:fillRef idx="0">
-              <a:schemeClr val="accent1"/>
-            </a:fillRef>
-            <a:effectRef idx="1">
-              <a:schemeClr val="accent1"/>
-            </a:effectRef>
-            <a:fontRef idx="minor">
-              <a:schemeClr val="tx1"/>
-            </a:fontRef>
-          </p:style>
-        </p:cxnSp>
-      </p:grpSp>
-      <p:sp useBgFill="1">
-        <p:nvSpPr>
-          <p:cNvPr id="5134" name="Rectangle 5133">
-            <a:extLst>
-              <a:ext uri="{FF2B5EF4-FFF2-40B4-BE49-F238E27FC236}">
-                <a16:creationId xmlns:a16="http://schemas.microsoft.com/office/drawing/2014/main" id="{E09CCB3F-DBCE-4964-9E34-8C5DE80EF4B5}"/>
-              </a:ext>
-              <a:ext uri="{C183D7F6-B498-43B3-948B-1728B52AA6E4}">
-                <adec:decorative xmlns:adec="http://schemas.microsoft.com/office/drawing/2017/decorative" val="1"/>
-              </a:ext>
-            </a:extLst>
-          </p:cNvPr>
-          <p:cNvSpPr>
-            <a:spLocks noGrp="1" noRot="1" noChangeAspect="1" noMove="1" noResize="1" noEditPoints="1" noAdjustHandles="1" noChangeArrowheads="1" noChangeShapeType="1" noTextEdit="1"/>
-          </p:cNvSpPr>
-          <p:nvPr>
-            <p:extLst>
-              <p:ext uri="{386F3935-93C4-4BCD-93E2-E3B085C9AB24}">
-                <p16:designElem xmlns:p16="http://schemas.microsoft.com/office/powerpoint/2015/main" val="1"/>
-              </p:ext>
-            </p:extLst>
-          </p:nvPr>
-        </p:nvSpPr>
-        <p:spPr>
-          <a:xfrm>
-            <a:off x="0" y="0"/>
-            <a:ext cx="12192000" cy="6858000"/>
-          </a:xfrm>
-          <a:prstGeom prst="rect">
-            <a:avLst/>
-          </a:prstGeom>
-          <a:ln>
-            <a:noFill/>
-          </a:ln>
-        </p:spPr>
-        <p:style>
-          <a:lnRef idx="2">
-            <a:schemeClr val="accent1">
-              <a:shade val="50000"/>
-            </a:schemeClr>
-          </a:lnRef>
-          <a:fillRef idx="1">
-            <a:schemeClr val="accent1"/>
-          </a:fillRef>
-          <a:effectRef idx="0">
-            <a:schemeClr val="accent1"/>
-          </a:effectRef>
-          <a:fontRef idx="minor">
-            <a:schemeClr val="lt1"/>
-          </a:fontRef>
-        </p:style>
-        <p:txBody>
-          <a:bodyPr rtlCol="0" anchor="ctr"/>
-          <a:lstStyle/>
-          <a:p>
-            <a:pPr algn="ctr"/>
-            <a:endParaRPr lang="en-US"/>
-          </a:p>
-        </p:txBody>
-      </p:sp>
-      <p:sp>
-        <p:nvSpPr>
-          <p:cNvPr id="2" name="Title 1">
-            <a:extLst>
-              <a:ext uri="{FF2B5EF4-FFF2-40B4-BE49-F238E27FC236}">
-                <a16:creationId xmlns:a16="http://schemas.microsoft.com/office/drawing/2014/main" id="{7BA2D81D-B67B-79DA-CD1F-EE78325D8730}"/>
-              </a:ext>
-            </a:extLst>
-          </p:cNvPr>
-          <p:cNvSpPr>
-            <a:spLocks noGrp="1"/>
-          </p:cNvSpPr>
-          <p:nvPr>
-            <p:ph type="title"/>
-          </p:nvPr>
-        </p:nvSpPr>
-        <p:spPr>
-          <a:xfrm>
-            <a:off x="7532710" y="620722"/>
-            <a:ext cx="3518748" cy="1142462"/>
-          </a:xfrm>
-        </p:spPr>
-        <p:txBody>
-          <a:bodyPr vert="horz" lIns="91440" tIns="45720" rIns="91440" bIns="45720" rtlCol="0" anchor="b">
-            <a:normAutofit/>
-          </a:bodyPr>
-          <a:lstStyle/>
-          <a:p>
-            <a:r>
-              <a:rPr lang="en-US"/>
-              <a:t>Oil clean up</a:t>
-            </a:r>
-          </a:p>
-        </p:txBody>
-      </p:sp>
-      <p:sp>
-        <p:nvSpPr>
-          <p:cNvPr id="5136" name="Snip Diagonal Corner Rectangle 24">
-            <a:extLst>
-              <a:ext uri="{FF2B5EF4-FFF2-40B4-BE49-F238E27FC236}">
-                <a16:creationId xmlns:a16="http://schemas.microsoft.com/office/drawing/2014/main" id="{1DFF944F-74BA-483A-82C0-64E3AAF4AE98}"/>
-              </a:ext>
-              <a:ext uri="{C183D7F6-B498-43B3-948B-1728B52AA6E4}">
-                <adec:decorative xmlns:adec="http://schemas.microsoft.com/office/drawing/2017/decorative" val="1"/>
-              </a:ext>
-            </a:extLst>
-          </p:cNvPr>
-          <p:cNvSpPr>
-            <a:spLocks noGrp="1" noRot="1" noChangeAspect="1" noMove="1" noResize="1" noEditPoints="1" noAdjustHandles="1" noChangeArrowheads="1" noChangeShapeType="1" noTextEdit="1"/>
-          </p:cNvSpPr>
-          <p:nvPr>
-            <p:extLst>
-              <p:ext uri="{386F3935-93C4-4BCD-93E2-E3B085C9AB24}">
-                <p16:designElem xmlns:p16="http://schemas.microsoft.com/office/powerpoint/2015/main" val="1"/>
-              </p:ext>
-            </p:extLst>
-          </p:nvPr>
-        </p:nvSpPr>
-        <p:spPr>
-          <a:xfrm>
-            <a:off x="612990" y="620722"/>
-            <a:ext cx="6575496" cy="5286838"/>
-          </a:xfrm>
-          <a:prstGeom prst="snip2DiagRect">
-            <a:avLst>
-              <a:gd name="adj1" fmla="val 10787"/>
-              <a:gd name="adj2" fmla="val 0"/>
-            </a:avLst>
-          </a:prstGeom>
-          <a:solidFill>
-            <a:schemeClr val="tx1"/>
-          </a:solidFill>
-          <a:ln>
-            <a:noFill/>
-          </a:ln>
-          <a:effectLst>
-            <a:innerShdw blurRad="57150" dist="38100" dir="14460000">
-              <a:prstClr val="black">
-                <a:alpha val="70000"/>
-              </a:prstClr>
-            </a:innerShdw>
-          </a:effectLst>
-        </p:spPr>
-        <p:style>
-          <a:lnRef idx="2">
-            <a:schemeClr val="accent1">
-              <a:shade val="50000"/>
-            </a:schemeClr>
-          </a:lnRef>
-          <a:fillRef idx="1">
-            <a:schemeClr val="accent1"/>
-          </a:fillRef>
-          <a:effectRef idx="0">
-            <a:schemeClr val="accent1"/>
-          </a:effectRef>
-          <a:fontRef idx="minor">
-            <a:schemeClr val="lt1"/>
-          </a:fontRef>
-        </p:style>
-        <p:txBody>
-          <a:bodyPr rtlCol="0" anchor="ctr"/>
-          <a:lstStyle/>
-          <a:p>
-            <a:pPr algn="ctr"/>
-            <a:endParaRPr lang="en-US"/>
-          </a:p>
-        </p:txBody>
-      </p:sp>
-      <p:pic>
-        <p:nvPicPr>
-          <p:cNvPr id="5122" name="Picture 2" descr="A yellow sponge in the water&#10;&#10;Description automatically generated">
-            <a:extLst>
-              <a:ext uri="{FF2B5EF4-FFF2-40B4-BE49-F238E27FC236}">
-                <a16:creationId xmlns:a16="http://schemas.microsoft.com/office/drawing/2014/main" id="{AB391DF7-40A8-399A-52BC-147AD7C0018A}"/>
-              </a:ext>
-            </a:extLst>
-          </p:cNvPr>
-          <p:cNvPicPr>
-            <a:picLocks noGrp="1" noChangeAspect="1" noChangeArrowheads="1"/>
-          </p:cNvPicPr>
-          <p:nvPr>
-            <p:ph type="pic" idx="1"/>
-          </p:nvPr>
-        </p:nvPicPr>
-        <p:blipFill rotWithShape="1">
-          <a:blip r:embed="rId2">
-            <a:extLst>
-              <a:ext uri="{28A0092B-C50C-407E-A947-70E740481C1C}">
-                <a14:useLocalDpi xmlns:a14="http://schemas.microsoft.com/office/drawing/2010/main" val="0"/>
-              </a:ext>
-            </a:extLst>
-          </a:blip>
-          <a:srcRect l="12109" r="17008" b="1"/>
-          <a:stretch/>
-        </p:blipFill>
-        <p:spPr bwMode="auto">
-          <a:xfrm>
-            <a:off x="778062" y="786117"/>
-            <a:ext cx="6245352" cy="4956048"/>
-          </a:xfrm>
-          <a:custGeom>
-            <a:avLst/>
-            <a:gdLst/>
-            <a:ahLst/>
-            <a:cxnLst/>
-            <a:rect l="l" t="t" r="r" b="b"/>
-            <a:pathLst>
-              <a:path w="6245352" h="4956048">
-                <a:moveTo>
-                  <a:pt x="534609" y="0"/>
-                </a:moveTo>
-                <a:lnTo>
-                  <a:pt x="6245352" y="0"/>
-                </a:lnTo>
-                <a:lnTo>
-                  <a:pt x="6245352" y="4421439"/>
-                </a:lnTo>
-                <a:lnTo>
-                  <a:pt x="5710743" y="4956048"/>
-                </a:lnTo>
-                <a:lnTo>
-                  <a:pt x="0" y="4956048"/>
-                </a:lnTo>
-                <a:lnTo>
-                  <a:pt x="0" y="534609"/>
-                </a:lnTo>
-                <a:close/>
-              </a:path>
-            </a:pathLst>
-          </a:custGeom>
-          <a:noFill/>
-          <a:extLst>
-            <a:ext uri="{909E8E84-426E-40DD-AFC4-6F175D3DCCD1}">
-              <a14:hiddenFill xmlns:a14="http://schemas.microsoft.com/office/drawing/2010/main">
-                <a:solidFill>
-                  <a:srgbClr val="FFFFFF"/>
-                </a:solidFill>
-              </a14:hiddenFill>
-            </a:ext>
-          </a:extLst>
-        </p:spPr>
-      </p:pic>
-      <p:sp>
-        <p:nvSpPr>
-          <p:cNvPr id="4" name="Text Placeholder 3">
-            <a:extLst>
-              <a:ext uri="{FF2B5EF4-FFF2-40B4-BE49-F238E27FC236}">
-                <a16:creationId xmlns:a16="http://schemas.microsoft.com/office/drawing/2014/main" id="{F64A837F-5B30-2129-2D2F-EC12212ED282}"/>
-              </a:ext>
-            </a:extLst>
-          </p:cNvPr>
-          <p:cNvSpPr>
-            <a:spLocks noGrp="1"/>
-          </p:cNvSpPr>
-          <p:nvPr>
-            <p:ph type="body" sz="half" idx="2"/>
-          </p:nvPr>
-        </p:nvSpPr>
-        <p:spPr>
-          <a:xfrm>
-            <a:off x="7532710" y="1822449"/>
-            <a:ext cx="3479419" cy="3070226"/>
-          </a:xfrm>
-        </p:spPr>
-        <p:txBody>
-          <a:bodyPr vert="horz" lIns="91440" tIns="45720" rIns="91440" bIns="45720" rtlCol="0" anchor="t">
-            <a:normAutofit/>
-          </a:bodyPr>
-          <a:lstStyle/>
-          <a:p>
-            <a:pPr>
-              <a:buFont typeface="Wingdings 3" panose="05040102010807070707" pitchFamily="18" charset="2"/>
-              <a:buChar char=""/>
-            </a:pPr>
-            <a:r>
-              <a:rPr lang="en-US" sz="1400"/>
-              <a:t>Objective: Remove oil from the ocean using sorbents.</a:t>
-            </a:r>
-          </a:p>
-          <a:p>
-            <a:pPr>
-              <a:buFont typeface="Wingdings 3" panose="05040102010807070707" pitchFamily="18" charset="2"/>
-              <a:buChar char=""/>
-            </a:pPr>
-            <a:r>
-              <a:rPr lang="en-US" sz="1400"/>
-              <a:t>Issue: Oil pollution harms marine life.</a:t>
-            </a:r>
-          </a:p>
-        </p:txBody>
-      </p:sp>
-      <p:grpSp>
-        <p:nvGrpSpPr>
-          <p:cNvPr id="5138" name="Group 5137">
-            <a:extLst>
-              <a:ext uri="{FF2B5EF4-FFF2-40B4-BE49-F238E27FC236}">
-                <a16:creationId xmlns:a16="http://schemas.microsoft.com/office/drawing/2014/main" id="{A9733A91-F958-4629-801A-3F6F1E09AD64}"/>
-              </a:ext>
-              <a:ext uri="{C183D7F6-B498-43B3-948B-1728B52AA6E4}">
-                <adec:decorative xmlns:adec="http://schemas.microsoft.com/office/drawing/2017/decorative" val="1"/>
-              </a:ext>
-            </a:extLst>
-          </p:cNvPr>
-          <p:cNvGrpSpPr>
-            <a:grpSpLocks noGrp="1" noUngrp="1" noRot="1" noChangeAspect="1" noMove="1" noResize="1"/>
-          </p:cNvGrpSpPr>
-          <p:nvPr>
-            <p:extLst>
-              <p:ext uri="{386F3935-93C4-4BCD-93E2-E3B085C9AB24}">
-                <p16:designElem xmlns:p16="http://schemas.microsoft.com/office/powerpoint/2015/main" val="1"/>
-              </p:ext>
-            </p:extLst>
-          </p:nvPr>
-        </p:nvGrpSpPr>
-        <p:grpSpPr>
-          <a:xfrm>
-            <a:off x="9206969" y="2963333"/>
-            <a:ext cx="2981858" cy="3208867"/>
-            <a:chOff x="9206969" y="2963333"/>
-            <a:chExt cx="2981858" cy="3208867"/>
-          </a:xfrm>
-        </p:grpSpPr>
-        <p:cxnSp>
-          <p:nvCxnSpPr>
-            <p:cNvPr id="5139" name="Straight Connector 5138">
-              <a:extLst>
-                <a:ext uri="{FF2B5EF4-FFF2-40B4-BE49-F238E27FC236}">
-                  <a16:creationId xmlns:a16="http://schemas.microsoft.com/office/drawing/2014/main" id="{F3812972-C68B-4C59-B3A7-4AF61E935D4A}"/>
-                </a:ext>
-                <a:ext uri="{C183D7F6-B498-43B3-948B-1728B52AA6E4}">
-                  <adec:decorative xmlns:adec="http://schemas.microsoft.com/office/drawing/2017/decorative" val="1"/>
-                </a:ext>
-              </a:extLst>
-            </p:cNvPr>
-            <p:cNvCxnSpPr/>
-            <p:nvPr>
-              <p:extLst>
-                <p:ext uri="{386F3935-93C4-4BCD-93E2-E3B085C9AB24}">
-                  <p16:designElem xmlns:p16="http://schemas.microsoft.com/office/powerpoint/2015/main" val="1"/>
-                </p:ext>
-              </p:extLst>
-            </p:nvPr>
-          </p:nvCxnSpPr>
-          <p:spPr>
-            <a:xfrm flipH="1">
-              <a:off x="11276012" y="2963333"/>
-              <a:ext cx="912814" cy="912812"/>
-            </a:xfrm>
-            <a:prstGeom prst="line">
-              <a:avLst/>
-            </a:prstGeom>
-            <a:ln w="9525">
-              <a:solidFill>
-                <a:schemeClr val="tx1"/>
-              </a:solidFill>
-            </a:ln>
-          </p:spPr>
-          <p:style>
-            <a:lnRef idx="2">
-              <a:schemeClr val="accent1"/>
-            </a:lnRef>
-            <a:fillRef idx="0">
-              <a:schemeClr val="accent1"/>
-            </a:fillRef>
-            <a:effectRef idx="1">
-              <a:schemeClr val="accent1"/>
-            </a:effectRef>
-            <a:fontRef idx="minor">
-              <a:schemeClr val="tx1"/>
-            </a:fontRef>
-          </p:style>
-        </p:cxnSp>
-        <p:cxnSp>
-          <p:nvCxnSpPr>
-            <p:cNvPr id="5140" name="Straight Connector 5139">
-              <a:extLst>
-                <a:ext uri="{FF2B5EF4-FFF2-40B4-BE49-F238E27FC236}">
-                  <a16:creationId xmlns:a16="http://schemas.microsoft.com/office/drawing/2014/main" id="{CB3F3B7C-7909-4486-AA08-5C6B625C3A0A}"/>
-                </a:ext>
-                <a:ext uri="{C183D7F6-B498-43B3-948B-1728B52AA6E4}">
-                  <adec:decorative xmlns:adec="http://schemas.microsoft.com/office/drawing/2017/decorative" val="1"/>
-                </a:ext>
-              </a:extLst>
-            </p:cNvPr>
-            <p:cNvCxnSpPr/>
-            <p:nvPr>
-              <p:extLst>
-                <p:ext uri="{386F3935-93C4-4BCD-93E2-E3B085C9AB24}">
-                  <p16:designElem xmlns:p16="http://schemas.microsoft.com/office/powerpoint/2015/main" val="1"/>
-                </p:ext>
-              </p:extLst>
-            </p:nvPr>
-          </p:nvCxnSpPr>
-          <p:spPr>
-            <a:xfrm flipH="1">
-              <a:off x="9206969" y="3190344"/>
-              <a:ext cx="2981857" cy="2981856"/>
-            </a:xfrm>
-            <a:prstGeom prst="line">
-              <a:avLst/>
-            </a:prstGeom>
-            <a:ln w="9525">
-              <a:solidFill>
-                <a:schemeClr val="tx1"/>
-              </a:solidFill>
-            </a:ln>
-          </p:spPr>
-          <p:style>
-            <a:lnRef idx="2">
-              <a:schemeClr val="accent1"/>
-            </a:lnRef>
-            <a:fillRef idx="0">
-              <a:schemeClr val="accent1"/>
-            </a:fillRef>
-            <a:effectRef idx="1">
-              <a:schemeClr val="accent1"/>
-            </a:effectRef>
-            <a:fontRef idx="minor">
-              <a:schemeClr val="tx1"/>
-            </a:fontRef>
-          </p:style>
-        </p:cxnSp>
-        <p:cxnSp>
-          <p:nvCxnSpPr>
-            <p:cNvPr id="5141" name="Straight Connector 5140">
-              <a:extLst>
-                <a:ext uri="{FF2B5EF4-FFF2-40B4-BE49-F238E27FC236}">
-                  <a16:creationId xmlns:a16="http://schemas.microsoft.com/office/drawing/2014/main" id="{00BD7DA8-741F-4296-9363-05EF91541119}"/>
-                </a:ext>
-                <a:ext uri="{C183D7F6-B498-43B3-948B-1728B52AA6E4}">
-                  <adec:decorative xmlns:adec="http://schemas.microsoft.com/office/drawing/2017/decorative" val="1"/>
-                </a:ext>
-              </a:extLst>
-            </p:cNvPr>
-            <p:cNvCxnSpPr/>
-            <p:nvPr>
-              <p:extLst>
-                <p:ext uri="{386F3935-93C4-4BCD-93E2-E3B085C9AB24}">
-                  <p16:designElem xmlns:p16="http://schemas.microsoft.com/office/powerpoint/2015/main" val="1"/>
-                </p:ext>
-              </p:extLst>
-            </p:nvPr>
-          </p:nvCxnSpPr>
-          <p:spPr>
-            <a:xfrm flipH="1">
-              <a:off x="10292292" y="3285067"/>
-              <a:ext cx="1896534" cy="1896533"/>
-            </a:xfrm>
-            <a:prstGeom prst="line">
-              <a:avLst/>
-            </a:prstGeom>
-            <a:ln w="9525">
-              <a:solidFill>
-                <a:schemeClr val="tx1"/>
-              </a:solidFill>
-            </a:ln>
-          </p:spPr>
-          <p:style>
-            <a:lnRef idx="2">
-              <a:schemeClr val="accent1"/>
-            </a:lnRef>
-            <a:fillRef idx="0">
-              <a:schemeClr val="accent1"/>
-            </a:fillRef>
-            <a:effectRef idx="1">
-              <a:schemeClr val="accent1"/>
-            </a:effectRef>
-            <a:fontRef idx="minor">
-              <a:schemeClr val="tx1"/>
-            </a:fontRef>
-          </p:style>
-        </p:cxnSp>
-        <p:cxnSp>
-          <p:nvCxnSpPr>
-            <p:cNvPr id="5142" name="Straight Connector 5141">
-              <a:extLst>
-                <a:ext uri="{FF2B5EF4-FFF2-40B4-BE49-F238E27FC236}">
-                  <a16:creationId xmlns:a16="http://schemas.microsoft.com/office/drawing/2014/main" id="{62068EFC-20FC-456F-839F-4BCFFCAA8197}"/>
-                </a:ext>
-                <a:ext uri="{C183D7F6-B498-43B3-948B-1728B52AA6E4}">
-                  <adec:decorative xmlns:adec="http://schemas.microsoft.com/office/drawing/2017/decorative" val="1"/>
-                </a:ext>
-              </a:extLst>
-            </p:cNvPr>
-            <p:cNvCxnSpPr/>
-            <p:nvPr>
-              <p:extLst>
-                <p:ext uri="{386F3935-93C4-4BCD-93E2-E3B085C9AB24}">
-                  <p16:designElem xmlns:p16="http://schemas.microsoft.com/office/powerpoint/2015/main" val="1"/>
-                </p:ext>
-              </p:extLst>
-            </p:nvPr>
-          </p:nvCxnSpPr>
-          <p:spPr>
-            <a:xfrm flipH="1">
-              <a:off x="10443103" y="3131080"/>
-              <a:ext cx="1745722" cy="1745720"/>
-            </a:xfrm>
-            <a:prstGeom prst="line">
-              <a:avLst/>
-            </a:prstGeom>
-            <a:ln w="28575">
-              <a:solidFill>
-                <a:schemeClr val="tx1"/>
-              </a:solidFill>
-            </a:ln>
-          </p:spPr>
-          <p:style>
-            <a:lnRef idx="2">
-              <a:schemeClr val="accent1"/>
-            </a:lnRef>
-            <a:fillRef idx="0">
-              <a:schemeClr val="accent1"/>
-            </a:fillRef>
-            <a:effectRef idx="1">
-              <a:schemeClr val="accent1"/>
-            </a:effectRef>
-            <a:fontRef idx="minor">
-              <a:schemeClr val="tx1"/>
-            </a:fontRef>
-          </p:style>
-        </p:cxnSp>
-        <p:cxnSp>
-          <p:nvCxnSpPr>
-            <p:cNvPr id="5143" name="Straight Connector 5142">
-              <a:extLst>
-                <a:ext uri="{FF2B5EF4-FFF2-40B4-BE49-F238E27FC236}">
-                  <a16:creationId xmlns:a16="http://schemas.microsoft.com/office/drawing/2014/main" id="{3251C60F-B911-433E-BF75-3BBEFD0538CB}"/>
-                </a:ext>
-                <a:ext uri="{C183D7F6-B498-43B3-948B-1728B52AA6E4}">
-                  <adec:decorative xmlns:adec="http://schemas.microsoft.com/office/drawing/2017/decorative" val="1"/>
-                </a:ext>
-              </a:extLst>
-            </p:cNvPr>
-            <p:cNvCxnSpPr/>
-            <p:nvPr>
-              <p:extLst>
-                <p:ext uri="{386F3935-93C4-4BCD-93E2-E3B085C9AB24}">
-                  <p16:designElem xmlns:p16="http://schemas.microsoft.com/office/powerpoint/2015/main" val="1"/>
-                </p:ext>
-              </p:extLst>
-            </p:nvPr>
-          </p:nvCxnSpPr>
-          <p:spPr>
-            <a:xfrm flipH="1">
-              <a:off x="10918826" y="3683001"/>
-              <a:ext cx="1270001" cy="1269999"/>
-            </a:xfrm>
-            <a:prstGeom prst="line">
-              <a:avLst/>
-            </a:prstGeom>
-            <a:ln w="28575">
-              <a:solidFill>
-                <a:schemeClr val="tx1"/>
-              </a:solidFill>
-            </a:ln>
-          </p:spPr>
-          <p:style>
-            <a:lnRef idx="2">
-              <a:schemeClr val="accent1"/>
-            </a:lnRef>
-            <a:fillRef idx="0">
-              <a:schemeClr val="accent1"/>
-            </a:fillRef>
-            <a:effectRef idx="1">
-              <a:schemeClr val="accent1"/>
-            </a:effectRef>
-            <a:fontRef idx="minor">
-              <a:schemeClr val="tx1"/>
-            </a:fontRef>
-          </p:style>
-        </p:cxnSp>
-      </p:grpSp>
-    </p:spTree>
-    <p:extLst>
-      <p:ext uri="{BB962C8B-B14F-4D97-AF65-F5344CB8AC3E}">
-        <p14:creationId xmlns:p14="http://schemas.microsoft.com/office/powerpoint/2010/main" val="2921557567"/>
-      </p:ext>
-    </p:extLst>
-  </p:cSld>
-  <p:clrMapOvr>
-    <a:masterClrMapping/>
-  </p:clrMapOvr>
-</p:sld>
-</file>
-
-<file path=ppt/slides/slide9.xml><?xml version="1.0" encoding="utf-8"?>
+<file path=ppt/slides/slide7.xml><?xml version="1.0" encoding="utf-8"?>
 <p:sld xmlns:a="http://schemas.openxmlformats.org/drawingml/2006/main" xmlns:r="http://schemas.openxmlformats.org/officeDocument/2006/relationships" xmlns:p="http://schemas.openxmlformats.org/presentationml/2006/main">
   <p:cSld>
     <p:spTree>
@@ -10459,6 +7816,104 @@
       </p:grpSpPr>
       <p:sp>
         <p:nvSpPr>
+          <p:cNvPr id="2" name="Titel 1">
+            <a:extLst>
+              <a:ext uri="{FF2B5EF4-FFF2-40B4-BE49-F238E27FC236}">
+                <a16:creationId xmlns:a16="http://schemas.microsoft.com/office/drawing/2014/main" id="{64D92445-1110-68FD-8531-2E9B9A4188A7}"/>
+              </a:ext>
+            </a:extLst>
+          </p:cNvPr>
+          <p:cNvSpPr>
+            <a:spLocks noGrp="1"/>
+          </p:cNvSpPr>
+          <p:nvPr>
+            <p:ph type="title"/>
+          </p:nvPr>
+        </p:nvSpPr>
+        <p:spPr>
+          <a:xfrm>
+            <a:off x="666514" y="387280"/>
+            <a:ext cx="8534400" cy="1507067"/>
+          </a:xfrm>
+        </p:spPr>
+        <p:txBody>
+          <a:bodyPr/>
+          <a:lstStyle/>
+          <a:p>
+            <a:r>
+              <a:rPr lang="nl-BE" dirty="0"/>
+              <a:t>andere minigames</a:t>
+            </a:r>
+          </a:p>
+        </p:txBody>
+      </p:sp>
+      <p:sp>
+        <p:nvSpPr>
+          <p:cNvPr id="3" name="Tekstvak 2">
+            <a:extLst>
+              <a:ext uri="{FF2B5EF4-FFF2-40B4-BE49-F238E27FC236}">
+                <a16:creationId xmlns:a16="http://schemas.microsoft.com/office/drawing/2014/main" id="{54EE02BD-8D29-001A-2540-3A7F3FA43013}"/>
+              </a:ext>
+            </a:extLst>
+          </p:cNvPr>
+          <p:cNvSpPr txBox="1"/>
+          <p:nvPr/>
+        </p:nvSpPr>
+        <p:spPr>
+          <a:xfrm>
+            <a:off x="666514" y="2017579"/>
+            <a:ext cx="1111202" cy="369332"/>
+          </a:xfrm>
+          <a:prstGeom prst="rect">
+            <a:avLst/>
+          </a:prstGeom>
+          <a:noFill/>
+        </p:spPr>
+        <p:txBody>
+          <a:bodyPr wrap="none" rtlCol="0">
+            <a:spAutoFit/>
+          </a:bodyPr>
+          <a:lstStyle/>
+          <a:p>
+            <a:r>
+              <a:rPr lang="nl-BE" dirty="0"/>
+              <a:t>memory</a:t>
+            </a:r>
+          </a:p>
+        </p:txBody>
+      </p:sp>
+    </p:spTree>
+    <p:extLst>
+      <p:ext uri="{BB962C8B-B14F-4D97-AF65-F5344CB8AC3E}">
+        <p14:creationId xmlns:p14="http://schemas.microsoft.com/office/powerpoint/2010/main" val="2740169095"/>
+      </p:ext>
+    </p:extLst>
+  </p:cSld>
+  <p:clrMapOvr>
+    <a:masterClrMapping/>
+  </p:clrMapOvr>
+</p:sld>
+</file>
+
+<file path=ppt/slides/slide8.xml><?xml version="1.0" encoding="utf-8"?>
+<p:sld xmlns:a="http://schemas.openxmlformats.org/drawingml/2006/main" xmlns:r="http://schemas.openxmlformats.org/officeDocument/2006/relationships" xmlns:p="http://schemas.openxmlformats.org/presentationml/2006/main">
+  <p:cSld>
+    <p:spTree>
+      <p:nvGrpSpPr>
+        <p:cNvPr id="1" name=""/>
+        <p:cNvGrpSpPr/>
+        <p:nvPr/>
+      </p:nvGrpSpPr>
+      <p:grpSpPr>
+        <a:xfrm>
+          <a:off x="0" y="0"/>
+          <a:ext cx="0" cy="0"/>
+          <a:chOff x="0" y="0"/>
+          <a:chExt cx="0" cy="0"/>
+        </a:xfrm>
+      </p:grpSpPr>
+      <p:sp>
+        <p:nvSpPr>
           <p:cNvPr id="2" name="Title 1">
             <a:extLst>
               <a:ext uri="{FF2B5EF4-FFF2-40B4-BE49-F238E27FC236}">
@@ -10517,36 +7972,14 @@
               <a:buChar char="•"/>
             </a:pPr>
             <a:r>
-              <a:rPr lang="nl-BE" dirty="0" err="1"/>
-              <a:t>Integrating</a:t>
-            </a:r>
-            <a:r>
-              <a:rPr lang="nl-BE" dirty="0"/>
-              <a:t> information </a:t>
-            </a:r>
-            <a:r>
-              <a:rPr lang="nl-BE" dirty="0" err="1"/>
-              <a:t>about</a:t>
-            </a:r>
-            <a:r>
-              <a:rPr lang="nl-BE" dirty="0"/>
-              <a:t> </a:t>
-            </a:r>
-            <a:r>
-              <a:rPr lang="nl-BE" dirty="0" err="1"/>
-              <a:t>each</a:t>
-            </a:r>
-            <a:r>
-              <a:rPr lang="nl-BE" dirty="0"/>
-              <a:t> </a:t>
-            </a:r>
-            <a:r>
-              <a:rPr lang="nl-BE" dirty="0" err="1"/>
-              <a:t>problem</a:t>
-            </a:r>
-            <a:r>
-              <a:rPr lang="nl-BE" dirty="0"/>
-              <a:t>.</a:t>
+              <a:rPr lang="nl-BE" dirty="0">
+                <a:solidFill>
+                  <a:schemeClr val="bg2">
+                    <a:lumMod val="50000"/>
+                  </a:schemeClr>
+                </a:solidFill>
+              </a:rPr>
+              <a:t>Info integreren.</a:t>
             </a:r>
           </a:p>
           <a:p>
@@ -10555,14 +7988,22 @@
               <a:buChar char="•"/>
             </a:pPr>
             <a:r>
-              <a:rPr lang="nl-BE" dirty="0" err="1"/>
-              <a:t>Additional</a:t>
-            </a:r>
-            <a:r>
-              <a:rPr lang="nl-BE" dirty="0"/>
-              <a:t> minigames</a:t>
-            </a:r>
-            <a:endParaRPr lang="LID4096" dirty="0"/>
+              <a:rPr lang="nl-BE" dirty="0">
+                <a:solidFill>
+                  <a:schemeClr val="bg2">
+                    <a:lumMod val="50000"/>
+                  </a:schemeClr>
+                </a:solidFill>
+              </a:rPr>
+              <a:t>meer minigames</a:t>
+            </a:r>
+            <a:endParaRPr lang="LID4096" dirty="0">
+              <a:solidFill>
+                <a:schemeClr val="bg2">
+                  <a:lumMod val="50000"/>
+                </a:schemeClr>
+              </a:solidFill>
+            </a:endParaRPr>
           </a:p>
         </p:txBody>
       </p:sp>
@@ -10582,7 +8023,7 @@
 <file path=ppt/theme/theme1.xml><?xml version="1.0" encoding="utf-8"?>
 <a:theme xmlns:a="http://schemas.openxmlformats.org/drawingml/2006/main" name="Slice">
   <a:themeElements>
-    <a:clrScheme name="Slice">
+    <a:clrScheme name="Groen">
       <a:dk1>
         <a:sysClr val="windowText" lastClr="000000"/>
       </a:dk1>
@@ -10590,34 +8031,34 @@
         <a:sysClr val="window" lastClr="FFFFFF"/>
       </a:lt1>
       <a:dk2>
-        <a:srgbClr val="146194"/>
+        <a:srgbClr val="455F51"/>
       </a:dk2>
       <a:lt2>
-        <a:srgbClr val="76DBF4"/>
+        <a:srgbClr val="E3DED1"/>
       </a:lt2>
       <a:accent1>
-        <a:srgbClr val="052F61"/>
+        <a:srgbClr val="549E39"/>
       </a:accent1>
       <a:accent2>
-        <a:srgbClr val="A50E82"/>
+        <a:srgbClr val="8AB833"/>
       </a:accent2>
       <a:accent3>
-        <a:srgbClr val="14967C"/>
+        <a:srgbClr val="C0CF3A"/>
       </a:accent3>
       <a:accent4>
-        <a:srgbClr val="6A9E1F"/>
+        <a:srgbClr val="029676"/>
       </a:accent4>
       <a:accent5>
-        <a:srgbClr val="E87D37"/>
+        <a:srgbClr val="4AB5C4"/>
       </a:accent5>
       <a:accent6>
-        <a:srgbClr val="C62324"/>
+        <a:srgbClr val="0989B1"/>
       </a:accent6>
       <a:hlink>
-        <a:srgbClr val="0D2E46"/>
+        <a:srgbClr val="6B9F25"/>
       </a:hlink>
       <a:folHlink>
-        <a:srgbClr val="356A95"/>
+        <a:srgbClr val="BA6906"/>
       </a:folHlink>
     </a:clrScheme>
     <a:fontScheme name="Slice">
@@ -10851,4 +8292,299 @@
     </a:ext>
   </a:extLst>
 </a:theme>
+</file>
+
+<file path=ppt/theme/theme2.xml><?xml version="1.0" encoding="utf-8"?>
+<a:theme xmlns:a="http://schemas.openxmlformats.org/drawingml/2006/main" name="Kantoorthema">
+  <a:themeElements>
+    <a:clrScheme name="Office">
+      <a:dk1>
+        <a:sysClr val="windowText" lastClr="000000"/>
+      </a:dk1>
+      <a:lt1>
+        <a:sysClr val="window" lastClr="FFFFFF"/>
+      </a:lt1>
+      <a:dk2>
+        <a:srgbClr val="44546A"/>
+      </a:dk2>
+      <a:lt2>
+        <a:srgbClr val="E7E6E6"/>
+      </a:lt2>
+      <a:accent1>
+        <a:srgbClr val="4472C4"/>
+      </a:accent1>
+      <a:accent2>
+        <a:srgbClr val="ED7D31"/>
+      </a:accent2>
+      <a:accent3>
+        <a:srgbClr val="A5A5A5"/>
+      </a:accent3>
+      <a:accent4>
+        <a:srgbClr val="FFC000"/>
+      </a:accent4>
+      <a:accent5>
+        <a:srgbClr val="5B9BD5"/>
+      </a:accent5>
+      <a:accent6>
+        <a:srgbClr val="70AD47"/>
+      </a:accent6>
+      <a:hlink>
+        <a:srgbClr val="0563C1"/>
+      </a:hlink>
+      <a:folHlink>
+        <a:srgbClr val="954F72"/>
+      </a:folHlink>
+    </a:clrScheme>
+    <a:fontScheme name="Office">
+      <a:majorFont>
+        <a:latin typeface="Calibri Light" panose="020F0302020204030204"/>
+        <a:ea typeface=""/>
+        <a:cs typeface=""/>
+        <a:font script="Jpan" typeface="游ゴシック Light"/>
+        <a:font script="Hang" typeface="맑은 고딕"/>
+        <a:font script="Hans" typeface="等线 Light"/>
+        <a:font script="Hant" typeface="新細明體"/>
+        <a:font script="Arab" typeface="Times New Roman"/>
+        <a:font script="Hebr" typeface="Times New Roman"/>
+        <a:font script="Thai" typeface="Angsana New"/>
+        <a:font script="Ethi" typeface="Nyala"/>
+        <a:font script="Beng" typeface="Vrinda"/>
+        <a:font script="Gujr" typeface="Shruti"/>
+        <a:font script="Khmr" typeface="MoolBoran"/>
+        <a:font script="Knda" typeface="Tunga"/>
+        <a:font script="Guru" typeface="Raavi"/>
+        <a:font script="Cans" typeface="Euphemia"/>
+        <a:font script="Cher" typeface="Plantagenet Cherokee"/>
+        <a:font script="Yiii" typeface="Microsoft Yi Baiti"/>
+        <a:font script="Tibt" typeface="Microsoft Himalaya"/>
+        <a:font script="Thaa" typeface="MV Boli"/>
+        <a:font script="Deva" typeface="Mangal"/>
+        <a:font script="Telu" typeface="Gautami"/>
+        <a:font script="Taml" typeface="Latha"/>
+        <a:font script="Syrc" typeface="Estrangelo Edessa"/>
+        <a:font script="Orya" typeface="Kalinga"/>
+        <a:font script="Mlym" typeface="Kartika"/>
+        <a:font script="Laoo" typeface="DokChampa"/>
+        <a:font script="Sinh" typeface="Iskoola Pota"/>
+        <a:font script="Mong" typeface="Mongolian Baiti"/>
+        <a:font script="Viet" typeface="Times New Roman"/>
+        <a:font script="Uigh" typeface="Microsoft Uighur"/>
+        <a:font script="Geor" typeface="Sylfaen"/>
+        <a:font script="Armn" typeface="Arial"/>
+        <a:font script="Bugi" typeface="Leelawadee UI"/>
+        <a:font script="Bopo" typeface="Microsoft JhengHei"/>
+        <a:font script="Java" typeface="Javanese Text"/>
+        <a:font script="Lisu" typeface="Segoe UI"/>
+        <a:font script="Mymr" typeface="Myanmar Text"/>
+        <a:font script="Nkoo" typeface="Ebrima"/>
+        <a:font script="Olck" typeface="Nirmala UI"/>
+        <a:font script="Osma" typeface="Ebrima"/>
+        <a:font script="Phag" typeface="Phagspa"/>
+        <a:font script="Syrn" typeface="Estrangelo Edessa"/>
+        <a:font script="Syrj" typeface="Estrangelo Edessa"/>
+        <a:font script="Syre" typeface="Estrangelo Edessa"/>
+        <a:font script="Sora" typeface="Nirmala UI"/>
+        <a:font script="Tale" typeface="Microsoft Tai Le"/>
+        <a:font script="Talu" typeface="Microsoft New Tai Lue"/>
+        <a:font script="Tfng" typeface="Ebrima"/>
+      </a:majorFont>
+      <a:minorFont>
+        <a:latin typeface="Calibri" panose="020F0502020204030204"/>
+        <a:ea typeface=""/>
+        <a:cs typeface=""/>
+        <a:font script="Jpan" typeface="游ゴシック"/>
+        <a:font script="Hang" typeface="맑은 고딕"/>
+        <a:font script="Hans" typeface="等线"/>
+        <a:font script="Hant" typeface="新細明體"/>
+        <a:font script="Arab" typeface="Arial"/>
+        <a:font script="Hebr" typeface="Arial"/>
+        <a:font script="Thai" typeface="Cordia New"/>
+        <a:font script="Ethi" typeface="Nyala"/>
+        <a:font script="Beng" typeface="Vrinda"/>
+        <a:font script="Gujr" typeface="Shruti"/>
+        <a:font script="Khmr" typeface="DaunPenh"/>
+        <a:font script="Knda" typeface="Tunga"/>
+        <a:font script="Guru" typeface="Raavi"/>
+        <a:font script="Cans" typeface="Euphemia"/>
+        <a:font script="Cher" typeface="Plantagenet Cherokee"/>
+        <a:font script="Yiii" typeface="Microsoft Yi Baiti"/>
+        <a:font script="Tibt" typeface="Microsoft Himalaya"/>
+        <a:font script="Thaa" typeface="MV Boli"/>
+        <a:font script="Deva" typeface="Mangal"/>
+        <a:font script="Telu" typeface="Gautami"/>
+        <a:font script="Taml" typeface="Latha"/>
+        <a:font script="Syrc" typeface="Estrangelo Edessa"/>
+        <a:font script="Orya" typeface="Kalinga"/>
+        <a:font script="Mlym" typeface="Kartika"/>
+        <a:font script="Laoo" typeface="DokChampa"/>
+        <a:font script="Sinh" typeface="Iskoola Pota"/>
+        <a:font script="Mong" typeface="Mongolian Baiti"/>
+        <a:font script="Viet" typeface="Arial"/>
+        <a:font script="Uigh" typeface="Microsoft Uighur"/>
+        <a:font script="Geor" typeface="Sylfaen"/>
+        <a:font script="Armn" typeface="Arial"/>
+        <a:font script="Bugi" typeface="Leelawadee UI"/>
+        <a:font script="Bopo" typeface="Microsoft JhengHei"/>
+        <a:font script="Java" typeface="Javanese Text"/>
+        <a:font script="Lisu" typeface="Segoe UI"/>
+        <a:font script="Mymr" typeface="Myanmar Text"/>
+        <a:font script="Nkoo" typeface="Ebrima"/>
+        <a:font script="Olck" typeface="Nirmala UI"/>
+        <a:font script="Osma" typeface="Ebrima"/>
+        <a:font script="Phag" typeface="Phagspa"/>
+        <a:font script="Syrn" typeface="Estrangelo Edessa"/>
+        <a:font script="Syrj" typeface="Estrangelo Edessa"/>
+        <a:font script="Syre" typeface="Estrangelo Edessa"/>
+        <a:font script="Sora" typeface="Nirmala UI"/>
+        <a:font script="Tale" typeface="Microsoft Tai Le"/>
+        <a:font script="Talu" typeface="Microsoft New Tai Lue"/>
+        <a:font script="Tfng" typeface="Ebrima"/>
+      </a:minorFont>
+    </a:fontScheme>
+    <a:fmtScheme name="Office">
+      <a:fillStyleLst>
+        <a:solidFill>
+          <a:schemeClr val="phClr"/>
+        </a:solidFill>
+        <a:gradFill rotWithShape="1">
+          <a:gsLst>
+            <a:gs pos="0">
+              <a:schemeClr val="phClr">
+                <a:lumMod val="110000"/>
+                <a:satMod val="105000"/>
+                <a:tint val="67000"/>
+              </a:schemeClr>
+            </a:gs>
+            <a:gs pos="50000">
+              <a:schemeClr val="phClr">
+                <a:lumMod val="105000"/>
+                <a:satMod val="103000"/>
+                <a:tint val="73000"/>
+              </a:schemeClr>
+            </a:gs>
+            <a:gs pos="100000">
+              <a:schemeClr val="phClr">
+                <a:lumMod val="105000"/>
+                <a:satMod val="109000"/>
+                <a:tint val="81000"/>
+              </a:schemeClr>
+            </a:gs>
+          </a:gsLst>
+          <a:lin ang="5400000" scaled="0"/>
+        </a:gradFill>
+        <a:gradFill rotWithShape="1">
+          <a:gsLst>
+            <a:gs pos="0">
+              <a:schemeClr val="phClr">
+                <a:satMod val="103000"/>
+                <a:lumMod val="102000"/>
+                <a:tint val="94000"/>
+              </a:schemeClr>
+            </a:gs>
+            <a:gs pos="50000">
+              <a:schemeClr val="phClr">
+                <a:satMod val="110000"/>
+                <a:lumMod val="100000"/>
+                <a:shade val="100000"/>
+              </a:schemeClr>
+            </a:gs>
+            <a:gs pos="100000">
+              <a:schemeClr val="phClr">
+                <a:lumMod val="99000"/>
+                <a:satMod val="120000"/>
+                <a:shade val="78000"/>
+              </a:schemeClr>
+            </a:gs>
+          </a:gsLst>
+          <a:lin ang="5400000" scaled="0"/>
+        </a:gradFill>
+      </a:fillStyleLst>
+      <a:lnStyleLst>
+        <a:ln w="6350" cap="flat" cmpd="sng" algn="ctr">
+          <a:solidFill>
+            <a:schemeClr val="phClr"/>
+          </a:solidFill>
+          <a:prstDash val="solid"/>
+          <a:miter lim="800000"/>
+        </a:ln>
+        <a:ln w="12700" cap="flat" cmpd="sng" algn="ctr">
+          <a:solidFill>
+            <a:schemeClr val="phClr"/>
+          </a:solidFill>
+          <a:prstDash val="solid"/>
+          <a:miter lim="800000"/>
+        </a:ln>
+        <a:ln w="19050" cap="flat" cmpd="sng" algn="ctr">
+          <a:solidFill>
+            <a:schemeClr val="phClr"/>
+          </a:solidFill>
+          <a:prstDash val="solid"/>
+          <a:miter lim="800000"/>
+        </a:ln>
+      </a:lnStyleLst>
+      <a:effectStyleLst>
+        <a:effectStyle>
+          <a:effectLst/>
+        </a:effectStyle>
+        <a:effectStyle>
+          <a:effectLst/>
+        </a:effectStyle>
+        <a:effectStyle>
+          <a:effectLst>
+            <a:outerShdw blurRad="57150" dist="19050" dir="5400000" algn="ctr" rotWithShape="0">
+              <a:srgbClr val="000000">
+                <a:alpha val="63000"/>
+              </a:srgbClr>
+            </a:outerShdw>
+          </a:effectLst>
+        </a:effectStyle>
+      </a:effectStyleLst>
+      <a:bgFillStyleLst>
+        <a:solidFill>
+          <a:schemeClr val="phClr"/>
+        </a:solidFill>
+        <a:solidFill>
+          <a:schemeClr val="phClr">
+            <a:tint val="95000"/>
+            <a:satMod val="170000"/>
+          </a:schemeClr>
+        </a:solidFill>
+        <a:gradFill rotWithShape="1">
+          <a:gsLst>
+            <a:gs pos="0">
+              <a:schemeClr val="phClr">
+                <a:tint val="93000"/>
+                <a:satMod val="150000"/>
+                <a:shade val="98000"/>
+                <a:lumMod val="102000"/>
+              </a:schemeClr>
+            </a:gs>
+            <a:gs pos="50000">
+              <a:schemeClr val="phClr">
+                <a:tint val="98000"/>
+                <a:satMod val="130000"/>
+                <a:shade val="90000"/>
+                <a:lumMod val="103000"/>
+              </a:schemeClr>
+            </a:gs>
+            <a:gs pos="100000">
+              <a:schemeClr val="phClr">
+                <a:shade val="63000"/>
+                <a:satMod val="120000"/>
+              </a:schemeClr>
+            </a:gs>
+          </a:gsLst>
+          <a:lin ang="5400000" scaled="0"/>
+        </a:gradFill>
+      </a:bgFillStyleLst>
+    </a:fmtScheme>
+  </a:themeElements>
+  <a:objectDefaults/>
+  <a:extraClrSchemeLst/>
+  <a:extLst>
+    <a:ext uri="{05A4C25C-085E-4340-85A3-A5531E510DB2}">
+      <thm15:themeFamily xmlns:thm15="http://schemas.microsoft.com/office/thememl/2012/main" name="Office Theme" id="{62F939B6-93AF-4DB8-9C6B-D6C7DFDC589F}" vid="{4A3C46E8-61CC-4603-A589-7422A47A8E4A}"/>
+    </a:ext>
+  </a:extLst>
+</a:theme>
 </file>
--- a/Educational_game_2.pptx
+++ b/Educational_game_2.pptx
@@ -5,7 +5,7 @@
     <p:sldMasterId id="2147483660" r:id="rId1"/>
   </p:sldMasterIdLst>
   <p:notesMasterIdLst>
-    <p:notesMasterId r:id="rId10"/>
+    <p:notesMasterId r:id="rId11"/>
   </p:notesMasterIdLst>
   <p:sldIdLst>
     <p:sldId id="256" r:id="rId2"/>
@@ -15,7 +15,8 @@
     <p:sldId id="267" r:id="rId6"/>
     <p:sldId id="268" r:id="rId7"/>
     <p:sldId id="269" r:id="rId8"/>
-    <p:sldId id="264" r:id="rId9"/>
+    <p:sldId id="270" r:id="rId9"/>
+    <p:sldId id="264" r:id="rId10"/>
   </p:sldIdLst>
   <p:sldSz cx="12192000" cy="6858000"/>
   <p:notesSz cx="6858000" cy="9144000"/>
@@ -204,7 +205,7 @@
           <a:p>
             <a:fld id="{2EF5C7FB-304D-45A2-B1C7-5D3D2BDAD6C4}" type="datetimeFigureOut">
               <a:rPr lang="nl-BE" smtClean="0"/>
-              <a:t>29/04/2024</a:t>
+              <a:t>6/05/2024</a:t>
             </a:fld>
             <a:endParaRPr lang="nl-BE"/>
           </a:p>
@@ -472,6 +473,90 @@
 </p:notesMaster>
 </file>
 
+<file path=ppt/notesSlides/notesSlide1.xml><?xml version="1.0" encoding="utf-8"?>
+<p:notes xmlns:a="http://schemas.openxmlformats.org/drawingml/2006/main" xmlns:r="http://schemas.openxmlformats.org/officeDocument/2006/relationships" xmlns:p="http://schemas.openxmlformats.org/presentationml/2006/main">
+  <p:cSld>
+    <p:spTree>
+      <p:nvGrpSpPr>
+        <p:cNvPr id="1" name=""/>
+        <p:cNvGrpSpPr/>
+        <p:nvPr/>
+      </p:nvGrpSpPr>
+      <p:grpSpPr>
+        <a:xfrm>
+          <a:off x="0" y="0"/>
+          <a:ext cx="0" cy="0"/>
+          <a:chOff x="0" y="0"/>
+          <a:chExt cx="0" cy="0"/>
+        </a:xfrm>
+      </p:grpSpPr>
+      <p:sp>
+        <p:nvSpPr>
+          <p:cNvPr id="2" name="Tijdelijke aanduiding voor dia-afbeelding 1"/>
+          <p:cNvSpPr>
+            <a:spLocks noGrp="1" noRot="1" noChangeAspect="1"/>
+          </p:cNvSpPr>
+          <p:nvPr>
+            <p:ph type="sldImg"/>
+          </p:nvPr>
+        </p:nvSpPr>
+        <p:spPr/>
+      </p:sp>
+      <p:sp>
+        <p:nvSpPr>
+          <p:cNvPr id="3" name="Tijdelijke aanduiding voor notities 2"/>
+          <p:cNvSpPr>
+            <a:spLocks noGrp="1"/>
+          </p:cNvSpPr>
+          <p:nvPr>
+            <p:ph type="body" idx="1"/>
+          </p:nvPr>
+        </p:nvSpPr>
+        <p:spPr/>
+        <p:txBody>
+          <a:bodyPr/>
+          <a:lstStyle/>
+          <a:p>
+            <a:endParaRPr lang="nl-BE" dirty="0"/>
+          </a:p>
+        </p:txBody>
+      </p:sp>
+      <p:sp>
+        <p:nvSpPr>
+          <p:cNvPr id="4" name="Tijdelijke aanduiding voor dianummer 3"/>
+          <p:cNvSpPr>
+            <a:spLocks noGrp="1"/>
+          </p:cNvSpPr>
+          <p:nvPr>
+            <p:ph type="sldNum" sz="quarter" idx="5"/>
+          </p:nvPr>
+        </p:nvSpPr>
+        <p:spPr/>
+        <p:txBody>
+          <a:bodyPr/>
+          <a:lstStyle/>
+          <a:p>
+            <a:fld id="{4837DD52-FE85-4CC3-91E5-8309CA391F2D}" type="slidenum">
+              <a:rPr lang="nl-BE" smtClean="0"/>
+              <a:t>9</a:t>
+            </a:fld>
+            <a:endParaRPr lang="nl-BE"/>
+          </a:p>
+        </p:txBody>
+      </p:sp>
+    </p:spTree>
+    <p:extLst>
+      <p:ext uri="{BB962C8B-B14F-4D97-AF65-F5344CB8AC3E}">
+        <p14:creationId xmlns:p14="http://schemas.microsoft.com/office/powerpoint/2010/main" val="3341300029"/>
+      </p:ext>
+    </p:extLst>
+  </p:cSld>
+  <p:clrMapOvr>
+    <a:masterClrMapping/>
+  </p:clrMapOvr>
+</p:notes>
+</file>
+
 <file path=ppt/slideLayouts/slideLayout1.xml><?xml version="1.0" encoding="utf-8"?>
 <p:sldLayout xmlns:a="http://schemas.openxmlformats.org/drawingml/2006/main" xmlns:r="http://schemas.openxmlformats.org/officeDocument/2006/relationships" xmlns:p="http://schemas.openxmlformats.org/presentationml/2006/main" showMasterSp="0" type="title" preserve="1">
   <p:cSld name="Title Slide">
@@ -663,7 +748,7 @@
           <a:p>
             <a:fld id="{B7714D09-FDA9-401A-B706-95D8DDEA38E0}" type="datetimeFigureOut">
               <a:rPr lang="LID4096" smtClean="0"/>
-              <a:t>04/29/2024</a:t>
+              <a:t>05/06/2024</a:t>
             </a:fld>
             <a:endParaRPr lang="LID4096"/>
           </a:p>
@@ -1099,7 +1184,7 @@
           <a:p>
             <a:fld id="{B7714D09-FDA9-401A-B706-95D8DDEA38E0}" type="datetimeFigureOut">
               <a:rPr lang="LID4096" smtClean="0"/>
-              <a:t>04/29/2024</a:t>
+              <a:t>05/06/2024</a:t>
             </a:fld>
             <a:endParaRPr lang="LID4096"/>
           </a:p>
@@ -1349,7 +1434,7 @@
           <a:p>
             <a:fld id="{B7714D09-FDA9-401A-B706-95D8DDEA38E0}" type="datetimeFigureOut">
               <a:rPr lang="LID4096" smtClean="0"/>
-              <a:t>04/29/2024</a:t>
+              <a:t>05/06/2024</a:t>
             </a:fld>
             <a:endParaRPr lang="LID4096"/>
           </a:p>
@@ -1657,7 +1742,7 @@
           <a:p>
             <a:fld id="{B7714D09-FDA9-401A-B706-95D8DDEA38E0}" type="datetimeFigureOut">
               <a:rPr lang="LID4096" smtClean="0"/>
-              <a:t>04/29/2024</a:t>
+              <a:t>05/06/2024</a:t>
             </a:fld>
             <a:endParaRPr lang="LID4096"/>
           </a:p>
@@ -1975,7 +2060,7 @@
           <a:p>
             <a:fld id="{B7714D09-FDA9-401A-B706-95D8DDEA38E0}" type="datetimeFigureOut">
               <a:rPr lang="LID4096" smtClean="0"/>
-              <a:t>04/29/2024</a:t>
+              <a:t>05/06/2024</a:t>
             </a:fld>
             <a:endParaRPr lang="LID4096"/>
           </a:p>
@@ -2277,7 +2362,7 @@
           <a:p>
             <a:fld id="{B7714D09-FDA9-401A-B706-95D8DDEA38E0}" type="datetimeFigureOut">
               <a:rPr lang="LID4096" smtClean="0"/>
-              <a:t>04/29/2024</a:t>
+              <a:t>05/06/2024</a:t>
             </a:fld>
             <a:endParaRPr lang="LID4096"/>
           </a:p>
@@ -2644,7 +2729,7 @@
           <a:p>
             <a:fld id="{B7714D09-FDA9-401A-B706-95D8DDEA38E0}" type="datetimeFigureOut">
               <a:rPr lang="LID4096" smtClean="0"/>
-              <a:t>04/29/2024</a:t>
+              <a:t>05/06/2024</a:t>
             </a:fld>
             <a:endParaRPr lang="LID4096"/>
           </a:p>
@@ -2818,7 +2903,7 @@
           <a:p>
             <a:fld id="{B7714D09-FDA9-401A-B706-95D8DDEA38E0}" type="datetimeFigureOut">
               <a:rPr lang="LID4096" smtClean="0"/>
-              <a:t>04/29/2024</a:t>
+              <a:t>05/06/2024</a:t>
             </a:fld>
             <a:endParaRPr lang="LID4096"/>
           </a:p>
@@ -2998,7 +3083,7 @@
           <a:p>
             <a:fld id="{B7714D09-FDA9-401A-B706-95D8DDEA38E0}" type="datetimeFigureOut">
               <a:rPr lang="LID4096" smtClean="0"/>
-              <a:t>04/29/2024</a:t>
+              <a:t>05/06/2024</a:t>
             </a:fld>
             <a:endParaRPr lang="LID4096"/>
           </a:p>
@@ -3168,7 +3253,7 @@
           <a:p>
             <a:fld id="{B7714D09-FDA9-401A-B706-95D8DDEA38E0}" type="datetimeFigureOut">
               <a:rPr lang="LID4096" smtClean="0"/>
-              <a:t>04/29/2024</a:t>
+              <a:t>05/06/2024</a:t>
             </a:fld>
             <a:endParaRPr lang="LID4096"/>
           </a:p>
@@ -3418,7 +3503,7 @@
           <a:p>
             <a:fld id="{B7714D09-FDA9-401A-B706-95D8DDEA38E0}" type="datetimeFigureOut">
               <a:rPr lang="LID4096" smtClean="0"/>
-              <a:t>04/29/2024</a:t>
+              <a:t>05/06/2024</a:t>
             </a:fld>
             <a:endParaRPr lang="LID4096"/>
           </a:p>
@@ -3654,7 +3739,7 @@
           <a:p>
             <a:fld id="{B7714D09-FDA9-401A-B706-95D8DDEA38E0}" type="datetimeFigureOut">
               <a:rPr lang="LID4096" smtClean="0"/>
-              <a:t>04/29/2024</a:t>
+              <a:t>05/06/2024</a:t>
             </a:fld>
             <a:endParaRPr lang="LID4096"/>
           </a:p>
@@ -4036,7 +4121,7 @@
           <a:p>
             <a:fld id="{B7714D09-FDA9-401A-B706-95D8DDEA38E0}" type="datetimeFigureOut">
               <a:rPr lang="LID4096" smtClean="0"/>
-              <a:t>04/29/2024</a:t>
+              <a:t>05/06/2024</a:t>
             </a:fld>
             <a:endParaRPr lang="LID4096"/>
           </a:p>
@@ -4154,7 +4239,7 @@
           <a:p>
             <a:fld id="{B7714D09-FDA9-401A-B706-95D8DDEA38E0}" type="datetimeFigureOut">
               <a:rPr lang="LID4096" smtClean="0"/>
-              <a:t>04/29/2024</a:t>
+              <a:t>05/06/2024</a:t>
             </a:fld>
             <a:endParaRPr lang="LID4096"/>
           </a:p>
@@ -4249,7 +4334,7 @@
           <a:p>
             <a:fld id="{B7714D09-FDA9-401A-B706-95D8DDEA38E0}" type="datetimeFigureOut">
               <a:rPr lang="LID4096" smtClean="0"/>
-              <a:t>04/29/2024</a:t>
+              <a:t>05/06/2024</a:t>
             </a:fld>
             <a:endParaRPr lang="LID4096"/>
           </a:p>
@@ -4504,7 +4589,7 @@
           <a:p>
             <a:fld id="{B7714D09-FDA9-401A-B706-95D8DDEA38E0}" type="datetimeFigureOut">
               <a:rPr lang="LID4096" smtClean="0"/>
-              <a:t>04/29/2024</a:t>
+              <a:t>05/06/2024</a:t>
             </a:fld>
             <a:endParaRPr lang="LID4096"/>
           </a:p>
@@ -4787,7 +4872,7 @@
           <a:p>
             <a:fld id="{B7714D09-FDA9-401A-B706-95D8DDEA38E0}" type="datetimeFigureOut">
               <a:rPr lang="LID4096" smtClean="0"/>
-              <a:t>04/29/2024</a:t>
+              <a:t>05/06/2024</a:t>
             </a:fld>
             <a:endParaRPr lang="LID4096"/>
           </a:p>
@@ -5193,7 +5278,7 @@
           <a:p>
             <a:fld id="{B7714D09-FDA9-401A-B706-95D8DDEA38E0}" type="datetimeFigureOut">
               <a:rPr lang="LID4096" smtClean="0"/>
-              <a:t>04/29/2024</a:t>
+              <a:t>05/06/2024</a:t>
             </a:fld>
             <a:endParaRPr lang="LID4096"/>
           </a:p>
@@ -5916,12 +6001,8 @@
           <a:lstStyle/>
           <a:p>
             <a:r>
-              <a:rPr lang="nl-BE" dirty="0" err="1"/>
-              <a:t>who</a:t>
-            </a:r>
-            <a:r>
               <a:rPr lang="nl-BE" dirty="0"/>
-              <a:t> are we</a:t>
+              <a:t>Wie deed wat</a:t>
             </a:r>
           </a:p>
         </p:txBody>
@@ -5941,7 +6022,7 @@
         <p:spPr>
           <a:xfrm>
             <a:off x="1185770" y="2469751"/>
-            <a:ext cx="1925527" cy="615553"/>
+            <a:ext cx="2045753" cy="861774"/>
           </a:xfrm>
           <a:prstGeom prst="rect">
             <a:avLst/>
@@ -5970,22 +6051,31 @@
               <a:buChar char="•"/>
             </a:pPr>
             <a:r>
-              <a:rPr lang="nl-BE" sz="1600" dirty="0" err="1">
+              <a:rPr lang="nl-BE" sz="1600" dirty="0">
                 <a:solidFill>
                   <a:schemeClr val="bg2">
                     <a:lumMod val="50000"/>
                   </a:schemeClr>
                 </a:solidFill>
               </a:rPr>
-              <a:t>programming</a:t>
-            </a:r>
-            <a:endParaRPr lang="nl-BE" sz="1600" dirty="0">
-              <a:solidFill>
-                <a:schemeClr val="bg2">
-                  <a:lumMod val="50000"/>
-                </a:schemeClr>
-              </a:solidFill>
-            </a:endParaRPr>
+              <a:t>Programmeren</a:t>
+            </a:r>
+          </a:p>
+          <a:p>
+            <a:pPr marL="342900" indent="-342900">
+              <a:buFont typeface="Arial" panose="020B0604020202020204" pitchFamily="34" charset="0"/>
+              <a:buChar char="•"/>
+            </a:pPr>
+            <a:r>
+              <a:rPr lang="nl-BE" sz="1600" dirty="0">
+                <a:solidFill>
+                  <a:schemeClr val="bg2">
+                    <a:lumMod val="50000"/>
+                  </a:schemeClr>
+                </a:solidFill>
+              </a:rPr>
+              <a:t>documentatie</a:t>
+            </a:r>
           </a:p>
         </p:txBody>
       </p:sp>
@@ -6003,7 +6093,7 @@
         </p:nvSpPr>
         <p:spPr>
           <a:xfrm>
-            <a:off x="1185770" y="4122781"/>
+            <a:off x="1185770" y="4095840"/>
             <a:ext cx="3303639" cy="1107996"/>
           </a:xfrm>
           <a:prstGeom prst="rect">
@@ -6033,22 +6123,15 @@
               <a:buChar char="•"/>
             </a:pPr>
             <a:r>
-              <a:rPr lang="nl-BE" sz="1600" dirty="0" err="1">
+              <a:rPr lang="nl-BE" sz="1600" dirty="0">
                 <a:solidFill>
                   <a:schemeClr val="bg2">
                     <a:lumMod val="50000"/>
                   </a:schemeClr>
                 </a:solidFill>
               </a:rPr>
-              <a:t>programming</a:t>
-            </a:r>
-            <a:endParaRPr lang="nl-BE" sz="1600" dirty="0">
-              <a:solidFill>
-                <a:schemeClr val="bg2">
-                  <a:lumMod val="50000"/>
-                </a:schemeClr>
-              </a:solidFill>
-            </a:endParaRPr>
+              <a:t>Programmeren</a:t>
+            </a:r>
           </a:p>
           <a:p>
             <a:pPr marL="342900" indent="-342900">
@@ -6056,22 +6139,15 @@
               <a:buChar char="•"/>
             </a:pPr>
             <a:r>
-              <a:rPr lang="nl-BE" sz="1600" dirty="0" err="1">
+              <a:rPr lang="nl-BE" sz="1600" dirty="0">
                 <a:solidFill>
                   <a:schemeClr val="bg2">
                     <a:lumMod val="50000"/>
                   </a:schemeClr>
                 </a:solidFill>
               </a:rPr>
-              <a:t>documentation</a:t>
-            </a:r>
-            <a:endParaRPr lang="nl-BE" sz="1600" dirty="0">
-              <a:solidFill>
-                <a:schemeClr val="bg2">
-                  <a:lumMod val="50000"/>
-                </a:schemeClr>
-              </a:solidFill>
-            </a:endParaRPr>
+              <a:t>documentatie</a:t>
+            </a:r>
           </a:p>
           <a:p>
             <a:pPr marL="342900" indent="-342900">
@@ -6079,24 +6155,14 @@
               <a:buChar char="•"/>
             </a:pPr>
             <a:r>
-              <a:rPr lang="nl-BE" sz="1600" dirty="0" err="1">
+              <a:rPr lang="nl-BE" sz="1600" dirty="0">
                 <a:solidFill>
                   <a:schemeClr val="bg2">
                     <a:lumMod val="50000"/>
                   </a:schemeClr>
                 </a:solidFill>
               </a:rPr>
-              <a:t>educational</a:t>
-            </a:r>
-            <a:r>
-              <a:rPr lang="nl-BE" sz="1600" dirty="0">
-                <a:solidFill>
-                  <a:schemeClr val="bg2">
-                    <a:lumMod val="50000"/>
-                  </a:schemeClr>
-                </a:solidFill>
-              </a:rPr>
-              <a:t> </a:t>
+              <a:t>Educatieve </a:t>
             </a:r>
             <a:r>
               <a:rPr lang="nl-BE" sz="1600" dirty="0" err="1">
@@ -6133,7 +6199,7 @@
         <p:spPr>
           <a:xfrm>
             <a:off x="5760719" y="2469751"/>
-            <a:ext cx="2858238" cy="861774"/>
+            <a:ext cx="2858238" cy="1107996"/>
           </a:xfrm>
           <a:prstGeom prst="rect">
             <a:avLst/>
@@ -6157,22 +6223,15 @@
               <a:buChar char="•"/>
             </a:pPr>
             <a:r>
-              <a:rPr lang="nl-BE" sz="1600" dirty="0" err="1">
+              <a:rPr lang="nl-BE" sz="1600" dirty="0">
                 <a:solidFill>
                   <a:schemeClr val="bg2">
                     <a:lumMod val="50000"/>
                   </a:schemeClr>
                 </a:solidFill>
               </a:rPr>
-              <a:t>programming</a:t>
-            </a:r>
-            <a:endParaRPr lang="nl-BE" sz="1600" dirty="0">
-              <a:solidFill>
-                <a:schemeClr val="bg2">
-                  <a:lumMod val="50000"/>
-                </a:schemeClr>
-              </a:solidFill>
-            </a:endParaRPr>
+              <a:t>Programmeren</a:t>
+            </a:r>
           </a:p>
           <a:p>
             <a:pPr marL="342900" indent="-342900">
@@ -6180,15 +6239,21 @@
               <a:buChar char="•"/>
             </a:pPr>
             <a:r>
-              <a:rPr lang="nl-BE" sz="1600" dirty="0" err="1">
+              <a:rPr lang="nl-BE" sz="1600" dirty="0">
                 <a:solidFill>
                   <a:schemeClr val="bg2">
                     <a:lumMod val="50000"/>
                   </a:schemeClr>
                 </a:solidFill>
               </a:rPr>
-              <a:t>drawing</a:t>
-            </a:r>
+              <a:t>documentatie</a:t>
+            </a:r>
+          </a:p>
+          <a:p>
+            <a:pPr marL="342900" indent="-342900">
+              <a:buFont typeface="Arial" panose="020B0604020202020204" pitchFamily="34" charset="0"/>
+              <a:buChar char="•"/>
+            </a:pPr>
             <a:r>
               <a:rPr lang="nl-BE" sz="1600" dirty="0">
                 <a:solidFill>
@@ -6197,25 +6262,8 @@
                   </a:schemeClr>
                 </a:solidFill>
               </a:rPr>
-              <a:t> </a:t>
-            </a:r>
-            <a:r>
-              <a:rPr lang="nl-BE" sz="1600" dirty="0" err="1">
-                <a:solidFill>
-                  <a:schemeClr val="bg2">
-                    <a:lumMod val="50000"/>
-                  </a:schemeClr>
-                </a:solidFill>
-              </a:rPr>
-              <a:t>sprites</a:t>
-            </a:r>
-            <a:endParaRPr lang="nl-BE" sz="1600" dirty="0">
-              <a:solidFill>
-                <a:schemeClr val="bg2">
-                  <a:lumMod val="50000"/>
-                </a:schemeClr>
-              </a:solidFill>
-            </a:endParaRPr>
+              <a:t>Sprites tekenen</a:t>
+            </a:r>
           </a:p>
         </p:txBody>
       </p:sp>
@@ -6234,7 +6282,7 @@
         <p:spPr>
           <a:xfrm>
             <a:off x="5760719" y="4095840"/>
-            <a:ext cx="2252079" cy="615553"/>
+            <a:ext cx="2252079" cy="861774"/>
           </a:xfrm>
           <a:prstGeom prst="rect">
             <a:avLst/>
@@ -6263,22 +6311,31 @@
               <a:buChar char="•"/>
             </a:pPr>
             <a:r>
-              <a:rPr lang="nl-BE" sz="1600" dirty="0" err="1">
+              <a:rPr lang="nl-BE" sz="1600" dirty="0">
                 <a:solidFill>
                   <a:schemeClr val="bg2">
                     <a:lumMod val="50000"/>
                   </a:schemeClr>
                 </a:solidFill>
               </a:rPr>
-              <a:t>programming</a:t>
-            </a:r>
-            <a:endParaRPr lang="nl-BE" sz="1600" dirty="0">
-              <a:solidFill>
-                <a:schemeClr val="bg2">
-                  <a:lumMod val="50000"/>
-                </a:schemeClr>
-              </a:solidFill>
-            </a:endParaRPr>
+              <a:t>Programmeren</a:t>
+            </a:r>
+          </a:p>
+          <a:p>
+            <a:pPr marL="342900" indent="-342900">
+              <a:buFont typeface="Arial" panose="020B0604020202020204" pitchFamily="34" charset="0"/>
+              <a:buChar char="•"/>
+            </a:pPr>
+            <a:r>
+              <a:rPr lang="nl-BE" sz="1600" dirty="0">
+                <a:solidFill>
+                  <a:schemeClr val="bg2">
+                    <a:lumMod val="50000"/>
+                  </a:schemeClr>
+                </a:solidFill>
+              </a:rPr>
+              <a:t>documentatie</a:t>
+            </a:r>
           </a:p>
         </p:txBody>
       </p:sp>
@@ -6365,7 +6422,7 @@
         </p:spPr>
         <p:txBody>
           <a:bodyPr>
-            <a:normAutofit fontScale="92500" lnSpcReduction="20000"/>
+            <a:normAutofit fontScale="92500" lnSpcReduction="10000"/>
           </a:bodyPr>
           <a:lstStyle/>
           <a:p>
@@ -6413,7 +6470,7 @@
                   </a:schemeClr>
                 </a:solidFill>
               </a:rPr>
-              <a:t>Bevat minigames om les te geven over kwesties van klimaatverandering.</a:t>
+              <a:t>Minigames=&gt; les geven over kwesties van klimaatverandering.</a:t>
             </a:r>
           </a:p>
           <a:p>
@@ -6461,7 +6518,7 @@
                   </a:schemeClr>
                 </a:solidFill>
               </a:rPr>
-              <a:t>4 thema's: zee, bos, industrieel</a:t>
+              <a:t>3 thema's: zee, bos, industrieel</a:t>
             </a:r>
           </a:p>
           <a:p>
@@ -6501,10 +6558,10 @@
       </p:sp>
       <p:pic>
         <p:nvPicPr>
-          <p:cNvPr id="5" name="Afbeelding 4">
+          <p:cNvPr id="6" name="Afbeelding 5">
             <a:extLst>
               <a:ext uri="{FF2B5EF4-FFF2-40B4-BE49-F238E27FC236}">
-                <a16:creationId xmlns:a16="http://schemas.microsoft.com/office/drawing/2014/main" id="{B33A7AD5-7926-1AEA-0FDD-50F28DB3747B}"/>
+                <a16:creationId xmlns:a16="http://schemas.microsoft.com/office/drawing/2014/main" id="{0488BDF6-FEE7-6372-211A-8D43D44378DE}"/>
               </a:ext>
             </a:extLst>
           </p:cNvPr>
@@ -6521,12 +6578,12 @@
         </p:blipFill>
         <p:spPr>
           <a:xfrm>
-            <a:off x="7394672" y="285611"/>
-            <a:ext cx="4277033" cy="2405831"/>
+            <a:off x="7372526" y="296285"/>
+            <a:ext cx="4255102" cy="2395157"/>
           </a:xfrm>
           <a:prstGeom prst="snip2DiagRect">
             <a:avLst>
-              <a:gd name="adj1" fmla="val 16429"/>
+              <a:gd name="adj1" fmla="val 13793"/>
               <a:gd name="adj2" fmla="val 0"/>
             </a:avLst>
           </a:prstGeom>
@@ -6703,7 +6760,7 @@
                   </a:schemeClr>
                 </a:solidFill>
               </a:rPr>
-              <a:t>Doelstelling: Plastic uit de oceaan verwijderen.</a:t>
+              <a:t>Doel: Plastic uit de oceaan verwijderen.</a:t>
             </a:r>
           </a:p>
           <a:p>
@@ -6938,121 +6995,50 @@
           </a:p>
         </p:txBody>
       </p:sp>
-      <p:sp>
-        <p:nvSpPr>
-          <p:cNvPr id="10" name="Tekstvak 9">
+      <p:pic>
+        <p:nvPicPr>
+          <p:cNvPr id="9" name="Afbeelding 8">
             <a:extLst>
               <a:ext uri="{FF2B5EF4-FFF2-40B4-BE49-F238E27FC236}">
-                <a16:creationId xmlns:a16="http://schemas.microsoft.com/office/drawing/2014/main" id="{37E95554-1775-B4C9-88C3-A8E8FA530E74}"/>
+                <a16:creationId xmlns:a16="http://schemas.microsoft.com/office/drawing/2014/main" id="{6279A1E6-5734-1972-E65F-D304E7E0A456}"/>
               </a:ext>
             </a:extLst>
           </p:cNvPr>
-          <p:cNvSpPr txBox="1"/>
+          <p:cNvPicPr>
+            <a:picLocks noChangeAspect="1"/>
+          </p:cNvPicPr>
           <p:nvPr/>
-        </p:nvSpPr>
+        </p:nvPicPr>
+        <p:blipFill rotWithShape="1">
+          <a:blip r:embed="rId4"/>
+          <a:srcRect l="21682" t="814" r="12696" b="1428"/>
+          <a:stretch/>
+        </p:blipFill>
         <p:spPr>
           <a:xfrm>
-            <a:off x="727074" y="6349734"/>
-            <a:ext cx="6105832" cy="276999"/>
+            <a:off x="8284926" y="3595259"/>
+            <a:ext cx="3273713" cy="2641984"/>
           </a:xfrm>
-          <a:prstGeom prst="rect">
-            <a:avLst/>
+          <a:prstGeom prst="snip2DiagRect">
+            <a:avLst>
+              <a:gd name="adj1" fmla="val 10986"/>
+              <a:gd name="adj2" fmla="val 0"/>
+            </a:avLst>
           </a:prstGeom>
-          <a:noFill/>
+          <a:ln w="76200">
+            <a:solidFill>
+              <a:schemeClr val="tx1"/>
+            </a:solidFill>
+          </a:ln>
+          <a:effectLst>
+            <a:innerShdw blurRad="63500" dist="50800" dir="13500000">
+              <a:prstClr val="black">
+                <a:alpha val="50000"/>
+              </a:prstClr>
+            </a:innerShdw>
+          </a:effectLst>
         </p:spPr>
-        <p:txBody>
-          <a:bodyPr wrap="square">
-            <a:spAutoFit/>
-          </a:bodyPr>
-          <a:lstStyle/>
-          <a:p>
-            <a:r>
-              <a:rPr lang="nl-BE" sz="1200" dirty="0"/>
-              <a:t>Nigel </a:t>
-            </a:r>
-            <a:r>
-              <a:rPr lang="nl-BE" sz="1200" dirty="0" err="1"/>
-              <a:t>Belderbos</a:t>
-            </a:r>
-            <a:endParaRPr lang="nl-BE" sz="1200" dirty="0"/>
-          </a:p>
-        </p:txBody>
-      </p:sp>
-      <p:sp>
-        <p:nvSpPr>
-          <p:cNvPr id="12" name="Tekstvak 11">
-            <a:extLst>
-              <a:ext uri="{FF2B5EF4-FFF2-40B4-BE49-F238E27FC236}">
-                <a16:creationId xmlns:a16="http://schemas.microsoft.com/office/drawing/2014/main" id="{DE48BD8A-18BC-893A-2159-B0A94B7F3BB5}"/>
-              </a:ext>
-            </a:extLst>
-          </p:cNvPr>
-          <p:cNvSpPr txBox="1"/>
-          <p:nvPr/>
-        </p:nvSpPr>
-        <p:spPr>
-          <a:xfrm>
-            <a:off x="8284926" y="6351766"/>
-            <a:ext cx="2682538" cy="276999"/>
-          </a:xfrm>
-          <a:prstGeom prst="rect">
-            <a:avLst/>
-          </a:prstGeom>
-          <a:noFill/>
-        </p:spPr>
-        <p:txBody>
-          <a:bodyPr wrap="square">
-            <a:spAutoFit/>
-          </a:bodyPr>
-          <a:lstStyle/>
-          <a:p>
-            <a:r>
-              <a:rPr lang="nl-BE" sz="1200" dirty="0"/>
-              <a:t>Nigel </a:t>
-            </a:r>
-            <a:r>
-              <a:rPr lang="nl-BE" sz="1200" dirty="0" err="1"/>
-              <a:t>Belderbos</a:t>
-            </a:r>
-            <a:endParaRPr lang="nl-BE" sz="1200" dirty="0"/>
-          </a:p>
-        </p:txBody>
-      </p:sp>
-      <p:sp>
-        <p:nvSpPr>
-          <p:cNvPr id="13" name="Tekstvak 12">
-            <a:extLst>
-              <a:ext uri="{FF2B5EF4-FFF2-40B4-BE49-F238E27FC236}">
-                <a16:creationId xmlns:a16="http://schemas.microsoft.com/office/drawing/2014/main" id="{05EA9BCB-AA38-3B70-C904-CBA56D3D6AC6}"/>
-              </a:ext>
-            </a:extLst>
-          </p:cNvPr>
-          <p:cNvSpPr txBox="1"/>
-          <p:nvPr/>
-        </p:nvSpPr>
-        <p:spPr>
-          <a:xfrm>
-            <a:off x="4485918" y="6349735"/>
-            <a:ext cx="1797287" cy="276999"/>
-          </a:xfrm>
-          <a:prstGeom prst="rect">
-            <a:avLst/>
-          </a:prstGeom>
-          <a:noFill/>
-        </p:spPr>
-        <p:txBody>
-          <a:bodyPr wrap="none" rtlCol="0">
-            <a:spAutoFit/>
-          </a:bodyPr>
-          <a:lstStyle/>
-          <a:p>
-            <a:r>
-              <a:rPr lang="nl-BE" sz="1200" dirty="0"/>
-              <a:t>Nikita Vandecasteele</a:t>
-            </a:r>
-          </a:p>
-        </p:txBody>
-      </p:sp>
+      </p:pic>
     </p:spTree>
     <p:extLst>
       <p:ext uri="{BB962C8B-B14F-4D97-AF65-F5344CB8AC3E}">
@@ -7138,12 +7124,12 @@
               </a:ext>
             </a:extLst>
           </a:blip>
-          <a:srcRect l="29117" r="1" b="1"/>
+          <a:srcRect l="31183" t="2216" r="2412" b="4099"/>
           <a:stretch/>
         </p:blipFill>
         <p:spPr bwMode="auto">
           <a:xfrm>
-            <a:off x="673560" y="3877299"/>
+            <a:off x="1006993" y="3427962"/>
             <a:ext cx="3149503" cy="2499312"/>
           </a:xfrm>
           <a:custGeom>
@@ -7214,7 +7200,7 @@
         </p:nvSpPr>
         <p:spPr>
           <a:xfrm>
-            <a:off x="605836" y="2386149"/>
+            <a:off x="1006993" y="1920895"/>
             <a:ext cx="3400108" cy="1508105"/>
           </a:xfrm>
           <a:prstGeom prst="rect">
@@ -7278,46 +7264,6 @@
           </a:p>
           <a:p>
             <a:endParaRPr lang="nl-BE" dirty="0"/>
-          </a:p>
-        </p:txBody>
-      </p:sp>
-      <p:sp>
-        <p:nvSpPr>
-          <p:cNvPr id="6" name="Tekstvak 5">
-            <a:extLst>
-              <a:ext uri="{FF2B5EF4-FFF2-40B4-BE49-F238E27FC236}">
-                <a16:creationId xmlns:a16="http://schemas.microsoft.com/office/drawing/2014/main" id="{D6490D02-4253-30A1-7D4D-9896805E1918}"/>
-              </a:ext>
-            </a:extLst>
-          </p:cNvPr>
-          <p:cNvSpPr txBox="1"/>
-          <p:nvPr/>
-        </p:nvSpPr>
-        <p:spPr>
-          <a:xfrm>
-            <a:off x="673560" y="6431460"/>
-            <a:ext cx="6105832" cy="276999"/>
-          </a:xfrm>
-          <a:prstGeom prst="rect">
-            <a:avLst/>
-          </a:prstGeom>
-          <a:noFill/>
-        </p:spPr>
-        <p:txBody>
-          <a:bodyPr wrap="square">
-            <a:spAutoFit/>
-          </a:bodyPr>
-          <a:lstStyle/>
-          <a:p>
-            <a:r>
-              <a:rPr lang="nl-BE" sz="1200" dirty="0"/>
-              <a:t>Nigel </a:t>
-            </a:r>
-            <a:r>
-              <a:rPr lang="nl-BE" sz="1200" dirty="0" err="1"/>
-              <a:t>Belderbos</a:t>
-            </a:r>
-            <a:endParaRPr lang="nl-BE" sz="1200" dirty="0"/>
           </a:p>
         </p:txBody>
       </p:sp>
@@ -7412,7 +7358,91 @@
         </p:blipFill>
         <p:spPr bwMode="auto">
           <a:xfrm>
-            <a:off x="613280" y="3675334"/>
+            <a:off x="613281" y="3675335"/>
+            <a:ext cx="3056118" cy="2425206"/>
+          </a:xfrm>
+          <a:custGeom>
+            <a:avLst/>
+            <a:gdLst/>
+            <a:ahLst/>
+            <a:cxnLst/>
+            <a:rect l="l" t="t" r="r" b="b"/>
+            <a:pathLst>
+              <a:path w="6245352" h="4956048">
+                <a:moveTo>
+                  <a:pt x="534609" y="0"/>
+                </a:moveTo>
+                <a:lnTo>
+                  <a:pt x="6245352" y="0"/>
+                </a:lnTo>
+                <a:lnTo>
+                  <a:pt x="6245352" y="4421439"/>
+                </a:lnTo>
+                <a:lnTo>
+                  <a:pt x="5710743" y="4956048"/>
+                </a:lnTo>
+                <a:lnTo>
+                  <a:pt x="0" y="4956048"/>
+                </a:lnTo>
+                <a:lnTo>
+                  <a:pt x="0" y="534609"/>
+                </a:lnTo>
+                <a:close/>
+              </a:path>
+            </a:pathLst>
+          </a:custGeom>
+          <a:noFill/>
+          <a:ln w="76200">
+            <a:solidFill>
+              <a:schemeClr val="tx1"/>
+            </a:solidFill>
+          </a:ln>
+          <a:effectLst>
+            <a:innerShdw blurRad="63500" dist="50800" dir="13500000">
+              <a:prstClr val="black">
+                <a:alpha val="50000"/>
+              </a:prstClr>
+            </a:innerShdw>
+          </a:effectLst>
+          <a:extLst>
+            <a:ext uri="{909E8E84-426E-40DD-AFC4-6F175D3DCCD1}">
+              <a14:hiddenFill xmlns:a14="http://schemas.microsoft.com/office/drawing/2010/main">
+                <a:solidFill>
+                  <a:srgbClr val="FFFFFF"/>
+                </a:solidFill>
+              </a14:hiddenFill>
+            </a:ext>
+          </a:extLst>
+        </p:spPr>
+      </p:pic>
+      <p:pic>
+        <p:nvPicPr>
+          <p:cNvPr id="4" name="Picture 2" descr="factory wrecking image">
+            <a:extLst>
+              <a:ext uri="{FF2B5EF4-FFF2-40B4-BE49-F238E27FC236}">
+                <a16:creationId xmlns:a16="http://schemas.microsoft.com/office/drawing/2014/main" id="{BC3BD5D8-08C3-2F22-E3BD-6883A3DD089D}"/>
+              </a:ext>
+            </a:extLst>
+          </p:cNvPr>
+          <p:cNvPicPr>
+            <a:picLocks noChangeAspect="1" noChangeArrowheads="1"/>
+          </p:cNvPicPr>
+          <p:nvPr/>
+        </p:nvPicPr>
+        <p:blipFill rotWithShape="1">
+          <a:blip r:embed="rId3">
+            <a:extLst>
+              <a:ext uri="{28A0092B-C50C-407E-A947-70E740481C1C}">
+                <a14:useLocalDpi xmlns:a14="http://schemas.microsoft.com/office/drawing/2010/main" val="0"/>
+              </a:ext>
+            </a:extLst>
+          </a:blip>
+          <a:srcRect l="16385" r="12416" b="-2"/>
+          <a:stretch/>
+        </p:blipFill>
+        <p:spPr bwMode="auto">
+          <a:xfrm>
+            <a:off x="4880480" y="3675334"/>
             <a:ext cx="3056119" cy="2425207"/>
           </a:xfrm>
           <a:custGeom>
@@ -7469,90 +7499,6 @@
           </a:extLst>
         </p:spPr>
       </p:pic>
-      <p:pic>
-        <p:nvPicPr>
-          <p:cNvPr id="4" name="Picture 2" descr="factory wrecking image">
-            <a:extLst>
-              <a:ext uri="{FF2B5EF4-FFF2-40B4-BE49-F238E27FC236}">
-                <a16:creationId xmlns:a16="http://schemas.microsoft.com/office/drawing/2014/main" id="{BC3BD5D8-08C3-2F22-E3BD-6883A3DD089D}"/>
-              </a:ext>
-            </a:extLst>
-          </p:cNvPr>
-          <p:cNvPicPr>
-            <a:picLocks noChangeAspect="1" noChangeArrowheads="1"/>
-          </p:cNvPicPr>
-          <p:nvPr/>
-        </p:nvPicPr>
-        <p:blipFill rotWithShape="1">
-          <a:blip r:embed="rId3">
-            <a:extLst>
-              <a:ext uri="{28A0092B-C50C-407E-A947-70E740481C1C}">
-                <a14:useLocalDpi xmlns:a14="http://schemas.microsoft.com/office/drawing/2010/main" val="0"/>
-              </a:ext>
-            </a:extLst>
-          </a:blip>
-          <a:srcRect l="16385" r="12416" b="-2"/>
-          <a:stretch/>
-        </p:blipFill>
-        <p:spPr bwMode="auto">
-          <a:xfrm>
-            <a:off x="4191492" y="3675333"/>
-            <a:ext cx="3056119" cy="2425207"/>
-          </a:xfrm>
-          <a:custGeom>
-            <a:avLst/>
-            <a:gdLst/>
-            <a:ahLst/>
-            <a:cxnLst/>
-            <a:rect l="l" t="t" r="r" b="b"/>
-            <a:pathLst>
-              <a:path w="6245352" h="4956048">
-                <a:moveTo>
-                  <a:pt x="534609" y="0"/>
-                </a:moveTo>
-                <a:lnTo>
-                  <a:pt x="6245352" y="0"/>
-                </a:lnTo>
-                <a:lnTo>
-                  <a:pt x="6245352" y="4421439"/>
-                </a:lnTo>
-                <a:lnTo>
-                  <a:pt x="5710743" y="4956048"/>
-                </a:lnTo>
-                <a:lnTo>
-                  <a:pt x="0" y="4956048"/>
-                </a:lnTo>
-                <a:lnTo>
-                  <a:pt x="0" y="534609"/>
-                </a:lnTo>
-                <a:close/>
-              </a:path>
-            </a:pathLst>
-          </a:custGeom>
-          <a:noFill/>
-          <a:ln w="76200">
-            <a:solidFill>
-              <a:schemeClr val="tx1"/>
-            </a:solidFill>
-          </a:ln>
-          <a:effectLst>
-            <a:innerShdw blurRad="63500" dist="50800" dir="13500000">
-              <a:prstClr val="black">
-                <a:alpha val="50000"/>
-              </a:prstClr>
-            </a:innerShdw>
-          </a:effectLst>
-          <a:extLst>
-            <a:ext uri="{909E8E84-426E-40DD-AFC4-6F175D3DCCD1}">
-              <a14:hiddenFill xmlns:a14="http://schemas.microsoft.com/office/drawing/2010/main">
-                <a:solidFill>
-                  <a:srgbClr val="FFFFFF"/>
-                </a:solidFill>
-              </a14:hiddenFill>
-            </a:ext>
-          </a:extLst>
-        </p:spPr>
-      </p:pic>
       <p:sp>
         <p:nvSpPr>
           <p:cNvPr id="6" name="Tekstvak 5">
@@ -7568,7 +7514,7 @@
         <p:spPr>
           <a:xfrm>
             <a:off x="613280" y="1934321"/>
-            <a:ext cx="3318387" cy="1661993"/>
+            <a:ext cx="4171097" cy="1446550"/>
           </a:xfrm>
           <a:prstGeom prst="rect">
             <a:avLst/>
@@ -7599,7 +7545,7 @@
                   </a:schemeClr>
                 </a:solidFill>
               </a:rPr>
-              <a:t>Doelstelling: Bouw windmolens om de CO2-uitstoot tegen te gaan.</a:t>
+              <a:t>Doel: Bouw windmolens om de CO2-uitstoot tegen te gaan.</a:t>
             </a:r>
           </a:p>
           <a:p>
@@ -7615,7 +7561,7 @@
                   </a:schemeClr>
                 </a:solidFill>
               </a:rPr>
-              <a:t>Voordelen van windmolens: Hernieuwbare energiebron, schone energieproductie, energieonafhankelijkheid</a:t>
+              <a:t>Voordelen: Hernieuwbare energiebron, schone energieproductie, energieonafhankelijkheid</a:t>
             </a:r>
             <a:endParaRPr lang="nl-BE" sz="1400" dirty="0">
               <a:solidFill>
@@ -7641,7 +7587,7 @@
         </p:nvSpPr>
         <p:spPr>
           <a:xfrm>
-            <a:off x="4191492" y="1934321"/>
+            <a:off x="4880480" y="1934321"/>
             <a:ext cx="2993922" cy="1231106"/>
           </a:xfrm>
           <a:prstGeom prst="rect">
@@ -7701,86 +7647,6 @@
               </a:rPr>
               <a:t>.</a:t>
             </a:r>
-          </a:p>
-        </p:txBody>
-      </p:sp>
-      <p:sp>
-        <p:nvSpPr>
-          <p:cNvPr id="10" name="Tekstvak 9">
-            <a:extLst>
-              <a:ext uri="{FF2B5EF4-FFF2-40B4-BE49-F238E27FC236}">
-                <a16:creationId xmlns:a16="http://schemas.microsoft.com/office/drawing/2014/main" id="{D9B85372-12A0-0074-0F1B-FD10FD675388}"/>
-              </a:ext>
-            </a:extLst>
-          </p:cNvPr>
-          <p:cNvSpPr txBox="1"/>
-          <p:nvPr/>
-        </p:nvSpPr>
-        <p:spPr>
-          <a:xfrm>
-            <a:off x="613280" y="6241114"/>
-            <a:ext cx="2076826" cy="276999"/>
-          </a:xfrm>
-          <a:prstGeom prst="rect">
-            <a:avLst/>
-          </a:prstGeom>
-          <a:noFill/>
-        </p:spPr>
-        <p:txBody>
-          <a:bodyPr wrap="square">
-            <a:spAutoFit/>
-          </a:bodyPr>
-          <a:lstStyle/>
-          <a:p>
-            <a:r>
-              <a:rPr lang="nl-BE" sz="1200" dirty="0"/>
-              <a:t>Sam De </a:t>
-            </a:r>
-            <a:r>
-              <a:rPr lang="nl-BE" sz="1200" dirty="0" err="1"/>
-              <a:t>Wispelaere</a:t>
-            </a:r>
-            <a:endParaRPr lang="nl-BE" sz="1200" dirty="0"/>
-          </a:p>
-        </p:txBody>
-      </p:sp>
-      <p:sp>
-        <p:nvSpPr>
-          <p:cNvPr id="12" name="Tekstvak 11">
-            <a:extLst>
-              <a:ext uri="{FF2B5EF4-FFF2-40B4-BE49-F238E27FC236}">
-                <a16:creationId xmlns:a16="http://schemas.microsoft.com/office/drawing/2014/main" id="{18915190-E7DE-057B-0969-7B8A037010CD}"/>
-              </a:ext>
-            </a:extLst>
-          </p:cNvPr>
-          <p:cNvSpPr txBox="1"/>
-          <p:nvPr/>
-        </p:nvSpPr>
-        <p:spPr>
-          <a:xfrm>
-            <a:off x="4194695" y="6241114"/>
-            <a:ext cx="1450988" cy="276999"/>
-          </a:xfrm>
-          <a:prstGeom prst="rect">
-            <a:avLst/>
-          </a:prstGeom>
-          <a:noFill/>
-        </p:spPr>
-        <p:txBody>
-          <a:bodyPr wrap="square">
-            <a:spAutoFit/>
-          </a:bodyPr>
-          <a:lstStyle/>
-          <a:p>
-            <a:r>
-              <a:rPr lang="nl-BE" sz="1200" dirty="0"/>
-              <a:t>Colin </a:t>
-            </a:r>
-            <a:r>
-              <a:rPr lang="nl-BE" sz="1200" dirty="0" err="1"/>
-              <a:t>Bossuyt</a:t>
-            </a:r>
-            <a:endParaRPr lang="nl-BE" sz="1200" dirty="0"/>
           </a:p>
         </p:txBody>
       </p:sp>
@@ -7842,7 +7708,7 @@
           <a:p>
             <a:r>
               <a:rPr lang="nl-BE" dirty="0"/>
-              <a:t>andere minigames</a:t>
+              <a:t>extra minigames</a:t>
             </a:r>
           </a:p>
         </p:txBody>
@@ -7862,7 +7728,7 @@
         <p:spPr>
           <a:xfrm>
             <a:off x="666514" y="2017579"/>
-            <a:ext cx="1111202" cy="369332"/>
+            <a:ext cx="3568606" cy="1077218"/>
           </a:xfrm>
           <a:prstGeom prst="rect">
             <a:avLst/>
@@ -7877,11 +7743,221 @@
           <a:p>
             <a:r>
               <a:rPr lang="nl-BE" dirty="0"/>
-              <a:t>memory</a:t>
-            </a:r>
-          </a:p>
-        </p:txBody>
-      </p:sp>
+              <a:t>Memory</a:t>
+            </a:r>
+          </a:p>
+          <a:p>
+            <a:pPr>
+              <a:buFont typeface="Wingdings 3" panose="05040102010807070707" pitchFamily="18" charset="2"/>
+              <a:buChar char=""/>
+            </a:pPr>
+            <a:r>
+              <a:rPr lang="nl-NL" sz="1400" dirty="0">
+                <a:solidFill>
+                  <a:schemeClr val="bg2">
+                    <a:lumMod val="50000"/>
+                  </a:schemeClr>
+                </a:solidFill>
+              </a:rPr>
+              <a:t>Doel: vind 2 dezelfde tekens</a:t>
+            </a:r>
+          </a:p>
+          <a:p>
+            <a:pPr>
+              <a:buFont typeface="Wingdings 3" panose="05040102010807070707" pitchFamily="18" charset="2"/>
+              <a:buChar char=""/>
+            </a:pPr>
+            <a:r>
+              <a:rPr lang="nl-NL" sz="1400" dirty="0">
+                <a:solidFill>
+                  <a:schemeClr val="bg2">
+                    <a:lumMod val="50000"/>
+                  </a:schemeClr>
+                </a:solidFill>
+              </a:rPr>
+              <a:t>Kan voor elk thema gebruikt worden</a:t>
+            </a:r>
+            <a:r>
+              <a:rPr lang="en-US" sz="1400" dirty="0">
+                <a:solidFill>
+                  <a:schemeClr val="bg2">
+                    <a:lumMod val="50000"/>
+                  </a:schemeClr>
+                </a:solidFill>
+              </a:rPr>
+              <a:t>.</a:t>
+            </a:r>
+          </a:p>
+          <a:p>
+            <a:endParaRPr lang="nl-BE" dirty="0"/>
+          </a:p>
+        </p:txBody>
+      </p:sp>
+      <p:sp>
+        <p:nvSpPr>
+          <p:cNvPr id="5" name="Tekstvak 4">
+            <a:extLst>
+              <a:ext uri="{FF2B5EF4-FFF2-40B4-BE49-F238E27FC236}">
+                <a16:creationId xmlns:a16="http://schemas.microsoft.com/office/drawing/2014/main" id="{7DF5930B-E04F-39FB-19DB-BBDE8F4FF0F8}"/>
+              </a:ext>
+            </a:extLst>
+          </p:cNvPr>
+          <p:cNvSpPr txBox="1"/>
+          <p:nvPr/>
+        </p:nvSpPr>
+        <p:spPr>
+          <a:xfrm>
+            <a:off x="4235120" y="2017579"/>
+            <a:ext cx="6105832" cy="800219"/>
+          </a:xfrm>
+          <a:prstGeom prst="rect">
+            <a:avLst/>
+          </a:prstGeom>
+          <a:noFill/>
+        </p:spPr>
+        <p:txBody>
+          <a:bodyPr wrap="square">
+            <a:spAutoFit/>
+          </a:bodyPr>
+          <a:lstStyle/>
+          <a:p>
+            <a:r>
+              <a:rPr lang="nl-BE" dirty="0" err="1"/>
+              <a:t>Choose</a:t>
+            </a:r>
+            <a:r>
+              <a:rPr lang="nl-BE" dirty="0"/>
+              <a:t> </a:t>
+            </a:r>
+            <a:r>
+              <a:rPr lang="nl-BE" dirty="0" err="1"/>
+              <a:t>the</a:t>
+            </a:r>
+            <a:r>
+              <a:rPr lang="nl-BE" dirty="0"/>
+              <a:t> correct</a:t>
+            </a:r>
+          </a:p>
+          <a:p>
+            <a:pPr>
+              <a:buFont typeface="Wingdings 3" panose="05040102010807070707" pitchFamily="18" charset="2"/>
+              <a:buChar char=""/>
+            </a:pPr>
+            <a:r>
+              <a:rPr lang="nl-NL" sz="1400" dirty="0">
+                <a:solidFill>
+                  <a:schemeClr val="bg2">
+                    <a:lumMod val="50000"/>
+                  </a:schemeClr>
+                </a:solidFill>
+              </a:rPr>
+              <a:t>Doel:</a:t>
+            </a:r>
+          </a:p>
+          <a:p>
+            <a:pPr>
+              <a:buFont typeface="Wingdings 3" panose="05040102010807070707" pitchFamily="18" charset="2"/>
+              <a:buChar char=""/>
+            </a:pPr>
+            <a:r>
+              <a:rPr lang="nl-NL" sz="1400" dirty="0">
+                <a:solidFill>
+                  <a:schemeClr val="bg2">
+                    <a:lumMod val="50000"/>
+                  </a:schemeClr>
+                </a:solidFill>
+              </a:rPr>
+              <a:t>Kan voor elk thema gebruikt worden</a:t>
+            </a:r>
+            <a:endParaRPr lang="nl-BE" sz="1400" dirty="0"/>
+          </a:p>
+        </p:txBody>
+      </p:sp>
+      <p:pic>
+        <p:nvPicPr>
+          <p:cNvPr id="6" name="Afbeelding 5">
+            <a:extLst>
+              <a:ext uri="{FF2B5EF4-FFF2-40B4-BE49-F238E27FC236}">
+                <a16:creationId xmlns:a16="http://schemas.microsoft.com/office/drawing/2014/main" id="{20ECFEFD-8ED0-77D8-F3D8-A80C7CEFCC1D}"/>
+              </a:ext>
+            </a:extLst>
+          </p:cNvPr>
+          <p:cNvPicPr>
+            <a:picLocks noChangeAspect="1"/>
+          </p:cNvPicPr>
+          <p:nvPr/>
+        </p:nvPicPr>
+        <p:blipFill rotWithShape="1">
+          <a:blip r:embed="rId2"/>
+          <a:srcRect l="55093" t="54116" r="-25" b="952"/>
+          <a:stretch/>
+        </p:blipFill>
+        <p:spPr>
+          <a:xfrm>
+            <a:off x="7878084" y="224101"/>
+            <a:ext cx="3490127" cy="1964559"/>
+          </a:xfrm>
+          <a:prstGeom prst="snip2DiagRect">
+            <a:avLst>
+              <a:gd name="adj1" fmla="val 13793"/>
+              <a:gd name="adj2" fmla="val 0"/>
+            </a:avLst>
+          </a:prstGeom>
+          <a:ln w="57150">
+            <a:solidFill>
+              <a:schemeClr val="tx1"/>
+            </a:solidFill>
+          </a:ln>
+          <a:effectLst>
+            <a:innerShdw blurRad="63500" dist="50800" dir="13500000">
+              <a:prstClr val="black">
+                <a:alpha val="50000"/>
+              </a:prstClr>
+            </a:innerShdw>
+          </a:effectLst>
+        </p:spPr>
+      </p:pic>
+      <p:cxnSp>
+        <p:nvCxnSpPr>
+          <p:cNvPr id="8" name="Rechte verbindingslijn met pijl 7">
+            <a:extLst>
+              <a:ext uri="{FF2B5EF4-FFF2-40B4-BE49-F238E27FC236}">
+                <a16:creationId xmlns:a16="http://schemas.microsoft.com/office/drawing/2014/main" id="{71DCA834-DA93-E3E5-46AB-5D9AEC651458}"/>
+              </a:ext>
+            </a:extLst>
+          </p:cNvPr>
+          <p:cNvCxnSpPr>
+            <a:cxnSpLocks/>
+          </p:cNvCxnSpPr>
+          <p:nvPr/>
+        </p:nvCxnSpPr>
+        <p:spPr>
+          <a:xfrm>
+            <a:off x="9792928" y="2006434"/>
+            <a:ext cx="394640" cy="0"/>
+          </a:xfrm>
+          <a:prstGeom prst="straightConnector1">
+            <a:avLst/>
+          </a:prstGeom>
+          <a:ln>
+            <a:tailEnd type="triangle"/>
+          </a:ln>
+        </p:spPr>
+        <p:style>
+          <a:lnRef idx="3">
+            <a:schemeClr val="accent1"/>
+          </a:lnRef>
+          <a:fillRef idx="0">
+            <a:schemeClr val="accent1"/>
+          </a:fillRef>
+          <a:effectRef idx="2">
+            <a:schemeClr val="accent1"/>
+          </a:effectRef>
+          <a:fontRef idx="minor">
+            <a:schemeClr val="tx1"/>
+          </a:fontRef>
+        </p:style>
+      </p:cxnSp>
     </p:spTree>
     <p:extLst>
       <p:ext uri="{BB962C8B-B14F-4D97-AF65-F5344CB8AC3E}">
@@ -7914,6 +7990,208 @@
       </p:grpSpPr>
       <p:sp>
         <p:nvSpPr>
+          <p:cNvPr id="2" name="Titel 1">
+            <a:extLst>
+              <a:ext uri="{FF2B5EF4-FFF2-40B4-BE49-F238E27FC236}">
+                <a16:creationId xmlns:a16="http://schemas.microsoft.com/office/drawing/2014/main" id="{EDF0A556-C1C6-38CE-201D-DED438F2D434}"/>
+              </a:ext>
+            </a:extLst>
+          </p:cNvPr>
+          <p:cNvSpPr>
+            <a:spLocks noGrp="1"/>
+          </p:cNvSpPr>
+          <p:nvPr>
+            <p:ph type="title"/>
+          </p:nvPr>
+        </p:nvSpPr>
+        <p:spPr>
+          <a:xfrm>
+            <a:off x="625219" y="605556"/>
+            <a:ext cx="8534400" cy="1507067"/>
+          </a:xfrm>
+        </p:spPr>
+        <p:txBody>
+          <a:bodyPr/>
+          <a:lstStyle/>
+          <a:p>
+            <a:r>
+              <a:rPr lang="nl-NL" dirty="0"/>
+              <a:t>Educatieve </a:t>
+            </a:r>
+            <a:r>
+              <a:rPr lang="nl-NL" dirty="0" err="1"/>
+              <a:t>videos</a:t>
+            </a:r>
+            <a:endParaRPr lang="nl-BE" dirty="0"/>
+          </a:p>
+        </p:txBody>
+      </p:sp>
+      <p:sp>
+        <p:nvSpPr>
+          <p:cNvPr id="4" name="Tekstvak 3">
+            <a:extLst>
+              <a:ext uri="{FF2B5EF4-FFF2-40B4-BE49-F238E27FC236}">
+                <a16:creationId xmlns:a16="http://schemas.microsoft.com/office/drawing/2014/main" id="{46EFFAEC-17B8-CED3-50E0-762CC5CB98C9}"/>
+              </a:ext>
+            </a:extLst>
+          </p:cNvPr>
+          <p:cNvSpPr txBox="1"/>
+          <p:nvPr/>
+        </p:nvSpPr>
+        <p:spPr>
+          <a:xfrm>
+            <a:off x="1028790" y="2489528"/>
+            <a:ext cx="3326552" cy="969496"/>
+          </a:xfrm>
+          <a:prstGeom prst="rect">
+            <a:avLst/>
+          </a:prstGeom>
+          <a:noFill/>
+        </p:spPr>
+        <p:txBody>
+          <a:bodyPr wrap="none" rtlCol="0">
+            <a:spAutoFit/>
+          </a:bodyPr>
+          <a:lstStyle/>
+          <a:p>
+            <a:pPr marL="285750" indent="-285750">
+              <a:buFont typeface="Arial" panose="020B0604020202020204" pitchFamily="34" charset="0"/>
+              <a:buChar char="•"/>
+            </a:pPr>
+            <a:r>
+              <a:rPr lang="nl-BE" dirty="0">
+                <a:solidFill>
+                  <a:schemeClr val="bg2">
+                    <a:lumMod val="50000"/>
+                  </a:schemeClr>
+                </a:solidFill>
+              </a:rPr>
+              <a:t>Ai </a:t>
+            </a:r>
+            <a:r>
+              <a:rPr lang="nl-BE" sz="1900" dirty="0">
+                <a:solidFill>
+                  <a:schemeClr val="bg2">
+                    <a:lumMod val="50000"/>
+                  </a:schemeClr>
+                </a:solidFill>
+              </a:rPr>
+              <a:t>tekst </a:t>
+            </a:r>
+            <a:r>
+              <a:rPr lang="nl-BE" sz="1900" dirty="0" err="1">
+                <a:solidFill>
+                  <a:schemeClr val="bg2">
+                    <a:lumMod val="50000"/>
+                  </a:schemeClr>
+                </a:solidFill>
+              </a:rPr>
+              <a:t>to</a:t>
+            </a:r>
+            <a:r>
+              <a:rPr lang="nl-BE" sz="1900" dirty="0">
+                <a:solidFill>
+                  <a:schemeClr val="bg2">
+                    <a:lumMod val="50000"/>
+                  </a:schemeClr>
+                </a:solidFill>
+              </a:rPr>
+              <a:t> speech</a:t>
+            </a:r>
+          </a:p>
+          <a:p>
+            <a:pPr marL="285750" indent="-285750">
+              <a:buFont typeface="Arial" panose="020B0604020202020204" pitchFamily="34" charset="0"/>
+              <a:buChar char="•"/>
+            </a:pPr>
+            <a:r>
+              <a:rPr lang="nl-BE" sz="1900" dirty="0" err="1">
+                <a:solidFill>
+                  <a:schemeClr val="bg2">
+                    <a:lumMod val="50000"/>
+                  </a:schemeClr>
+                </a:solidFill>
+              </a:rPr>
+              <a:t>Diavoolstelling</a:t>
+            </a:r>
+            <a:r>
+              <a:rPr lang="nl-BE" sz="1900" dirty="0">
+                <a:solidFill>
+                  <a:schemeClr val="bg2">
+                    <a:lumMod val="50000"/>
+                  </a:schemeClr>
+                </a:solidFill>
+              </a:rPr>
+              <a:t> van </a:t>
+            </a:r>
+            <a:r>
+              <a:rPr lang="nl-BE" sz="1900" dirty="0" err="1">
+                <a:solidFill>
+                  <a:schemeClr val="bg2">
+                    <a:lumMod val="50000"/>
+                  </a:schemeClr>
+                </a:solidFill>
+              </a:rPr>
+              <a:t>fotos</a:t>
+            </a:r>
+            <a:endParaRPr lang="nl-BE" sz="1900" dirty="0">
+              <a:solidFill>
+                <a:schemeClr val="bg2">
+                  <a:lumMod val="50000"/>
+                </a:schemeClr>
+              </a:solidFill>
+            </a:endParaRPr>
+          </a:p>
+          <a:p>
+            <a:pPr marL="285750" indent="-285750">
+              <a:buFont typeface="Arial" panose="020B0604020202020204" pitchFamily="34" charset="0"/>
+              <a:buChar char="•"/>
+            </a:pPr>
+            <a:r>
+              <a:rPr lang="nl-BE" sz="1900" dirty="0">
+                <a:solidFill>
+                  <a:schemeClr val="bg2">
+                    <a:lumMod val="50000"/>
+                  </a:schemeClr>
+                </a:solidFill>
+              </a:rPr>
+              <a:t>1 – 1.30 min</a:t>
+            </a:r>
+          </a:p>
+        </p:txBody>
+      </p:sp>
+    </p:spTree>
+    <p:extLst>
+      <p:ext uri="{BB962C8B-B14F-4D97-AF65-F5344CB8AC3E}">
+        <p14:creationId xmlns:p14="http://schemas.microsoft.com/office/powerpoint/2010/main" val="2631689725"/>
+      </p:ext>
+    </p:extLst>
+  </p:cSld>
+  <p:clrMapOvr>
+    <a:masterClrMapping/>
+  </p:clrMapOvr>
+</p:sld>
+</file>
+
+<file path=ppt/slides/slide9.xml><?xml version="1.0" encoding="utf-8"?>
+<p:sld xmlns:a="http://schemas.openxmlformats.org/drawingml/2006/main" xmlns:r="http://schemas.openxmlformats.org/officeDocument/2006/relationships" xmlns:p="http://schemas.openxmlformats.org/presentationml/2006/main">
+  <p:cSld>
+    <p:spTree>
+      <p:nvGrpSpPr>
+        <p:cNvPr id="1" name=""/>
+        <p:cNvGrpSpPr/>
+        <p:nvPr/>
+      </p:nvGrpSpPr>
+      <p:grpSpPr>
+        <a:xfrm>
+          <a:off x="0" y="0"/>
+          <a:ext cx="0" cy="0"/>
+          <a:chOff x="0" y="0"/>
+          <a:chExt cx="0" cy="0"/>
+        </a:xfrm>
+      </p:grpSpPr>
+      <p:sp>
+        <p:nvSpPr>
           <p:cNvPr id="2" name="Title 1">
             <a:extLst>
               <a:ext uri="{FF2B5EF4-FFF2-40B4-BE49-F238E27FC236}">
@@ -7995,15 +8273,8 @@
                   </a:schemeClr>
                 </a:solidFill>
               </a:rPr>
-              <a:t>meer minigames</a:t>
-            </a:r>
-            <a:endParaRPr lang="LID4096" dirty="0">
-              <a:solidFill>
-                <a:schemeClr val="bg2">
-                  <a:lumMod val="50000"/>
-                </a:schemeClr>
-              </a:solidFill>
-            </a:endParaRPr>
+              <a:t>Voor elke thema 3 minigames</a:t>
+            </a:r>
           </a:p>
         </p:txBody>
       </p:sp>

--- a/Educational_game_2.pptx
+++ b/Educational_game_2.pptx
@@ -6162,25 +6162,8 @@
                   </a:schemeClr>
                 </a:solidFill>
               </a:rPr>
-              <a:t>Educatieve </a:t>
-            </a:r>
-            <a:r>
-              <a:rPr lang="nl-BE" sz="1600" dirty="0" err="1">
-                <a:solidFill>
-                  <a:schemeClr val="bg2">
-                    <a:lumMod val="50000"/>
-                  </a:schemeClr>
-                </a:solidFill>
-              </a:rPr>
-              <a:t>videos</a:t>
-            </a:r>
-            <a:endParaRPr lang="nl-BE" sz="1600" dirty="0">
-              <a:solidFill>
-                <a:schemeClr val="bg2">
-                  <a:lumMod val="50000"/>
-                </a:schemeClr>
-              </a:solidFill>
-            </a:endParaRPr>
+              <a:t>Educatieve video's</a:t>
+            </a:r>
           </a:p>
         </p:txBody>
       </p:sp>
@@ -6422,7 +6405,7 @@
         </p:spPr>
         <p:txBody>
           <a:bodyPr>
-            <a:normAutofit fontScale="92500" lnSpcReduction="10000"/>
+            <a:normAutofit fontScale="85000" lnSpcReduction="10000"/>
           </a:bodyPr>
           <a:lstStyle/>
           <a:p>
@@ -6519,6 +6502,22 @@
                 </a:solidFill>
               </a:rPr>
               <a:t>3 thema's: zee, bos, industrieel</a:t>
+            </a:r>
+          </a:p>
+          <a:p>
+            <a:pPr marL="342900" indent="-342900">
+              <a:buFont typeface="Arial" panose="020B0604020202020204" pitchFamily="34" charset="0"/>
+              <a:buChar char="•"/>
+            </a:pPr>
+            <a:r>
+              <a:rPr lang="nl-NL" dirty="0">
+                <a:solidFill>
+                  <a:schemeClr val="bg2">
+                    <a:lumMod val="50000"/>
+                  </a:schemeClr>
+                </a:solidFill>
+              </a:rPr>
+              <a:t>2 talen: Nederlands en Engels</a:t>
             </a:r>
           </a:p>
           <a:p>
@@ -6970,17 +6969,17 @@
                   </a:schemeClr>
                 </a:solidFill>
               </a:rPr>
-              <a:t>Probleem: O</a:t>
-            </a:r>
-            <a:r>
-              <a:rPr lang="nl-BE" sz="1400" dirty="0" err="1">
+              <a:t>Probleem: </a:t>
+            </a:r>
+            <a:r>
+              <a:rPr lang="nl-BE" sz="1400" dirty="0">
                 <a:solidFill>
                   <a:schemeClr val="bg2">
                     <a:lumMod val="50000"/>
                   </a:schemeClr>
                 </a:solidFill>
               </a:rPr>
-              <a:t>verbevissing</a:t>
+              <a:t>overbevissing</a:t>
             </a:r>
             <a:endParaRPr lang="en-US" sz="1400" dirty="0">
               <a:solidFill>
@@ -8041,7 +8040,7 @@
         <p:spPr>
           <a:xfrm>
             <a:off x="1028790" y="2489528"/>
-            <a:ext cx="3326552" cy="969496"/>
+            <a:ext cx="3400290" cy="1261884"/>
           </a:xfrm>
           <a:prstGeom prst="rect">
             <a:avLst/>
@@ -8076,27 +8075,7 @@
                   </a:schemeClr>
                 </a:solidFill>
               </a:rPr>
-              <a:t>tekst </a:t>
-            </a:r>
-            <a:r>
-              <a:rPr lang="nl-BE" sz="1900" dirty="0" err="1">
-                <a:solidFill>
-                  <a:schemeClr val="bg2">
-                    <a:lumMod val="50000"/>
-                  </a:schemeClr>
-                </a:solidFill>
-              </a:rPr>
-              <a:t>to</a:t>
-            </a:r>
-            <a:r>
-              <a:rPr lang="nl-BE" sz="1900" dirty="0">
-                <a:solidFill>
-                  <a:schemeClr val="bg2">
-                    <a:lumMod val="50000"/>
-                  </a:schemeClr>
-                </a:solidFill>
-              </a:rPr>
-              <a:t> speech</a:t>
+              <a:t>tekst naar spraak</a:t>
             </a:r>
           </a:p>
           <a:p>
@@ -8105,42 +8084,15 @@
               <a:buChar char="•"/>
             </a:pPr>
             <a:r>
-              <a:rPr lang="nl-BE" sz="1900" dirty="0" err="1">
+              <a:rPr lang="nl-BE" sz="1900" dirty="0">
                 <a:solidFill>
                   <a:schemeClr val="bg2">
                     <a:lumMod val="50000"/>
                   </a:schemeClr>
                 </a:solidFill>
               </a:rPr>
-              <a:t>Diavoolstelling</a:t>
-            </a:r>
-            <a:r>
-              <a:rPr lang="nl-BE" sz="1900" dirty="0">
-                <a:solidFill>
-                  <a:schemeClr val="bg2">
-                    <a:lumMod val="50000"/>
-                  </a:schemeClr>
-                </a:solidFill>
-              </a:rPr>
-              <a:t> van </a:t>
-            </a:r>
-            <a:r>
-              <a:rPr lang="nl-BE" sz="1900" dirty="0" err="1">
-                <a:solidFill>
-                  <a:schemeClr val="bg2">
-                    <a:lumMod val="50000"/>
-                  </a:schemeClr>
-                </a:solidFill>
-              </a:rPr>
-              <a:t>fotos</a:t>
-            </a:r>
-            <a:endParaRPr lang="nl-BE" sz="1900" dirty="0">
-              <a:solidFill>
-                <a:schemeClr val="bg2">
-                  <a:lumMod val="50000"/>
-                </a:schemeClr>
-              </a:solidFill>
-            </a:endParaRPr>
+              <a:t>Diavoorstelling van foto's</a:t>
+            </a:r>
           </a:p>
           <a:p>
             <a:pPr marL="285750" indent="-285750">
@@ -8156,6 +8108,22 @@
                 </a:solidFill>
               </a:rPr>
               <a:t>1 – 1.30 min</a:t>
+            </a:r>
+          </a:p>
+          <a:p>
+            <a:pPr marL="285750" indent="-285750">
+              <a:buFont typeface="Arial" panose="020B0604020202020204" pitchFamily="34" charset="0"/>
+              <a:buChar char="•"/>
+            </a:pPr>
+            <a:r>
+              <a:rPr lang="nl-BE" sz="1900" dirty="0">
+                <a:solidFill>
+                  <a:schemeClr val="bg2">
+                    <a:lumMod val="50000"/>
+                  </a:schemeClr>
+                </a:solidFill>
+              </a:rPr>
+              <a:t>In beide talen</a:t>
             </a:r>
           </a:p>
         </p:txBody>

--- a/Educational_game_2.pptx
+++ b/Educational_game_2.pptx
@@ -6162,25 +6162,8 @@
                   </a:schemeClr>
                 </a:solidFill>
               </a:rPr>
-              <a:t>Educatieve </a:t>
-            </a:r>
-            <a:r>
-              <a:rPr lang="nl-BE" sz="1600" dirty="0" err="1">
-                <a:solidFill>
-                  <a:schemeClr val="bg2">
-                    <a:lumMod val="50000"/>
-                  </a:schemeClr>
-                </a:solidFill>
-              </a:rPr>
-              <a:t>videos</a:t>
-            </a:r>
-            <a:endParaRPr lang="nl-BE" sz="1600" dirty="0">
-              <a:solidFill>
-                <a:schemeClr val="bg2">
-                  <a:lumMod val="50000"/>
-                </a:schemeClr>
-              </a:solidFill>
-            </a:endParaRPr>
+              <a:t>Educatieve video’s</a:t>
+            </a:r>
           </a:p>
         </p:txBody>
       </p:sp>
@@ -8016,11 +7999,7 @@
           <a:p>
             <a:r>
               <a:rPr lang="nl-NL" dirty="0"/>
-              <a:t>Educatieve </a:t>
-            </a:r>
-            <a:r>
-              <a:rPr lang="nl-NL" dirty="0" err="1"/>
-              <a:t>videos</a:t>
+              <a:t>Educatieve video’s</a:t>
             </a:r>
             <a:endParaRPr lang="nl-BE" dirty="0"/>
           </a:p>
@@ -8041,7 +8020,7 @@
         <p:spPr>
           <a:xfrm>
             <a:off x="1028790" y="2489528"/>
-            <a:ext cx="3326552" cy="969496"/>
+            <a:ext cx="3400290" cy="969496"/>
           </a:xfrm>
           <a:prstGeom prst="rect">
             <a:avLst/>
@@ -8105,42 +8084,15 @@
               <a:buChar char="•"/>
             </a:pPr>
             <a:r>
-              <a:rPr lang="nl-BE" sz="1900" dirty="0" err="1">
+              <a:rPr lang="nl-BE" sz="1900" dirty="0">
                 <a:solidFill>
                   <a:schemeClr val="bg2">
                     <a:lumMod val="50000"/>
                   </a:schemeClr>
                 </a:solidFill>
               </a:rPr>
-              <a:t>Diavoolstelling</a:t>
-            </a:r>
-            <a:r>
-              <a:rPr lang="nl-BE" sz="1900" dirty="0">
-                <a:solidFill>
-                  <a:schemeClr val="bg2">
-                    <a:lumMod val="50000"/>
-                  </a:schemeClr>
-                </a:solidFill>
-              </a:rPr>
-              <a:t> van </a:t>
-            </a:r>
-            <a:r>
-              <a:rPr lang="nl-BE" sz="1900" dirty="0" err="1">
-                <a:solidFill>
-                  <a:schemeClr val="bg2">
-                    <a:lumMod val="50000"/>
-                  </a:schemeClr>
-                </a:solidFill>
-              </a:rPr>
-              <a:t>fotos</a:t>
-            </a:r>
-            <a:endParaRPr lang="nl-BE" sz="1900" dirty="0">
-              <a:solidFill>
-                <a:schemeClr val="bg2">
-                  <a:lumMod val="50000"/>
-                </a:schemeClr>
-              </a:solidFill>
-            </a:endParaRPr>
+              <a:t>Diavoorstelling van foto's</a:t>
+            </a:r>
           </a:p>
           <a:p>
             <a:pPr marL="285750" indent="-285750">

--- a/Educational_game_2.pptx
+++ b/Educational_game_2.pptx
@@ -205,7 +205,7 @@
           <a:p>
             <a:fld id="{2EF5C7FB-304D-45A2-B1C7-5D3D2BDAD6C4}" type="datetimeFigureOut">
               <a:rPr lang="nl-BE" smtClean="0"/>
-              <a:t>6/05/2024</a:t>
+              <a:t>13/05/2024</a:t>
             </a:fld>
             <a:endParaRPr lang="nl-BE"/>
           </a:p>
@@ -748,7 +748,7 @@
           <a:p>
             <a:fld id="{B7714D09-FDA9-401A-B706-95D8DDEA38E0}" type="datetimeFigureOut">
               <a:rPr lang="LID4096" smtClean="0"/>
-              <a:t>05/06/2024</a:t>
+              <a:t>05/13/2024</a:t>
             </a:fld>
             <a:endParaRPr lang="LID4096"/>
           </a:p>
@@ -1184,7 +1184,7 @@
           <a:p>
             <a:fld id="{B7714D09-FDA9-401A-B706-95D8DDEA38E0}" type="datetimeFigureOut">
               <a:rPr lang="LID4096" smtClean="0"/>
-              <a:t>05/06/2024</a:t>
+              <a:t>05/13/2024</a:t>
             </a:fld>
             <a:endParaRPr lang="LID4096"/>
           </a:p>
@@ -1434,7 +1434,7 @@
           <a:p>
             <a:fld id="{B7714D09-FDA9-401A-B706-95D8DDEA38E0}" type="datetimeFigureOut">
               <a:rPr lang="LID4096" smtClean="0"/>
-              <a:t>05/06/2024</a:t>
+              <a:t>05/13/2024</a:t>
             </a:fld>
             <a:endParaRPr lang="LID4096"/>
           </a:p>
@@ -1742,7 +1742,7 @@
           <a:p>
             <a:fld id="{B7714D09-FDA9-401A-B706-95D8DDEA38E0}" type="datetimeFigureOut">
               <a:rPr lang="LID4096" smtClean="0"/>
-              <a:t>05/06/2024</a:t>
+              <a:t>05/13/2024</a:t>
             </a:fld>
             <a:endParaRPr lang="LID4096"/>
           </a:p>
@@ -2060,7 +2060,7 @@
           <a:p>
             <a:fld id="{B7714D09-FDA9-401A-B706-95D8DDEA38E0}" type="datetimeFigureOut">
               <a:rPr lang="LID4096" smtClean="0"/>
-              <a:t>05/06/2024</a:t>
+              <a:t>05/13/2024</a:t>
             </a:fld>
             <a:endParaRPr lang="LID4096"/>
           </a:p>
@@ -2362,7 +2362,7 @@
           <a:p>
             <a:fld id="{B7714D09-FDA9-401A-B706-95D8DDEA38E0}" type="datetimeFigureOut">
               <a:rPr lang="LID4096" smtClean="0"/>
-              <a:t>05/06/2024</a:t>
+              <a:t>05/13/2024</a:t>
             </a:fld>
             <a:endParaRPr lang="LID4096"/>
           </a:p>
@@ -2729,7 +2729,7 @@
           <a:p>
             <a:fld id="{B7714D09-FDA9-401A-B706-95D8DDEA38E0}" type="datetimeFigureOut">
               <a:rPr lang="LID4096" smtClean="0"/>
-              <a:t>05/06/2024</a:t>
+              <a:t>05/13/2024</a:t>
             </a:fld>
             <a:endParaRPr lang="LID4096"/>
           </a:p>
@@ -2903,7 +2903,7 @@
           <a:p>
             <a:fld id="{B7714D09-FDA9-401A-B706-95D8DDEA38E0}" type="datetimeFigureOut">
               <a:rPr lang="LID4096" smtClean="0"/>
-              <a:t>05/06/2024</a:t>
+              <a:t>05/13/2024</a:t>
             </a:fld>
             <a:endParaRPr lang="LID4096"/>
           </a:p>
@@ -3083,7 +3083,7 @@
           <a:p>
             <a:fld id="{B7714D09-FDA9-401A-B706-95D8DDEA38E0}" type="datetimeFigureOut">
               <a:rPr lang="LID4096" smtClean="0"/>
-              <a:t>05/06/2024</a:t>
+              <a:t>05/13/2024</a:t>
             </a:fld>
             <a:endParaRPr lang="LID4096"/>
           </a:p>
@@ -3253,7 +3253,7 @@
           <a:p>
             <a:fld id="{B7714D09-FDA9-401A-B706-95D8DDEA38E0}" type="datetimeFigureOut">
               <a:rPr lang="LID4096" smtClean="0"/>
-              <a:t>05/06/2024</a:t>
+              <a:t>05/13/2024</a:t>
             </a:fld>
             <a:endParaRPr lang="LID4096"/>
           </a:p>
@@ -3503,7 +3503,7 @@
           <a:p>
             <a:fld id="{B7714D09-FDA9-401A-B706-95D8DDEA38E0}" type="datetimeFigureOut">
               <a:rPr lang="LID4096" smtClean="0"/>
-              <a:t>05/06/2024</a:t>
+              <a:t>05/13/2024</a:t>
             </a:fld>
             <a:endParaRPr lang="LID4096"/>
           </a:p>
@@ -3739,7 +3739,7 @@
           <a:p>
             <a:fld id="{B7714D09-FDA9-401A-B706-95D8DDEA38E0}" type="datetimeFigureOut">
               <a:rPr lang="LID4096" smtClean="0"/>
-              <a:t>05/06/2024</a:t>
+              <a:t>05/13/2024</a:t>
             </a:fld>
             <a:endParaRPr lang="LID4096"/>
           </a:p>
@@ -4121,7 +4121,7 @@
           <a:p>
             <a:fld id="{B7714D09-FDA9-401A-B706-95D8DDEA38E0}" type="datetimeFigureOut">
               <a:rPr lang="LID4096" smtClean="0"/>
-              <a:t>05/06/2024</a:t>
+              <a:t>05/13/2024</a:t>
             </a:fld>
             <a:endParaRPr lang="LID4096"/>
           </a:p>
@@ -4239,7 +4239,7 @@
           <a:p>
             <a:fld id="{B7714D09-FDA9-401A-B706-95D8DDEA38E0}" type="datetimeFigureOut">
               <a:rPr lang="LID4096" smtClean="0"/>
-              <a:t>05/06/2024</a:t>
+              <a:t>05/13/2024</a:t>
             </a:fld>
             <a:endParaRPr lang="LID4096"/>
           </a:p>
@@ -4334,7 +4334,7 @@
           <a:p>
             <a:fld id="{B7714D09-FDA9-401A-B706-95D8DDEA38E0}" type="datetimeFigureOut">
               <a:rPr lang="LID4096" smtClean="0"/>
-              <a:t>05/06/2024</a:t>
+              <a:t>05/13/2024</a:t>
             </a:fld>
             <a:endParaRPr lang="LID4096"/>
           </a:p>
@@ -4589,7 +4589,7 @@
           <a:p>
             <a:fld id="{B7714D09-FDA9-401A-B706-95D8DDEA38E0}" type="datetimeFigureOut">
               <a:rPr lang="LID4096" smtClean="0"/>
-              <a:t>05/06/2024</a:t>
+              <a:t>05/13/2024</a:t>
             </a:fld>
             <a:endParaRPr lang="LID4096"/>
           </a:p>
@@ -4872,7 +4872,7 @@
           <a:p>
             <a:fld id="{B7714D09-FDA9-401A-B706-95D8DDEA38E0}" type="datetimeFigureOut">
               <a:rPr lang="LID4096" smtClean="0"/>
-              <a:t>05/06/2024</a:t>
+              <a:t>05/13/2024</a:t>
             </a:fld>
             <a:endParaRPr lang="LID4096"/>
           </a:p>
@@ -5278,7 +5278,7 @@
           <a:p>
             <a:fld id="{B7714D09-FDA9-401A-B706-95D8DDEA38E0}" type="datetimeFigureOut">
               <a:rPr lang="LID4096" smtClean="0"/>
-              <a:t>05/06/2024</a:t>
+              <a:t>05/13/2024</a:t>
             </a:fld>
             <a:endParaRPr lang="LID4096"/>
           </a:p>
@@ -6437,7 +6437,7 @@
                   </a:schemeClr>
                 </a:solidFill>
               </a:rPr>
-              <a:t>Doelgroep: Kinderen van 6 tot 10 jaar.</a:t>
+              <a:t>Doelgroep: 6-10 jaar.</a:t>
             </a:r>
           </a:p>
           <a:p>
@@ -8165,7 +8165,7 @@
           <a:p>
             <a:r>
               <a:rPr lang="nl-BE" dirty="0"/>
-              <a:t>Expansion</a:t>
+              <a:t>uitbreidingen</a:t>
             </a:r>
             <a:endParaRPr lang="LID4096" dirty="0"/>
           </a:p>

--- a/Educational_game_2.pptx
+++ b/Educational_game_2.pptx
@@ -6794,10 +6794,17 @@
           <a:lstStyle/>
           <a:p>
             <a:r>
-              <a:rPr lang="en-US" sz="1800" dirty="0" err="1"/>
-              <a:t>oilcleanup</a:t>
-            </a:r>
-            <a:endParaRPr lang="en-US" sz="1800" dirty="0"/>
+              <a:rPr lang="en-US" sz="1800" dirty="0"/>
+              <a:t>Oil</a:t>
+            </a:r>
+            <a:r>
+              <a:rPr lang="en-US" dirty="0"/>
+              <a:t> </a:t>
+            </a:r>
+            <a:r>
+              <a:rPr lang="en-US" sz="1800" dirty="0"/>
+              <a:t>cleanup</a:t>
+            </a:r>
           </a:p>
           <a:p>
             <a:pPr>
@@ -7588,6 +7595,11 @@
               <a:rPr lang="en-US" sz="1800" dirty="0"/>
               <a:t>factory </a:t>
             </a:r>
+            <a:r>
+              <a:rPr lang="en-US" sz="1800" dirty="0" err="1"/>
+              <a:t>wreking</a:t>
+            </a:r>
+            <a:endParaRPr lang="en-US" sz="1800" dirty="0"/>
           </a:p>
           <a:p>
             <a:pPr>
@@ -7776,130 +7788,6 @@
           </a:p>
         </p:txBody>
       </p:sp>
-      <p:sp>
-        <p:nvSpPr>
-          <p:cNvPr id="5" name="Tekstvak 4">
-            <a:extLst>
-              <a:ext uri="{FF2B5EF4-FFF2-40B4-BE49-F238E27FC236}">
-                <a16:creationId xmlns:a16="http://schemas.microsoft.com/office/drawing/2014/main" id="{7DF5930B-E04F-39FB-19DB-BBDE8F4FF0F8}"/>
-              </a:ext>
-            </a:extLst>
-          </p:cNvPr>
-          <p:cNvSpPr txBox="1"/>
-          <p:nvPr/>
-        </p:nvSpPr>
-        <p:spPr>
-          <a:xfrm>
-            <a:off x="4235120" y="2017579"/>
-            <a:ext cx="6105832" cy="800219"/>
-          </a:xfrm>
-          <a:prstGeom prst="rect">
-            <a:avLst/>
-          </a:prstGeom>
-          <a:noFill/>
-        </p:spPr>
-        <p:txBody>
-          <a:bodyPr wrap="square">
-            <a:spAutoFit/>
-          </a:bodyPr>
-          <a:lstStyle/>
-          <a:p>
-            <a:r>
-              <a:rPr lang="nl-BE" dirty="0" err="1"/>
-              <a:t>Choose</a:t>
-            </a:r>
-            <a:r>
-              <a:rPr lang="nl-BE" dirty="0"/>
-              <a:t> </a:t>
-            </a:r>
-            <a:r>
-              <a:rPr lang="nl-BE" dirty="0" err="1"/>
-              <a:t>the</a:t>
-            </a:r>
-            <a:r>
-              <a:rPr lang="nl-BE" dirty="0"/>
-              <a:t> correct</a:t>
-            </a:r>
-          </a:p>
-          <a:p>
-            <a:pPr>
-              <a:buFont typeface="Wingdings 3" panose="05040102010807070707" pitchFamily="18" charset="2"/>
-              <a:buChar char=""/>
-            </a:pPr>
-            <a:r>
-              <a:rPr lang="nl-NL" sz="1400" dirty="0">
-                <a:solidFill>
-                  <a:schemeClr val="bg2">
-                    <a:lumMod val="50000"/>
-                  </a:schemeClr>
-                </a:solidFill>
-              </a:rPr>
-              <a:t>Doel:</a:t>
-            </a:r>
-          </a:p>
-          <a:p>
-            <a:pPr>
-              <a:buFont typeface="Wingdings 3" panose="05040102010807070707" pitchFamily="18" charset="2"/>
-              <a:buChar char=""/>
-            </a:pPr>
-            <a:r>
-              <a:rPr lang="nl-NL" sz="1400" dirty="0">
-                <a:solidFill>
-                  <a:schemeClr val="bg2">
-                    <a:lumMod val="50000"/>
-                  </a:schemeClr>
-                </a:solidFill>
-              </a:rPr>
-              <a:t>Kan voor elk thema gebruikt worden</a:t>
-            </a:r>
-            <a:endParaRPr lang="nl-BE" sz="1400" dirty="0"/>
-          </a:p>
-        </p:txBody>
-      </p:sp>
-      <p:pic>
-        <p:nvPicPr>
-          <p:cNvPr id="6" name="Afbeelding 5">
-            <a:extLst>
-              <a:ext uri="{FF2B5EF4-FFF2-40B4-BE49-F238E27FC236}">
-                <a16:creationId xmlns:a16="http://schemas.microsoft.com/office/drawing/2014/main" id="{20ECFEFD-8ED0-77D8-F3D8-A80C7CEFCC1D}"/>
-              </a:ext>
-            </a:extLst>
-          </p:cNvPr>
-          <p:cNvPicPr>
-            <a:picLocks noChangeAspect="1"/>
-          </p:cNvPicPr>
-          <p:nvPr/>
-        </p:nvPicPr>
-        <p:blipFill rotWithShape="1">
-          <a:blip r:embed="rId2"/>
-          <a:srcRect l="55093" t="54116" r="-25" b="952"/>
-          <a:stretch/>
-        </p:blipFill>
-        <p:spPr>
-          <a:xfrm>
-            <a:off x="7878084" y="224101"/>
-            <a:ext cx="3490127" cy="1964559"/>
-          </a:xfrm>
-          <a:prstGeom prst="snip2DiagRect">
-            <a:avLst>
-              <a:gd name="adj1" fmla="val 13793"/>
-              <a:gd name="adj2" fmla="val 0"/>
-            </a:avLst>
-          </a:prstGeom>
-          <a:ln w="57150">
-            <a:solidFill>
-              <a:schemeClr val="tx1"/>
-            </a:solidFill>
-          </a:ln>
-          <a:effectLst>
-            <a:innerShdw blurRad="63500" dist="50800" dir="13500000">
-              <a:prstClr val="black">
-                <a:alpha val="50000"/>
-              </a:prstClr>
-            </a:innerShdw>
-          </a:effectLst>
-        </p:spPr>
-      </p:pic>
       <p:cxnSp>
         <p:nvCxnSpPr>
           <p:cNvPr id="8" name="Rechte verbindingslijn met pijl 7">
@@ -7941,6 +7829,50 @@
           </a:fontRef>
         </p:style>
       </p:cxnSp>
+      <p:pic>
+        <p:nvPicPr>
+          <p:cNvPr id="7" name="Afbeelding 6">
+            <a:extLst>
+              <a:ext uri="{FF2B5EF4-FFF2-40B4-BE49-F238E27FC236}">
+                <a16:creationId xmlns:a16="http://schemas.microsoft.com/office/drawing/2014/main" id="{8E57D1B5-6DDE-7D64-CDD1-3972B4672677}"/>
+              </a:ext>
+            </a:extLst>
+          </p:cNvPr>
+          <p:cNvPicPr>
+            <a:picLocks noChangeAspect="1"/>
+          </p:cNvPicPr>
+          <p:nvPr/>
+        </p:nvPicPr>
+        <p:blipFill rotWithShape="1">
+          <a:blip r:embed="rId2"/>
+          <a:srcRect l="6077" r="6226"/>
+          <a:stretch/>
+        </p:blipFill>
+        <p:spPr>
+          <a:xfrm>
+            <a:off x="613532" y="2949676"/>
+            <a:ext cx="3799185" cy="2536723"/>
+          </a:xfrm>
+          <a:prstGeom prst="snip2DiagRect">
+            <a:avLst>
+              <a:gd name="adj1" fmla="val 15581"/>
+              <a:gd name="adj2" fmla="val 0"/>
+            </a:avLst>
+          </a:prstGeom>
+          <a:ln w="76200">
+            <a:solidFill>
+              <a:schemeClr val="tx1"/>
+            </a:solidFill>
+          </a:ln>
+          <a:effectLst>
+            <a:innerShdw blurRad="63500" dist="50800" dir="13500000">
+              <a:prstClr val="black">
+                <a:alpha val="50000"/>
+              </a:prstClr>
+            </a:innerShdw>
+          </a:effectLst>
+        </p:spPr>
+      </p:pic>
     </p:spTree>
     <p:extLst>
       <p:ext uri="{BB962C8B-B14F-4D97-AF65-F5344CB8AC3E}">

--- a/Educational_game_2.pptx
+++ b/Educational_game_2.pptx
@@ -5,18 +5,19 @@
     <p:sldMasterId id="2147483660" r:id="rId1"/>
   </p:sldMasterIdLst>
   <p:notesMasterIdLst>
-    <p:notesMasterId r:id="rId11"/>
+    <p:notesMasterId r:id="rId12"/>
   </p:notesMasterIdLst>
   <p:sldIdLst>
     <p:sldId id="256" r:id="rId2"/>
-    <p:sldId id="265" r:id="rId3"/>
-    <p:sldId id="257" r:id="rId4"/>
-    <p:sldId id="266" r:id="rId5"/>
-    <p:sldId id="267" r:id="rId6"/>
+    <p:sldId id="257" r:id="rId3"/>
+    <p:sldId id="271" r:id="rId4"/>
+    <p:sldId id="265" r:id="rId5"/>
+    <p:sldId id="266" r:id="rId6"/>
     <p:sldId id="268" r:id="rId7"/>
-    <p:sldId id="269" r:id="rId8"/>
-    <p:sldId id="270" r:id="rId9"/>
-    <p:sldId id="264" r:id="rId10"/>
+    <p:sldId id="267" r:id="rId8"/>
+    <p:sldId id="269" r:id="rId9"/>
+    <p:sldId id="270" r:id="rId10"/>
+    <p:sldId id="264" r:id="rId11"/>
   </p:sldIdLst>
   <p:sldSz cx="12192000" cy="6858000"/>
   <p:notesSz cx="6858000" cy="9144000"/>
@@ -538,7 +539,7 @@
           <a:p>
             <a:fld id="{4837DD52-FE85-4CC3-91E5-8309CA391F2D}" type="slidenum">
               <a:rPr lang="nl-BE" smtClean="0"/>
-              <a:t>9</a:t>
+              <a:t>10</a:t>
             </a:fld>
             <a:endParaRPr lang="nl-BE"/>
           </a:p>
@@ -5957,7 +5958,7 @@
 </p:sld>
 </file>
 
-<file path=ppt/slides/slide2.xml><?xml version="1.0" encoding="utf-8"?>
+<file path=ppt/slides/slide10.xml><?xml version="1.0" encoding="utf-8"?>
 <p:sld xmlns:a="http://schemas.openxmlformats.org/drawingml/2006/main" xmlns:r="http://schemas.openxmlformats.org/officeDocument/2006/relationships" xmlns:p="http://schemas.openxmlformats.org/presentationml/2006/main">
   <p:cSld>
     <p:spTree>
@@ -5976,10 +5977,10 @@
       </p:grpSpPr>
       <p:sp>
         <p:nvSpPr>
-          <p:cNvPr id="2" name="Titel 1">
+          <p:cNvPr id="2" name="Title 1">
             <a:extLst>
               <a:ext uri="{FF2B5EF4-FFF2-40B4-BE49-F238E27FC236}">
-                <a16:creationId xmlns:a16="http://schemas.microsoft.com/office/drawing/2014/main" id="{606809AD-B889-B5CF-1C17-A8B56879BCF0}"/>
+                <a16:creationId xmlns:a16="http://schemas.microsoft.com/office/drawing/2014/main" id="{2EC8E974-47D8-5491-8701-03630A55E847}"/>
               </a:ext>
             </a:extLst>
           </p:cNvPr>
@@ -5990,75 +5991,58 @@
             <p:ph type="title"/>
           </p:nvPr>
         </p:nvSpPr>
-        <p:spPr>
-          <a:xfrm>
-            <a:off x="581659" y="581822"/>
-            <a:ext cx="8534400" cy="1507067"/>
-          </a:xfrm>
-        </p:spPr>
+        <p:spPr/>
         <p:txBody>
           <a:bodyPr/>
           <a:lstStyle/>
           <a:p>
             <a:r>
               <a:rPr lang="nl-BE" dirty="0"/>
-              <a:t>Wie deed wat</a:t>
-            </a:r>
-          </a:p>
-        </p:txBody>
-      </p:sp>
-      <p:sp>
-        <p:nvSpPr>
-          <p:cNvPr id="4" name="Tekstvak 3">
+              <a:t>uitbreidingen</a:t>
+            </a:r>
+            <a:endParaRPr lang="LID4096" dirty="0"/>
+          </a:p>
+        </p:txBody>
+      </p:sp>
+      <p:sp>
+        <p:nvSpPr>
+          <p:cNvPr id="3" name="Text Placeholder 2">
             <a:extLst>
               <a:ext uri="{FF2B5EF4-FFF2-40B4-BE49-F238E27FC236}">
-                <a16:creationId xmlns:a16="http://schemas.microsoft.com/office/drawing/2014/main" id="{E65D1132-9760-E783-2E32-59DA111E7CF8}"/>
+                <a16:creationId xmlns:a16="http://schemas.microsoft.com/office/drawing/2014/main" id="{C1BF6C26-BD4F-0C84-333E-3978FA795865}"/>
               </a:ext>
             </a:extLst>
           </p:cNvPr>
-          <p:cNvSpPr txBox="1"/>
-          <p:nvPr/>
+          <p:cNvSpPr>
+            <a:spLocks noGrp="1"/>
+          </p:cNvSpPr>
+          <p:nvPr>
+            <p:ph type="body" idx="1"/>
+          </p:nvPr>
         </p:nvSpPr>
         <p:spPr>
           <a:xfrm>
-            <a:off x="1185770" y="2469751"/>
-            <a:ext cx="2045753" cy="861774"/>
+            <a:off x="684213" y="3263900"/>
+            <a:ext cx="8535988" cy="1879600"/>
           </a:xfrm>
-          <a:prstGeom prst="rect">
-            <a:avLst/>
-          </a:prstGeom>
-          <a:noFill/>
         </p:spPr>
         <p:txBody>
-          <a:bodyPr wrap="none" rtlCol="0">
-            <a:spAutoFit/>
-          </a:bodyPr>
-          <a:lstStyle/>
-          <a:p>
-            <a:r>
-              <a:rPr lang="nl-BE" dirty="0"/>
-              <a:t>Nigel </a:t>
-            </a:r>
-            <a:r>
-              <a:rPr lang="nl-BE" dirty="0" err="1"/>
-              <a:t>Belderbos</a:t>
-            </a:r>
-            <a:endParaRPr lang="nl-BE" dirty="0"/>
-          </a:p>
+          <a:bodyPr/>
+          <a:lstStyle/>
           <a:p>
             <a:pPr marL="342900" indent="-342900">
               <a:buFont typeface="Arial" panose="020B0604020202020204" pitchFamily="34" charset="0"/>
               <a:buChar char="•"/>
             </a:pPr>
             <a:r>
-              <a:rPr lang="nl-BE" sz="1600" dirty="0">
+              <a:rPr lang="nl-BE" dirty="0">
                 <a:solidFill>
                   <a:schemeClr val="bg2">
                     <a:lumMod val="50000"/>
                   </a:schemeClr>
                 </a:solidFill>
               </a:rPr>
-              <a:t>Programmeren</a:t>
+              <a:t>Info integreren.</a:t>
             </a:r>
           </a:p>
           <a:p>
@@ -6067,257 +6051,14 @@
               <a:buChar char="•"/>
             </a:pPr>
             <a:r>
-              <a:rPr lang="nl-BE" sz="1600" dirty="0">
+              <a:rPr lang="nl-BE" dirty="0">
                 <a:solidFill>
                   <a:schemeClr val="bg2">
                     <a:lumMod val="50000"/>
                   </a:schemeClr>
                 </a:solidFill>
               </a:rPr>
-              <a:t>documentatie</a:t>
-            </a:r>
-          </a:p>
-        </p:txBody>
-      </p:sp>
-      <p:sp>
-        <p:nvSpPr>
-          <p:cNvPr id="6" name="Tekstvak 5">
-            <a:extLst>
-              <a:ext uri="{FF2B5EF4-FFF2-40B4-BE49-F238E27FC236}">
-                <a16:creationId xmlns:a16="http://schemas.microsoft.com/office/drawing/2014/main" id="{52B1FD73-9892-6888-4CA5-99336E02F69E}"/>
-              </a:ext>
-            </a:extLst>
-          </p:cNvPr>
-          <p:cNvSpPr txBox="1"/>
-          <p:nvPr/>
-        </p:nvSpPr>
-        <p:spPr>
-          <a:xfrm>
-            <a:off x="1185770" y="4095840"/>
-            <a:ext cx="3303639" cy="1107996"/>
-          </a:xfrm>
-          <a:prstGeom prst="rect">
-            <a:avLst/>
-          </a:prstGeom>
-          <a:noFill/>
-        </p:spPr>
-        <p:txBody>
-          <a:bodyPr wrap="square">
-            <a:spAutoFit/>
-          </a:bodyPr>
-          <a:lstStyle/>
-          <a:p>
-            <a:r>
-              <a:rPr lang="nl-BE" dirty="0"/>
-              <a:t>Sam De </a:t>
-            </a:r>
-            <a:r>
-              <a:rPr lang="nl-BE" dirty="0" err="1"/>
-              <a:t>Wispelaere</a:t>
-            </a:r>
-            <a:endParaRPr lang="nl-BE" dirty="0"/>
-          </a:p>
-          <a:p>
-            <a:pPr marL="342900" indent="-342900">
-              <a:buFont typeface="Arial" panose="020B0604020202020204" pitchFamily="34" charset="0"/>
-              <a:buChar char="•"/>
-            </a:pPr>
-            <a:r>
-              <a:rPr lang="nl-BE" sz="1600" dirty="0">
-                <a:solidFill>
-                  <a:schemeClr val="bg2">
-                    <a:lumMod val="50000"/>
-                  </a:schemeClr>
-                </a:solidFill>
-              </a:rPr>
-              <a:t>Programmeren</a:t>
-            </a:r>
-          </a:p>
-          <a:p>
-            <a:pPr marL="342900" indent="-342900">
-              <a:buFont typeface="Arial" panose="020B0604020202020204" pitchFamily="34" charset="0"/>
-              <a:buChar char="•"/>
-            </a:pPr>
-            <a:r>
-              <a:rPr lang="nl-BE" sz="1600" dirty="0">
-                <a:solidFill>
-                  <a:schemeClr val="bg2">
-                    <a:lumMod val="50000"/>
-                  </a:schemeClr>
-                </a:solidFill>
-              </a:rPr>
-              <a:t>documentatie</a:t>
-            </a:r>
-          </a:p>
-          <a:p>
-            <a:pPr marL="342900" indent="-342900">
-              <a:buFont typeface="Arial" panose="020B0604020202020204" pitchFamily="34" charset="0"/>
-              <a:buChar char="•"/>
-            </a:pPr>
-            <a:r>
-              <a:rPr lang="nl-BE" sz="1600" dirty="0">
-                <a:solidFill>
-                  <a:schemeClr val="bg2">
-                    <a:lumMod val="50000"/>
-                  </a:schemeClr>
-                </a:solidFill>
-              </a:rPr>
-              <a:t>Educatieve video’s</a:t>
-            </a:r>
-          </a:p>
-        </p:txBody>
-      </p:sp>
-      <p:sp>
-        <p:nvSpPr>
-          <p:cNvPr id="8" name="Tekstvak 7">
-            <a:extLst>
-              <a:ext uri="{FF2B5EF4-FFF2-40B4-BE49-F238E27FC236}">
-                <a16:creationId xmlns:a16="http://schemas.microsoft.com/office/drawing/2014/main" id="{BCD26A11-4BC7-C628-01EE-3646A9D2F065}"/>
-              </a:ext>
-            </a:extLst>
-          </p:cNvPr>
-          <p:cNvSpPr txBox="1"/>
-          <p:nvPr/>
-        </p:nvSpPr>
-        <p:spPr>
-          <a:xfrm>
-            <a:off x="5760719" y="2469751"/>
-            <a:ext cx="2858238" cy="1107996"/>
-          </a:xfrm>
-          <a:prstGeom prst="rect">
-            <a:avLst/>
-          </a:prstGeom>
-          <a:noFill/>
-        </p:spPr>
-        <p:txBody>
-          <a:bodyPr wrap="square">
-            <a:spAutoFit/>
-          </a:bodyPr>
-          <a:lstStyle/>
-          <a:p>
-            <a:r>
-              <a:rPr lang="nl-BE" dirty="0"/>
-              <a:t>Nikita Vandecasteele</a:t>
-            </a:r>
-          </a:p>
-          <a:p>
-            <a:pPr marL="342900" indent="-342900">
-              <a:buFont typeface="Arial" panose="020B0604020202020204" pitchFamily="34" charset="0"/>
-              <a:buChar char="•"/>
-            </a:pPr>
-            <a:r>
-              <a:rPr lang="nl-BE" sz="1600" dirty="0">
-                <a:solidFill>
-                  <a:schemeClr val="bg2">
-                    <a:lumMod val="50000"/>
-                  </a:schemeClr>
-                </a:solidFill>
-              </a:rPr>
-              <a:t>Programmeren</a:t>
-            </a:r>
-          </a:p>
-          <a:p>
-            <a:pPr marL="342900" indent="-342900">
-              <a:buFont typeface="Arial" panose="020B0604020202020204" pitchFamily="34" charset="0"/>
-              <a:buChar char="•"/>
-            </a:pPr>
-            <a:r>
-              <a:rPr lang="nl-BE" sz="1600" dirty="0">
-                <a:solidFill>
-                  <a:schemeClr val="bg2">
-                    <a:lumMod val="50000"/>
-                  </a:schemeClr>
-                </a:solidFill>
-              </a:rPr>
-              <a:t>documentatie</a:t>
-            </a:r>
-          </a:p>
-          <a:p>
-            <a:pPr marL="342900" indent="-342900">
-              <a:buFont typeface="Arial" panose="020B0604020202020204" pitchFamily="34" charset="0"/>
-              <a:buChar char="•"/>
-            </a:pPr>
-            <a:r>
-              <a:rPr lang="nl-BE" sz="1600" dirty="0">
-                <a:solidFill>
-                  <a:schemeClr val="bg2">
-                    <a:lumMod val="50000"/>
-                  </a:schemeClr>
-                </a:solidFill>
-              </a:rPr>
-              <a:t>Sprites tekenen</a:t>
-            </a:r>
-          </a:p>
-        </p:txBody>
-      </p:sp>
-      <p:sp>
-        <p:nvSpPr>
-          <p:cNvPr id="10" name="Tekstvak 9">
-            <a:extLst>
-              <a:ext uri="{FF2B5EF4-FFF2-40B4-BE49-F238E27FC236}">
-                <a16:creationId xmlns:a16="http://schemas.microsoft.com/office/drawing/2014/main" id="{E0BDE6A6-CCB6-4FA7-A85C-D8DA92BC92BD}"/>
-              </a:ext>
-            </a:extLst>
-          </p:cNvPr>
-          <p:cNvSpPr txBox="1"/>
-          <p:nvPr/>
-        </p:nvSpPr>
-        <p:spPr>
-          <a:xfrm>
-            <a:off x="5760719" y="4095840"/>
-            <a:ext cx="2252079" cy="861774"/>
-          </a:xfrm>
-          <a:prstGeom prst="rect">
-            <a:avLst/>
-          </a:prstGeom>
-          <a:noFill/>
-        </p:spPr>
-        <p:txBody>
-          <a:bodyPr wrap="square">
-            <a:spAutoFit/>
-          </a:bodyPr>
-          <a:lstStyle/>
-          <a:p>
-            <a:r>
-              <a:rPr lang="nl-BE" dirty="0"/>
-              <a:t>Colin </a:t>
-            </a:r>
-            <a:r>
-              <a:rPr lang="nl-BE" dirty="0" err="1"/>
-              <a:t>Bossuyt</a:t>
-            </a:r>
-            <a:endParaRPr lang="nl-BE" dirty="0"/>
-          </a:p>
-          <a:p>
-            <a:pPr marL="342900" indent="-342900">
-              <a:buFont typeface="Arial" panose="020B0604020202020204" pitchFamily="34" charset="0"/>
-              <a:buChar char="•"/>
-            </a:pPr>
-            <a:r>
-              <a:rPr lang="nl-BE" sz="1600" dirty="0">
-                <a:solidFill>
-                  <a:schemeClr val="bg2">
-                    <a:lumMod val="50000"/>
-                  </a:schemeClr>
-                </a:solidFill>
-              </a:rPr>
-              <a:t>Programmeren</a:t>
-            </a:r>
-          </a:p>
-          <a:p>
-            <a:pPr marL="342900" indent="-342900">
-              <a:buFont typeface="Arial" panose="020B0604020202020204" pitchFamily="34" charset="0"/>
-              <a:buChar char="•"/>
-            </a:pPr>
-            <a:r>
-              <a:rPr lang="nl-BE" sz="1600" dirty="0">
-                <a:solidFill>
-                  <a:schemeClr val="bg2">
-                    <a:lumMod val="50000"/>
-                  </a:schemeClr>
-                </a:solidFill>
-              </a:rPr>
-              <a:t>documentatie</a:t>
+              <a:t>Voor elke thema 3 minigames</a:t>
             </a:r>
           </a:p>
         </p:txBody>
@@ -6325,7 +6066,7 @@
     </p:spTree>
     <p:extLst>
       <p:ext uri="{BB962C8B-B14F-4D97-AF65-F5344CB8AC3E}">
-        <p14:creationId xmlns:p14="http://schemas.microsoft.com/office/powerpoint/2010/main" val="2994098736"/>
+        <p14:creationId xmlns:p14="http://schemas.microsoft.com/office/powerpoint/2010/main" val="1249008270"/>
       </p:ext>
     </p:extLst>
   </p:cSld>
@@ -6335,7 +6076,7 @@
 </p:sld>
 </file>
 
-<file path=ppt/slides/slide3.xml><?xml version="1.0" encoding="utf-8"?>
+<file path=ppt/slides/slide2.xml><?xml version="1.0" encoding="utf-8"?>
 <p:sld xmlns:a="http://schemas.openxmlformats.org/drawingml/2006/main" xmlns:r="http://schemas.openxmlformats.org/officeDocument/2006/relationships" xmlns:p="http://schemas.openxmlformats.org/presentationml/2006/main">
   <p:cSld>
     <p:spTree>
@@ -6597,7 +6338,822 @@
 </p:sld>
 </file>
 
+<file path=ppt/slides/slide3.xml><?xml version="1.0" encoding="utf-8"?>
+<p:sld xmlns:a="http://schemas.openxmlformats.org/drawingml/2006/main" xmlns:r="http://schemas.openxmlformats.org/officeDocument/2006/relationships" xmlns:p="http://schemas.openxmlformats.org/presentationml/2006/main">
+  <p:cSld>
+    <p:spTree>
+      <p:nvGrpSpPr>
+        <p:cNvPr id="1" name=""/>
+        <p:cNvGrpSpPr/>
+        <p:nvPr/>
+      </p:nvGrpSpPr>
+      <p:grpSpPr>
+        <a:xfrm>
+          <a:off x="0" y="0"/>
+          <a:ext cx="0" cy="0"/>
+          <a:chOff x="0" y="0"/>
+          <a:chExt cx="0" cy="0"/>
+        </a:xfrm>
+      </p:grpSpPr>
+      <p:sp>
+        <p:nvSpPr>
+          <p:cNvPr id="4" name="Tekstvak 3">
+            <a:extLst>
+              <a:ext uri="{FF2B5EF4-FFF2-40B4-BE49-F238E27FC236}">
+                <a16:creationId xmlns:a16="http://schemas.microsoft.com/office/drawing/2014/main" id="{A7D262ED-0E20-0E42-8822-54B983496402}"/>
+              </a:ext>
+            </a:extLst>
+          </p:cNvPr>
+          <p:cNvSpPr txBox="1"/>
+          <p:nvPr/>
+        </p:nvSpPr>
+        <p:spPr>
+          <a:xfrm>
+            <a:off x="0" y="203167"/>
+            <a:ext cx="12192000" cy="830997"/>
+          </a:xfrm>
+          <a:prstGeom prst="rect">
+            <a:avLst/>
+          </a:prstGeom>
+          <a:noFill/>
+        </p:spPr>
+        <p:txBody>
+          <a:bodyPr wrap="square" rtlCol="0">
+            <a:spAutoFit/>
+          </a:bodyPr>
+          <a:lstStyle/>
+          <a:p>
+            <a:pPr algn="ctr"/>
+            <a:r>
+              <a:rPr lang="nl-BE" sz="4800" dirty="0"/>
+              <a:t>Klimaat probleem </a:t>
+            </a:r>
+          </a:p>
+        </p:txBody>
+      </p:sp>
+      <p:sp>
+        <p:nvSpPr>
+          <p:cNvPr id="5" name="Tekstvak 4">
+            <a:extLst>
+              <a:ext uri="{FF2B5EF4-FFF2-40B4-BE49-F238E27FC236}">
+                <a16:creationId xmlns:a16="http://schemas.microsoft.com/office/drawing/2014/main" id="{1D268D5B-B753-3F04-7071-7278725D7AE6}"/>
+              </a:ext>
+            </a:extLst>
+          </p:cNvPr>
+          <p:cNvSpPr txBox="1"/>
+          <p:nvPr/>
+        </p:nvSpPr>
+        <p:spPr>
+          <a:xfrm>
+            <a:off x="-1" y="5480966"/>
+            <a:ext cx="12192000" cy="830997"/>
+          </a:xfrm>
+          <a:prstGeom prst="rect">
+            <a:avLst/>
+          </a:prstGeom>
+          <a:noFill/>
+        </p:spPr>
+        <p:txBody>
+          <a:bodyPr wrap="square" rtlCol="0">
+            <a:spAutoFit/>
+          </a:bodyPr>
+          <a:lstStyle/>
+          <a:p>
+            <a:pPr algn="ctr"/>
+            <a:r>
+              <a:rPr lang="nl-BE" sz="4800" dirty="0" err="1"/>
+              <a:t>Educational</a:t>
+            </a:r>
+            <a:r>
+              <a:rPr lang="nl-BE" sz="4800" dirty="0"/>
+              <a:t> Game </a:t>
+            </a:r>
+          </a:p>
+        </p:txBody>
+      </p:sp>
+      <p:sp>
+        <p:nvSpPr>
+          <p:cNvPr id="6" name="Pijl: omlaag 5">
+            <a:extLst>
+              <a:ext uri="{FF2B5EF4-FFF2-40B4-BE49-F238E27FC236}">
+                <a16:creationId xmlns:a16="http://schemas.microsoft.com/office/drawing/2014/main" id="{CAED5850-D427-E986-8185-3386967E9D3A}"/>
+              </a:ext>
+            </a:extLst>
+          </p:cNvPr>
+          <p:cNvSpPr/>
+          <p:nvPr/>
+        </p:nvSpPr>
+        <p:spPr>
+          <a:xfrm>
+            <a:off x="5653390" y="1186774"/>
+            <a:ext cx="885217" cy="4294192"/>
+          </a:xfrm>
+          <a:prstGeom prst="downArrow">
+            <a:avLst/>
+          </a:prstGeom>
+          <a:solidFill>
+            <a:schemeClr val="bg1"/>
+          </a:solidFill>
+        </p:spPr>
+        <p:style>
+          <a:lnRef idx="2">
+            <a:schemeClr val="accent1">
+              <a:shade val="15000"/>
+            </a:schemeClr>
+          </a:lnRef>
+          <a:fillRef idx="1">
+            <a:schemeClr val="accent1"/>
+          </a:fillRef>
+          <a:effectRef idx="0">
+            <a:schemeClr val="accent1"/>
+          </a:effectRef>
+          <a:fontRef idx="minor">
+            <a:schemeClr val="lt1"/>
+          </a:fontRef>
+        </p:style>
+        <p:txBody>
+          <a:bodyPr rtlCol="0" anchor="ctr"/>
+          <a:lstStyle/>
+          <a:p>
+            <a:pPr algn="ctr"/>
+            <a:endParaRPr lang="nl-BE"/>
+          </a:p>
+        </p:txBody>
+      </p:sp>
+      <p:pic>
+        <p:nvPicPr>
+          <p:cNvPr id="1026" name="Picture 2" descr="Se poser la question, c'est le début de la réponse.">
+            <a:extLst>
+              <a:ext uri="{FF2B5EF4-FFF2-40B4-BE49-F238E27FC236}">
+                <a16:creationId xmlns:a16="http://schemas.microsoft.com/office/drawing/2014/main" id="{F3C7FA45-E641-157D-CFE4-3CE08221944C}"/>
+              </a:ext>
+            </a:extLst>
+          </p:cNvPr>
+          <p:cNvPicPr>
+            <a:picLocks noChangeAspect="1" noChangeArrowheads="1"/>
+          </p:cNvPicPr>
+          <p:nvPr/>
+        </p:nvPicPr>
+        <p:blipFill>
+          <a:blip r:embed="rId2">
+            <a:extLst>
+              <a:ext uri="{28A0092B-C50C-407E-A947-70E740481C1C}">
+                <a14:useLocalDpi xmlns:a14="http://schemas.microsoft.com/office/drawing/2010/main" val="0"/>
+              </a:ext>
+            </a:extLst>
+          </a:blip>
+          <a:srcRect/>
+          <a:stretch>
+            <a:fillRect/>
+          </a:stretch>
+        </p:blipFill>
+        <p:spPr bwMode="auto">
+          <a:xfrm>
+            <a:off x="4458907" y="1375784"/>
+            <a:ext cx="3274185" cy="3274185"/>
+          </a:xfrm>
+          <a:prstGeom prst="rect">
+            <a:avLst/>
+          </a:prstGeom>
+          <a:noFill/>
+          <a:extLst>
+            <a:ext uri="{909E8E84-426E-40DD-AFC4-6F175D3DCCD1}">
+              <a14:hiddenFill xmlns:a14="http://schemas.microsoft.com/office/drawing/2010/main">
+                <a:solidFill>
+                  <a:srgbClr val="FFFFFF"/>
+                </a:solidFill>
+              </a14:hiddenFill>
+            </a:ext>
+          </a:extLst>
+        </p:spPr>
+      </p:pic>
+    </p:spTree>
+    <p:extLst>
+      <p:ext uri="{BB962C8B-B14F-4D97-AF65-F5344CB8AC3E}">
+        <p14:creationId xmlns:p14="http://schemas.microsoft.com/office/powerpoint/2010/main" val="4080245752"/>
+      </p:ext>
+    </p:extLst>
+  </p:cSld>
+  <p:clrMapOvr>
+    <a:masterClrMapping/>
+  </p:clrMapOvr>
+</p:sld>
+</file>
+
 <file path=ppt/slides/slide4.xml><?xml version="1.0" encoding="utf-8"?>
+<p:sld xmlns:a="http://schemas.openxmlformats.org/drawingml/2006/main" xmlns:r="http://schemas.openxmlformats.org/officeDocument/2006/relationships" xmlns:p="http://schemas.openxmlformats.org/presentationml/2006/main">
+  <p:cSld>
+    <p:spTree>
+      <p:nvGrpSpPr>
+        <p:cNvPr id="1" name=""/>
+        <p:cNvGrpSpPr/>
+        <p:nvPr/>
+      </p:nvGrpSpPr>
+      <p:grpSpPr>
+        <a:xfrm>
+          <a:off x="0" y="0"/>
+          <a:ext cx="0" cy="0"/>
+          <a:chOff x="0" y="0"/>
+          <a:chExt cx="0" cy="0"/>
+        </a:xfrm>
+      </p:grpSpPr>
+      <p:sp>
+        <p:nvSpPr>
+          <p:cNvPr id="2" name="Titel 1">
+            <a:extLst>
+              <a:ext uri="{FF2B5EF4-FFF2-40B4-BE49-F238E27FC236}">
+                <a16:creationId xmlns:a16="http://schemas.microsoft.com/office/drawing/2014/main" id="{606809AD-B889-B5CF-1C17-A8B56879BCF0}"/>
+              </a:ext>
+            </a:extLst>
+          </p:cNvPr>
+          <p:cNvSpPr>
+            <a:spLocks noGrp="1"/>
+          </p:cNvSpPr>
+          <p:nvPr>
+            <p:ph type="title"/>
+          </p:nvPr>
+        </p:nvSpPr>
+        <p:spPr>
+          <a:xfrm>
+            <a:off x="581659" y="581822"/>
+            <a:ext cx="8534400" cy="1507067"/>
+          </a:xfrm>
+        </p:spPr>
+        <p:txBody>
+          <a:bodyPr/>
+          <a:lstStyle/>
+          <a:p>
+            <a:r>
+              <a:rPr lang="nl-BE" dirty="0"/>
+              <a:t>Wie deed wat</a:t>
+            </a:r>
+          </a:p>
+        </p:txBody>
+      </p:sp>
+      <p:sp>
+        <p:nvSpPr>
+          <p:cNvPr id="4" name="Tekstvak 3">
+            <a:extLst>
+              <a:ext uri="{FF2B5EF4-FFF2-40B4-BE49-F238E27FC236}">
+                <a16:creationId xmlns:a16="http://schemas.microsoft.com/office/drawing/2014/main" id="{E65D1132-9760-E783-2E32-59DA111E7CF8}"/>
+              </a:ext>
+            </a:extLst>
+          </p:cNvPr>
+          <p:cNvSpPr txBox="1"/>
+          <p:nvPr/>
+        </p:nvSpPr>
+        <p:spPr>
+          <a:xfrm>
+            <a:off x="1185770" y="1856771"/>
+            <a:ext cx="3009157" cy="1846659"/>
+          </a:xfrm>
+          <a:prstGeom prst="rect">
+            <a:avLst/>
+          </a:prstGeom>
+          <a:noFill/>
+        </p:spPr>
+        <p:txBody>
+          <a:bodyPr wrap="none" rtlCol="0">
+            <a:spAutoFit/>
+          </a:bodyPr>
+          <a:lstStyle/>
+          <a:p>
+            <a:r>
+              <a:rPr lang="nl-BE" dirty="0"/>
+              <a:t>Nigel </a:t>
+            </a:r>
+            <a:r>
+              <a:rPr lang="nl-BE" dirty="0" err="1"/>
+              <a:t>Belderbos</a:t>
+            </a:r>
+            <a:endParaRPr lang="nl-BE" dirty="0"/>
+          </a:p>
+          <a:p>
+            <a:pPr marL="342900" indent="-342900">
+              <a:buFont typeface="Arial" panose="020B0604020202020204" pitchFamily="34" charset="0"/>
+              <a:buChar char="•"/>
+            </a:pPr>
+            <a:r>
+              <a:rPr lang="nl-BE" sz="1600" dirty="0">
+                <a:solidFill>
+                  <a:schemeClr val="bg2">
+                    <a:lumMod val="50000"/>
+                  </a:schemeClr>
+                </a:solidFill>
+              </a:rPr>
+              <a:t>Programmeren</a:t>
+            </a:r>
+          </a:p>
+          <a:p>
+            <a:pPr marL="800100" lvl="1" indent="-342900">
+              <a:buFont typeface="Arial" panose="020B0604020202020204" pitchFamily="34" charset="0"/>
+              <a:buChar char="•"/>
+            </a:pPr>
+            <a:r>
+              <a:rPr lang="nl-BE" sz="1600" dirty="0">
+                <a:solidFill>
+                  <a:schemeClr val="bg2">
+                    <a:lumMod val="50000"/>
+                  </a:schemeClr>
+                </a:solidFill>
+              </a:rPr>
+              <a:t>Plastic in The Ocean</a:t>
+            </a:r>
+          </a:p>
+          <a:p>
+            <a:pPr marL="800100" lvl="1" indent="-342900">
+              <a:buFont typeface="Arial" panose="020B0604020202020204" pitchFamily="34" charset="0"/>
+              <a:buChar char="•"/>
+            </a:pPr>
+            <a:r>
+              <a:rPr lang="nl-BE" sz="1600" dirty="0" err="1">
+                <a:solidFill>
+                  <a:schemeClr val="bg2">
+                    <a:lumMod val="50000"/>
+                  </a:schemeClr>
+                </a:solidFill>
+              </a:rPr>
+              <a:t>Forest</a:t>
+            </a:r>
+            <a:r>
+              <a:rPr lang="nl-BE" sz="1600" dirty="0">
+                <a:solidFill>
+                  <a:schemeClr val="bg2">
+                    <a:lumMod val="50000"/>
+                  </a:schemeClr>
+                </a:solidFill>
+              </a:rPr>
+              <a:t> On Fire</a:t>
+            </a:r>
+          </a:p>
+          <a:p>
+            <a:pPr marL="800100" lvl="1" indent="-342900">
+              <a:buFont typeface="Arial" panose="020B0604020202020204" pitchFamily="34" charset="0"/>
+              <a:buChar char="•"/>
+            </a:pPr>
+            <a:r>
+              <a:rPr lang="nl-BE" sz="1600" dirty="0">
+                <a:solidFill>
+                  <a:schemeClr val="bg2">
+                    <a:lumMod val="50000"/>
+                  </a:schemeClr>
+                </a:solidFill>
+              </a:rPr>
+              <a:t>Memory</a:t>
+            </a:r>
+          </a:p>
+          <a:p>
+            <a:pPr marL="800100" lvl="1" indent="-342900">
+              <a:buFont typeface="Arial" panose="020B0604020202020204" pitchFamily="34" charset="0"/>
+              <a:buChar char="•"/>
+            </a:pPr>
+            <a:r>
+              <a:rPr lang="nl-BE" sz="1600" dirty="0">
+                <a:solidFill>
+                  <a:schemeClr val="bg2">
+                    <a:lumMod val="50000"/>
+                  </a:schemeClr>
+                </a:solidFill>
+              </a:rPr>
+              <a:t>Free The Fish</a:t>
+            </a:r>
+          </a:p>
+          <a:p>
+            <a:pPr marL="342900" indent="-342900">
+              <a:buFont typeface="Arial" panose="020B0604020202020204" pitchFamily="34" charset="0"/>
+              <a:buChar char="•"/>
+            </a:pPr>
+            <a:r>
+              <a:rPr lang="nl-BE" sz="1600" dirty="0">
+                <a:solidFill>
+                  <a:schemeClr val="bg2">
+                    <a:lumMod val="50000"/>
+                  </a:schemeClr>
+                </a:solidFill>
+              </a:rPr>
+              <a:t>documentatie</a:t>
+            </a:r>
+          </a:p>
+        </p:txBody>
+      </p:sp>
+      <p:sp>
+        <p:nvSpPr>
+          <p:cNvPr id="6" name="Tekstvak 5">
+            <a:extLst>
+              <a:ext uri="{FF2B5EF4-FFF2-40B4-BE49-F238E27FC236}">
+                <a16:creationId xmlns:a16="http://schemas.microsoft.com/office/drawing/2014/main" id="{52B1FD73-9892-6888-4CA5-99336E02F69E}"/>
+              </a:ext>
+            </a:extLst>
+          </p:cNvPr>
+          <p:cNvSpPr txBox="1"/>
+          <p:nvPr/>
+        </p:nvSpPr>
+        <p:spPr>
+          <a:xfrm>
+            <a:off x="1185770" y="4095840"/>
+            <a:ext cx="3303639" cy="1600438"/>
+          </a:xfrm>
+          <a:prstGeom prst="rect">
+            <a:avLst/>
+          </a:prstGeom>
+          <a:noFill/>
+        </p:spPr>
+        <p:txBody>
+          <a:bodyPr wrap="square">
+            <a:spAutoFit/>
+          </a:bodyPr>
+          <a:lstStyle/>
+          <a:p>
+            <a:r>
+              <a:rPr lang="nl-BE" dirty="0"/>
+              <a:t>Sam De </a:t>
+            </a:r>
+            <a:r>
+              <a:rPr lang="nl-BE" dirty="0" err="1"/>
+              <a:t>Wispelaere</a:t>
+            </a:r>
+            <a:endParaRPr lang="nl-BE" dirty="0"/>
+          </a:p>
+          <a:p>
+            <a:pPr marL="342900" indent="-342900">
+              <a:buFont typeface="Arial" panose="020B0604020202020204" pitchFamily="34" charset="0"/>
+              <a:buChar char="•"/>
+            </a:pPr>
+            <a:r>
+              <a:rPr lang="nl-BE" sz="1600" dirty="0">
+                <a:solidFill>
+                  <a:schemeClr val="bg2">
+                    <a:lumMod val="50000"/>
+                  </a:schemeClr>
+                </a:solidFill>
+              </a:rPr>
+              <a:t>Programmeren</a:t>
+            </a:r>
+          </a:p>
+          <a:p>
+            <a:pPr marL="800100" lvl="1" indent="-342900">
+              <a:buFont typeface="Arial" panose="020B0604020202020204" pitchFamily="34" charset="0"/>
+              <a:buChar char="•"/>
+            </a:pPr>
+            <a:r>
+              <a:rPr lang="nl-BE" sz="1600" dirty="0" err="1">
+                <a:solidFill>
+                  <a:schemeClr val="bg2">
+                    <a:lumMod val="50000"/>
+                  </a:schemeClr>
+                </a:solidFill>
+              </a:rPr>
+              <a:t>Stacking</a:t>
+            </a:r>
+            <a:endParaRPr lang="nl-BE" sz="1600" dirty="0">
+              <a:solidFill>
+                <a:schemeClr val="bg2">
+                  <a:lumMod val="50000"/>
+                </a:schemeClr>
+              </a:solidFill>
+            </a:endParaRPr>
+          </a:p>
+          <a:p>
+            <a:pPr marL="342900" indent="-342900">
+              <a:buFont typeface="Arial" panose="020B0604020202020204" pitchFamily="34" charset="0"/>
+              <a:buChar char="•"/>
+            </a:pPr>
+            <a:r>
+              <a:rPr lang="nl-BE" sz="1600" dirty="0">
+                <a:solidFill>
+                  <a:schemeClr val="bg2">
+                    <a:lumMod val="50000"/>
+                  </a:schemeClr>
+                </a:solidFill>
+              </a:rPr>
+              <a:t>documentatie</a:t>
+            </a:r>
+          </a:p>
+          <a:p>
+            <a:pPr marL="342900" indent="-342900">
+              <a:buFont typeface="Arial" panose="020B0604020202020204" pitchFamily="34" charset="0"/>
+              <a:buChar char="•"/>
+            </a:pPr>
+            <a:r>
+              <a:rPr lang="nl-BE" sz="1600" dirty="0">
+                <a:solidFill>
+                  <a:schemeClr val="bg2">
+                    <a:lumMod val="50000"/>
+                  </a:schemeClr>
+                </a:solidFill>
+              </a:rPr>
+              <a:t>Educatieve video’s</a:t>
+            </a:r>
+          </a:p>
+          <a:p>
+            <a:pPr marL="342900" indent="-342900">
+              <a:buFont typeface="Arial" panose="020B0604020202020204" pitchFamily="34" charset="0"/>
+              <a:buChar char="•"/>
+            </a:pPr>
+            <a:r>
+              <a:rPr lang="nl-BE" sz="1600" dirty="0">
+                <a:solidFill>
+                  <a:schemeClr val="bg2">
+                    <a:lumMod val="50000"/>
+                  </a:schemeClr>
+                </a:solidFill>
+              </a:rPr>
+              <a:t>Sound</a:t>
+            </a:r>
+          </a:p>
+        </p:txBody>
+      </p:sp>
+      <p:sp>
+        <p:nvSpPr>
+          <p:cNvPr id="8" name="Tekstvak 7">
+            <a:extLst>
+              <a:ext uri="{FF2B5EF4-FFF2-40B4-BE49-F238E27FC236}">
+                <a16:creationId xmlns:a16="http://schemas.microsoft.com/office/drawing/2014/main" id="{BCD26A11-4BC7-C628-01EE-3646A9D2F065}"/>
+              </a:ext>
+            </a:extLst>
+          </p:cNvPr>
+          <p:cNvSpPr txBox="1"/>
+          <p:nvPr/>
+        </p:nvSpPr>
+        <p:spPr>
+          <a:xfrm>
+            <a:off x="5609890" y="1856771"/>
+            <a:ext cx="2858238" cy="1354217"/>
+          </a:xfrm>
+          <a:prstGeom prst="rect">
+            <a:avLst/>
+          </a:prstGeom>
+          <a:noFill/>
+        </p:spPr>
+        <p:txBody>
+          <a:bodyPr wrap="square">
+            <a:spAutoFit/>
+          </a:bodyPr>
+          <a:lstStyle/>
+          <a:p>
+            <a:r>
+              <a:rPr lang="nl-BE" dirty="0"/>
+              <a:t>Nikita Vandecasteele</a:t>
+            </a:r>
+          </a:p>
+          <a:p>
+            <a:pPr marL="342900" indent="-342900">
+              <a:buFont typeface="Arial" panose="020B0604020202020204" pitchFamily="34" charset="0"/>
+              <a:buChar char="•"/>
+            </a:pPr>
+            <a:r>
+              <a:rPr lang="nl-BE" sz="1600" dirty="0">
+                <a:solidFill>
+                  <a:schemeClr val="bg2">
+                    <a:lumMod val="50000"/>
+                  </a:schemeClr>
+                </a:solidFill>
+              </a:rPr>
+              <a:t>Programmeren</a:t>
+            </a:r>
+          </a:p>
+          <a:p>
+            <a:pPr marL="800100" lvl="1" indent="-342900">
+              <a:buFont typeface="Arial" panose="020B0604020202020204" pitchFamily="34" charset="0"/>
+              <a:buChar char="•"/>
+            </a:pPr>
+            <a:r>
+              <a:rPr lang="nl-BE" sz="1600" dirty="0">
+                <a:solidFill>
+                  <a:schemeClr val="bg2">
+                    <a:lumMod val="50000"/>
+                  </a:schemeClr>
+                </a:solidFill>
+              </a:rPr>
+              <a:t>Oil </a:t>
+            </a:r>
+            <a:r>
+              <a:rPr lang="nl-BE" sz="1600" dirty="0" err="1">
+                <a:solidFill>
+                  <a:schemeClr val="bg2">
+                    <a:lumMod val="50000"/>
+                  </a:schemeClr>
+                </a:solidFill>
+              </a:rPr>
+              <a:t>Cleanup</a:t>
+            </a:r>
+            <a:r>
+              <a:rPr lang="nl-BE" sz="1600" dirty="0">
+                <a:solidFill>
+                  <a:schemeClr val="bg2">
+                    <a:lumMod val="50000"/>
+                  </a:schemeClr>
+                </a:solidFill>
+              </a:rPr>
+              <a:t> </a:t>
+            </a:r>
+          </a:p>
+          <a:p>
+            <a:pPr marL="342900" indent="-342900">
+              <a:buFont typeface="Arial" panose="020B0604020202020204" pitchFamily="34" charset="0"/>
+              <a:buChar char="•"/>
+            </a:pPr>
+            <a:r>
+              <a:rPr lang="nl-BE" sz="1600" dirty="0">
+                <a:solidFill>
+                  <a:schemeClr val="bg2">
+                    <a:lumMod val="50000"/>
+                  </a:schemeClr>
+                </a:solidFill>
+              </a:rPr>
+              <a:t>documentatie</a:t>
+            </a:r>
+          </a:p>
+          <a:p>
+            <a:pPr marL="342900" indent="-342900">
+              <a:buFont typeface="Arial" panose="020B0604020202020204" pitchFamily="34" charset="0"/>
+              <a:buChar char="•"/>
+            </a:pPr>
+            <a:r>
+              <a:rPr lang="nl-BE" sz="1600" dirty="0">
+                <a:solidFill>
+                  <a:schemeClr val="bg2">
+                    <a:lumMod val="50000"/>
+                  </a:schemeClr>
+                </a:solidFill>
+              </a:rPr>
+              <a:t>Sprites tekenen</a:t>
+            </a:r>
+          </a:p>
+        </p:txBody>
+      </p:sp>
+      <p:sp>
+        <p:nvSpPr>
+          <p:cNvPr id="10" name="Tekstvak 9">
+            <a:extLst>
+              <a:ext uri="{FF2B5EF4-FFF2-40B4-BE49-F238E27FC236}">
+                <a16:creationId xmlns:a16="http://schemas.microsoft.com/office/drawing/2014/main" id="{E0BDE6A6-CCB6-4FA7-A85C-D8DA92BC92BD}"/>
+              </a:ext>
+            </a:extLst>
+          </p:cNvPr>
+          <p:cNvSpPr txBox="1"/>
+          <p:nvPr/>
+        </p:nvSpPr>
+        <p:spPr>
+          <a:xfrm>
+            <a:off x="5760719" y="4095840"/>
+            <a:ext cx="3779207" cy="1354217"/>
+          </a:xfrm>
+          <a:prstGeom prst="rect">
+            <a:avLst/>
+          </a:prstGeom>
+          <a:noFill/>
+        </p:spPr>
+        <p:txBody>
+          <a:bodyPr wrap="square">
+            <a:spAutoFit/>
+          </a:bodyPr>
+          <a:lstStyle/>
+          <a:p>
+            <a:r>
+              <a:rPr lang="nl-BE" dirty="0"/>
+              <a:t>Colin </a:t>
+            </a:r>
+            <a:r>
+              <a:rPr lang="nl-BE" dirty="0" err="1"/>
+              <a:t>Bossuyt</a:t>
+            </a:r>
+            <a:endParaRPr lang="nl-BE" dirty="0"/>
+          </a:p>
+          <a:p>
+            <a:pPr marL="342900" indent="-342900">
+              <a:buFont typeface="Arial" panose="020B0604020202020204" pitchFamily="34" charset="0"/>
+              <a:buChar char="•"/>
+            </a:pPr>
+            <a:r>
+              <a:rPr lang="nl-BE" sz="1600" dirty="0">
+                <a:solidFill>
+                  <a:schemeClr val="bg2">
+                    <a:lumMod val="50000"/>
+                  </a:schemeClr>
+                </a:solidFill>
+              </a:rPr>
+              <a:t>Programmeren</a:t>
+            </a:r>
+          </a:p>
+          <a:p>
+            <a:pPr marL="800100" lvl="1" indent="-342900">
+              <a:buFont typeface="Arial" panose="020B0604020202020204" pitchFamily="34" charset="0"/>
+              <a:buChar char="•"/>
+            </a:pPr>
+            <a:r>
+              <a:rPr lang="nl-BE" sz="1600" dirty="0" err="1">
+                <a:solidFill>
+                  <a:schemeClr val="bg2">
+                    <a:lumMod val="50000"/>
+                  </a:schemeClr>
+                </a:solidFill>
+              </a:rPr>
+              <a:t>Factory</a:t>
+            </a:r>
+            <a:r>
+              <a:rPr lang="nl-BE" sz="1600" dirty="0">
+                <a:solidFill>
+                  <a:schemeClr val="bg2">
+                    <a:lumMod val="50000"/>
+                  </a:schemeClr>
+                </a:solidFill>
+              </a:rPr>
+              <a:t> </a:t>
+            </a:r>
+            <a:r>
+              <a:rPr lang="nl-BE" sz="1600" dirty="0" err="1">
+                <a:solidFill>
+                  <a:schemeClr val="bg2">
+                    <a:lumMod val="50000"/>
+                  </a:schemeClr>
+                </a:solidFill>
+              </a:rPr>
+              <a:t>Wrecking</a:t>
+            </a:r>
+            <a:endParaRPr lang="nl-BE" sz="1600" dirty="0">
+              <a:solidFill>
+                <a:schemeClr val="bg2">
+                  <a:lumMod val="50000"/>
+                </a:schemeClr>
+              </a:solidFill>
+            </a:endParaRPr>
+          </a:p>
+          <a:p>
+            <a:pPr marL="800100" lvl="1" indent="-342900">
+              <a:buFont typeface="Arial" panose="020B0604020202020204" pitchFamily="34" charset="0"/>
+              <a:buChar char="•"/>
+            </a:pPr>
+            <a:r>
+              <a:rPr lang="nl-BE" sz="1600" dirty="0" err="1">
+                <a:solidFill>
+                  <a:schemeClr val="bg2">
+                    <a:lumMod val="50000"/>
+                  </a:schemeClr>
+                </a:solidFill>
+              </a:rPr>
+              <a:t>Overlay</a:t>
+            </a:r>
+            <a:r>
+              <a:rPr lang="nl-BE" sz="1600" dirty="0">
+                <a:solidFill>
+                  <a:schemeClr val="bg2">
+                    <a:lumMod val="50000"/>
+                  </a:schemeClr>
+                </a:solidFill>
+              </a:rPr>
+              <a:t> / </a:t>
+            </a:r>
+            <a:r>
+              <a:rPr lang="nl-BE" sz="1600" dirty="0" err="1">
+                <a:solidFill>
+                  <a:schemeClr val="bg2">
+                    <a:lumMod val="50000"/>
+                  </a:schemeClr>
+                </a:solidFill>
+              </a:rPr>
+              <a:t>settings</a:t>
+            </a:r>
+            <a:endParaRPr lang="nl-BE" sz="1600" dirty="0">
+              <a:solidFill>
+                <a:schemeClr val="bg2">
+                  <a:lumMod val="50000"/>
+                </a:schemeClr>
+              </a:solidFill>
+            </a:endParaRPr>
+          </a:p>
+          <a:p>
+            <a:pPr marL="342900" indent="-342900">
+              <a:buFont typeface="Arial" panose="020B0604020202020204" pitchFamily="34" charset="0"/>
+              <a:buChar char="•"/>
+            </a:pPr>
+            <a:r>
+              <a:rPr lang="nl-BE" sz="1600" dirty="0">
+                <a:solidFill>
+                  <a:schemeClr val="bg2">
+                    <a:lumMod val="50000"/>
+                  </a:schemeClr>
+                </a:solidFill>
+              </a:rPr>
+              <a:t>documentatie</a:t>
+            </a:r>
+          </a:p>
+        </p:txBody>
+      </p:sp>
+    </p:spTree>
+    <p:extLst>
+      <p:ext uri="{BB962C8B-B14F-4D97-AF65-F5344CB8AC3E}">
+        <p14:creationId xmlns:p14="http://schemas.microsoft.com/office/powerpoint/2010/main" val="2994098736"/>
+      </p:ext>
+    </p:extLst>
+  </p:cSld>
+  <p:clrMapOvr>
+    <a:masterClrMapping/>
+  </p:clrMapOvr>
+</p:sld>
+</file>
+
+<file path=ppt/slides/slide5.xml><?xml version="1.0" encoding="utf-8"?>
 <p:sld xmlns:a="http://schemas.openxmlformats.org/drawingml/2006/main" xmlns:r="http://schemas.openxmlformats.org/officeDocument/2006/relationships" xmlns:p="http://schemas.openxmlformats.org/presentationml/2006/main">
   <p:cSld>
     <p:spTree>
@@ -7033,234 +7589,6 @@
     <p:extLst>
       <p:ext uri="{BB962C8B-B14F-4D97-AF65-F5344CB8AC3E}">
         <p14:creationId xmlns:p14="http://schemas.microsoft.com/office/powerpoint/2010/main" val="113211239"/>
-      </p:ext>
-    </p:extLst>
-  </p:cSld>
-  <p:clrMapOvr>
-    <a:masterClrMapping/>
-  </p:clrMapOvr>
-</p:sld>
-</file>
-
-<file path=ppt/slides/slide5.xml><?xml version="1.0" encoding="utf-8"?>
-<p:sld xmlns:a="http://schemas.openxmlformats.org/drawingml/2006/main" xmlns:r="http://schemas.openxmlformats.org/officeDocument/2006/relationships" xmlns:p="http://schemas.openxmlformats.org/presentationml/2006/main">
-  <p:cSld>
-    <p:spTree>
-      <p:nvGrpSpPr>
-        <p:cNvPr id="1" name=""/>
-        <p:cNvGrpSpPr/>
-        <p:nvPr/>
-      </p:nvGrpSpPr>
-      <p:grpSpPr>
-        <a:xfrm>
-          <a:off x="0" y="0"/>
-          <a:ext cx="0" cy="0"/>
-          <a:chOff x="0" y="0"/>
-          <a:chExt cx="0" cy="0"/>
-        </a:xfrm>
-      </p:grpSpPr>
-      <p:sp>
-        <p:nvSpPr>
-          <p:cNvPr id="2" name="Titel 1">
-            <a:extLst>
-              <a:ext uri="{FF2B5EF4-FFF2-40B4-BE49-F238E27FC236}">
-                <a16:creationId xmlns:a16="http://schemas.microsoft.com/office/drawing/2014/main" id="{7C473856-F2B7-903F-8C66-5CD2DD33EDDF}"/>
-              </a:ext>
-            </a:extLst>
-          </p:cNvPr>
-          <p:cNvSpPr>
-            <a:spLocks noGrp="1"/>
-          </p:cNvSpPr>
-          <p:nvPr>
-            <p:ph type="title"/>
-          </p:nvPr>
-        </p:nvSpPr>
-        <p:spPr>
-          <a:xfrm>
-            <a:off x="605835" y="481389"/>
-            <a:ext cx="8534400" cy="1507067"/>
-          </a:xfrm>
-        </p:spPr>
-        <p:txBody>
-          <a:bodyPr/>
-          <a:lstStyle/>
-          <a:p>
-            <a:r>
-              <a:rPr lang="nl-BE" dirty="0"/>
-              <a:t>Het bos</a:t>
-            </a:r>
-          </a:p>
-        </p:txBody>
-      </p:sp>
-      <p:pic>
-        <p:nvPicPr>
-          <p:cNvPr id="3" name="Picture 2" descr="flappy image">
-            <a:extLst>
-              <a:ext uri="{FF2B5EF4-FFF2-40B4-BE49-F238E27FC236}">
-                <a16:creationId xmlns:a16="http://schemas.microsoft.com/office/drawing/2014/main" id="{6C4CCE83-6D88-57D7-094B-233A5AD65179}"/>
-              </a:ext>
-            </a:extLst>
-          </p:cNvPr>
-          <p:cNvPicPr>
-            <a:picLocks noChangeAspect="1" noChangeArrowheads="1"/>
-          </p:cNvPicPr>
-          <p:nvPr/>
-        </p:nvPicPr>
-        <p:blipFill rotWithShape="1">
-          <a:blip r:embed="rId2">
-            <a:extLst>
-              <a:ext uri="{28A0092B-C50C-407E-A947-70E740481C1C}">
-                <a14:useLocalDpi xmlns:a14="http://schemas.microsoft.com/office/drawing/2010/main" val="0"/>
-              </a:ext>
-            </a:extLst>
-          </a:blip>
-          <a:srcRect l="31183" t="2216" r="2412" b="4099"/>
-          <a:stretch/>
-        </p:blipFill>
-        <p:spPr bwMode="auto">
-          <a:xfrm>
-            <a:off x="1006993" y="3427962"/>
-            <a:ext cx="3149503" cy="2499312"/>
-          </a:xfrm>
-          <a:custGeom>
-            <a:avLst/>
-            <a:gdLst/>
-            <a:ahLst/>
-            <a:cxnLst/>
-            <a:rect l="l" t="t" r="r" b="b"/>
-            <a:pathLst>
-              <a:path w="6245352" h="4956048">
-                <a:moveTo>
-                  <a:pt x="534609" y="0"/>
-                </a:moveTo>
-                <a:lnTo>
-                  <a:pt x="6245352" y="0"/>
-                </a:lnTo>
-                <a:lnTo>
-                  <a:pt x="6245352" y="4421439"/>
-                </a:lnTo>
-                <a:lnTo>
-                  <a:pt x="5710743" y="4956048"/>
-                </a:lnTo>
-                <a:lnTo>
-                  <a:pt x="0" y="4956048"/>
-                </a:lnTo>
-                <a:lnTo>
-                  <a:pt x="0" y="534609"/>
-                </a:lnTo>
-                <a:close/>
-              </a:path>
-            </a:pathLst>
-          </a:custGeom>
-          <a:noFill/>
-          <a:ln w="76200">
-            <a:solidFill>
-              <a:schemeClr val="tx1"/>
-            </a:solidFill>
-          </a:ln>
-          <a:effectLst>
-            <a:innerShdw blurRad="63500" dist="50800" dir="13500000">
-              <a:prstClr val="black">
-                <a:alpha val="50000"/>
-              </a:prstClr>
-            </a:innerShdw>
-          </a:effectLst>
-          <a:extLst>
-            <a:ext uri="{909E8E84-426E-40DD-AFC4-6F175D3DCCD1}">
-              <a14:hiddenFill xmlns:a14="http://schemas.microsoft.com/office/drawing/2010/main">
-                <a:solidFill>
-                  <a:srgbClr val="FFFFFF"/>
-                </a:solidFill>
-              </a14:hiddenFill>
-            </a:ext>
-          </a:extLst>
-        </p:spPr>
-      </p:pic>
-      <p:sp>
-        <p:nvSpPr>
-          <p:cNvPr id="5" name="Tekstvak 4">
-            <a:extLst>
-              <a:ext uri="{FF2B5EF4-FFF2-40B4-BE49-F238E27FC236}">
-                <a16:creationId xmlns:a16="http://schemas.microsoft.com/office/drawing/2014/main" id="{99C70B73-C9AE-F2C0-7CB8-FF1622D31D96}"/>
-              </a:ext>
-            </a:extLst>
-          </p:cNvPr>
-          <p:cNvSpPr txBox="1"/>
-          <p:nvPr/>
-        </p:nvSpPr>
-        <p:spPr>
-          <a:xfrm>
-            <a:off x="1006993" y="1920895"/>
-            <a:ext cx="3400108" cy="1508105"/>
-          </a:xfrm>
-          <a:prstGeom prst="rect">
-            <a:avLst/>
-          </a:prstGeom>
-          <a:noFill/>
-        </p:spPr>
-        <p:txBody>
-          <a:bodyPr wrap="square" rtlCol="0">
-            <a:spAutoFit/>
-          </a:bodyPr>
-          <a:lstStyle/>
-          <a:p>
-            <a:r>
-              <a:rPr lang="en-US" sz="1800" dirty="0" err="1"/>
-              <a:t>flappytree</a:t>
-            </a:r>
-            <a:endParaRPr lang="en-US" sz="1800" dirty="0"/>
-          </a:p>
-          <a:p>
-            <a:pPr>
-              <a:buFont typeface="Wingdings 3" panose="05040102010807070707" pitchFamily="18" charset="2"/>
-              <a:buChar char=""/>
-            </a:pPr>
-            <a:r>
-              <a:rPr lang="nl-NL" sz="1400" dirty="0">
-                <a:solidFill>
-                  <a:schemeClr val="bg2">
-                    <a:lumMod val="50000"/>
-                  </a:schemeClr>
-                </a:solidFill>
-              </a:rPr>
-              <a:t>Doel: Navigeer een vogel door een brandend bos.</a:t>
-            </a:r>
-          </a:p>
-          <a:p>
-            <a:pPr>
-              <a:buFont typeface="Wingdings 3" panose="05040102010807070707" pitchFamily="18" charset="2"/>
-              <a:buChar char=""/>
-            </a:pPr>
-            <a:r>
-              <a:rPr lang="nl-NL" sz="1400" dirty="0">
-                <a:solidFill>
-                  <a:schemeClr val="bg2">
-                    <a:lumMod val="50000"/>
-                  </a:schemeClr>
-                </a:solidFill>
-              </a:rPr>
-              <a:t>Bewustzijn: illustreert de impact van bosbranden</a:t>
-            </a:r>
-            <a:r>
-              <a:rPr lang="en-US" sz="1400" dirty="0">
-                <a:solidFill>
-                  <a:schemeClr val="bg2">
-                    <a:lumMod val="50000"/>
-                  </a:schemeClr>
-                </a:solidFill>
-              </a:rPr>
-              <a:t>.</a:t>
-            </a:r>
-          </a:p>
-          <a:p>
-            <a:endParaRPr lang="nl-BE" dirty="0"/>
-          </a:p>
-        </p:txBody>
-      </p:sp>
-    </p:spTree>
-    <p:extLst>
-      <p:ext uri="{BB962C8B-B14F-4D97-AF65-F5344CB8AC3E}">
-        <p14:creationId xmlns:p14="http://schemas.microsoft.com/office/powerpoint/2010/main" val="1302534092"/>
       </p:ext>
     </p:extLst>
   </p:cSld>
@@ -7659,6 +7987,234 @@
 </file>
 
 <file path=ppt/slides/slide7.xml><?xml version="1.0" encoding="utf-8"?>
+<p:sld xmlns:a="http://schemas.openxmlformats.org/drawingml/2006/main" xmlns:r="http://schemas.openxmlformats.org/officeDocument/2006/relationships" xmlns:p="http://schemas.openxmlformats.org/presentationml/2006/main">
+  <p:cSld>
+    <p:spTree>
+      <p:nvGrpSpPr>
+        <p:cNvPr id="1" name=""/>
+        <p:cNvGrpSpPr/>
+        <p:nvPr/>
+      </p:nvGrpSpPr>
+      <p:grpSpPr>
+        <a:xfrm>
+          <a:off x="0" y="0"/>
+          <a:ext cx="0" cy="0"/>
+          <a:chOff x="0" y="0"/>
+          <a:chExt cx="0" cy="0"/>
+        </a:xfrm>
+      </p:grpSpPr>
+      <p:sp>
+        <p:nvSpPr>
+          <p:cNvPr id="2" name="Titel 1">
+            <a:extLst>
+              <a:ext uri="{FF2B5EF4-FFF2-40B4-BE49-F238E27FC236}">
+                <a16:creationId xmlns:a16="http://schemas.microsoft.com/office/drawing/2014/main" id="{7C473856-F2B7-903F-8C66-5CD2DD33EDDF}"/>
+              </a:ext>
+            </a:extLst>
+          </p:cNvPr>
+          <p:cNvSpPr>
+            <a:spLocks noGrp="1"/>
+          </p:cNvSpPr>
+          <p:nvPr>
+            <p:ph type="title"/>
+          </p:nvPr>
+        </p:nvSpPr>
+        <p:spPr>
+          <a:xfrm>
+            <a:off x="605835" y="481389"/>
+            <a:ext cx="8534400" cy="1507067"/>
+          </a:xfrm>
+        </p:spPr>
+        <p:txBody>
+          <a:bodyPr/>
+          <a:lstStyle/>
+          <a:p>
+            <a:r>
+              <a:rPr lang="nl-BE" dirty="0"/>
+              <a:t>Het bos</a:t>
+            </a:r>
+          </a:p>
+        </p:txBody>
+      </p:sp>
+      <p:pic>
+        <p:nvPicPr>
+          <p:cNvPr id="3" name="Picture 2" descr="flappy image">
+            <a:extLst>
+              <a:ext uri="{FF2B5EF4-FFF2-40B4-BE49-F238E27FC236}">
+                <a16:creationId xmlns:a16="http://schemas.microsoft.com/office/drawing/2014/main" id="{6C4CCE83-6D88-57D7-094B-233A5AD65179}"/>
+              </a:ext>
+            </a:extLst>
+          </p:cNvPr>
+          <p:cNvPicPr>
+            <a:picLocks noChangeAspect="1" noChangeArrowheads="1"/>
+          </p:cNvPicPr>
+          <p:nvPr/>
+        </p:nvPicPr>
+        <p:blipFill rotWithShape="1">
+          <a:blip r:embed="rId2">
+            <a:extLst>
+              <a:ext uri="{28A0092B-C50C-407E-A947-70E740481C1C}">
+                <a14:useLocalDpi xmlns:a14="http://schemas.microsoft.com/office/drawing/2010/main" val="0"/>
+              </a:ext>
+            </a:extLst>
+          </a:blip>
+          <a:srcRect l="31183" t="2216" r="2412" b="4099"/>
+          <a:stretch/>
+        </p:blipFill>
+        <p:spPr bwMode="auto">
+          <a:xfrm>
+            <a:off x="1006993" y="3427962"/>
+            <a:ext cx="3149503" cy="2499312"/>
+          </a:xfrm>
+          <a:custGeom>
+            <a:avLst/>
+            <a:gdLst/>
+            <a:ahLst/>
+            <a:cxnLst/>
+            <a:rect l="l" t="t" r="r" b="b"/>
+            <a:pathLst>
+              <a:path w="6245352" h="4956048">
+                <a:moveTo>
+                  <a:pt x="534609" y="0"/>
+                </a:moveTo>
+                <a:lnTo>
+                  <a:pt x="6245352" y="0"/>
+                </a:lnTo>
+                <a:lnTo>
+                  <a:pt x="6245352" y="4421439"/>
+                </a:lnTo>
+                <a:lnTo>
+                  <a:pt x="5710743" y="4956048"/>
+                </a:lnTo>
+                <a:lnTo>
+                  <a:pt x="0" y="4956048"/>
+                </a:lnTo>
+                <a:lnTo>
+                  <a:pt x="0" y="534609"/>
+                </a:lnTo>
+                <a:close/>
+              </a:path>
+            </a:pathLst>
+          </a:custGeom>
+          <a:noFill/>
+          <a:ln w="76200">
+            <a:solidFill>
+              <a:schemeClr val="tx1"/>
+            </a:solidFill>
+          </a:ln>
+          <a:effectLst>
+            <a:innerShdw blurRad="63500" dist="50800" dir="13500000">
+              <a:prstClr val="black">
+                <a:alpha val="50000"/>
+              </a:prstClr>
+            </a:innerShdw>
+          </a:effectLst>
+          <a:extLst>
+            <a:ext uri="{909E8E84-426E-40DD-AFC4-6F175D3DCCD1}">
+              <a14:hiddenFill xmlns:a14="http://schemas.microsoft.com/office/drawing/2010/main">
+                <a:solidFill>
+                  <a:srgbClr val="FFFFFF"/>
+                </a:solidFill>
+              </a14:hiddenFill>
+            </a:ext>
+          </a:extLst>
+        </p:spPr>
+      </p:pic>
+      <p:sp>
+        <p:nvSpPr>
+          <p:cNvPr id="5" name="Tekstvak 4">
+            <a:extLst>
+              <a:ext uri="{FF2B5EF4-FFF2-40B4-BE49-F238E27FC236}">
+                <a16:creationId xmlns:a16="http://schemas.microsoft.com/office/drawing/2014/main" id="{99C70B73-C9AE-F2C0-7CB8-FF1622D31D96}"/>
+              </a:ext>
+            </a:extLst>
+          </p:cNvPr>
+          <p:cNvSpPr txBox="1"/>
+          <p:nvPr/>
+        </p:nvSpPr>
+        <p:spPr>
+          <a:xfrm>
+            <a:off x="1006993" y="1920895"/>
+            <a:ext cx="3400108" cy="1508105"/>
+          </a:xfrm>
+          <a:prstGeom prst="rect">
+            <a:avLst/>
+          </a:prstGeom>
+          <a:noFill/>
+        </p:spPr>
+        <p:txBody>
+          <a:bodyPr wrap="square" rtlCol="0">
+            <a:spAutoFit/>
+          </a:bodyPr>
+          <a:lstStyle/>
+          <a:p>
+            <a:r>
+              <a:rPr lang="en-US" sz="1800" dirty="0" err="1"/>
+              <a:t>flappytree</a:t>
+            </a:r>
+            <a:endParaRPr lang="en-US" sz="1800" dirty="0"/>
+          </a:p>
+          <a:p>
+            <a:pPr>
+              <a:buFont typeface="Wingdings 3" panose="05040102010807070707" pitchFamily="18" charset="2"/>
+              <a:buChar char=""/>
+            </a:pPr>
+            <a:r>
+              <a:rPr lang="nl-NL" sz="1400" dirty="0">
+                <a:solidFill>
+                  <a:schemeClr val="bg2">
+                    <a:lumMod val="50000"/>
+                  </a:schemeClr>
+                </a:solidFill>
+              </a:rPr>
+              <a:t>Doel: Navigeer een vogel door een brandend bos.</a:t>
+            </a:r>
+          </a:p>
+          <a:p>
+            <a:pPr>
+              <a:buFont typeface="Wingdings 3" panose="05040102010807070707" pitchFamily="18" charset="2"/>
+              <a:buChar char=""/>
+            </a:pPr>
+            <a:r>
+              <a:rPr lang="nl-NL" sz="1400" dirty="0">
+                <a:solidFill>
+                  <a:schemeClr val="bg2">
+                    <a:lumMod val="50000"/>
+                  </a:schemeClr>
+                </a:solidFill>
+              </a:rPr>
+              <a:t>Bewustzijn: illustreert de impact van bosbranden</a:t>
+            </a:r>
+            <a:r>
+              <a:rPr lang="en-US" sz="1400" dirty="0">
+                <a:solidFill>
+                  <a:schemeClr val="bg2">
+                    <a:lumMod val="50000"/>
+                  </a:schemeClr>
+                </a:solidFill>
+              </a:rPr>
+              <a:t>.</a:t>
+            </a:r>
+          </a:p>
+          <a:p>
+            <a:endParaRPr lang="nl-BE" dirty="0"/>
+          </a:p>
+        </p:txBody>
+      </p:sp>
+    </p:spTree>
+    <p:extLst>
+      <p:ext uri="{BB962C8B-B14F-4D97-AF65-F5344CB8AC3E}">
+        <p14:creationId xmlns:p14="http://schemas.microsoft.com/office/powerpoint/2010/main" val="1302534092"/>
+      </p:ext>
+    </p:extLst>
+  </p:cSld>
+  <p:clrMapOvr>
+    <a:masterClrMapping/>
+  </p:clrMapOvr>
+</p:sld>
+</file>
+
+<file path=ppt/slides/slide8.xml><?xml version="1.0" encoding="utf-8"?>
 <p:sld xmlns:a="http://schemas.openxmlformats.org/drawingml/2006/main" xmlns:r="http://schemas.openxmlformats.org/officeDocument/2006/relationships" xmlns:p="http://schemas.openxmlformats.org/presentationml/2006/main">
   <p:cSld>
     <p:spTree>
@@ -7886,177 +8442,6 @@
 </p:sld>
 </file>
 
-<file path=ppt/slides/slide8.xml><?xml version="1.0" encoding="utf-8"?>
-<p:sld xmlns:a="http://schemas.openxmlformats.org/drawingml/2006/main" xmlns:r="http://schemas.openxmlformats.org/officeDocument/2006/relationships" xmlns:p="http://schemas.openxmlformats.org/presentationml/2006/main">
-  <p:cSld>
-    <p:spTree>
-      <p:nvGrpSpPr>
-        <p:cNvPr id="1" name=""/>
-        <p:cNvGrpSpPr/>
-        <p:nvPr/>
-      </p:nvGrpSpPr>
-      <p:grpSpPr>
-        <a:xfrm>
-          <a:off x="0" y="0"/>
-          <a:ext cx="0" cy="0"/>
-          <a:chOff x="0" y="0"/>
-          <a:chExt cx="0" cy="0"/>
-        </a:xfrm>
-      </p:grpSpPr>
-      <p:sp>
-        <p:nvSpPr>
-          <p:cNvPr id="2" name="Titel 1">
-            <a:extLst>
-              <a:ext uri="{FF2B5EF4-FFF2-40B4-BE49-F238E27FC236}">
-                <a16:creationId xmlns:a16="http://schemas.microsoft.com/office/drawing/2014/main" id="{EDF0A556-C1C6-38CE-201D-DED438F2D434}"/>
-              </a:ext>
-            </a:extLst>
-          </p:cNvPr>
-          <p:cNvSpPr>
-            <a:spLocks noGrp="1"/>
-          </p:cNvSpPr>
-          <p:nvPr>
-            <p:ph type="title"/>
-          </p:nvPr>
-        </p:nvSpPr>
-        <p:spPr>
-          <a:xfrm>
-            <a:off x="625219" y="605556"/>
-            <a:ext cx="8534400" cy="1507067"/>
-          </a:xfrm>
-        </p:spPr>
-        <p:txBody>
-          <a:bodyPr/>
-          <a:lstStyle/>
-          <a:p>
-            <a:r>
-              <a:rPr lang="nl-NL" dirty="0"/>
-              <a:t>Educatieve video’s</a:t>
-            </a:r>
-            <a:endParaRPr lang="nl-BE" dirty="0"/>
-          </a:p>
-        </p:txBody>
-      </p:sp>
-      <p:sp>
-        <p:nvSpPr>
-          <p:cNvPr id="4" name="Tekstvak 3">
-            <a:extLst>
-              <a:ext uri="{FF2B5EF4-FFF2-40B4-BE49-F238E27FC236}">
-                <a16:creationId xmlns:a16="http://schemas.microsoft.com/office/drawing/2014/main" id="{46EFFAEC-17B8-CED3-50E0-762CC5CB98C9}"/>
-              </a:ext>
-            </a:extLst>
-          </p:cNvPr>
-          <p:cNvSpPr txBox="1"/>
-          <p:nvPr/>
-        </p:nvSpPr>
-        <p:spPr>
-          <a:xfrm>
-            <a:off x="1028790" y="2489528"/>
-            <a:ext cx="3400290" cy="969496"/>
-          </a:xfrm>
-          <a:prstGeom prst="rect">
-            <a:avLst/>
-          </a:prstGeom>
-          <a:noFill/>
-        </p:spPr>
-        <p:txBody>
-          <a:bodyPr wrap="none" rtlCol="0">
-            <a:spAutoFit/>
-          </a:bodyPr>
-          <a:lstStyle/>
-          <a:p>
-            <a:pPr marL="285750" indent="-285750">
-              <a:buFont typeface="Arial" panose="020B0604020202020204" pitchFamily="34" charset="0"/>
-              <a:buChar char="•"/>
-            </a:pPr>
-            <a:r>
-              <a:rPr lang="nl-BE" dirty="0">
-                <a:solidFill>
-                  <a:schemeClr val="bg2">
-                    <a:lumMod val="50000"/>
-                  </a:schemeClr>
-                </a:solidFill>
-              </a:rPr>
-              <a:t>Ai </a:t>
-            </a:r>
-            <a:r>
-              <a:rPr lang="nl-BE" sz="1900" dirty="0">
-                <a:solidFill>
-                  <a:schemeClr val="bg2">
-                    <a:lumMod val="50000"/>
-                  </a:schemeClr>
-                </a:solidFill>
-              </a:rPr>
-              <a:t>tekst </a:t>
-            </a:r>
-            <a:r>
-              <a:rPr lang="nl-BE" sz="1900" dirty="0" err="1">
-                <a:solidFill>
-                  <a:schemeClr val="bg2">
-                    <a:lumMod val="50000"/>
-                  </a:schemeClr>
-                </a:solidFill>
-              </a:rPr>
-              <a:t>to</a:t>
-            </a:r>
-            <a:r>
-              <a:rPr lang="nl-BE" sz="1900" dirty="0">
-                <a:solidFill>
-                  <a:schemeClr val="bg2">
-                    <a:lumMod val="50000"/>
-                  </a:schemeClr>
-                </a:solidFill>
-              </a:rPr>
-              <a:t> speech</a:t>
-            </a:r>
-          </a:p>
-          <a:p>
-            <a:pPr marL="285750" indent="-285750">
-              <a:buFont typeface="Arial" panose="020B0604020202020204" pitchFamily="34" charset="0"/>
-              <a:buChar char="•"/>
-            </a:pPr>
-            <a:r>
-              <a:rPr lang="nl-BE" sz="1900" dirty="0">
-                <a:solidFill>
-                  <a:schemeClr val="bg2">
-                    <a:lumMod val="50000"/>
-                  </a:schemeClr>
-                </a:solidFill>
-              </a:rPr>
-              <a:t>Diavoorstelling van foto's</a:t>
-            </a:r>
-          </a:p>
-          <a:p>
-            <a:pPr marL="285750" indent="-285750">
-              <a:buFont typeface="Arial" panose="020B0604020202020204" pitchFamily="34" charset="0"/>
-              <a:buChar char="•"/>
-            </a:pPr>
-            <a:r>
-              <a:rPr lang="nl-BE" sz="1900" dirty="0">
-                <a:solidFill>
-                  <a:schemeClr val="bg2">
-                    <a:lumMod val="50000"/>
-                  </a:schemeClr>
-                </a:solidFill>
-              </a:rPr>
-              <a:t>1 – 1.30 min</a:t>
-            </a:r>
-          </a:p>
-        </p:txBody>
-      </p:sp>
-    </p:spTree>
-    <p:extLst>
-      <p:ext uri="{BB962C8B-B14F-4D97-AF65-F5344CB8AC3E}">
-        <p14:creationId xmlns:p14="http://schemas.microsoft.com/office/powerpoint/2010/main" val="2631689725"/>
-      </p:ext>
-    </p:extLst>
-  </p:cSld>
-  <p:clrMapOvr>
-    <a:masterClrMapping/>
-  </p:clrMapOvr>
-</p:sld>
-</file>
-
 <file path=ppt/slides/slide9.xml><?xml version="1.0" encoding="utf-8"?>
 <p:sld xmlns:a="http://schemas.openxmlformats.org/drawingml/2006/main" xmlns:r="http://schemas.openxmlformats.org/officeDocument/2006/relationships" xmlns:p="http://schemas.openxmlformats.org/presentationml/2006/main">
   <p:cSld>
@@ -8076,10 +8461,10 @@
       </p:grpSpPr>
       <p:sp>
         <p:nvSpPr>
-          <p:cNvPr id="2" name="Title 1">
+          <p:cNvPr id="2" name="Titel 1">
             <a:extLst>
               <a:ext uri="{FF2B5EF4-FFF2-40B4-BE49-F238E27FC236}">
-                <a16:creationId xmlns:a16="http://schemas.microsoft.com/office/drawing/2014/main" id="{2EC8E974-47D8-5491-8701-03630A55E847}"/>
+                <a16:creationId xmlns:a16="http://schemas.microsoft.com/office/drawing/2014/main" id="{EDF0A556-C1C6-38CE-201D-DED438F2D434}"/>
               </a:ext>
             </a:extLst>
           </p:cNvPr>
@@ -8090,46 +8475,53 @@
             <p:ph type="title"/>
           </p:nvPr>
         </p:nvSpPr>
-        <p:spPr/>
+        <p:spPr>
+          <a:xfrm>
+            <a:off x="625219" y="605556"/>
+            <a:ext cx="8534400" cy="1507067"/>
+          </a:xfrm>
+        </p:spPr>
         <p:txBody>
           <a:bodyPr/>
           <a:lstStyle/>
           <a:p>
             <a:r>
-              <a:rPr lang="nl-BE" dirty="0"/>
-              <a:t>uitbreidingen</a:t>
-            </a:r>
-            <a:endParaRPr lang="LID4096" dirty="0"/>
-          </a:p>
-        </p:txBody>
-      </p:sp>
-      <p:sp>
-        <p:nvSpPr>
-          <p:cNvPr id="3" name="Text Placeholder 2">
+              <a:rPr lang="nl-NL" dirty="0"/>
+              <a:t>Educatieve video’s</a:t>
+            </a:r>
+            <a:endParaRPr lang="nl-BE" dirty="0"/>
+          </a:p>
+        </p:txBody>
+      </p:sp>
+      <p:sp>
+        <p:nvSpPr>
+          <p:cNvPr id="4" name="Tekstvak 3">
             <a:extLst>
               <a:ext uri="{FF2B5EF4-FFF2-40B4-BE49-F238E27FC236}">
-                <a16:creationId xmlns:a16="http://schemas.microsoft.com/office/drawing/2014/main" id="{C1BF6C26-BD4F-0C84-333E-3978FA795865}"/>
+                <a16:creationId xmlns:a16="http://schemas.microsoft.com/office/drawing/2014/main" id="{46EFFAEC-17B8-CED3-50E0-762CC5CB98C9}"/>
               </a:ext>
             </a:extLst>
           </p:cNvPr>
-          <p:cNvSpPr>
-            <a:spLocks noGrp="1"/>
-          </p:cNvSpPr>
-          <p:nvPr>
-            <p:ph type="body" idx="1"/>
-          </p:nvPr>
+          <p:cNvSpPr txBox="1"/>
+          <p:nvPr/>
         </p:nvSpPr>
         <p:spPr>
           <a:xfrm>
-            <a:off x="684213" y="3263900"/>
-            <a:ext cx="8535988" cy="1879600"/>
+            <a:off x="1028790" y="2489528"/>
+            <a:ext cx="3400290" cy="969496"/>
           </a:xfrm>
+          <a:prstGeom prst="rect">
+            <a:avLst/>
+          </a:prstGeom>
+          <a:noFill/>
         </p:spPr>
         <p:txBody>
-          <a:bodyPr/>
-          <a:lstStyle/>
-          <a:p>
-            <a:pPr marL="342900" indent="-342900">
+          <a:bodyPr wrap="none" rtlCol="0">
+            <a:spAutoFit/>
+          </a:bodyPr>
+          <a:lstStyle/>
+          <a:p>
+            <a:pPr marL="285750" indent="-285750">
               <a:buFont typeface="Arial" panose="020B0604020202020204" pitchFamily="34" charset="0"/>
               <a:buChar char="•"/>
             </a:pPr>
@@ -8141,23 +8533,69 @@
                   </a:schemeClr>
                 </a:solidFill>
               </a:rPr>
-              <a:t>Info integreren.</a:t>
-            </a:r>
-          </a:p>
-          <a:p>
-            <a:pPr marL="342900" indent="-342900">
+              <a:t>Ai </a:t>
+            </a:r>
+            <a:r>
+              <a:rPr lang="nl-BE" sz="1900" dirty="0">
+                <a:solidFill>
+                  <a:schemeClr val="bg2">
+                    <a:lumMod val="50000"/>
+                  </a:schemeClr>
+                </a:solidFill>
+              </a:rPr>
+              <a:t>tekst </a:t>
+            </a:r>
+            <a:r>
+              <a:rPr lang="nl-BE" sz="1900" dirty="0" err="1">
+                <a:solidFill>
+                  <a:schemeClr val="bg2">
+                    <a:lumMod val="50000"/>
+                  </a:schemeClr>
+                </a:solidFill>
+              </a:rPr>
+              <a:t>to</a:t>
+            </a:r>
+            <a:r>
+              <a:rPr lang="nl-BE" sz="1900" dirty="0">
+                <a:solidFill>
+                  <a:schemeClr val="bg2">
+                    <a:lumMod val="50000"/>
+                  </a:schemeClr>
+                </a:solidFill>
+              </a:rPr>
+              <a:t> speech</a:t>
+            </a:r>
+          </a:p>
+          <a:p>
+            <a:pPr marL="285750" indent="-285750">
               <a:buFont typeface="Arial" panose="020B0604020202020204" pitchFamily="34" charset="0"/>
               <a:buChar char="•"/>
             </a:pPr>
             <a:r>
-              <a:rPr lang="nl-BE" dirty="0">
+              <a:rPr lang="nl-BE" sz="1900" dirty="0">
                 <a:solidFill>
                   <a:schemeClr val="bg2">
                     <a:lumMod val="50000"/>
                   </a:schemeClr>
                 </a:solidFill>
               </a:rPr>
-              <a:t>Voor elke thema 3 minigames</a:t>
+              <a:t>Diavoorstelling van foto's</a:t>
+            </a:r>
+          </a:p>
+          <a:p>
+            <a:pPr marL="285750" indent="-285750">
+              <a:buFont typeface="Arial" panose="020B0604020202020204" pitchFamily="34" charset="0"/>
+              <a:buChar char="•"/>
+            </a:pPr>
+            <a:r>
+              <a:rPr lang="nl-BE" sz="1900" dirty="0">
+                <a:solidFill>
+                  <a:schemeClr val="bg2">
+                    <a:lumMod val="50000"/>
+                  </a:schemeClr>
+                </a:solidFill>
+              </a:rPr>
+              <a:t>1 – 1.30 min</a:t>
             </a:r>
           </a:p>
         </p:txBody>
@@ -8165,7 +8603,7 @@
     </p:spTree>
     <p:extLst>
       <p:ext uri="{BB962C8B-B14F-4D97-AF65-F5344CB8AC3E}">
-        <p14:creationId xmlns:p14="http://schemas.microsoft.com/office/powerpoint/2010/main" val="1249008270"/>
+        <p14:creationId xmlns:p14="http://schemas.microsoft.com/office/powerpoint/2010/main" val="2631689725"/>
       </p:ext>
     </p:extLst>
   </p:cSld>
